--- a/ppt/13_泛型.pptx
+++ b/ppt/13_泛型.pptx
@@ -5,20 +5,21 @@
     <p:sldMasterId id="2147483673" r:id="rId1"/>
   </p:sldMasterIdLst>
   <p:notesMasterIdLst>
-    <p:notesMasterId r:id="rId13"/>
+    <p:notesMasterId r:id="rId14"/>
   </p:notesMasterIdLst>
   <p:sldIdLst>
     <p:sldId id="256" r:id="rId2"/>
     <p:sldId id="257" r:id="rId3"/>
-    <p:sldId id="259" r:id="rId4"/>
-    <p:sldId id="258" r:id="rId5"/>
-    <p:sldId id="261" r:id="rId6"/>
-    <p:sldId id="260" r:id="rId7"/>
-    <p:sldId id="265" r:id="rId8"/>
-    <p:sldId id="262" r:id="rId9"/>
-    <p:sldId id="263" r:id="rId10"/>
-    <p:sldId id="264" r:id="rId11"/>
-    <p:sldId id="266" r:id="rId12"/>
+    <p:sldId id="267" r:id="rId4"/>
+    <p:sldId id="259" r:id="rId5"/>
+    <p:sldId id="258" r:id="rId6"/>
+    <p:sldId id="261" r:id="rId7"/>
+    <p:sldId id="260" r:id="rId8"/>
+    <p:sldId id="265" r:id="rId9"/>
+    <p:sldId id="262" r:id="rId10"/>
+    <p:sldId id="263" r:id="rId11"/>
+    <p:sldId id="264" r:id="rId12"/>
+    <p:sldId id="266" r:id="rId13"/>
   </p:sldIdLst>
   <p:sldSz cx="12192000" cy="6858000"/>
   <p:notesSz cx="6858000" cy="9144000"/>
@@ -207,7 +208,7 @@
           <a:p>
             <a:fld id="{943963C1-2D52-4292-97E6-6C2EEF60B3E0}" type="datetimeFigureOut">
               <a:rPr lang="zh-TW" altLang="en-US" smtClean="0"/>
-              <a:t>2024/8/31</a:t>
+              <a:t>2024/11/3</a:t>
             </a:fld>
             <a:endParaRPr lang="zh-TW" altLang="en-US"/>
           </a:p>
@@ -539,7 +540,7 @@
           <a:p>
             <a:fld id="{78885FE5-E3DE-4ECA-9B8D-267043C41CA6}" type="slidenum">
               <a:rPr lang="zh-TW" altLang="en-US" smtClean="0"/>
-              <a:t>5</a:t>
+              <a:t>6</a:t>
             </a:fld>
             <a:endParaRPr lang="zh-TW" altLang="en-US"/>
           </a:p>
@@ -2335,6 +2336,1875 @@
           <a:chExt cx="0" cy="0"/>
         </a:xfrm>
       </p:grpSpPr>
+      <p:sp>
+        <p:nvSpPr>
+          <p:cNvPr id="2" name="標題 1">
+            <a:extLst>
+              <a:ext uri="{FF2B5EF4-FFF2-40B4-BE49-F238E27FC236}">
+                <a16:creationId xmlns:a16="http://schemas.microsoft.com/office/drawing/2014/main" id="{EA10692D-F427-461D-8475-24332E6F1156}"/>
+              </a:ext>
+            </a:extLst>
+          </p:cNvPr>
+          <p:cNvSpPr>
+            <a:spLocks noGrp="1"/>
+          </p:cNvSpPr>
+          <p:nvPr>
+            <p:ph type="title"/>
+          </p:nvPr>
+        </p:nvSpPr>
+        <p:spPr/>
+        <p:txBody>
+          <a:bodyPr/>
+          <a:lstStyle/>
+          <a:p>
+            <a:r>
+              <a:rPr lang="zh-TW" altLang="en-US"/>
+              <a:t>協變</a:t>
+            </a:r>
+          </a:p>
+        </p:txBody>
+      </p:sp>
+      <p:sp>
+        <p:nvSpPr>
+          <p:cNvPr id="3" name="內容版面配置區 2">
+            <a:extLst>
+              <a:ext uri="{FF2B5EF4-FFF2-40B4-BE49-F238E27FC236}">
+                <a16:creationId xmlns:a16="http://schemas.microsoft.com/office/drawing/2014/main" id="{BFD43F9D-4E6F-4EEF-A1EC-B5548ED17963}"/>
+              </a:ext>
+            </a:extLst>
+          </p:cNvPr>
+          <p:cNvSpPr>
+            <a:spLocks noGrp="1"/>
+          </p:cNvSpPr>
+          <p:nvPr>
+            <p:ph idx="1"/>
+          </p:nvPr>
+        </p:nvSpPr>
+        <p:spPr>
+          <a:xfrm>
+            <a:off x="419100" y="2483224"/>
+            <a:ext cx="3241964" cy="3036140"/>
+          </a:xfrm>
+        </p:spPr>
+        <p:txBody>
+          <a:bodyPr/>
+          <a:lstStyle/>
+          <a:p>
+            <a:r>
+              <a:rPr lang="zh-TW" altLang="en-US"/>
+              <a:t>在右方的程式中</a:t>
+            </a:r>
+            <a:endParaRPr lang="en-US" altLang="zh-TW"/>
+          </a:p>
+          <a:p>
+            <a:r>
+              <a:rPr lang="zh-TW" altLang="en-US"/>
+              <a:t>第一行會編譯失敗</a:t>
+            </a:r>
+            <a:endParaRPr lang="en-US" altLang="zh-TW"/>
+          </a:p>
+          <a:p>
+            <a:r>
+              <a:rPr lang="zh-TW" altLang="en-US"/>
+              <a:t>而第二行則不會</a:t>
+            </a:r>
+            <a:endParaRPr lang="en-US" altLang="zh-TW"/>
+          </a:p>
+          <a:p>
+            <a:r>
+              <a:rPr lang="zh-TW" altLang="en-US"/>
+              <a:t>因為第二行使用了</a:t>
+            </a:r>
+            <a:endParaRPr lang="en-US" altLang="zh-TW"/>
+          </a:p>
+          <a:p>
+            <a:r>
+              <a:rPr lang="zh-TW" altLang="en-US">
+                <a:solidFill>
+                  <a:srgbClr val="00B0F0"/>
+                </a:solidFill>
+              </a:rPr>
+              <a:t>通配型別字元</a:t>
+            </a:r>
+            <a:endParaRPr lang="en-US" altLang="zh-TW">
+              <a:solidFill>
+                <a:srgbClr val="00B0F0"/>
+              </a:solidFill>
+            </a:endParaRPr>
+          </a:p>
+          <a:p>
+            <a:r>
+              <a:rPr lang="zh-TW" altLang="en-US"/>
+              <a:t>讓</a:t>
+            </a:r>
+            <a:r>
+              <a:rPr lang="zh-TW" altLang="en-US">
+                <a:solidFill>
+                  <a:srgbClr val="00B0F0"/>
+                </a:solidFill>
+              </a:rPr>
+              <a:t>泛型</a:t>
+            </a:r>
+            <a:r>
+              <a:rPr lang="zh-TW" altLang="en-US"/>
+              <a:t>具</a:t>
+            </a:r>
+            <a:r>
+              <a:rPr lang="zh-TW" altLang="en-US">
+                <a:solidFill>
+                  <a:srgbClr val="00B0F0"/>
+                </a:solidFill>
+              </a:rPr>
+              <a:t>協變性</a:t>
+            </a:r>
+          </a:p>
+        </p:txBody>
+      </p:sp>
+      <p:grpSp>
+        <p:nvGrpSpPr>
+          <p:cNvPr id="16" name="群組 15">
+            <a:extLst>
+              <a:ext uri="{FF2B5EF4-FFF2-40B4-BE49-F238E27FC236}">
+                <a16:creationId xmlns:a16="http://schemas.microsoft.com/office/drawing/2014/main" id="{F356E24B-FF39-43A9-8ACE-04FBFE9DEBAD}"/>
+              </a:ext>
+            </a:extLst>
+          </p:cNvPr>
+          <p:cNvGrpSpPr/>
+          <p:nvPr/>
+        </p:nvGrpSpPr>
+        <p:grpSpPr>
+          <a:xfrm>
+            <a:off x="3661064" y="1500188"/>
+            <a:ext cx="8111836" cy="4862869"/>
+            <a:chOff x="3241964" y="1500188"/>
+            <a:chExt cx="8111836" cy="4862869"/>
+          </a:xfrm>
+        </p:grpSpPr>
+        <p:sp>
+          <p:nvSpPr>
+            <p:cNvPr id="15" name="矩形 14">
+              <a:extLst>
+                <a:ext uri="{FF2B5EF4-FFF2-40B4-BE49-F238E27FC236}">
+                  <a16:creationId xmlns:a16="http://schemas.microsoft.com/office/drawing/2014/main" id="{B500C329-D2F1-44B1-961C-5B8854AF3FD1}"/>
+                </a:ext>
+              </a:extLst>
+            </p:cNvPr>
+            <p:cNvSpPr/>
+            <p:nvPr/>
+          </p:nvSpPr>
+          <p:spPr>
+            <a:xfrm>
+              <a:off x="7241777" y="4639508"/>
+              <a:ext cx="4112023" cy="1723549"/>
+            </a:xfrm>
+            <a:prstGeom prst="rect">
+              <a:avLst/>
+            </a:prstGeom>
+            <a:solidFill>
+              <a:srgbClr val="1E1F22"/>
+            </a:solidFill>
+            <a:ln>
+              <a:noFill/>
+            </a:ln>
+          </p:spPr>
+          <p:style>
+            <a:lnRef idx="2">
+              <a:schemeClr val="accent1">
+                <a:shade val="50000"/>
+              </a:schemeClr>
+            </a:lnRef>
+            <a:fillRef idx="1">
+              <a:schemeClr val="accent1"/>
+            </a:fillRef>
+            <a:effectRef idx="0">
+              <a:schemeClr val="accent1"/>
+            </a:effectRef>
+            <a:fontRef idx="minor">
+              <a:schemeClr val="lt1"/>
+            </a:fontRef>
+          </p:style>
+          <p:txBody>
+            <a:bodyPr rtlCol="0" anchor="ctr"/>
+            <a:lstStyle/>
+            <a:p>
+              <a:pPr algn="ctr"/>
+              <a:endParaRPr lang="zh-TW" altLang="en-US"/>
+            </a:p>
+          </p:txBody>
+        </p:sp>
+        <p:sp>
+          <p:nvSpPr>
+            <p:cNvPr id="10" name="Rectangle 7">
+              <a:extLst>
+                <a:ext uri="{FF2B5EF4-FFF2-40B4-BE49-F238E27FC236}">
+                  <a16:creationId xmlns:a16="http://schemas.microsoft.com/office/drawing/2014/main" id="{121E23FE-0BC5-4FCD-A482-6F095E7ABFB3}"/>
+                </a:ext>
+              </a:extLst>
+            </p:cNvPr>
+            <p:cNvSpPr>
+              <a:spLocks noChangeArrowheads="1"/>
+            </p:cNvSpPr>
+            <p:nvPr/>
+          </p:nvSpPr>
+          <p:spPr bwMode="auto">
+            <a:xfrm>
+              <a:off x="7241777" y="4054733"/>
+              <a:ext cx="4112023" cy="584775"/>
+            </a:xfrm>
+            <a:prstGeom prst="rect">
+              <a:avLst/>
+            </a:prstGeom>
+            <a:solidFill>
+              <a:srgbClr val="1E1F22"/>
+            </a:solidFill>
+            <a:ln>
+              <a:noFill/>
+            </a:ln>
+            <a:effectLst/>
+            <a:extLst>
+              <a:ext uri="{91240B29-F687-4F45-9708-019B960494DF}">
+                <a14:hiddenLine xmlns:a14="http://schemas.microsoft.com/office/drawing/2010/main" w="9525">
+                  <a:solidFill>
+                    <a:schemeClr val="tx1"/>
+                  </a:solidFill>
+                  <a:miter lim="800000"/>
+                  <a:headEnd/>
+                  <a:tailEnd/>
+                </a14:hiddenLine>
+              </a:ext>
+              <a:ext uri="{AF507438-7753-43E0-B8FC-AC1667EBCBE1}">
+                <a14:hiddenEffects xmlns:a14="http://schemas.microsoft.com/office/drawing/2010/main">
+                  <a:effectLst>
+                    <a:outerShdw dist="35921" dir="2700000" algn="ctr" rotWithShape="0">
+                      <a:schemeClr val="bg2"/>
+                    </a:outerShdw>
+                  </a:effectLst>
+                </a14:hiddenEffects>
+              </a:ext>
+            </a:extLst>
+          </p:spPr>
+          <p:txBody>
+            <a:bodyPr vert="horz" wrap="square" lIns="91440" tIns="45720" rIns="91440" bIns="45720" numCol="1" anchor="ctr" anchorCtr="0" compatLnSpc="1">
+              <a:prstTxWarp prst="textNoShape">
+                <a:avLst/>
+              </a:prstTxWarp>
+              <a:spAutoFit/>
+            </a:bodyPr>
+            <a:lstStyle/>
+            <a:p>
+              <a:pPr marL="0" marR="0" lvl="0" indent="0" algn="l" defTabSz="914400" rtl="0" eaLnBrk="0" fontAlgn="base" latinLnBrk="0" hangingPunct="0">
+                <a:lnSpc>
+                  <a:spcPct val="100000"/>
+                </a:lnSpc>
+                <a:spcBef>
+                  <a:spcPct val="0"/>
+                </a:spcBef>
+                <a:spcAft>
+                  <a:spcPct val="0"/>
+                </a:spcAft>
+                <a:buClrTx/>
+                <a:buSzTx/>
+                <a:buFontTx/>
+                <a:buNone/>
+                <a:tabLst/>
+              </a:pPr>
+              <a:r>
+                <a:rPr kumimoji="0" lang="zh-TW" altLang="zh-TW" sz="1600" b="0" i="0" u="none" strike="noStrike" cap="none" normalizeH="0" baseline="0">
+                  <a:ln>
+                    <a:noFill/>
+                  </a:ln>
+                  <a:solidFill>
+                    <a:srgbClr val="CF8E6D"/>
+                  </a:solidFill>
+                  <a:effectLst/>
+                  <a:latin typeface="+mj-lt"/>
+                  <a:cs typeface="JetBrains Mono" panose="02000009000000000000" pitchFamily="49" charset="0"/>
+                </a:rPr>
+                <a:t>abstract class </a:t>
+              </a:r>
+              <a:r>
+                <a:rPr kumimoji="0" lang="zh-TW" altLang="zh-TW" sz="1600" b="0" i="0" u="none" strike="noStrike" cap="none" normalizeH="0" baseline="0">
+                  <a:ln>
+                    <a:noFill/>
+                  </a:ln>
+                  <a:solidFill>
+                    <a:srgbClr val="BCBEC4"/>
+                  </a:solidFill>
+                  <a:effectLst/>
+                  <a:latin typeface="+mj-lt"/>
+                  <a:cs typeface="JetBrains Mono" panose="02000009000000000000" pitchFamily="49" charset="0"/>
+                </a:rPr>
+                <a:t>Aircraft {</a:t>
+              </a:r>
+              <a:br>
+                <a:rPr kumimoji="0" lang="zh-TW" altLang="zh-TW" sz="1600" b="0" i="0" u="none" strike="noStrike" cap="none" normalizeH="0" baseline="0">
+                  <a:ln>
+                    <a:noFill/>
+                  </a:ln>
+                  <a:solidFill>
+                    <a:srgbClr val="BCBEC4"/>
+                  </a:solidFill>
+                  <a:effectLst/>
+                  <a:latin typeface="+mj-lt"/>
+                  <a:cs typeface="JetBrains Mono" panose="02000009000000000000" pitchFamily="49" charset="0"/>
+                </a:rPr>
+              </a:br>
+              <a:r>
+                <a:rPr kumimoji="0" lang="zh-TW" altLang="zh-TW" sz="1600" b="0" i="0" u="none" strike="noStrike" cap="none" normalizeH="0" baseline="0">
+                  <a:ln>
+                    <a:noFill/>
+                  </a:ln>
+                  <a:solidFill>
+                    <a:srgbClr val="BCBEC4"/>
+                  </a:solidFill>
+                  <a:effectLst/>
+                  <a:latin typeface="+mj-lt"/>
+                  <a:cs typeface="JetBrains Mono" panose="02000009000000000000" pitchFamily="49" charset="0"/>
+                </a:rPr>
+                <a:t>}</a:t>
+              </a:r>
+              <a:endParaRPr kumimoji="0" lang="zh-TW" altLang="zh-TW" sz="2400" b="0" i="0" u="none" strike="noStrike" cap="none" normalizeH="0" baseline="0">
+                <a:ln>
+                  <a:noFill/>
+                </a:ln>
+                <a:solidFill>
+                  <a:schemeClr val="tx1"/>
+                </a:solidFill>
+                <a:effectLst/>
+                <a:latin typeface="+mj-lt"/>
+              </a:endParaRPr>
+            </a:p>
+          </p:txBody>
+        </p:sp>
+        <p:sp>
+          <p:nvSpPr>
+            <p:cNvPr id="11" name="Rectangle 8">
+              <a:extLst>
+                <a:ext uri="{FF2B5EF4-FFF2-40B4-BE49-F238E27FC236}">
+                  <a16:creationId xmlns:a16="http://schemas.microsoft.com/office/drawing/2014/main" id="{5E660827-0A3F-4EF6-BB9E-EA159B10102B}"/>
+                </a:ext>
+              </a:extLst>
+            </p:cNvPr>
+            <p:cNvSpPr>
+              <a:spLocks noChangeArrowheads="1"/>
+            </p:cNvSpPr>
+            <p:nvPr/>
+          </p:nvSpPr>
+          <p:spPr bwMode="auto">
+            <a:xfrm>
+              <a:off x="7241777" y="5114568"/>
+              <a:ext cx="4112023" cy="584775"/>
+            </a:xfrm>
+            <a:prstGeom prst="rect">
+              <a:avLst/>
+            </a:prstGeom>
+            <a:solidFill>
+              <a:srgbClr val="1E1F22"/>
+            </a:solidFill>
+            <a:ln>
+              <a:noFill/>
+            </a:ln>
+            <a:effectLst/>
+            <a:extLst>
+              <a:ext uri="{91240B29-F687-4F45-9708-019B960494DF}">
+                <a14:hiddenLine xmlns:a14="http://schemas.microsoft.com/office/drawing/2010/main" w="9525">
+                  <a:solidFill>
+                    <a:schemeClr val="tx1"/>
+                  </a:solidFill>
+                  <a:miter lim="800000"/>
+                  <a:headEnd/>
+                  <a:tailEnd/>
+                </a14:hiddenLine>
+              </a:ext>
+              <a:ext uri="{AF507438-7753-43E0-B8FC-AC1667EBCBE1}">
+                <a14:hiddenEffects xmlns:a14="http://schemas.microsoft.com/office/drawing/2010/main">
+                  <a:effectLst>
+                    <a:outerShdw dist="35921" dir="2700000" algn="ctr" rotWithShape="0">
+                      <a:schemeClr val="bg2"/>
+                    </a:outerShdw>
+                  </a:effectLst>
+                </a14:hiddenEffects>
+              </a:ext>
+            </a:extLst>
+          </p:spPr>
+          <p:txBody>
+            <a:bodyPr vert="horz" wrap="none" lIns="91440" tIns="45720" rIns="91440" bIns="45720" numCol="1" anchor="ctr" anchorCtr="0" compatLnSpc="1">
+              <a:prstTxWarp prst="textNoShape">
+                <a:avLst/>
+              </a:prstTxWarp>
+              <a:spAutoFit/>
+            </a:bodyPr>
+            <a:lstStyle/>
+            <a:p>
+              <a:pPr marL="0" marR="0" lvl="0" indent="0" algn="l" defTabSz="914400" rtl="0" eaLnBrk="0" fontAlgn="base" latinLnBrk="0" hangingPunct="0">
+                <a:lnSpc>
+                  <a:spcPct val="100000"/>
+                </a:lnSpc>
+                <a:spcBef>
+                  <a:spcPct val="0"/>
+                </a:spcBef>
+                <a:spcAft>
+                  <a:spcPct val="0"/>
+                </a:spcAft>
+                <a:buClrTx/>
+                <a:buSzTx/>
+                <a:buFontTx/>
+                <a:buNone/>
+                <a:tabLst/>
+              </a:pPr>
+              <a:r>
+                <a:rPr kumimoji="0" lang="zh-TW" altLang="zh-TW" sz="1600" b="0" i="0" u="none" strike="noStrike" cap="none" normalizeH="0" baseline="0">
+                  <a:ln>
+                    <a:noFill/>
+                  </a:ln>
+                  <a:solidFill>
+                    <a:srgbClr val="CF8E6D"/>
+                  </a:solidFill>
+                  <a:effectLst/>
+                  <a:latin typeface="+mj-lt"/>
+                  <a:cs typeface="JetBrains Mono" panose="02000009000000000000" pitchFamily="49" charset="0"/>
+                </a:rPr>
+                <a:t>class </a:t>
+              </a:r>
+              <a:r>
+                <a:rPr kumimoji="0" lang="zh-TW" altLang="zh-TW" sz="1600" b="0" i="0" u="none" strike="noStrike" cap="none" normalizeH="0" baseline="0">
+                  <a:ln>
+                    <a:noFill/>
+                  </a:ln>
+                  <a:solidFill>
+                    <a:srgbClr val="BCBEC4"/>
+                  </a:solidFill>
+                  <a:effectLst/>
+                  <a:latin typeface="+mj-lt"/>
+                  <a:cs typeface="JetBrains Mono" panose="02000009000000000000" pitchFamily="49" charset="0"/>
+                </a:rPr>
+                <a:t>Helicopter </a:t>
+              </a:r>
+              <a:r>
+                <a:rPr kumimoji="0" lang="zh-TW" altLang="zh-TW" sz="1600" b="0" i="0" u="none" strike="noStrike" cap="none" normalizeH="0" baseline="0">
+                  <a:ln>
+                    <a:noFill/>
+                  </a:ln>
+                  <a:solidFill>
+                    <a:srgbClr val="CF8E6D"/>
+                  </a:solidFill>
+                  <a:effectLst/>
+                  <a:latin typeface="+mj-lt"/>
+                  <a:cs typeface="JetBrains Mono" panose="02000009000000000000" pitchFamily="49" charset="0"/>
+                </a:rPr>
+                <a:t>extends </a:t>
+              </a:r>
+              <a:r>
+                <a:rPr kumimoji="0" lang="zh-TW" altLang="zh-TW" sz="1600" b="0" i="0" u="none" strike="noStrike" cap="none" normalizeH="0" baseline="0">
+                  <a:ln>
+                    <a:noFill/>
+                  </a:ln>
+                  <a:solidFill>
+                    <a:srgbClr val="BCBEC4"/>
+                  </a:solidFill>
+                  <a:effectLst/>
+                  <a:latin typeface="+mj-lt"/>
+                  <a:cs typeface="JetBrains Mono" panose="02000009000000000000" pitchFamily="49" charset="0"/>
+                </a:rPr>
+                <a:t>Aircraft {</a:t>
+              </a:r>
+              <a:br>
+                <a:rPr kumimoji="0" lang="zh-TW" altLang="zh-TW" sz="1600" b="0" i="0" u="none" strike="noStrike" cap="none" normalizeH="0" baseline="0">
+                  <a:ln>
+                    <a:noFill/>
+                  </a:ln>
+                  <a:solidFill>
+                    <a:srgbClr val="BCBEC4"/>
+                  </a:solidFill>
+                  <a:effectLst/>
+                  <a:latin typeface="+mj-lt"/>
+                  <a:cs typeface="JetBrains Mono" panose="02000009000000000000" pitchFamily="49" charset="0"/>
+                </a:rPr>
+              </a:br>
+              <a:r>
+                <a:rPr kumimoji="0" lang="zh-TW" altLang="zh-TW" sz="1600" b="0" i="0" u="none" strike="noStrike" cap="none" normalizeH="0" baseline="0">
+                  <a:ln>
+                    <a:noFill/>
+                  </a:ln>
+                  <a:solidFill>
+                    <a:srgbClr val="BCBEC4"/>
+                  </a:solidFill>
+                  <a:effectLst/>
+                  <a:latin typeface="+mj-lt"/>
+                  <a:cs typeface="JetBrains Mono" panose="02000009000000000000" pitchFamily="49" charset="0"/>
+                </a:rPr>
+                <a:t>}</a:t>
+              </a:r>
+              <a:endParaRPr kumimoji="0" lang="zh-TW" altLang="zh-TW" sz="2400" b="0" i="0" u="none" strike="noStrike" cap="none" normalizeH="0" baseline="0">
+                <a:ln>
+                  <a:noFill/>
+                </a:ln>
+                <a:solidFill>
+                  <a:schemeClr val="tx1"/>
+                </a:solidFill>
+                <a:effectLst/>
+                <a:latin typeface="+mj-lt"/>
+              </a:endParaRPr>
+            </a:p>
+          </p:txBody>
+        </p:sp>
+        <p:sp>
+          <p:nvSpPr>
+            <p:cNvPr id="12" name="Rectangle 9">
+              <a:extLst>
+                <a:ext uri="{FF2B5EF4-FFF2-40B4-BE49-F238E27FC236}">
+                  <a16:creationId xmlns:a16="http://schemas.microsoft.com/office/drawing/2014/main" id="{3A85BE82-E016-4DD3-A25E-68DF733639DC}"/>
+                </a:ext>
+              </a:extLst>
+            </p:cNvPr>
+            <p:cNvSpPr>
+              <a:spLocks noChangeArrowheads="1"/>
+            </p:cNvSpPr>
+            <p:nvPr/>
+          </p:nvSpPr>
+          <p:spPr bwMode="auto">
+            <a:xfrm>
+              <a:off x="3241964" y="1500188"/>
+              <a:ext cx="8111836" cy="2554545"/>
+            </a:xfrm>
+            <a:prstGeom prst="rect">
+              <a:avLst/>
+            </a:prstGeom>
+            <a:solidFill>
+              <a:srgbClr val="1E1F22"/>
+            </a:solidFill>
+            <a:ln>
+              <a:noFill/>
+            </a:ln>
+            <a:effectLst/>
+            <a:extLst>
+              <a:ext uri="{91240B29-F687-4F45-9708-019B960494DF}">
+                <a14:hiddenLine xmlns:a14="http://schemas.microsoft.com/office/drawing/2010/main" w="9525">
+                  <a:solidFill>
+                    <a:schemeClr val="tx1"/>
+                  </a:solidFill>
+                  <a:miter lim="800000"/>
+                  <a:headEnd/>
+                  <a:tailEnd/>
+                </a14:hiddenLine>
+              </a:ext>
+              <a:ext uri="{AF507438-7753-43E0-B8FC-AC1667EBCBE1}">
+                <a14:hiddenEffects xmlns:a14="http://schemas.microsoft.com/office/drawing/2010/main">
+                  <a:effectLst>
+                    <a:outerShdw dist="35921" dir="2700000" algn="ctr" rotWithShape="0">
+                      <a:schemeClr val="bg2"/>
+                    </a:outerShdw>
+                  </a:effectLst>
+                </a14:hiddenEffects>
+              </a:ext>
+            </a:extLst>
+          </p:spPr>
+          <p:txBody>
+            <a:bodyPr vert="horz" wrap="square" lIns="91440" tIns="45720" rIns="91440" bIns="45720" numCol="1" anchor="ctr" anchorCtr="0" compatLnSpc="1">
+              <a:prstTxWarp prst="textNoShape">
+                <a:avLst/>
+              </a:prstTxWarp>
+              <a:spAutoFit/>
+            </a:bodyPr>
+            <a:lstStyle/>
+            <a:p>
+              <a:pPr marL="0" marR="0" lvl="0" indent="0" algn="l" defTabSz="914400" rtl="0" eaLnBrk="0" fontAlgn="base" latinLnBrk="0" hangingPunct="0">
+                <a:lnSpc>
+                  <a:spcPct val="100000"/>
+                </a:lnSpc>
+                <a:spcBef>
+                  <a:spcPct val="0"/>
+                </a:spcBef>
+                <a:spcAft>
+                  <a:spcPct val="0"/>
+                </a:spcAft>
+                <a:buClrTx/>
+                <a:buSzTx/>
+                <a:buFontTx/>
+                <a:buNone/>
+                <a:tabLst/>
+              </a:pPr>
+              <a:r>
+                <a:rPr kumimoji="0" lang="zh-TW" altLang="zh-TW" sz="1600" b="0" i="0" u="none" strike="noStrike" cap="none" normalizeH="0" baseline="0">
+                  <a:ln>
+                    <a:noFill/>
+                  </a:ln>
+                  <a:solidFill>
+                    <a:srgbClr val="CF8E6D"/>
+                  </a:solidFill>
+                  <a:effectLst/>
+                  <a:latin typeface="+mj-lt"/>
+                  <a:cs typeface="JetBrains Mono" panose="02000009000000000000" pitchFamily="49" charset="0"/>
+                </a:rPr>
+                <a:t>public class </a:t>
+              </a:r>
+              <a:r>
+                <a:rPr kumimoji="0" lang="zh-TW" altLang="zh-TW" sz="1600" b="0" i="0" u="none" strike="noStrike" cap="none" normalizeH="0" baseline="0">
+                  <a:ln>
+                    <a:noFill/>
+                  </a:ln>
+                  <a:solidFill>
+                    <a:srgbClr val="BCBEC4"/>
+                  </a:solidFill>
+                  <a:effectLst/>
+                  <a:latin typeface="+mj-lt"/>
+                  <a:cs typeface="JetBrains Mono" panose="02000009000000000000" pitchFamily="49" charset="0"/>
+                </a:rPr>
+                <a:t>Main {</a:t>
+              </a:r>
+              <a:br>
+                <a:rPr kumimoji="0" lang="zh-TW" altLang="zh-TW" sz="1600" b="0" i="0" u="none" strike="noStrike" cap="none" normalizeH="0" baseline="0">
+                  <a:ln>
+                    <a:noFill/>
+                  </a:ln>
+                  <a:solidFill>
+                    <a:srgbClr val="BCBEC4"/>
+                  </a:solidFill>
+                  <a:effectLst/>
+                  <a:latin typeface="+mj-lt"/>
+                  <a:cs typeface="JetBrains Mono" panose="02000009000000000000" pitchFamily="49" charset="0"/>
+                </a:rPr>
+              </a:br>
+              <a:r>
+                <a:rPr kumimoji="0" lang="zh-TW" altLang="zh-TW" sz="1600" b="0" i="0" u="none" strike="noStrike" cap="none" normalizeH="0" baseline="0">
+                  <a:ln>
+                    <a:noFill/>
+                  </a:ln>
+                  <a:solidFill>
+                    <a:srgbClr val="BCBEC4"/>
+                  </a:solidFill>
+                  <a:effectLst/>
+                  <a:latin typeface="+mj-lt"/>
+                  <a:cs typeface="JetBrains Mono" panose="02000009000000000000" pitchFamily="49" charset="0"/>
+                </a:rPr>
+                <a:t>    </a:t>
+              </a:r>
+              <a:r>
+                <a:rPr kumimoji="0" lang="zh-TW" altLang="zh-TW" sz="1600" b="0" i="0" u="none" strike="noStrike" cap="none" normalizeH="0" baseline="0">
+                  <a:ln>
+                    <a:noFill/>
+                  </a:ln>
+                  <a:solidFill>
+                    <a:srgbClr val="CF8E6D"/>
+                  </a:solidFill>
+                  <a:effectLst/>
+                  <a:latin typeface="+mj-lt"/>
+                  <a:cs typeface="JetBrains Mono" panose="02000009000000000000" pitchFamily="49" charset="0"/>
+                </a:rPr>
+                <a:t>public static void </a:t>
+              </a:r>
+              <a:r>
+                <a:rPr kumimoji="0" lang="zh-TW" altLang="zh-TW" sz="1600" b="0" i="0" u="none" strike="noStrike" cap="none" normalizeH="0" baseline="0">
+                  <a:ln>
+                    <a:noFill/>
+                  </a:ln>
+                  <a:solidFill>
+                    <a:srgbClr val="56A8F5"/>
+                  </a:solidFill>
+                  <a:effectLst/>
+                  <a:latin typeface="+mj-lt"/>
+                  <a:cs typeface="JetBrains Mono" panose="02000009000000000000" pitchFamily="49" charset="0"/>
+                </a:rPr>
+                <a:t>main</a:t>
+              </a:r>
+              <a:r>
+                <a:rPr kumimoji="0" lang="zh-TW" altLang="zh-TW" sz="1600" b="0" i="0" u="none" strike="noStrike" cap="none" normalizeH="0" baseline="0">
+                  <a:ln>
+                    <a:noFill/>
+                  </a:ln>
+                  <a:solidFill>
+                    <a:srgbClr val="BCBEC4"/>
+                  </a:solidFill>
+                  <a:effectLst/>
+                  <a:latin typeface="+mj-lt"/>
+                  <a:cs typeface="JetBrains Mono" panose="02000009000000000000" pitchFamily="49" charset="0"/>
+                </a:rPr>
+                <a:t>(String[] args) {</a:t>
+              </a:r>
+              <a:br>
+                <a:rPr kumimoji="0" lang="zh-TW" altLang="zh-TW" sz="1600" b="0" i="0" u="none" strike="noStrike" cap="none" normalizeH="0" baseline="0">
+                  <a:ln>
+                    <a:noFill/>
+                  </a:ln>
+                  <a:solidFill>
+                    <a:srgbClr val="BCBEC4"/>
+                  </a:solidFill>
+                  <a:effectLst/>
+                  <a:latin typeface="+mj-lt"/>
+                  <a:cs typeface="JetBrains Mono" panose="02000009000000000000" pitchFamily="49" charset="0"/>
+                </a:rPr>
+              </a:br>
+              <a:r>
+                <a:rPr kumimoji="0" lang="zh-TW" altLang="zh-TW" sz="1600" b="0" i="0" u="none" strike="noStrike" cap="none" normalizeH="0" baseline="0">
+                  <a:ln>
+                    <a:noFill/>
+                  </a:ln>
+                  <a:solidFill>
+                    <a:srgbClr val="BCBEC4"/>
+                  </a:solidFill>
+                  <a:effectLst/>
+                  <a:latin typeface="+mj-lt"/>
+                  <a:cs typeface="JetBrains Mono" panose="02000009000000000000" pitchFamily="49" charset="0"/>
+                </a:rPr>
+                <a:t>        Pair&lt;Integer, Aircraft&gt; pair1 =</a:t>
+              </a:r>
+              <a:br>
+                <a:rPr kumimoji="0" lang="zh-TW" altLang="zh-TW" sz="1600" b="0" i="0" u="none" strike="noStrike" cap="none" normalizeH="0" baseline="0">
+                  <a:ln>
+                    <a:noFill/>
+                  </a:ln>
+                  <a:solidFill>
+                    <a:srgbClr val="BCBEC4"/>
+                  </a:solidFill>
+                  <a:effectLst/>
+                  <a:latin typeface="+mj-lt"/>
+                  <a:cs typeface="JetBrains Mono" panose="02000009000000000000" pitchFamily="49" charset="0"/>
+                </a:rPr>
+              </a:br>
+              <a:r>
+                <a:rPr kumimoji="0" lang="zh-TW" altLang="zh-TW" sz="1600" b="0" i="0" u="none" strike="noStrike" cap="none" normalizeH="0" baseline="0">
+                  <a:ln>
+                    <a:noFill/>
+                  </a:ln>
+                  <a:solidFill>
+                    <a:srgbClr val="BCBEC4"/>
+                  </a:solidFill>
+                  <a:effectLst/>
+                  <a:latin typeface="+mj-lt"/>
+                  <a:cs typeface="JetBrains Mono" panose="02000009000000000000" pitchFamily="49" charset="0"/>
+                </a:rPr>
+                <a:t>                </a:t>
+              </a:r>
+              <a:r>
+                <a:rPr kumimoji="0" lang="zh-TW" altLang="zh-TW" sz="1600" b="0" i="0" u="none" strike="noStrike" cap="none" normalizeH="0" baseline="0">
+                  <a:ln>
+                    <a:noFill/>
+                  </a:ln>
+                  <a:solidFill>
+                    <a:srgbClr val="CF8E6D"/>
+                  </a:solidFill>
+                  <a:effectLst/>
+                  <a:latin typeface="+mj-lt"/>
+                  <a:cs typeface="JetBrains Mono" panose="02000009000000000000" pitchFamily="49" charset="0"/>
+                </a:rPr>
+                <a:t>new </a:t>
+              </a:r>
+              <a:r>
+                <a:rPr kumimoji="0" lang="zh-TW" altLang="zh-TW" sz="1600" b="0" i="0" u="none" strike="noStrike" cap="none" normalizeH="0" baseline="0">
+                  <a:ln>
+                    <a:noFill/>
+                  </a:ln>
+                  <a:solidFill>
+                    <a:srgbClr val="BCBEC4"/>
+                  </a:solidFill>
+                  <a:effectLst/>
+                  <a:latin typeface="+mj-lt"/>
+                  <a:cs typeface="JetBrains Mono" panose="02000009000000000000" pitchFamily="49" charset="0"/>
+                </a:rPr>
+                <a:t>Pair&lt;Integer, Helicopter&gt;(</a:t>
+              </a:r>
+              <a:r>
+                <a:rPr kumimoji="0" lang="zh-TW" altLang="zh-TW" sz="1600" b="0" i="0" u="none" strike="noStrike" cap="none" normalizeH="0" baseline="0">
+                  <a:ln>
+                    <a:noFill/>
+                  </a:ln>
+                  <a:solidFill>
+                    <a:srgbClr val="2AACB8"/>
+                  </a:solidFill>
+                  <a:effectLst/>
+                  <a:latin typeface="+mj-lt"/>
+                  <a:cs typeface="JetBrains Mono" panose="02000009000000000000" pitchFamily="49" charset="0"/>
+                </a:rPr>
+                <a:t>1</a:t>
+              </a:r>
+              <a:r>
+                <a:rPr kumimoji="0" lang="zh-TW" altLang="zh-TW" sz="1600" b="0" i="0" u="none" strike="noStrike" cap="none" normalizeH="0" baseline="0">
+                  <a:ln>
+                    <a:noFill/>
+                  </a:ln>
+                  <a:solidFill>
+                    <a:srgbClr val="BCBEC4"/>
+                  </a:solidFill>
+                  <a:effectLst/>
+                  <a:latin typeface="+mj-lt"/>
+                  <a:cs typeface="JetBrains Mono" panose="02000009000000000000" pitchFamily="49" charset="0"/>
+                </a:rPr>
+                <a:t>, </a:t>
+              </a:r>
+              <a:r>
+                <a:rPr kumimoji="0" lang="zh-TW" altLang="zh-TW" sz="1600" b="0" i="0" u="none" strike="noStrike" cap="none" normalizeH="0" baseline="0">
+                  <a:ln>
+                    <a:noFill/>
+                  </a:ln>
+                  <a:solidFill>
+                    <a:srgbClr val="CF8E6D"/>
+                  </a:solidFill>
+                  <a:effectLst/>
+                  <a:latin typeface="+mj-lt"/>
+                  <a:cs typeface="JetBrains Mono" panose="02000009000000000000" pitchFamily="49" charset="0"/>
+                </a:rPr>
+                <a:t>new </a:t>
+              </a:r>
+              <a:r>
+                <a:rPr kumimoji="0" lang="zh-TW" altLang="zh-TW" sz="1600" b="0" i="0" u="none" strike="noStrike" cap="none" normalizeH="0" baseline="0">
+                  <a:ln>
+                    <a:noFill/>
+                  </a:ln>
+                  <a:solidFill>
+                    <a:srgbClr val="BCBEC4"/>
+                  </a:solidFill>
+                  <a:effectLst/>
+                  <a:latin typeface="+mj-lt"/>
+                  <a:cs typeface="JetBrains Mono" panose="02000009000000000000" pitchFamily="49" charset="0"/>
+                </a:rPr>
+                <a:t>Helicopter());</a:t>
+              </a:r>
+              <a:br>
+                <a:rPr kumimoji="0" lang="zh-TW" altLang="zh-TW" sz="1600" b="0" i="0" u="none" strike="noStrike" cap="none" normalizeH="0" baseline="0">
+                  <a:ln>
+                    <a:noFill/>
+                  </a:ln>
+                  <a:solidFill>
+                    <a:srgbClr val="BCBEC4"/>
+                  </a:solidFill>
+                  <a:effectLst/>
+                  <a:latin typeface="+mj-lt"/>
+                  <a:cs typeface="JetBrains Mono" panose="02000009000000000000" pitchFamily="49" charset="0"/>
+                </a:rPr>
+              </a:br>
+              <a:r>
+                <a:rPr kumimoji="0" lang="zh-TW" altLang="zh-TW" sz="1600" b="0" i="0" u="none" strike="noStrike" cap="none" normalizeH="0" baseline="0">
+                  <a:ln>
+                    <a:noFill/>
+                  </a:ln>
+                  <a:solidFill>
+                    <a:srgbClr val="BCBEC4"/>
+                  </a:solidFill>
+                  <a:effectLst/>
+                  <a:latin typeface="+mj-lt"/>
+                  <a:cs typeface="JetBrains Mono" panose="02000009000000000000" pitchFamily="49" charset="0"/>
+                </a:rPr>
+                <a:t>        </a:t>
+              </a:r>
+              <a:r>
+                <a:rPr kumimoji="0" lang="zh-TW" altLang="zh-TW" sz="1600" b="0" i="0" u="none" strike="noStrike" cap="none" normalizeH="0" baseline="0">
+                  <a:ln>
+                    <a:noFill/>
+                  </a:ln>
+                  <a:solidFill>
+                    <a:srgbClr val="7A7E85"/>
+                  </a:solidFill>
+                  <a:effectLst/>
+                  <a:latin typeface="+mj-lt"/>
+                  <a:cs typeface="JetBrains Mono" panose="02000009000000000000" pitchFamily="49" charset="0"/>
+                </a:rPr>
+                <a:t>// incompatible types: Pair&lt;java.lang.Integer,Helicopter&gt;</a:t>
+              </a:r>
+              <a:br>
+                <a:rPr kumimoji="0" lang="zh-TW" altLang="zh-TW" sz="1600" b="0" i="0" u="none" strike="noStrike" cap="none" normalizeH="0" baseline="0">
+                  <a:ln>
+                    <a:noFill/>
+                  </a:ln>
+                  <a:solidFill>
+                    <a:srgbClr val="7A7E85"/>
+                  </a:solidFill>
+                  <a:effectLst/>
+                  <a:latin typeface="+mj-lt"/>
+                  <a:cs typeface="JetBrains Mono" panose="02000009000000000000" pitchFamily="49" charset="0"/>
+                </a:rPr>
+              </a:br>
+              <a:r>
+                <a:rPr kumimoji="0" lang="zh-TW" altLang="zh-TW" sz="1600" b="0" i="0" u="none" strike="noStrike" cap="none" normalizeH="0" baseline="0">
+                  <a:ln>
+                    <a:noFill/>
+                  </a:ln>
+                  <a:solidFill>
+                    <a:srgbClr val="7A7E85"/>
+                  </a:solidFill>
+                  <a:effectLst/>
+                  <a:latin typeface="+mj-lt"/>
+                  <a:cs typeface="JetBrains Mono" panose="02000009000000000000" pitchFamily="49" charset="0"/>
+                </a:rPr>
+                <a:t>        // cannot be converted to Pair&lt;java.lang.Integer,Aircraft&gt;</a:t>
+              </a:r>
+              <a:br>
+                <a:rPr kumimoji="0" lang="zh-TW" altLang="zh-TW" sz="1600" b="0" i="0" u="none" strike="noStrike" cap="none" normalizeH="0" baseline="0">
+                  <a:ln>
+                    <a:noFill/>
+                  </a:ln>
+                  <a:solidFill>
+                    <a:srgbClr val="7A7E85"/>
+                  </a:solidFill>
+                  <a:effectLst/>
+                  <a:latin typeface="+mj-lt"/>
+                  <a:cs typeface="JetBrains Mono" panose="02000009000000000000" pitchFamily="49" charset="0"/>
+                </a:rPr>
+              </a:br>
+              <a:r>
+                <a:rPr kumimoji="0" lang="zh-TW" altLang="zh-TW" sz="1600" b="0" i="0" u="none" strike="noStrike" cap="none" normalizeH="0" baseline="0">
+                  <a:ln>
+                    <a:noFill/>
+                  </a:ln>
+                  <a:solidFill>
+                    <a:srgbClr val="7A7E85"/>
+                  </a:solidFill>
+                  <a:effectLst/>
+                  <a:latin typeface="+mj-lt"/>
+                  <a:cs typeface="JetBrains Mono" panose="02000009000000000000" pitchFamily="49" charset="0"/>
+                </a:rPr>
+                <a:t>        </a:t>
+              </a:r>
+              <a:r>
+                <a:rPr kumimoji="0" lang="zh-TW" altLang="zh-TW" sz="1600" b="0" i="0" u="none" strike="noStrike" cap="none" normalizeH="0" baseline="0">
+                  <a:ln>
+                    <a:noFill/>
+                  </a:ln>
+                  <a:solidFill>
+                    <a:srgbClr val="BCBEC4"/>
+                  </a:solidFill>
+                  <a:effectLst/>
+                  <a:latin typeface="+mj-lt"/>
+                  <a:cs typeface="JetBrains Mono" panose="02000009000000000000" pitchFamily="49" charset="0"/>
+                </a:rPr>
+                <a:t>Pair&lt;Integer, ? </a:t>
+              </a:r>
+              <a:r>
+                <a:rPr kumimoji="0" lang="zh-TW" altLang="zh-TW" sz="1600" b="0" i="0" u="none" strike="noStrike" cap="none" normalizeH="0" baseline="0">
+                  <a:ln>
+                    <a:noFill/>
+                  </a:ln>
+                  <a:solidFill>
+                    <a:srgbClr val="CF8E6D"/>
+                  </a:solidFill>
+                  <a:effectLst/>
+                  <a:latin typeface="+mj-lt"/>
+                  <a:cs typeface="JetBrains Mono" panose="02000009000000000000" pitchFamily="49" charset="0"/>
+                </a:rPr>
+                <a:t>extends </a:t>
+              </a:r>
+              <a:r>
+                <a:rPr kumimoji="0" lang="zh-TW" altLang="zh-TW" sz="1600" b="0" i="0" u="none" strike="noStrike" cap="none" normalizeH="0" baseline="0">
+                  <a:ln>
+                    <a:noFill/>
+                  </a:ln>
+                  <a:solidFill>
+                    <a:srgbClr val="BCBEC4"/>
+                  </a:solidFill>
+                  <a:effectLst/>
+                  <a:latin typeface="+mj-lt"/>
+                  <a:cs typeface="JetBrains Mono" panose="02000009000000000000" pitchFamily="49" charset="0"/>
+                </a:rPr>
+                <a:t>Aircraft&gt; pair2 =</a:t>
+              </a:r>
+              <a:br>
+                <a:rPr kumimoji="0" lang="zh-TW" altLang="zh-TW" sz="1600" b="0" i="0" u="none" strike="noStrike" cap="none" normalizeH="0" baseline="0">
+                  <a:ln>
+                    <a:noFill/>
+                  </a:ln>
+                  <a:solidFill>
+                    <a:srgbClr val="BCBEC4"/>
+                  </a:solidFill>
+                  <a:effectLst/>
+                  <a:latin typeface="+mj-lt"/>
+                  <a:cs typeface="JetBrains Mono" panose="02000009000000000000" pitchFamily="49" charset="0"/>
+                </a:rPr>
+              </a:br>
+              <a:r>
+                <a:rPr kumimoji="0" lang="zh-TW" altLang="zh-TW" sz="1600" b="0" i="0" u="none" strike="noStrike" cap="none" normalizeH="0" baseline="0">
+                  <a:ln>
+                    <a:noFill/>
+                  </a:ln>
+                  <a:solidFill>
+                    <a:srgbClr val="BCBEC4"/>
+                  </a:solidFill>
+                  <a:effectLst/>
+                  <a:latin typeface="+mj-lt"/>
+                  <a:cs typeface="JetBrains Mono" panose="02000009000000000000" pitchFamily="49" charset="0"/>
+                </a:rPr>
+                <a:t>                </a:t>
+              </a:r>
+              <a:r>
+                <a:rPr kumimoji="0" lang="zh-TW" altLang="zh-TW" sz="1600" b="0" i="0" u="none" strike="noStrike" cap="none" normalizeH="0" baseline="0">
+                  <a:ln>
+                    <a:noFill/>
+                  </a:ln>
+                  <a:solidFill>
+                    <a:srgbClr val="CF8E6D"/>
+                  </a:solidFill>
+                  <a:effectLst/>
+                  <a:latin typeface="+mj-lt"/>
+                  <a:cs typeface="JetBrains Mono" panose="02000009000000000000" pitchFamily="49" charset="0"/>
+                </a:rPr>
+                <a:t>new </a:t>
+              </a:r>
+              <a:r>
+                <a:rPr kumimoji="0" lang="zh-TW" altLang="zh-TW" sz="1600" b="0" i="0" u="none" strike="noStrike" cap="none" normalizeH="0" baseline="0">
+                  <a:ln>
+                    <a:noFill/>
+                  </a:ln>
+                  <a:solidFill>
+                    <a:srgbClr val="BCBEC4"/>
+                  </a:solidFill>
+                  <a:effectLst/>
+                  <a:latin typeface="+mj-lt"/>
+                  <a:cs typeface="JetBrains Mono" panose="02000009000000000000" pitchFamily="49" charset="0"/>
+                </a:rPr>
+                <a:t>Pair&lt;Integer, Helicopter&gt;(</a:t>
+              </a:r>
+              <a:r>
+                <a:rPr kumimoji="0" lang="zh-TW" altLang="zh-TW" sz="1600" b="0" i="0" u="none" strike="noStrike" cap="none" normalizeH="0" baseline="0">
+                  <a:ln>
+                    <a:noFill/>
+                  </a:ln>
+                  <a:solidFill>
+                    <a:srgbClr val="2AACB8"/>
+                  </a:solidFill>
+                  <a:effectLst/>
+                  <a:latin typeface="+mj-lt"/>
+                  <a:cs typeface="JetBrains Mono" panose="02000009000000000000" pitchFamily="49" charset="0"/>
+                </a:rPr>
+                <a:t>2</a:t>
+              </a:r>
+              <a:r>
+                <a:rPr kumimoji="0" lang="zh-TW" altLang="zh-TW" sz="1600" b="0" i="0" u="none" strike="noStrike" cap="none" normalizeH="0" baseline="0">
+                  <a:ln>
+                    <a:noFill/>
+                  </a:ln>
+                  <a:solidFill>
+                    <a:srgbClr val="BCBEC4"/>
+                  </a:solidFill>
+                  <a:effectLst/>
+                  <a:latin typeface="+mj-lt"/>
+                  <a:cs typeface="JetBrains Mono" panose="02000009000000000000" pitchFamily="49" charset="0"/>
+                </a:rPr>
+                <a:t>, </a:t>
+              </a:r>
+              <a:r>
+                <a:rPr kumimoji="0" lang="zh-TW" altLang="zh-TW" sz="1600" b="0" i="0" u="none" strike="noStrike" cap="none" normalizeH="0" baseline="0">
+                  <a:ln>
+                    <a:noFill/>
+                  </a:ln>
+                  <a:solidFill>
+                    <a:srgbClr val="CF8E6D"/>
+                  </a:solidFill>
+                  <a:effectLst/>
+                  <a:latin typeface="+mj-lt"/>
+                  <a:cs typeface="JetBrains Mono" panose="02000009000000000000" pitchFamily="49" charset="0"/>
+                </a:rPr>
+                <a:t>new </a:t>
+              </a:r>
+              <a:r>
+                <a:rPr kumimoji="0" lang="zh-TW" altLang="zh-TW" sz="1600" b="0" i="0" u="none" strike="noStrike" cap="none" normalizeH="0" baseline="0">
+                  <a:ln>
+                    <a:noFill/>
+                  </a:ln>
+                  <a:solidFill>
+                    <a:srgbClr val="BCBEC4"/>
+                  </a:solidFill>
+                  <a:effectLst/>
+                  <a:latin typeface="+mj-lt"/>
+                  <a:cs typeface="JetBrains Mono" panose="02000009000000000000" pitchFamily="49" charset="0"/>
+                </a:rPr>
+                <a:t>Helicopter());</a:t>
+              </a:r>
+              <a:br>
+                <a:rPr kumimoji="0" lang="zh-TW" altLang="zh-TW" sz="1600" b="0" i="0" u="none" strike="noStrike" cap="none" normalizeH="0" baseline="0">
+                  <a:ln>
+                    <a:noFill/>
+                  </a:ln>
+                  <a:solidFill>
+                    <a:srgbClr val="BCBEC4"/>
+                  </a:solidFill>
+                  <a:effectLst/>
+                  <a:latin typeface="+mj-lt"/>
+                  <a:cs typeface="JetBrains Mono" panose="02000009000000000000" pitchFamily="49" charset="0"/>
+                </a:rPr>
+              </a:br>
+              <a:r>
+                <a:rPr kumimoji="0" lang="zh-TW" altLang="zh-TW" sz="1600" b="0" i="0" u="none" strike="noStrike" cap="none" normalizeH="0" baseline="0">
+                  <a:ln>
+                    <a:noFill/>
+                  </a:ln>
+                  <a:solidFill>
+                    <a:srgbClr val="BCBEC4"/>
+                  </a:solidFill>
+                  <a:effectLst/>
+                  <a:latin typeface="+mj-lt"/>
+                  <a:cs typeface="JetBrains Mono" panose="02000009000000000000" pitchFamily="49" charset="0"/>
+                </a:rPr>
+                <a:t>    }</a:t>
+              </a:r>
+              <a:br>
+                <a:rPr kumimoji="0" lang="zh-TW" altLang="zh-TW" sz="1600" b="0" i="0" u="none" strike="noStrike" cap="none" normalizeH="0" baseline="0">
+                  <a:ln>
+                    <a:noFill/>
+                  </a:ln>
+                  <a:solidFill>
+                    <a:srgbClr val="BCBEC4"/>
+                  </a:solidFill>
+                  <a:effectLst/>
+                  <a:latin typeface="+mj-lt"/>
+                  <a:cs typeface="JetBrains Mono" panose="02000009000000000000" pitchFamily="49" charset="0"/>
+                </a:rPr>
+              </a:br>
+              <a:r>
+                <a:rPr kumimoji="0" lang="zh-TW" altLang="zh-TW" sz="1600" b="0" i="0" u="none" strike="noStrike" cap="none" normalizeH="0" baseline="0">
+                  <a:ln>
+                    <a:noFill/>
+                  </a:ln>
+                  <a:solidFill>
+                    <a:srgbClr val="BCBEC4"/>
+                  </a:solidFill>
+                  <a:effectLst/>
+                  <a:latin typeface="+mj-lt"/>
+                  <a:cs typeface="JetBrains Mono" panose="02000009000000000000" pitchFamily="49" charset="0"/>
+                </a:rPr>
+                <a:t>}</a:t>
+              </a:r>
+              <a:endParaRPr kumimoji="0" lang="zh-TW" altLang="zh-TW" sz="2400" b="0" i="0" u="none" strike="noStrike" cap="none" normalizeH="0" baseline="0">
+                <a:ln>
+                  <a:noFill/>
+                </a:ln>
+                <a:solidFill>
+                  <a:schemeClr val="tx1"/>
+                </a:solidFill>
+                <a:effectLst/>
+                <a:latin typeface="+mj-lt"/>
+              </a:endParaRPr>
+            </a:p>
+          </p:txBody>
+        </p:sp>
+        <p:sp>
+          <p:nvSpPr>
+            <p:cNvPr id="9" name="Rectangle 6">
+              <a:extLst>
+                <a:ext uri="{FF2B5EF4-FFF2-40B4-BE49-F238E27FC236}">
+                  <a16:creationId xmlns:a16="http://schemas.microsoft.com/office/drawing/2014/main" id="{9A02EB55-F0BC-444C-A3CE-2E005222B475}"/>
+                </a:ext>
+              </a:extLst>
+            </p:cNvPr>
+            <p:cNvSpPr>
+              <a:spLocks noChangeArrowheads="1"/>
+            </p:cNvSpPr>
+            <p:nvPr/>
+          </p:nvSpPr>
+          <p:spPr bwMode="auto">
+            <a:xfrm>
+              <a:off x="3241964" y="4054733"/>
+              <a:ext cx="3999813" cy="2308324"/>
+            </a:xfrm>
+            <a:prstGeom prst="rect">
+              <a:avLst/>
+            </a:prstGeom>
+            <a:solidFill>
+              <a:srgbClr val="1E1F22"/>
+            </a:solidFill>
+            <a:ln>
+              <a:noFill/>
+            </a:ln>
+            <a:effectLst/>
+            <a:extLst>
+              <a:ext uri="{91240B29-F687-4F45-9708-019B960494DF}">
+                <a14:hiddenLine xmlns:a14="http://schemas.microsoft.com/office/drawing/2010/main" w="9525">
+                  <a:solidFill>
+                    <a:schemeClr val="tx1"/>
+                  </a:solidFill>
+                  <a:miter lim="800000"/>
+                  <a:headEnd/>
+                  <a:tailEnd/>
+                </a14:hiddenLine>
+              </a:ext>
+              <a:ext uri="{AF507438-7753-43E0-B8FC-AC1667EBCBE1}">
+                <a14:hiddenEffects xmlns:a14="http://schemas.microsoft.com/office/drawing/2010/main">
+                  <a:effectLst>
+                    <a:outerShdw dist="35921" dir="2700000" algn="ctr" rotWithShape="0">
+                      <a:schemeClr val="bg2"/>
+                    </a:outerShdw>
+                  </a:effectLst>
+                </a14:hiddenEffects>
+              </a:ext>
+            </a:extLst>
+          </p:spPr>
+          <p:txBody>
+            <a:bodyPr vert="horz" wrap="none" lIns="91440" tIns="45720" rIns="91440" bIns="45720" numCol="1" anchor="ctr" anchorCtr="0" compatLnSpc="1">
+              <a:prstTxWarp prst="textNoShape">
+                <a:avLst/>
+              </a:prstTxWarp>
+              <a:spAutoFit/>
+            </a:bodyPr>
+            <a:lstStyle/>
+            <a:p>
+              <a:pPr marL="0" marR="0" lvl="0" indent="0" algn="l" defTabSz="914400" rtl="0" eaLnBrk="0" fontAlgn="base" latinLnBrk="0" hangingPunct="0">
+                <a:lnSpc>
+                  <a:spcPct val="100000"/>
+                </a:lnSpc>
+                <a:spcBef>
+                  <a:spcPct val="0"/>
+                </a:spcBef>
+                <a:spcAft>
+                  <a:spcPct val="0"/>
+                </a:spcAft>
+                <a:buClrTx/>
+                <a:buSzTx/>
+                <a:buFontTx/>
+                <a:buNone/>
+                <a:tabLst/>
+              </a:pPr>
+              <a:r>
+                <a:rPr kumimoji="0" lang="zh-TW" altLang="zh-TW" sz="1600" b="0" i="0" u="none" strike="noStrike" cap="none" normalizeH="0" baseline="0">
+                  <a:ln>
+                    <a:noFill/>
+                  </a:ln>
+                  <a:solidFill>
+                    <a:srgbClr val="CF8E6D"/>
+                  </a:solidFill>
+                  <a:effectLst/>
+                  <a:latin typeface="+mj-lt"/>
+                  <a:cs typeface="JetBrains Mono" panose="02000009000000000000" pitchFamily="49" charset="0"/>
+                </a:rPr>
+                <a:t>class </a:t>
+              </a:r>
+              <a:r>
+                <a:rPr kumimoji="0" lang="zh-TW" altLang="zh-TW" sz="1600" b="0" i="0" u="none" strike="noStrike" cap="none" normalizeH="0" baseline="0">
+                  <a:ln>
+                    <a:noFill/>
+                  </a:ln>
+                  <a:solidFill>
+                    <a:srgbClr val="BCBEC4"/>
+                  </a:solidFill>
+                  <a:effectLst/>
+                  <a:latin typeface="+mj-lt"/>
+                  <a:cs typeface="JetBrains Mono" panose="02000009000000000000" pitchFamily="49" charset="0"/>
+                </a:rPr>
+                <a:t>Pair&lt;</a:t>
+              </a:r>
+              <a:r>
+                <a:rPr kumimoji="0" lang="zh-TW" altLang="zh-TW" sz="1600" b="0" i="0" u="none" strike="noStrike" cap="none" normalizeH="0" baseline="0">
+                  <a:ln>
+                    <a:noFill/>
+                  </a:ln>
+                  <a:solidFill>
+                    <a:srgbClr val="16BAAC"/>
+                  </a:solidFill>
+                  <a:effectLst/>
+                  <a:latin typeface="+mj-lt"/>
+                  <a:cs typeface="JetBrains Mono" panose="02000009000000000000" pitchFamily="49" charset="0"/>
+                </a:rPr>
+                <a:t>L</a:t>
+              </a:r>
+              <a:r>
+                <a:rPr kumimoji="0" lang="zh-TW" altLang="zh-TW" sz="1600" b="0" i="0" u="none" strike="noStrike" cap="none" normalizeH="0" baseline="0">
+                  <a:ln>
+                    <a:noFill/>
+                  </a:ln>
+                  <a:solidFill>
+                    <a:srgbClr val="BCBEC4"/>
+                  </a:solidFill>
+                  <a:effectLst/>
+                  <a:latin typeface="+mj-lt"/>
+                  <a:cs typeface="JetBrains Mono" panose="02000009000000000000" pitchFamily="49" charset="0"/>
+                </a:rPr>
+                <a:t>, </a:t>
+              </a:r>
+              <a:r>
+                <a:rPr kumimoji="0" lang="zh-TW" altLang="zh-TW" sz="1600" b="0" i="0" u="none" strike="noStrike" cap="none" normalizeH="0" baseline="0">
+                  <a:ln>
+                    <a:noFill/>
+                  </a:ln>
+                  <a:solidFill>
+                    <a:srgbClr val="16BAAC"/>
+                  </a:solidFill>
+                  <a:effectLst/>
+                  <a:latin typeface="+mj-lt"/>
+                  <a:cs typeface="JetBrains Mono" panose="02000009000000000000" pitchFamily="49" charset="0"/>
+                </a:rPr>
+                <a:t>R</a:t>
+              </a:r>
+              <a:r>
+                <a:rPr kumimoji="0" lang="zh-TW" altLang="zh-TW" sz="1600" b="0" i="0" u="none" strike="noStrike" cap="none" normalizeH="0" baseline="0">
+                  <a:ln>
+                    <a:noFill/>
+                  </a:ln>
+                  <a:solidFill>
+                    <a:srgbClr val="BCBEC4"/>
+                  </a:solidFill>
+                  <a:effectLst/>
+                  <a:latin typeface="+mj-lt"/>
+                  <a:cs typeface="JetBrains Mono" panose="02000009000000000000" pitchFamily="49" charset="0"/>
+                </a:rPr>
+                <a:t>&gt; {</a:t>
+              </a:r>
+              <a:br>
+                <a:rPr kumimoji="0" lang="zh-TW" altLang="zh-TW" sz="1600" b="0" i="0" u="none" strike="noStrike" cap="none" normalizeH="0" baseline="0">
+                  <a:ln>
+                    <a:noFill/>
+                  </a:ln>
+                  <a:solidFill>
+                    <a:srgbClr val="BCBEC4"/>
+                  </a:solidFill>
+                  <a:effectLst/>
+                  <a:latin typeface="+mj-lt"/>
+                  <a:cs typeface="JetBrains Mono" panose="02000009000000000000" pitchFamily="49" charset="0"/>
+                </a:rPr>
+              </a:br>
+              <a:r>
+                <a:rPr kumimoji="0" lang="zh-TW" altLang="zh-TW" sz="1600" b="0" i="0" u="none" strike="noStrike" cap="none" normalizeH="0" baseline="0">
+                  <a:ln>
+                    <a:noFill/>
+                  </a:ln>
+                  <a:solidFill>
+                    <a:srgbClr val="BCBEC4"/>
+                  </a:solidFill>
+                  <a:effectLst/>
+                  <a:latin typeface="+mj-lt"/>
+                  <a:cs typeface="JetBrains Mono" panose="02000009000000000000" pitchFamily="49" charset="0"/>
+                </a:rPr>
+                <a:t>    </a:t>
+              </a:r>
+              <a:r>
+                <a:rPr kumimoji="0" lang="zh-TW" altLang="zh-TW" sz="1600" b="0" i="0" u="none" strike="noStrike" cap="none" normalizeH="0" baseline="0">
+                  <a:ln>
+                    <a:noFill/>
+                  </a:ln>
+                  <a:solidFill>
+                    <a:srgbClr val="CF8E6D"/>
+                  </a:solidFill>
+                  <a:effectLst/>
+                  <a:latin typeface="+mj-lt"/>
+                  <a:cs typeface="JetBrains Mono" panose="02000009000000000000" pitchFamily="49" charset="0"/>
+                </a:rPr>
+                <a:t>public </a:t>
+              </a:r>
+              <a:r>
+                <a:rPr kumimoji="0" lang="zh-TW" altLang="zh-TW" sz="1600" b="0" i="0" u="none" strike="noStrike" cap="none" normalizeH="0" baseline="0">
+                  <a:ln>
+                    <a:noFill/>
+                  </a:ln>
+                  <a:solidFill>
+                    <a:srgbClr val="16BAAC"/>
+                  </a:solidFill>
+                  <a:effectLst/>
+                  <a:latin typeface="+mj-lt"/>
+                  <a:cs typeface="JetBrains Mono" panose="02000009000000000000" pitchFamily="49" charset="0"/>
+                </a:rPr>
+                <a:t>L </a:t>
+              </a:r>
+              <a:r>
+                <a:rPr kumimoji="0" lang="zh-TW" altLang="zh-TW" sz="1600" b="0" i="0" u="none" strike="noStrike" cap="none" normalizeH="0" baseline="0">
+                  <a:ln>
+                    <a:noFill/>
+                  </a:ln>
+                  <a:solidFill>
+                    <a:srgbClr val="C77DBB"/>
+                  </a:solidFill>
+                  <a:effectLst/>
+                  <a:latin typeface="+mj-lt"/>
+                  <a:cs typeface="JetBrains Mono" panose="02000009000000000000" pitchFamily="49" charset="0"/>
+                </a:rPr>
+                <a:t>left</a:t>
+              </a:r>
+              <a:r>
+                <a:rPr kumimoji="0" lang="zh-TW" altLang="zh-TW" sz="1600" b="0" i="0" u="none" strike="noStrike" cap="none" normalizeH="0" baseline="0">
+                  <a:ln>
+                    <a:noFill/>
+                  </a:ln>
+                  <a:solidFill>
+                    <a:srgbClr val="BCBEC4"/>
+                  </a:solidFill>
+                  <a:effectLst/>
+                  <a:latin typeface="+mj-lt"/>
+                  <a:cs typeface="JetBrains Mono" panose="02000009000000000000" pitchFamily="49" charset="0"/>
+                </a:rPr>
+                <a:t>;</a:t>
+              </a:r>
+              <a:br>
+                <a:rPr kumimoji="0" lang="zh-TW" altLang="zh-TW" sz="1600" b="0" i="0" u="none" strike="noStrike" cap="none" normalizeH="0" baseline="0">
+                  <a:ln>
+                    <a:noFill/>
+                  </a:ln>
+                  <a:solidFill>
+                    <a:srgbClr val="BCBEC4"/>
+                  </a:solidFill>
+                  <a:effectLst/>
+                  <a:latin typeface="+mj-lt"/>
+                  <a:cs typeface="JetBrains Mono" panose="02000009000000000000" pitchFamily="49" charset="0"/>
+                </a:rPr>
+              </a:br>
+              <a:r>
+                <a:rPr kumimoji="0" lang="zh-TW" altLang="zh-TW" sz="1600" b="0" i="0" u="none" strike="noStrike" cap="none" normalizeH="0" baseline="0">
+                  <a:ln>
+                    <a:noFill/>
+                  </a:ln>
+                  <a:solidFill>
+                    <a:srgbClr val="BCBEC4"/>
+                  </a:solidFill>
+                  <a:effectLst/>
+                  <a:latin typeface="+mj-lt"/>
+                  <a:cs typeface="JetBrains Mono" panose="02000009000000000000" pitchFamily="49" charset="0"/>
+                </a:rPr>
+                <a:t>    </a:t>
+              </a:r>
+              <a:r>
+                <a:rPr kumimoji="0" lang="zh-TW" altLang="zh-TW" sz="1600" b="0" i="0" u="none" strike="noStrike" cap="none" normalizeH="0" baseline="0">
+                  <a:ln>
+                    <a:noFill/>
+                  </a:ln>
+                  <a:solidFill>
+                    <a:srgbClr val="CF8E6D"/>
+                  </a:solidFill>
+                  <a:effectLst/>
+                  <a:latin typeface="+mj-lt"/>
+                  <a:cs typeface="JetBrains Mono" panose="02000009000000000000" pitchFamily="49" charset="0"/>
+                </a:rPr>
+                <a:t>public </a:t>
+              </a:r>
+              <a:r>
+                <a:rPr kumimoji="0" lang="zh-TW" altLang="zh-TW" sz="1600" b="0" i="0" u="none" strike="noStrike" cap="none" normalizeH="0" baseline="0">
+                  <a:ln>
+                    <a:noFill/>
+                  </a:ln>
+                  <a:solidFill>
+                    <a:srgbClr val="16BAAC"/>
+                  </a:solidFill>
+                  <a:effectLst/>
+                  <a:latin typeface="+mj-lt"/>
+                  <a:cs typeface="JetBrains Mono" panose="02000009000000000000" pitchFamily="49" charset="0"/>
+                </a:rPr>
+                <a:t>R </a:t>
+              </a:r>
+              <a:r>
+                <a:rPr kumimoji="0" lang="zh-TW" altLang="zh-TW" sz="1600" b="0" i="0" u="none" strike="noStrike" cap="none" normalizeH="0" baseline="0">
+                  <a:ln>
+                    <a:noFill/>
+                  </a:ln>
+                  <a:solidFill>
+                    <a:srgbClr val="C77DBB"/>
+                  </a:solidFill>
+                  <a:effectLst/>
+                  <a:latin typeface="+mj-lt"/>
+                  <a:cs typeface="JetBrains Mono" panose="02000009000000000000" pitchFamily="49" charset="0"/>
+                </a:rPr>
+                <a:t>right</a:t>
+              </a:r>
+              <a:r>
+                <a:rPr kumimoji="0" lang="zh-TW" altLang="zh-TW" sz="1600" b="0" i="0" u="none" strike="noStrike" cap="none" normalizeH="0" baseline="0">
+                  <a:ln>
+                    <a:noFill/>
+                  </a:ln>
+                  <a:solidFill>
+                    <a:srgbClr val="BCBEC4"/>
+                  </a:solidFill>
+                  <a:effectLst/>
+                  <a:latin typeface="+mj-lt"/>
+                  <a:cs typeface="JetBrains Mono" panose="02000009000000000000" pitchFamily="49" charset="0"/>
+                </a:rPr>
+                <a:t>;</a:t>
+              </a:r>
+              <a:br>
+                <a:rPr kumimoji="0" lang="zh-TW" altLang="zh-TW" sz="1600" b="0" i="0" u="none" strike="noStrike" cap="none" normalizeH="0" baseline="0">
+                  <a:ln>
+                    <a:noFill/>
+                  </a:ln>
+                  <a:solidFill>
+                    <a:srgbClr val="BCBEC4"/>
+                  </a:solidFill>
+                  <a:effectLst/>
+                  <a:latin typeface="+mj-lt"/>
+                  <a:cs typeface="JetBrains Mono" panose="02000009000000000000" pitchFamily="49" charset="0"/>
+                </a:rPr>
+              </a:br>
+              <a:br>
+                <a:rPr kumimoji="0" lang="zh-TW" altLang="zh-TW" sz="1600" b="0" i="0" u="none" strike="noStrike" cap="none" normalizeH="0" baseline="0">
+                  <a:ln>
+                    <a:noFill/>
+                  </a:ln>
+                  <a:solidFill>
+                    <a:srgbClr val="BCBEC4"/>
+                  </a:solidFill>
+                  <a:effectLst/>
+                  <a:latin typeface="+mj-lt"/>
+                  <a:cs typeface="JetBrains Mono" panose="02000009000000000000" pitchFamily="49" charset="0"/>
+                </a:rPr>
+              </a:br>
+              <a:r>
+                <a:rPr kumimoji="0" lang="zh-TW" altLang="zh-TW" sz="1600" b="0" i="0" u="none" strike="noStrike" cap="none" normalizeH="0" baseline="0">
+                  <a:ln>
+                    <a:noFill/>
+                  </a:ln>
+                  <a:solidFill>
+                    <a:srgbClr val="BCBEC4"/>
+                  </a:solidFill>
+                  <a:effectLst/>
+                  <a:latin typeface="+mj-lt"/>
+                  <a:cs typeface="JetBrains Mono" panose="02000009000000000000" pitchFamily="49" charset="0"/>
+                </a:rPr>
+                <a:t>    </a:t>
+              </a:r>
+              <a:r>
+                <a:rPr kumimoji="0" lang="zh-TW" altLang="zh-TW" sz="1600" b="0" i="0" u="none" strike="noStrike" cap="none" normalizeH="0" baseline="0">
+                  <a:ln>
+                    <a:noFill/>
+                  </a:ln>
+                  <a:solidFill>
+                    <a:srgbClr val="CF8E6D"/>
+                  </a:solidFill>
+                  <a:effectLst/>
+                  <a:latin typeface="+mj-lt"/>
+                  <a:cs typeface="JetBrains Mono" panose="02000009000000000000" pitchFamily="49" charset="0"/>
+                </a:rPr>
+                <a:t>public </a:t>
+              </a:r>
+              <a:r>
+                <a:rPr kumimoji="0" lang="zh-TW" altLang="zh-TW" sz="1600" b="0" i="0" u="none" strike="noStrike" cap="none" normalizeH="0" baseline="0">
+                  <a:ln>
+                    <a:noFill/>
+                  </a:ln>
+                  <a:solidFill>
+                    <a:srgbClr val="56A8F5"/>
+                  </a:solidFill>
+                  <a:effectLst/>
+                  <a:latin typeface="+mj-lt"/>
+                  <a:cs typeface="JetBrains Mono" panose="02000009000000000000" pitchFamily="49" charset="0"/>
+                </a:rPr>
+                <a:t>Pair</a:t>
+              </a:r>
+              <a:r>
+                <a:rPr kumimoji="0" lang="zh-TW" altLang="zh-TW" sz="1600" b="0" i="0" u="none" strike="noStrike" cap="none" normalizeH="0" baseline="0">
+                  <a:ln>
+                    <a:noFill/>
+                  </a:ln>
+                  <a:solidFill>
+                    <a:srgbClr val="BCBEC4"/>
+                  </a:solidFill>
+                  <a:effectLst/>
+                  <a:latin typeface="+mj-lt"/>
+                  <a:cs typeface="JetBrains Mono" panose="02000009000000000000" pitchFamily="49" charset="0"/>
+                </a:rPr>
+                <a:t>(</a:t>
+              </a:r>
+              <a:r>
+                <a:rPr kumimoji="0" lang="zh-TW" altLang="zh-TW" sz="1600" b="0" i="0" u="none" strike="noStrike" cap="none" normalizeH="0" baseline="0">
+                  <a:ln>
+                    <a:noFill/>
+                  </a:ln>
+                  <a:solidFill>
+                    <a:srgbClr val="16BAAC"/>
+                  </a:solidFill>
+                  <a:effectLst/>
+                  <a:latin typeface="+mj-lt"/>
+                  <a:cs typeface="JetBrains Mono" panose="02000009000000000000" pitchFamily="49" charset="0"/>
+                </a:rPr>
+                <a:t>L </a:t>
+              </a:r>
+              <a:r>
+                <a:rPr kumimoji="0" lang="zh-TW" altLang="zh-TW" sz="1600" b="0" i="0" u="none" strike="noStrike" cap="none" normalizeH="0" baseline="0">
+                  <a:ln>
+                    <a:noFill/>
+                  </a:ln>
+                  <a:solidFill>
+                    <a:srgbClr val="BCBEC4"/>
+                  </a:solidFill>
+                  <a:effectLst/>
+                  <a:latin typeface="+mj-lt"/>
+                  <a:cs typeface="JetBrains Mono" panose="02000009000000000000" pitchFamily="49" charset="0"/>
+                </a:rPr>
+                <a:t>left, </a:t>
+              </a:r>
+              <a:r>
+                <a:rPr kumimoji="0" lang="zh-TW" altLang="zh-TW" sz="1600" b="0" i="0" u="none" strike="noStrike" cap="none" normalizeH="0" baseline="0">
+                  <a:ln>
+                    <a:noFill/>
+                  </a:ln>
+                  <a:solidFill>
+                    <a:srgbClr val="16BAAC"/>
+                  </a:solidFill>
+                  <a:effectLst/>
+                  <a:latin typeface="+mj-lt"/>
+                  <a:cs typeface="JetBrains Mono" panose="02000009000000000000" pitchFamily="49" charset="0"/>
+                </a:rPr>
+                <a:t>R </a:t>
+              </a:r>
+              <a:r>
+                <a:rPr kumimoji="0" lang="zh-TW" altLang="zh-TW" sz="1600" b="0" i="0" u="none" strike="noStrike" cap="none" normalizeH="0" baseline="0">
+                  <a:ln>
+                    <a:noFill/>
+                  </a:ln>
+                  <a:solidFill>
+                    <a:srgbClr val="BCBEC4"/>
+                  </a:solidFill>
+                  <a:effectLst/>
+                  <a:latin typeface="+mj-lt"/>
+                  <a:cs typeface="JetBrains Mono" panose="02000009000000000000" pitchFamily="49" charset="0"/>
+                </a:rPr>
+                <a:t>right) {</a:t>
+              </a:r>
+              <a:br>
+                <a:rPr kumimoji="0" lang="zh-TW" altLang="zh-TW" sz="1600" b="0" i="0" u="none" strike="noStrike" cap="none" normalizeH="0" baseline="0">
+                  <a:ln>
+                    <a:noFill/>
+                  </a:ln>
+                  <a:solidFill>
+                    <a:srgbClr val="BCBEC4"/>
+                  </a:solidFill>
+                  <a:effectLst/>
+                  <a:latin typeface="+mj-lt"/>
+                  <a:cs typeface="JetBrains Mono" panose="02000009000000000000" pitchFamily="49" charset="0"/>
+                </a:rPr>
+              </a:br>
+              <a:r>
+                <a:rPr kumimoji="0" lang="zh-TW" altLang="zh-TW" sz="1600" b="0" i="0" u="none" strike="noStrike" cap="none" normalizeH="0" baseline="0">
+                  <a:ln>
+                    <a:noFill/>
+                  </a:ln>
+                  <a:solidFill>
+                    <a:srgbClr val="BCBEC4"/>
+                  </a:solidFill>
+                  <a:effectLst/>
+                  <a:latin typeface="+mj-lt"/>
+                  <a:cs typeface="JetBrains Mono" panose="02000009000000000000" pitchFamily="49" charset="0"/>
+                </a:rPr>
+                <a:t>        </a:t>
+              </a:r>
+              <a:r>
+                <a:rPr kumimoji="0" lang="zh-TW" altLang="zh-TW" sz="1600" b="0" i="0" u="none" strike="noStrike" cap="none" normalizeH="0" baseline="0">
+                  <a:ln>
+                    <a:noFill/>
+                  </a:ln>
+                  <a:solidFill>
+                    <a:srgbClr val="CF8E6D"/>
+                  </a:solidFill>
+                  <a:effectLst/>
+                  <a:latin typeface="+mj-lt"/>
+                  <a:cs typeface="JetBrains Mono" panose="02000009000000000000" pitchFamily="49" charset="0"/>
+                </a:rPr>
+                <a:t>this</a:t>
+              </a:r>
+              <a:r>
+                <a:rPr kumimoji="0" lang="zh-TW" altLang="zh-TW" sz="1600" b="0" i="0" u="none" strike="noStrike" cap="none" normalizeH="0" baseline="0">
+                  <a:ln>
+                    <a:noFill/>
+                  </a:ln>
+                  <a:solidFill>
+                    <a:srgbClr val="BCBEC4"/>
+                  </a:solidFill>
+                  <a:effectLst/>
+                  <a:latin typeface="+mj-lt"/>
+                  <a:cs typeface="JetBrains Mono" panose="02000009000000000000" pitchFamily="49" charset="0"/>
+                </a:rPr>
+                <a:t>.</a:t>
+              </a:r>
+              <a:r>
+                <a:rPr kumimoji="0" lang="zh-TW" altLang="zh-TW" sz="1600" b="0" i="0" u="none" strike="noStrike" cap="none" normalizeH="0" baseline="0">
+                  <a:ln>
+                    <a:noFill/>
+                  </a:ln>
+                  <a:solidFill>
+                    <a:srgbClr val="C77DBB"/>
+                  </a:solidFill>
+                  <a:effectLst/>
+                  <a:latin typeface="+mj-lt"/>
+                  <a:cs typeface="JetBrains Mono" panose="02000009000000000000" pitchFamily="49" charset="0"/>
+                </a:rPr>
+                <a:t>left </a:t>
+              </a:r>
+              <a:r>
+                <a:rPr kumimoji="0" lang="zh-TW" altLang="zh-TW" sz="1600" b="0" i="0" u="none" strike="noStrike" cap="none" normalizeH="0" baseline="0">
+                  <a:ln>
+                    <a:noFill/>
+                  </a:ln>
+                  <a:solidFill>
+                    <a:srgbClr val="BCBEC4"/>
+                  </a:solidFill>
+                  <a:effectLst/>
+                  <a:latin typeface="+mj-lt"/>
+                  <a:cs typeface="JetBrains Mono" panose="02000009000000000000" pitchFamily="49" charset="0"/>
+                </a:rPr>
+                <a:t>= left;</a:t>
+              </a:r>
+              <a:br>
+                <a:rPr kumimoji="0" lang="zh-TW" altLang="zh-TW" sz="1600" b="0" i="0" u="none" strike="noStrike" cap="none" normalizeH="0" baseline="0">
+                  <a:ln>
+                    <a:noFill/>
+                  </a:ln>
+                  <a:solidFill>
+                    <a:srgbClr val="BCBEC4"/>
+                  </a:solidFill>
+                  <a:effectLst/>
+                  <a:latin typeface="+mj-lt"/>
+                  <a:cs typeface="JetBrains Mono" panose="02000009000000000000" pitchFamily="49" charset="0"/>
+                </a:rPr>
+              </a:br>
+              <a:r>
+                <a:rPr kumimoji="0" lang="zh-TW" altLang="zh-TW" sz="1600" b="0" i="0" u="none" strike="noStrike" cap="none" normalizeH="0" baseline="0">
+                  <a:ln>
+                    <a:noFill/>
+                  </a:ln>
+                  <a:solidFill>
+                    <a:srgbClr val="BCBEC4"/>
+                  </a:solidFill>
+                  <a:effectLst/>
+                  <a:latin typeface="+mj-lt"/>
+                  <a:cs typeface="JetBrains Mono" panose="02000009000000000000" pitchFamily="49" charset="0"/>
+                </a:rPr>
+                <a:t>        </a:t>
+              </a:r>
+              <a:r>
+                <a:rPr kumimoji="0" lang="zh-TW" altLang="zh-TW" sz="1600" b="0" i="0" u="none" strike="noStrike" cap="none" normalizeH="0" baseline="0">
+                  <a:ln>
+                    <a:noFill/>
+                  </a:ln>
+                  <a:solidFill>
+                    <a:srgbClr val="CF8E6D"/>
+                  </a:solidFill>
+                  <a:effectLst/>
+                  <a:latin typeface="+mj-lt"/>
+                  <a:cs typeface="JetBrains Mono" panose="02000009000000000000" pitchFamily="49" charset="0"/>
+                </a:rPr>
+                <a:t>this</a:t>
+              </a:r>
+              <a:r>
+                <a:rPr kumimoji="0" lang="zh-TW" altLang="zh-TW" sz="1600" b="0" i="0" u="none" strike="noStrike" cap="none" normalizeH="0" baseline="0">
+                  <a:ln>
+                    <a:noFill/>
+                  </a:ln>
+                  <a:solidFill>
+                    <a:srgbClr val="BCBEC4"/>
+                  </a:solidFill>
+                  <a:effectLst/>
+                  <a:latin typeface="+mj-lt"/>
+                  <a:cs typeface="JetBrains Mono" panose="02000009000000000000" pitchFamily="49" charset="0"/>
+                </a:rPr>
+                <a:t>.</a:t>
+              </a:r>
+              <a:r>
+                <a:rPr kumimoji="0" lang="zh-TW" altLang="zh-TW" sz="1600" b="0" i="0" u="none" strike="noStrike" cap="none" normalizeH="0" baseline="0">
+                  <a:ln>
+                    <a:noFill/>
+                  </a:ln>
+                  <a:solidFill>
+                    <a:srgbClr val="C77DBB"/>
+                  </a:solidFill>
+                  <a:effectLst/>
+                  <a:latin typeface="+mj-lt"/>
+                  <a:cs typeface="JetBrains Mono" panose="02000009000000000000" pitchFamily="49" charset="0"/>
+                </a:rPr>
+                <a:t>right </a:t>
+              </a:r>
+              <a:r>
+                <a:rPr kumimoji="0" lang="zh-TW" altLang="zh-TW" sz="1600" b="0" i="0" u="none" strike="noStrike" cap="none" normalizeH="0" baseline="0">
+                  <a:ln>
+                    <a:noFill/>
+                  </a:ln>
+                  <a:solidFill>
+                    <a:srgbClr val="BCBEC4"/>
+                  </a:solidFill>
+                  <a:effectLst/>
+                  <a:latin typeface="+mj-lt"/>
+                  <a:cs typeface="JetBrains Mono" panose="02000009000000000000" pitchFamily="49" charset="0"/>
+                </a:rPr>
+                <a:t>= right;</a:t>
+              </a:r>
+              <a:br>
+                <a:rPr kumimoji="0" lang="zh-TW" altLang="zh-TW" sz="1600" b="0" i="0" u="none" strike="noStrike" cap="none" normalizeH="0" baseline="0">
+                  <a:ln>
+                    <a:noFill/>
+                  </a:ln>
+                  <a:solidFill>
+                    <a:srgbClr val="BCBEC4"/>
+                  </a:solidFill>
+                  <a:effectLst/>
+                  <a:latin typeface="+mj-lt"/>
+                  <a:cs typeface="JetBrains Mono" panose="02000009000000000000" pitchFamily="49" charset="0"/>
+                </a:rPr>
+              </a:br>
+              <a:r>
+                <a:rPr kumimoji="0" lang="zh-TW" altLang="zh-TW" sz="1600" b="0" i="0" u="none" strike="noStrike" cap="none" normalizeH="0" baseline="0">
+                  <a:ln>
+                    <a:noFill/>
+                  </a:ln>
+                  <a:solidFill>
+                    <a:srgbClr val="BCBEC4"/>
+                  </a:solidFill>
+                  <a:effectLst/>
+                  <a:latin typeface="+mj-lt"/>
+                  <a:cs typeface="JetBrains Mono" panose="02000009000000000000" pitchFamily="49" charset="0"/>
+                </a:rPr>
+                <a:t>    }</a:t>
+              </a:r>
+              <a:br>
+                <a:rPr kumimoji="0" lang="zh-TW" altLang="zh-TW" sz="1600" b="0" i="0" u="none" strike="noStrike" cap="none" normalizeH="0" baseline="0">
+                  <a:ln>
+                    <a:noFill/>
+                  </a:ln>
+                  <a:solidFill>
+                    <a:srgbClr val="BCBEC4"/>
+                  </a:solidFill>
+                  <a:effectLst/>
+                  <a:latin typeface="+mj-lt"/>
+                  <a:cs typeface="JetBrains Mono" panose="02000009000000000000" pitchFamily="49" charset="0"/>
+                </a:rPr>
+              </a:br>
+              <a:r>
+                <a:rPr kumimoji="0" lang="zh-TW" altLang="zh-TW" sz="1600" b="0" i="0" u="none" strike="noStrike" cap="none" normalizeH="0" baseline="0">
+                  <a:ln>
+                    <a:noFill/>
+                  </a:ln>
+                  <a:solidFill>
+                    <a:srgbClr val="BCBEC4"/>
+                  </a:solidFill>
+                  <a:effectLst/>
+                  <a:latin typeface="+mj-lt"/>
+                  <a:cs typeface="JetBrains Mono" panose="02000009000000000000" pitchFamily="49" charset="0"/>
+                </a:rPr>
+                <a:t>}</a:t>
+              </a:r>
+              <a:endParaRPr kumimoji="0" lang="zh-TW" altLang="zh-TW" sz="2400" b="0" i="0" u="none" strike="noStrike" cap="none" normalizeH="0" baseline="0">
+                <a:ln>
+                  <a:noFill/>
+                </a:ln>
+                <a:solidFill>
+                  <a:schemeClr val="tx1"/>
+                </a:solidFill>
+                <a:effectLst/>
+                <a:latin typeface="+mj-lt"/>
+              </a:endParaRPr>
+            </a:p>
+          </p:txBody>
+        </p:sp>
+      </p:grpSp>
+    </p:spTree>
+    <p:extLst>
+      <p:ext uri="{BB962C8B-B14F-4D97-AF65-F5344CB8AC3E}">
+        <p14:creationId xmlns:p14="http://schemas.microsoft.com/office/powerpoint/2010/main" val="2648560375"/>
+      </p:ext>
+    </p:extLst>
+  </p:cSld>
+  <p:clrMapOvr>
+    <a:masterClrMapping/>
+  </p:clrMapOvr>
+  <p:transition spd="slow">
+    <p:push dir="u"/>
+  </p:transition>
+</p:sld>
+</file>
+
+<file path=ppt/slides/slide11.xml><?xml version="1.0" encoding="utf-8"?>
+<p:sld xmlns:a="http://schemas.openxmlformats.org/drawingml/2006/main" xmlns:r="http://schemas.openxmlformats.org/officeDocument/2006/relationships" xmlns:p="http://schemas.openxmlformats.org/presentationml/2006/main">
+  <p:cSld>
+    <p:spTree>
+      <p:nvGrpSpPr>
+        <p:cNvPr id="1" name=""/>
+        <p:cNvGrpSpPr/>
+        <p:nvPr/>
+      </p:nvGrpSpPr>
+      <p:grpSpPr>
+        <a:xfrm>
+          <a:off x="0" y="0"/>
+          <a:ext cx="0" cy="0"/>
+          <a:chOff x="0" y="0"/>
+          <a:chExt cx="0" cy="0"/>
+        </a:xfrm>
+      </p:grpSpPr>
       <p:grpSp>
         <p:nvGrpSpPr>
           <p:cNvPr id="7" name="群組 6">
@@ -6293,7 +8163,7 @@
 </p:sld>
 </file>
 
-<file path=ppt/slides/slide11.xml><?xml version="1.0" encoding="utf-8"?>
+<file path=ppt/slides/slide12.xml><?xml version="1.0" encoding="utf-8"?>
 <p:sld xmlns:a="http://schemas.openxmlformats.org/drawingml/2006/main" xmlns:r="http://schemas.openxmlformats.org/officeDocument/2006/relationships" xmlns:p="http://schemas.openxmlformats.org/presentationml/2006/main">
   <p:cSld>
     <p:spTree>
@@ -10558,24 +12428,29 @@
             <p:ph type="title"/>
           </p:nvPr>
         </p:nvSpPr>
-        <p:spPr/>
+        <p:spPr>
+          <a:xfrm>
+            <a:off x="838200" y="365125"/>
+            <a:ext cx="10515600" cy="1325563"/>
+          </a:xfrm>
+        </p:spPr>
         <p:txBody>
           <a:bodyPr/>
           <a:lstStyle/>
           <a:p>
             <a:r>
               <a:rPr lang="zh-TW" altLang="en-US"/>
-              <a:t>泛型方法</a:t>
+              <a:t>泛型</a:t>
             </a:r>
           </a:p>
         </p:txBody>
       </p:sp>
       <p:sp>
         <p:nvSpPr>
-          <p:cNvPr id="21" name="內容版面配置區 20">
+          <p:cNvPr id="7" name="內容版面配置區 6">
             <a:extLst>
               <a:ext uri="{FF2B5EF4-FFF2-40B4-BE49-F238E27FC236}">
-                <a16:creationId xmlns:a16="http://schemas.microsoft.com/office/drawing/2014/main" id="{9324AA72-7A54-4C8E-8592-B1DAEFC6A8E5}"/>
+                <a16:creationId xmlns:a16="http://schemas.microsoft.com/office/drawing/2014/main" id="{303BA89D-B126-43E5-B3AF-F272085C2FE1}"/>
               </a:ext>
             </a:extLst>
           </p:cNvPr>
@@ -10588,14 +12463,12 @@
         </p:nvSpPr>
         <p:spPr>
           <a:xfrm>
-            <a:off x="345900" y="1582871"/>
-            <a:ext cx="6210965" cy="3580092"/>
+            <a:off x="838200" y="1678549"/>
+            <a:ext cx="10515600" cy="2602940"/>
           </a:xfrm>
         </p:spPr>
         <p:txBody>
-          <a:bodyPr>
-            <a:normAutofit/>
-          </a:bodyPr>
+          <a:bodyPr/>
           <a:lstStyle/>
           <a:p>
             <a:r>
@@ -10624,18 +12497,11 @@
                   <a:srgbClr val="00B0F0"/>
                 </a:solidFill>
               </a:rPr>
-              <a:t>型別</a:t>
+              <a:t>類別</a:t>
             </a:r>
             <a:r>
               <a:rPr lang="zh-TW" altLang="en-US"/>
-              <a:t>時</a:t>
-            </a:r>
-            <a:endParaRPr lang="en-US" altLang="zh-TW"/>
-          </a:p>
-          <a:p>
-            <a:r>
-              <a:rPr lang="zh-TW" altLang="en-US"/>
-              <a:t>使用代號來代替</a:t>
+              <a:t>時使用代號來代替</a:t>
             </a:r>
             <a:r>
               <a:rPr lang="zh-TW" altLang="en-US">
@@ -10643,7 +12509,7 @@
                   <a:srgbClr val="00B0F0"/>
                 </a:solidFill>
               </a:rPr>
-              <a:t>型別</a:t>
+              <a:t>類別</a:t>
             </a:r>
             <a:endParaRPr lang="en-US" altLang="zh-TW">
               <a:solidFill>
@@ -10678,18 +12544,7 @@
             </a:r>
             <a:r>
               <a:rPr lang="zh-TW" altLang="en-US"/>
-              <a:t>會把代號擦除</a:t>
-            </a:r>
-            <a:endParaRPr lang="en-US" altLang="zh-TW">
-              <a:solidFill>
-                <a:srgbClr val="92D050"/>
-              </a:solidFill>
-            </a:endParaRPr>
-          </a:p>
-          <a:p>
-            <a:r>
-              <a:rPr lang="zh-TW" altLang="en-US"/>
-              <a:t>等到執行時才會把真正的</a:t>
+              <a:t>會把代號擦除，等執行時才會把真正的</a:t>
             </a:r>
             <a:r>
               <a:rPr lang="zh-TW" altLang="en-US">
@@ -10697,11 +12552,11 @@
                   <a:srgbClr val="00B0F0"/>
                 </a:solidFill>
               </a:rPr>
-              <a:t>型別</a:t>
+              <a:t>類別</a:t>
             </a:r>
             <a:r>
               <a:rPr lang="zh-TW" altLang="en-US"/>
-              <a:t>給補上</a:t>
+              <a:t>補上</a:t>
             </a:r>
             <a:endParaRPr lang="en-US" altLang="zh-TW"/>
           </a:p>
@@ -10712,11 +12567,73 @@
                   <a:srgbClr val="00B0F0"/>
                 </a:solidFill>
               </a:rPr>
-              <a:t>泛型</a:t>
+              <a:t>泛型代號</a:t>
             </a:r>
             <a:r>
               <a:rPr lang="zh-TW" altLang="en-US"/>
-              <a:t>不能用在</a:t>
+              <a:t>通常使用一個大寫英文字母，如 </a:t>
+            </a:r>
+            <a:r>
+              <a:rPr lang="en-US" altLang="zh-TW">
+                <a:solidFill>
+                  <a:srgbClr val="92D050"/>
+                </a:solidFill>
+              </a:rPr>
+              <a:t>T</a:t>
+            </a:r>
+            <a:r>
+              <a:rPr lang="zh-TW" altLang="en-US"/>
+              <a:t>、</a:t>
+            </a:r>
+            <a:r>
+              <a:rPr lang="en-US" altLang="zh-TW">
+                <a:solidFill>
+                  <a:srgbClr val="92D050"/>
+                </a:solidFill>
+              </a:rPr>
+              <a:t>R</a:t>
+            </a:r>
+            <a:r>
+              <a:rPr lang="zh-TW" altLang="en-US"/>
+              <a:t>、</a:t>
+            </a:r>
+            <a:r>
+              <a:rPr lang="en-US" altLang="zh-TW">
+                <a:solidFill>
+                  <a:srgbClr val="92D050"/>
+                </a:solidFill>
+              </a:rPr>
+              <a:t>E</a:t>
+            </a:r>
+            <a:r>
+              <a:rPr lang="zh-TW" altLang="en-US"/>
+              <a:t>、</a:t>
+            </a:r>
+            <a:r>
+              <a:rPr lang="en-US" altLang="zh-TW">
+                <a:solidFill>
+                  <a:srgbClr val="92D050"/>
+                </a:solidFill>
+              </a:rPr>
+              <a:t>K</a:t>
+            </a:r>
+            <a:r>
+              <a:rPr lang="zh-TW" altLang="en-US"/>
+              <a:t>、</a:t>
+            </a:r>
+            <a:r>
+              <a:rPr lang="en-US" altLang="zh-TW">
+                <a:solidFill>
+                  <a:srgbClr val="92D050"/>
+                </a:solidFill>
+              </a:rPr>
+              <a:t>V</a:t>
+            </a:r>
+          </a:p>
+          <a:p>
+            <a:r>
+              <a:rPr lang="zh-TW" altLang="en-US"/>
+              <a:t>在原本可以填</a:t>
             </a:r>
             <a:r>
               <a:rPr lang="zh-TW" altLang="en-US">
@@ -10724,7 +12641,19 @@
                   <a:srgbClr val="00B0F0"/>
                 </a:solidFill>
               </a:rPr>
-              <a:t>基本資料型別</a:t>
+              <a:t>類別</a:t>
+            </a:r>
+            <a:r>
+              <a:rPr lang="zh-TW" altLang="en-US"/>
+              <a:t>的地方都可以填上</a:t>
+            </a:r>
+            <a:r>
+              <a:rPr lang="zh-TW" altLang="en-US">
+                <a:solidFill>
+                  <a:srgbClr val="00B0F0"/>
+                </a:solidFill>
+              </a:rPr>
+              <a:t>泛型</a:t>
             </a:r>
             <a:endParaRPr lang="en-US" altLang="zh-TW">
               <a:solidFill>
@@ -10734,35 +12663,16 @@
           </a:p>
           <a:p>
             <a:r>
-              <a:rPr lang="zh-TW" altLang="en-US">
-                <a:solidFill>
-                  <a:srgbClr val="00B0F0"/>
-                </a:solidFill>
-              </a:rPr>
-              <a:t>泛型代號</a:t>
-            </a:r>
-            <a:r>
               <a:rPr lang="zh-TW" altLang="en-US"/>
-              <a:t>通常使用一個大寫英文字母</a:t>
-            </a:r>
-            <a:endParaRPr lang="en-US" altLang="zh-TW"/>
-          </a:p>
-          <a:p>
-            <a:r>
-              <a:rPr lang="zh-TW" altLang="en-US"/>
-              <a:t>若要在</a:t>
+              <a:t>但需特別注意，不可以</a:t>
             </a:r>
             <a:r>
               <a:rPr lang="zh-TW" altLang="en-US">
                 <a:solidFill>
-                  <a:srgbClr val="00B0F0"/>
+                  <a:srgbClr val="FFC000"/>
                 </a:solidFill>
               </a:rPr>
-              <a:t>方法</a:t>
-            </a:r>
-            <a:r>
-              <a:rPr lang="zh-TW" altLang="en-US"/>
-              <a:t>中使用</a:t>
+              <a:t>建立</a:t>
             </a:r>
             <a:r>
               <a:rPr lang="zh-TW" altLang="en-US">
@@ -10774,18 +12684,46 @@
             </a:r>
             <a:r>
               <a:rPr lang="zh-TW" altLang="en-US"/>
-              <a:t>，格式如下：</a:t>
+              <a:t>或</a:t>
             </a:r>
-            <a:endParaRPr lang="en-US" altLang="zh-TW"/>
+            <a:r>
+              <a:rPr lang="zh-TW" altLang="en-US">
+                <a:solidFill>
+                  <a:srgbClr val="00B0F0"/>
+                </a:solidFill>
+              </a:rPr>
+              <a:t>泛型陣列</a:t>
+            </a:r>
+            <a:r>
+              <a:rPr lang="zh-TW" altLang="en-US"/>
+              <a:t>的</a:t>
+            </a:r>
+            <a:r>
+              <a:rPr lang="zh-TW" altLang="en-US">
+                <a:solidFill>
+                  <a:srgbClr val="00B0F0"/>
+                </a:solidFill>
+              </a:rPr>
+              <a:t>新實例</a:t>
+            </a:r>
+            <a:r>
+              <a:rPr lang="zh-TW" altLang="en-US"/>
+              <a:t>：</a:t>
+            </a:r>
+            <a:endParaRPr lang="en-US" altLang="zh-TW">
+              <a:solidFill>
+                <a:srgbClr val="00B0F0"/>
+              </a:solidFill>
+            </a:endParaRPr>
           </a:p>
         </p:txBody>
       </p:sp>
       <p:grpSp>
         <p:nvGrpSpPr>
-          <p:cNvPr id="4" name="群組 3">
+          <p:cNvPr id="10" name="群組 9">
             <a:extLst>
               <a:ext uri="{FF2B5EF4-FFF2-40B4-BE49-F238E27FC236}">
-                <a16:creationId xmlns:a16="http://schemas.microsoft.com/office/drawing/2014/main" id="{F5FE39D8-0FCD-4010-AA0B-AFB1411B9D89}"/>
+                <a16:creationId xmlns:a16="http://schemas.microsoft.com/office/drawing/2014/main" id="{EBA6F927-85E3-4E9F-AB9E-4B758DE88F50}"/>
               </a:ext>
             </a:extLst>
           </p:cNvPr>
@@ -10794,18 +12732,18 @@
         </p:nvGrpSpPr>
         <p:grpSpPr>
           <a:xfrm>
-            <a:off x="345900" y="5162963"/>
-            <a:ext cx="11563712" cy="1015663"/>
-            <a:chOff x="5888026" y="4614916"/>
-            <a:chExt cx="11563712" cy="1015663"/>
+            <a:off x="838199" y="4281489"/>
+            <a:ext cx="10600765" cy="1938992"/>
+            <a:chOff x="838199" y="4428565"/>
+            <a:chExt cx="10600765" cy="1938992"/>
           </a:xfrm>
         </p:grpSpPr>
         <p:sp>
           <p:nvSpPr>
-            <p:cNvPr id="5" name="Rectangle 2">
+            <p:cNvPr id="9" name="Rectangle 2">
               <a:extLst>
                 <a:ext uri="{FF2B5EF4-FFF2-40B4-BE49-F238E27FC236}">
-                  <a16:creationId xmlns:a16="http://schemas.microsoft.com/office/drawing/2014/main" id="{8E5B0F58-5910-43A5-8CF9-660D634A746E}"/>
+                  <a16:creationId xmlns:a16="http://schemas.microsoft.com/office/drawing/2014/main" id="{B9A00FEB-7486-467D-883A-3F80DE45AF57}"/>
                 </a:ext>
               </a:extLst>
             </p:cNvPr>
@@ -10816,8 +12754,8 @@
           </p:nvSpPr>
           <p:spPr bwMode="auto">
             <a:xfrm>
-              <a:off x="5888026" y="4614916"/>
-              <a:ext cx="11563712" cy="1015663"/>
+              <a:off x="838199" y="4428565"/>
+              <a:ext cx="10600765" cy="1938992"/>
             </a:xfrm>
             <a:prstGeom prst="rect">
               <a:avLst/>
@@ -10877,336 +12815,268 @@
                 <a:tabLst/>
               </a:pPr>
               <a:r>
-                <a:rPr kumimoji="0" lang="zh-TW" altLang="en-US" sz="2000" b="0" i="0" u="none" strike="noStrike" cap="none" normalizeH="0" baseline="0">
-                  <a:ln>
-                    <a:noFill/>
-                  </a:ln>
-                  <a:solidFill>
-                    <a:srgbClr val="FFC000"/>
-                  </a:solidFill>
-                  <a:effectLst/>
-                  <a:latin typeface="+mj-lt"/>
-                  <a:ea typeface="微軟正黑體" panose="020B0604030504040204" pitchFamily="34" charset="-120"/>
-                </a:rPr>
-                <a:t>修飾子 </a:t>
-              </a:r>
-              <a:r>
-                <a:rPr lang="en-US" altLang="zh-TW" sz="2000">
-                  <a:solidFill>
-                    <a:srgbClr val="BCBEC4"/>
-                  </a:solidFill>
-                  <a:latin typeface="+mj-lt"/>
-                  <a:ea typeface="微軟正黑體" panose="020B0604030504040204" pitchFamily="34" charset="-120"/>
-                  <a:cs typeface="JetBrains Mono" panose="02000009000000000000" pitchFamily="49" charset="0"/>
-                </a:rPr>
-                <a:t>&lt;</a:t>
-              </a:r>
-              <a:r>
-                <a:rPr lang="zh-TW" altLang="en-US" sz="2000">
-                  <a:solidFill>
-                    <a:srgbClr val="92D050"/>
-                  </a:solidFill>
-                  <a:latin typeface="+mj-lt"/>
-                  <a:ea typeface="微軟正黑體" panose="020B0604030504040204" pitchFamily="34" charset="-120"/>
-                  <a:cs typeface="JetBrains Mono" panose="02000009000000000000" pitchFamily="49" charset="0"/>
-                </a:rPr>
-                <a:t>泛型代號</a:t>
-              </a:r>
-              <a:r>
-                <a:rPr lang="en-US" altLang="zh-TW" sz="2000">
-                  <a:solidFill>
-                    <a:srgbClr val="92D050"/>
-                  </a:solidFill>
-                  <a:latin typeface="+mj-lt"/>
-                  <a:ea typeface="微軟正黑體" panose="020B0604030504040204" pitchFamily="34" charset="-120"/>
-                  <a:cs typeface="JetBrains Mono" panose="02000009000000000000" pitchFamily="49" charset="0"/>
-                </a:rPr>
-                <a:t>1</a:t>
-              </a:r>
-              <a:r>
-                <a:rPr lang="en-US" altLang="zh-TW" sz="2000">
-                  <a:solidFill>
-                    <a:srgbClr val="BCBEC4"/>
-                  </a:solidFill>
-                  <a:latin typeface="+mj-lt"/>
-                  <a:ea typeface="微軟正黑體" panose="020B0604030504040204" pitchFamily="34" charset="-120"/>
-                  <a:cs typeface="JetBrains Mono" panose="02000009000000000000" pitchFamily="49" charset="0"/>
-                </a:rPr>
-                <a:t>, </a:t>
-              </a:r>
-              <a:r>
-                <a:rPr lang="zh-TW" altLang="en-US" sz="2000">
-                  <a:solidFill>
-                    <a:srgbClr val="92D050"/>
-                  </a:solidFill>
-                  <a:latin typeface="+mj-lt"/>
-                  <a:ea typeface="微軟正黑體" panose="020B0604030504040204" pitchFamily="34" charset="-120"/>
-                  <a:cs typeface="JetBrains Mono" panose="02000009000000000000" pitchFamily="49" charset="0"/>
-                </a:rPr>
-                <a:t>泛型代號</a:t>
-              </a:r>
-              <a:r>
-                <a:rPr lang="en-US" altLang="zh-TW" sz="2000">
-                  <a:solidFill>
-                    <a:srgbClr val="92D050"/>
-                  </a:solidFill>
-                  <a:latin typeface="+mj-lt"/>
-                  <a:ea typeface="微軟正黑體" panose="020B0604030504040204" pitchFamily="34" charset="-120"/>
-                  <a:cs typeface="JetBrains Mono" panose="02000009000000000000" pitchFamily="49" charset="0"/>
-                </a:rPr>
-                <a:t>2</a:t>
-              </a:r>
-              <a:r>
-                <a:rPr lang="en-US" altLang="zh-TW" sz="2000">
-                  <a:solidFill>
-                    <a:srgbClr val="BCBEC4"/>
-                  </a:solidFill>
-                  <a:latin typeface="+mj-lt"/>
-                  <a:ea typeface="微軟正黑體" panose="020B0604030504040204" pitchFamily="34" charset="-120"/>
-                  <a:cs typeface="JetBrains Mono" panose="02000009000000000000" pitchFamily="49" charset="0"/>
-                </a:rPr>
-                <a:t>, </a:t>
-              </a:r>
-              <a:r>
-                <a:rPr lang="en-US" altLang="zh-TW" sz="2000">
-                  <a:solidFill>
-                    <a:srgbClr val="92D050"/>
-                  </a:solidFill>
-                  <a:latin typeface="+mj-lt"/>
-                  <a:ea typeface="微軟正黑體" panose="020B0604030504040204" pitchFamily="34" charset="-120"/>
-                  <a:cs typeface="JetBrains Mono" panose="02000009000000000000" pitchFamily="49" charset="0"/>
-                </a:rPr>
-                <a:t>...</a:t>
-              </a:r>
-              <a:r>
-                <a:rPr lang="en-US" altLang="zh-TW" sz="2000">
-                  <a:solidFill>
-                    <a:srgbClr val="BCBEC4"/>
-                  </a:solidFill>
-                  <a:latin typeface="+mj-lt"/>
-                  <a:ea typeface="微軟正黑體" panose="020B0604030504040204" pitchFamily="34" charset="-120"/>
-                  <a:cs typeface="JetBrains Mono" panose="02000009000000000000" pitchFamily="49" charset="0"/>
-                </a:rPr>
-                <a:t>, </a:t>
-              </a:r>
-              <a:r>
-                <a:rPr lang="zh-TW" altLang="en-US" sz="2000">
-                  <a:solidFill>
-                    <a:srgbClr val="92D050"/>
-                  </a:solidFill>
-                  <a:latin typeface="+mj-lt"/>
-                  <a:ea typeface="微軟正黑體" panose="020B0604030504040204" pitchFamily="34" charset="-120"/>
-                  <a:cs typeface="JetBrains Mono" panose="02000009000000000000" pitchFamily="49" charset="0"/>
-                </a:rPr>
-                <a:t>泛型代號</a:t>
-              </a:r>
-              <a:r>
-                <a:rPr lang="en-US" altLang="zh-TW" sz="2000">
-                  <a:solidFill>
-                    <a:srgbClr val="92D050"/>
-                  </a:solidFill>
-                  <a:latin typeface="+mj-lt"/>
-                  <a:ea typeface="微軟正黑體" panose="020B0604030504040204" pitchFamily="34" charset="-120"/>
-                  <a:cs typeface="JetBrains Mono" panose="02000009000000000000" pitchFamily="49" charset="0"/>
-                </a:rPr>
-                <a:t>n</a:t>
-              </a:r>
-              <a:r>
-                <a:rPr lang="en-US" altLang="zh-TW" sz="2000">
-                  <a:solidFill>
-                    <a:srgbClr val="BCBEC4"/>
-                  </a:solidFill>
-                  <a:latin typeface="+mj-lt"/>
-                  <a:ea typeface="微軟正黑體" panose="020B0604030504040204" pitchFamily="34" charset="-120"/>
-                  <a:cs typeface="JetBrains Mono" panose="02000009000000000000" pitchFamily="49" charset="0"/>
-                </a:rPr>
-                <a:t>&gt;</a:t>
-              </a:r>
-              <a:r>
-                <a:rPr kumimoji="0" lang="zh-TW" altLang="en-US" sz="2000" b="0" i="0" u="none" strike="noStrike" cap="none" normalizeH="0" baseline="0">
-                  <a:ln>
-                    <a:noFill/>
-                  </a:ln>
-                  <a:solidFill>
-                    <a:srgbClr val="FFC000"/>
-                  </a:solidFill>
-                  <a:effectLst/>
-                  <a:latin typeface="+mj-lt"/>
-                  <a:ea typeface="微軟正黑體" panose="020B0604030504040204" pitchFamily="34" charset="-120"/>
+                <a:rPr kumimoji="0" lang="zh-TW" altLang="zh-TW" sz="2400" b="0" i="0" u="none" strike="noStrike" cap="none" normalizeH="0" baseline="0">
+                  <a:ln>
+                    <a:noFill/>
+                  </a:ln>
+                  <a:solidFill>
+                    <a:srgbClr val="CF8E6D"/>
+                  </a:solidFill>
+                  <a:effectLst/>
+                  <a:latin typeface="+mj-lt"/>
+                  <a:cs typeface="JetBrains Mono" panose="02000009000000000000" pitchFamily="49" charset="0"/>
+                </a:rPr>
+                <a:t>new </a:t>
+              </a:r>
+              <a:r>
+                <a:rPr kumimoji="0" lang="zh-TW" altLang="zh-TW" sz="2400" b="0" i="0" u="none" strike="noStrike" cap="none" normalizeH="0" baseline="0">
+                  <a:ln>
+                    <a:noFill/>
+                  </a:ln>
+                  <a:solidFill>
+                    <a:srgbClr val="BCBEC4"/>
+                  </a:solidFill>
+                  <a:effectLst/>
+                  <a:latin typeface="+mj-lt"/>
+                  <a:cs typeface="JetBrains Mono" panose="02000009000000000000" pitchFamily="49" charset="0"/>
+                </a:rPr>
+                <a:t>T();</a:t>
+              </a:r>
+              <a:br>
+                <a:rPr kumimoji="0" lang="zh-TW" altLang="zh-TW" sz="2400" b="0" i="0" u="none" strike="noStrike" cap="none" normalizeH="0" baseline="0">
+                  <a:ln>
+                    <a:noFill/>
+                  </a:ln>
+                  <a:solidFill>
+                    <a:srgbClr val="BCBEC4"/>
+                  </a:solidFill>
+                  <a:effectLst/>
+                  <a:latin typeface="+mj-lt"/>
+                  <a:cs typeface="JetBrains Mono" panose="02000009000000000000" pitchFamily="49" charset="0"/>
+                </a:rPr>
+              </a:br>
+              <a:r>
+                <a:rPr kumimoji="0" lang="zh-TW" altLang="zh-TW" sz="2400" b="0" i="0" u="none" strike="noStrike" cap="none" normalizeH="0" baseline="0">
+                  <a:ln>
+                    <a:noFill/>
+                  </a:ln>
+                  <a:solidFill>
+                    <a:srgbClr val="CF8E6D"/>
+                  </a:solidFill>
+                  <a:effectLst/>
+                  <a:latin typeface="+mj-lt"/>
+                  <a:cs typeface="JetBrains Mono" panose="02000009000000000000" pitchFamily="49" charset="0"/>
+                </a:rPr>
+                <a:t>new </a:t>
+              </a:r>
+              <a:r>
+                <a:rPr kumimoji="0" lang="zh-TW" altLang="zh-TW" sz="2400" b="0" i="0" u="none" strike="noStrike" cap="none" normalizeH="0" baseline="0">
+                  <a:ln>
+                    <a:noFill/>
+                  </a:ln>
+                  <a:solidFill>
+                    <a:srgbClr val="BCBEC4"/>
+                  </a:solidFill>
+                  <a:effectLst/>
+                  <a:latin typeface="+mj-lt"/>
+                  <a:cs typeface="JetBrains Mono" panose="02000009000000000000" pitchFamily="49" charset="0"/>
+                </a:rPr>
+                <a:t>T[</a:t>
+              </a:r>
+              <a:r>
+                <a:rPr kumimoji="0" lang="zh-TW" altLang="zh-TW" sz="2400" b="0" i="0" u="none" strike="noStrike" cap="none" normalizeH="0" baseline="0">
+                  <a:ln>
+                    <a:noFill/>
+                  </a:ln>
+                  <a:solidFill>
+                    <a:srgbClr val="2AACB8"/>
+                  </a:solidFill>
+                  <a:effectLst/>
+                  <a:latin typeface="+mj-lt"/>
+                  <a:cs typeface="JetBrains Mono" panose="02000009000000000000" pitchFamily="49" charset="0"/>
+                </a:rPr>
+                <a:t>5</a:t>
+              </a:r>
+              <a:r>
+                <a:rPr kumimoji="0" lang="zh-TW" altLang="zh-TW" sz="2400" b="0" i="0" u="none" strike="noStrike" cap="none" normalizeH="0" baseline="0">
+                  <a:ln>
+                    <a:noFill/>
+                  </a:ln>
+                  <a:solidFill>
+                    <a:srgbClr val="BCBEC4"/>
+                  </a:solidFill>
+                  <a:effectLst/>
+                  <a:latin typeface="+mj-lt"/>
+                  <a:cs typeface="JetBrains Mono" panose="02000009000000000000" pitchFamily="49" charset="0"/>
+                </a:rPr>
+                <a:t>];</a:t>
+              </a:r>
+              <a:br>
+                <a:rPr kumimoji="0" lang="zh-TW" altLang="zh-TW" sz="2400" b="0" i="0" u="none" strike="noStrike" cap="none" normalizeH="0" baseline="0">
+                  <a:ln>
+                    <a:noFill/>
+                  </a:ln>
+                  <a:solidFill>
+                    <a:srgbClr val="BCBEC4"/>
+                  </a:solidFill>
+                  <a:effectLst/>
+                  <a:latin typeface="+mj-lt"/>
+                  <a:cs typeface="JetBrains Mono" panose="02000009000000000000" pitchFamily="49" charset="0"/>
+                </a:rPr>
+              </a:br>
+              <a:r>
+                <a:rPr kumimoji="0" lang="zh-TW" altLang="zh-TW" sz="2400" b="0" i="0" u="none" strike="noStrike" cap="none" normalizeH="0" baseline="0">
+                  <a:ln>
+                    <a:noFill/>
+                  </a:ln>
+                  <a:solidFill>
+                    <a:srgbClr val="7A7E85"/>
+                  </a:solidFill>
+                  <a:effectLst/>
+                  <a:latin typeface="+mj-lt"/>
+                  <a:cs typeface="JetBrains Mono" panose="02000009000000000000" pitchFamily="49" charset="0"/>
+                </a:rPr>
+                <a:t>//</a:t>
+              </a:r>
+              <a:r>
+                <a:rPr kumimoji="0" lang="zh-TW" altLang="en-US" sz="2400" b="0" i="0" u="none" strike="noStrike" cap="none" normalizeH="0" baseline="0">
+                  <a:ln>
+                    <a:noFill/>
+                  </a:ln>
+                  <a:solidFill>
+                    <a:srgbClr val="7A7E85"/>
+                  </a:solidFill>
+                  <a:effectLst/>
+                  <a:latin typeface="+mj-lt"/>
+                  <a:cs typeface="JetBrains Mono" panose="02000009000000000000" pitchFamily="49" charset="0"/>
                 </a:rPr>
                 <a:t> </a:t>
               </a:r>
               <a:r>
-                <a:rPr kumimoji="0" lang="zh-TW" altLang="zh-TW" sz="2000" b="0" i="0" u="none" strike="noStrike" cap="none" normalizeH="0" baseline="0">
-                  <a:ln>
-                    <a:noFill/>
-                  </a:ln>
-                  <a:solidFill>
-                    <a:srgbClr val="FFC000"/>
-                  </a:solidFill>
-                  <a:effectLst/>
-                  <a:latin typeface="+mj-lt"/>
-                  <a:ea typeface="微軟正黑體" panose="020B0604030504040204" pitchFamily="34" charset="-120"/>
-                </a:rPr>
-                <a:t>返回值型別 </a:t>
-              </a:r>
-              <a:r>
-                <a:rPr kumimoji="0" lang="zh-TW" altLang="en-US" sz="2000" b="0" i="0" u="none" strike="noStrike" cap="none" normalizeH="0" baseline="0">
-                  <a:ln>
-                    <a:noFill/>
-                  </a:ln>
-                  <a:solidFill>
-                    <a:srgbClr val="56A8F5"/>
-                  </a:solidFill>
-                  <a:effectLst/>
-                  <a:latin typeface="+mj-lt"/>
-                  <a:ea typeface="微軟正黑體" panose="020B0604030504040204" pitchFamily="34" charset="-120"/>
-                </a:rPr>
-                <a:t>方法</a:t>
-              </a:r>
-              <a:r>
-                <a:rPr kumimoji="0" lang="zh-TW" altLang="zh-TW" sz="2000" b="0" i="0" u="none" strike="noStrike" cap="none" normalizeH="0" baseline="0">
-                  <a:ln>
-                    <a:noFill/>
-                  </a:ln>
-                  <a:solidFill>
-                    <a:srgbClr val="56A8F5"/>
-                  </a:solidFill>
-                  <a:effectLst/>
-                  <a:latin typeface="+mj-lt"/>
-                  <a:ea typeface="微軟正黑體" panose="020B0604030504040204" pitchFamily="34" charset="-120"/>
-                </a:rPr>
-                <a:t>名稱</a:t>
-              </a:r>
-              <a:r>
-                <a:rPr kumimoji="0" lang="zh-TW" altLang="zh-TW" sz="2000" b="0" i="0" u="none" strike="noStrike" cap="none" normalizeH="0" baseline="0">
-                  <a:ln>
-                    <a:noFill/>
-                  </a:ln>
-                  <a:solidFill>
-                    <a:srgbClr val="BCBEC4"/>
-                  </a:solidFill>
-                  <a:effectLst/>
-                  <a:latin typeface="+mj-lt"/>
-                  <a:ea typeface="微軟正黑體" panose="020B0604030504040204" pitchFamily="34" charset="-120"/>
-                  <a:cs typeface="JetBrains Mono" panose="02000009000000000000" pitchFamily="49" charset="0"/>
-                </a:rPr>
-                <a:t>(</a:t>
-              </a:r>
-              <a:r>
-                <a:rPr kumimoji="0" lang="zh-TW" altLang="zh-TW" sz="2000" b="0" i="0" u="none" strike="noStrike" cap="none" normalizeH="0" baseline="0">
-                  <a:ln>
-                    <a:noFill/>
-                  </a:ln>
-                  <a:solidFill>
-                    <a:srgbClr val="92D050"/>
-                  </a:solidFill>
-                  <a:effectLst/>
-                  <a:latin typeface="+mj-lt"/>
-                  <a:ea typeface="微軟正黑體" panose="020B0604030504040204" pitchFamily="34" charset="-120"/>
-                  <a:cs typeface="JetBrains Mono" panose="02000009000000000000" pitchFamily="49" charset="0"/>
-                </a:rPr>
-                <a:t>...</a:t>
-              </a:r>
-              <a:r>
-                <a:rPr kumimoji="0" lang="zh-TW" altLang="zh-TW" sz="2000" b="0" i="0" u="none" strike="noStrike" cap="none" normalizeH="0" baseline="0">
-                  <a:ln>
-                    <a:noFill/>
-                  </a:ln>
-                  <a:solidFill>
-                    <a:srgbClr val="BCBEC4"/>
-                  </a:solidFill>
-                  <a:effectLst/>
-                  <a:latin typeface="+mj-lt"/>
-                  <a:ea typeface="微軟正黑體" panose="020B0604030504040204" pitchFamily="34" charset="-120"/>
-                  <a:cs typeface="JetBrains Mono" panose="02000009000000000000" pitchFamily="49" charset="0"/>
-                </a:rPr>
-                <a:t>)</a:t>
-              </a:r>
-              <a:r>
-                <a:rPr lang="zh-TW" altLang="en-US" sz="2000">
-                  <a:solidFill>
-                    <a:srgbClr val="BCBEC4"/>
-                  </a:solidFill>
-                  <a:latin typeface="+mj-lt"/>
-                  <a:ea typeface="微軟正黑體" panose="020B0604030504040204" pitchFamily="34" charset="-120"/>
-                  <a:cs typeface="JetBrains Mono" panose="02000009000000000000" pitchFamily="49" charset="0"/>
-                </a:rPr>
-                <a:t> </a:t>
-              </a:r>
-              <a:r>
-                <a:rPr lang="en-US" altLang="zh-TW" sz="2000">
-                  <a:solidFill>
-                    <a:srgbClr val="BCBEC4"/>
-                  </a:solidFill>
-                  <a:latin typeface="+mj-lt"/>
-                  <a:ea typeface="微軟正黑體" panose="020B0604030504040204" pitchFamily="34" charset="-120"/>
-                  <a:cs typeface="JetBrains Mono" panose="02000009000000000000" pitchFamily="49" charset="0"/>
-                </a:rPr>
-                <a:t>{</a:t>
-              </a:r>
-            </a:p>
-            <a:p>
-              <a:pPr eaLnBrk="0" fontAlgn="base" hangingPunct="0">
-                <a:spcBef>
-                  <a:spcPct val="0"/>
-                </a:spcBef>
-                <a:spcAft>
-                  <a:spcPct val="0"/>
-                </a:spcAft>
-              </a:pPr>
-              <a:r>
-                <a:rPr kumimoji="0" lang="zh-TW" altLang="en-US" sz="2000" b="0" i="0" u="none" strike="noStrike" cap="none" normalizeH="0" baseline="0">
-                  <a:ln>
-                    <a:noFill/>
-                  </a:ln>
-                  <a:solidFill>
-                    <a:srgbClr val="BCBEC4"/>
-                  </a:solidFill>
-                  <a:effectLst/>
-                  <a:latin typeface="+mj-lt"/>
-                  <a:ea typeface="微軟正黑體" panose="020B0604030504040204" pitchFamily="34" charset="-120"/>
-                  <a:cs typeface="JetBrains Mono" panose="02000009000000000000" pitchFamily="49" charset="0"/>
-                </a:rPr>
-                <a:t>    </a:t>
-              </a:r>
-              <a:r>
-                <a:rPr kumimoji="0" lang="en-US" altLang="zh-TW" sz="2000" b="0" i="0" u="none" strike="noStrike" cap="none" normalizeH="0" baseline="0">
-                  <a:ln>
-                    <a:noFill/>
-                  </a:ln>
-                  <a:solidFill>
-                    <a:srgbClr val="FFFF00"/>
-                  </a:solidFill>
-                  <a:effectLst/>
-                  <a:latin typeface="+mj-lt"/>
-                  <a:ea typeface="微軟正黑體" panose="020B0604030504040204" pitchFamily="34" charset="-120"/>
-                  <a:cs typeface="JetBrains Mono" panose="02000009000000000000" pitchFamily="49" charset="0"/>
-                </a:rPr>
-                <a:t>...</a:t>
-              </a:r>
-            </a:p>
-            <a:p>
-              <a:pPr eaLnBrk="0" fontAlgn="base" hangingPunct="0">
-                <a:spcBef>
-                  <a:spcPct val="0"/>
-                </a:spcBef>
-                <a:spcAft>
-                  <a:spcPct val="0"/>
-                </a:spcAft>
-              </a:pPr>
-              <a:r>
-                <a:rPr lang="en-US" altLang="zh-TW" sz="2000">
-                  <a:solidFill>
-                    <a:srgbClr val="BCBEC4"/>
-                  </a:solidFill>
-                  <a:latin typeface="+mj-lt"/>
-                  <a:ea typeface="微軟正黑體" panose="020B0604030504040204" pitchFamily="34" charset="-120"/>
-                  <a:cs typeface="JetBrains Mono" panose="02000009000000000000" pitchFamily="49" charset="0"/>
-                </a:rPr>
-                <a:t>}</a:t>
-              </a:r>
-              <a:endParaRPr kumimoji="0" lang="zh-TW" altLang="zh-TW" sz="2000" b="0" i="0" u="none" strike="noStrike" cap="none" normalizeH="0" baseline="0">
+                <a:rPr kumimoji="0" lang="zh-TW" altLang="zh-TW" sz="2400" b="0" i="0" u="none" strike="noStrike" cap="none" normalizeH="0" baseline="0">
+                  <a:ln>
+                    <a:noFill/>
+                  </a:ln>
+                  <a:solidFill>
+                    <a:srgbClr val="7A7E85"/>
+                  </a:solidFill>
+                  <a:effectLst/>
+                  <a:latin typeface="+mj-lt"/>
+                  <a:cs typeface="JetBrains Mono" panose="02000009000000000000" pitchFamily="49" charset="0"/>
+                </a:rPr>
+                <a:t>java: unexpected type</a:t>
+              </a:r>
+              <a:br>
+                <a:rPr kumimoji="0" lang="zh-TW" altLang="zh-TW" sz="2400" b="0" i="0" u="none" strike="noStrike" cap="none" normalizeH="0" baseline="0">
+                  <a:ln>
+                    <a:noFill/>
+                  </a:ln>
+                  <a:solidFill>
+                    <a:srgbClr val="7A7E85"/>
+                  </a:solidFill>
+                  <a:effectLst/>
+                  <a:latin typeface="+mj-lt"/>
+                  <a:cs typeface="JetBrains Mono" panose="02000009000000000000" pitchFamily="49" charset="0"/>
+                </a:rPr>
+              </a:br>
+              <a:r>
+                <a:rPr kumimoji="0" lang="zh-TW" altLang="zh-TW" sz="2400" b="0" i="0" u="none" strike="noStrike" cap="none" normalizeH="0" baseline="0">
+                  <a:ln>
+                    <a:noFill/>
+                  </a:ln>
+                  <a:solidFill>
+                    <a:srgbClr val="7A7E85"/>
+                  </a:solidFill>
+                  <a:effectLst/>
+                  <a:latin typeface="+mj-lt"/>
+                  <a:cs typeface="JetBrains Mono" panose="02000009000000000000" pitchFamily="49" charset="0"/>
+                </a:rPr>
+                <a:t>//</a:t>
+              </a:r>
+              <a:r>
+                <a:rPr kumimoji="0" lang="zh-TW" altLang="en-US" sz="2400" b="0" i="0" u="none" strike="noStrike" cap="none" normalizeH="0" baseline="0">
+                  <a:ln>
+                    <a:noFill/>
+                  </a:ln>
+                  <a:solidFill>
+                    <a:srgbClr val="7A7E85"/>
+                  </a:solidFill>
+                  <a:effectLst/>
+                  <a:latin typeface="+mj-lt"/>
+                  <a:cs typeface="JetBrains Mono" panose="02000009000000000000" pitchFamily="49" charset="0"/>
+                </a:rPr>
+                <a:t>   </a:t>
+              </a:r>
+              <a:r>
+                <a:rPr kumimoji="0" lang="zh-TW" altLang="zh-TW" sz="2400" b="0" i="0" u="none" strike="noStrike" cap="none" normalizeH="0" baseline="0">
+                  <a:ln>
+                    <a:noFill/>
+                  </a:ln>
+                  <a:solidFill>
+                    <a:srgbClr val="7A7E85"/>
+                  </a:solidFill>
+                  <a:effectLst/>
+                  <a:latin typeface="+mj-lt"/>
+                  <a:cs typeface="JetBrains Mono" panose="02000009000000000000" pitchFamily="49" charset="0"/>
+                </a:rPr>
+                <a:t>required: class</a:t>
+              </a:r>
+              <a:br>
+                <a:rPr kumimoji="0" lang="zh-TW" altLang="zh-TW" sz="2400" b="0" i="0" u="none" strike="noStrike" cap="none" normalizeH="0" baseline="0">
+                  <a:ln>
+                    <a:noFill/>
+                  </a:ln>
+                  <a:solidFill>
+                    <a:srgbClr val="7A7E85"/>
+                  </a:solidFill>
+                  <a:effectLst/>
+                  <a:latin typeface="+mj-lt"/>
+                  <a:cs typeface="JetBrains Mono" panose="02000009000000000000" pitchFamily="49" charset="0"/>
+                </a:rPr>
+              </a:br>
+              <a:r>
+                <a:rPr kumimoji="0" lang="zh-TW" altLang="zh-TW" sz="2400" b="0" i="0" u="none" strike="noStrike" cap="none" normalizeH="0" baseline="0">
+                  <a:ln>
+                    <a:noFill/>
+                  </a:ln>
+                  <a:solidFill>
+                    <a:srgbClr val="7A7E85"/>
+                  </a:solidFill>
+                  <a:effectLst/>
+                  <a:latin typeface="+mj-lt"/>
+                  <a:cs typeface="JetBrains Mono" panose="02000009000000000000" pitchFamily="49" charset="0"/>
+                </a:rPr>
+                <a:t>//</a:t>
+              </a:r>
+              <a:r>
+                <a:rPr kumimoji="0" lang="zh-TW" altLang="en-US" sz="2400" b="0" i="0" u="none" strike="noStrike" cap="none" normalizeH="0" baseline="0">
+                  <a:ln>
+                    <a:noFill/>
+                  </a:ln>
+                  <a:solidFill>
+                    <a:srgbClr val="7A7E85"/>
+                  </a:solidFill>
+                  <a:effectLst/>
+                  <a:latin typeface="+mj-lt"/>
+                  <a:cs typeface="JetBrains Mono" panose="02000009000000000000" pitchFamily="49" charset="0"/>
+                </a:rPr>
+                <a:t>   </a:t>
+              </a:r>
+              <a:r>
+                <a:rPr kumimoji="0" lang="zh-TW" altLang="zh-TW" sz="2400" b="0" i="0" u="none" strike="noStrike" cap="none" normalizeH="0" baseline="0">
+                  <a:ln>
+                    <a:noFill/>
+                  </a:ln>
+                  <a:solidFill>
+                    <a:srgbClr val="7A7E85"/>
+                  </a:solidFill>
+                  <a:effectLst/>
+                  <a:latin typeface="+mj-lt"/>
+                  <a:cs typeface="JetBrains Mono" panose="02000009000000000000" pitchFamily="49" charset="0"/>
+                </a:rPr>
+                <a:t>found:    type parameter T</a:t>
+              </a:r>
+              <a:endParaRPr kumimoji="0" lang="zh-TW" altLang="zh-TW" sz="3600" b="0" i="0" u="none" strike="noStrike" cap="none" normalizeH="0" baseline="0">
                 <a:ln>
                   <a:noFill/>
                 </a:ln>
@@ -11221,10 +13091,10 @@
         </p:sp>
         <p:sp>
           <p:nvSpPr>
-            <p:cNvPr id="6" name="文字方塊 5">
+            <p:cNvPr id="24" name="文字方塊 23">
               <a:extLst>
                 <a:ext uri="{FF2B5EF4-FFF2-40B4-BE49-F238E27FC236}">
-                  <a16:creationId xmlns:a16="http://schemas.microsoft.com/office/drawing/2014/main" id="{2D3E866C-0561-4215-915F-EBC44131E589}"/>
+                  <a16:creationId xmlns:a16="http://schemas.microsoft.com/office/drawing/2014/main" id="{6E6A08D9-7748-4DF1-BE6D-39AB2CC12A89}"/>
                 </a:ext>
               </a:extLst>
             </p:cNvPr>
@@ -11233,7 +13103,7 @@
           </p:nvSpPr>
           <p:spPr>
             <a:xfrm>
-              <a:off x="16818231" y="5292025"/>
+              <a:off x="10805457" y="6029003"/>
               <a:ext cx="633507" cy="338554"/>
             </a:xfrm>
             <a:prstGeom prst="rect">
@@ -11266,12 +13136,133 @@
           </p:txBody>
         </p:sp>
       </p:grpSp>
+    </p:spTree>
+    <p:extLst>
+      <p:ext uri="{BB962C8B-B14F-4D97-AF65-F5344CB8AC3E}">
+        <p14:creationId xmlns:p14="http://schemas.microsoft.com/office/powerpoint/2010/main" val="495754616"/>
+      </p:ext>
+    </p:extLst>
+  </p:cSld>
+  <p:clrMapOvr>
+    <a:masterClrMapping/>
+  </p:clrMapOvr>
+  <p:transition spd="slow">
+    <p:push dir="u"/>
+  </p:transition>
+</p:sld>
+</file>
+
+<file path=ppt/slides/slide3.xml><?xml version="1.0" encoding="utf-8"?>
+<p:sld xmlns:a="http://schemas.openxmlformats.org/drawingml/2006/main" xmlns:r="http://schemas.openxmlformats.org/officeDocument/2006/relationships" xmlns:p="http://schemas.openxmlformats.org/presentationml/2006/main">
+  <p:cSld>
+    <p:spTree>
+      <p:nvGrpSpPr>
+        <p:cNvPr id="1" name=""/>
+        <p:cNvGrpSpPr/>
+        <p:nvPr/>
+      </p:nvGrpSpPr>
+      <p:grpSpPr>
+        <a:xfrm>
+          <a:off x="0" y="0"/>
+          <a:ext cx="0" cy="0"/>
+          <a:chOff x="0" y="0"/>
+          <a:chExt cx="0" cy="0"/>
+        </a:xfrm>
+      </p:grpSpPr>
+      <p:sp>
+        <p:nvSpPr>
+          <p:cNvPr id="2" name="標題 1">
+            <a:extLst>
+              <a:ext uri="{FF2B5EF4-FFF2-40B4-BE49-F238E27FC236}">
+                <a16:creationId xmlns:a16="http://schemas.microsoft.com/office/drawing/2014/main" id="{2D1D34B3-AF1F-48F1-8B31-86885831A3F2}"/>
+              </a:ext>
+            </a:extLst>
+          </p:cNvPr>
+          <p:cNvSpPr>
+            <a:spLocks noGrp="1"/>
+          </p:cNvSpPr>
+          <p:nvPr>
+            <p:ph type="title"/>
+          </p:nvPr>
+        </p:nvSpPr>
+        <p:spPr/>
+        <p:txBody>
+          <a:bodyPr/>
+          <a:lstStyle/>
+          <a:p>
+            <a:r>
+              <a:rPr lang="zh-TW" altLang="en-US"/>
+              <a:t>泛型方法</a:t>
+            </a:r>
+          </a:p>
+        </p:txBody>
+      </p:sp>
+      <p:sp>
+        <p:nvSpPr>
+          <p:cNvPr id="21" name="內容版面配置區 20">
+            <a:extLst>
+              <a:ext uri="{FF2B5EF4-FFF2-40B4-BE49-F238E27FC236}">
+                <a16:creationId xmlns:a16="http://schemas.microsoft.com/office/drawing/2014/main" id="{9324AA72-7A54-4C8E-8592-B1DAEFC6A8E5}"/>
+              </a:ext>
+            </a:extLst>
+          </p:cNvPr>
+          <p:cNvSpPr>
+            <a:spLocks noGrp="1"/>
+          </p:cNvSpPr>
+          <p:nvPr>
+            <p:ph idx="1"/>
+          </p:nvPr>
+        </p:nvSpPr>
+        <p:spPr>
+          <a:xfrm>
+            <a:off x="345900" y="1511153"/>
+            <a:ext cx="11563711" cy="514236"/>
+          </a:xfrm>
+        </p:spPr>
+        <p:txBody>
+          <a:bodyPr>
+            <a:normAutofit/>
+          </a:bodyPr>
+          <a:lstStyle/>
+          <a:p>
+            <a:r>
+              <a:rPr lang="zh-TW" altLang="en-US"/>
+              <a:t>若要在</a:t>
+            </a:r>
+            <a:r>
+              <a:rPr lang="zh-TW" altLang="en-US">
+                <a:solidFill>
+                  <a:srgbClr val="00B0F0"/>
+                </a:solidFill>
+              </a:rPr>
+              <a:t>方法</a:t>
+            </a:r>
+            <a:r>
+              <a:rPr lang="zh-TW" altLang="en-US"/>
+              <a:t>中使用</a:t>
+            </a:r>
+            <a:r>
+              <a:rPr lang="zh-TW" altLang="en-US">
+                <a:solidFill>
+                  <a:srgbClr val="00B0F0"/>
+                </a:solidFill>
+              </a:rPr>
+              <a:t>泛型</a:t>
+            </a:r>
+            <a:r>
+              <a:rPr lang="zh-TW" altLang="en-US"/>
+              <a:t>，格式如下：</a:t>
+            </a:r>
+            <a:endParaRPr lang="en-US" altLang="zh-TW"/>
+          </a:p>
+        </p:txBody>
+      </p:sp>
       <p:grpSp>
         <p:nvGrpSpPr>
-          <p:cNvPr id="13" name="群組 12">
+          <p:cNvPr id="4" name="群組 3">
             <a:extLst>
               <a:ext uri="{FF2B5EF4-FFF2-40B4-BE49-F238E27FC236}">
-                <a16:creationId xmlns:a16="http://schemas.microsoft.com/office/drawing/2014/main" id="{CB1D46BF-85C6-4583-A23C-037AD9AE73BF}"/>
+                <a16:creationId xmlns:a16="http://schemas.microsoft.com/office/drawing/2014/main" id="{F5FE39D8-0FCD-4010-AA0B-AFB1411B9D89}"/>
               </a:ext>
             </a:extLst>
           </p:cNvPr>
@@ -11280,18 +13271,18 @@
         </p:nvGrpSpPr>
         <p:grpSpPr>
           <a:xfrm>
-            <a:off x="6556865" y="2097107"/>
-            <a:ext cx="5352747" cy="2462213"/>
-            <a:chOff x="4921201" y="2536490"/>
-            <a:chExt cx="5352747" cy="2462213"/>
+            <a:off x="345900" y="1993378"/>
+            <a:ext cx="11563712" cy="401977"/>
+            <a:chOff x="5888026" y="4922692"/>
+            <a:chExt cx="11563712" cy="401977"/>
           </a:xfrm>
         </p:grpSpPr>
         <p:sp>
           <p:nvSpPr>
-            <p:cNvPr id="14" name="Rectangle 2">
+            <p:cNvPr id="5" name="Rectangle 2">
               <a:extLst>
                 <a:ext uri="{FF2B5EF4-FFF2-40B4-BE49-F238E27FC236}">
-                  <a16:creationId xmlns:a16="http://schemas.microsoft.com/office/drawing/2014/main" id="{4F7A0124-9CA5-4A08-AA1E-86E43528C0FA}"/>
+                  <a16:creationId xmlns:a16="http://schemas.microsoft.com/office/drawing/2014/main" id="{8E5B0F58-5910-43A5-8CF9-660D634A746E}"/>
                 </a:ext>
               </a:extLst>
             </p:cNvPr>
@@ -11302,8 +13293,8 @@
           </p:nvSpPr>
           <p:spPr bwMode="auto">
             <a:xfrm>
-              <a:off x="4921201" y="2536490"/>
-              <a:ext cx="5352747" cy="2462213"/>
+              <a:off x="5888026" y="4922692"/>
+              <a:ext cx="11563712" cy="400110"/>
             </a:xfrm>
             <a:prstGeom prst="rect">
               <a:avLst/>
@@ -11338,7 +13329,7 @@
             </a:extLst>
           </p:spPr>
           <p:txBody>
-            <a:bodyPr vert="horz" wrap="none" lIns="91440" tIns="45720" rIns="91440" bIns="45720" numCol="1" anchor="ctr" anchorCtr="0" compatLnSpc="1">
+            <a:bodyPr vert="horz" wrap="square" lIns="91440" tIns="45720" rIns="91440" bIns="45720" numCol="1" anchor="ctr" anchorCtr="0" compatLnSpc="1">
               <a:prstTxWarp prst="textNoShape">
                 <a:avLst/>
               </a:prstTxWarp>
@@ -11363,7 +13354,450 @@
                 <a:tabLst/>
               </a:pPr>
               <a:r>
-                <a:rPr kumimoji="0" lang="zh-TW" altLang="zh-TW" sz="1400" b="0" i="0" u="none" strike="noStrike" cap="none" normalizeH="0" baseline="0">
+                <a:rPr kumimoji="0" lang="zh-TW" altLang="en-US" sz="2000" b="0" i="0" u="none" strike="noStrike" cap="none" normalizeH="0" baseline="0">
+                  <a:ln>
+                    <a:noFill/>
+                  </a:ln>
+                  <a:solidFill>
+                    <a:srgbClr val="FFC000"/>
+                  </a:solidFill>
+                  <a:effectLst/>
+                  <a:latin typeface="+mj-lt"/>
+                  <a:ea typeface="微軟正黑體" panose="020B0604030504040204" pitchFamily="34" charset="-120"/>
+                </a:rPr>
+                <a:t>修飾子 </a:t>
+              </a:r>
+              <a:r>
+                <a:rPr lang="en-US" altLang="zh-TW" sz="2000">
+                  <a:solidFill>
+                    <a:srgbClr val="BCBEC4"/>
+                  </a:solidFill>
+                  <a:latin typeface="+mj-lt"/>
+                  <a:ea typeface="微軟正黑體" panose="020B0604030504040204" pitchFamily="34" charset="-120"/>
+                  <a:cs typeface="JetBrains Mono" panose="02000009000000000000" pitchFamily="49" charset="0"/>
+                </a:rPr>
+                <a:t>&lt;</a:t>
+              </a:r>
+              <a:r>
+                <a:rPr lang="zh-TW" altLang="en-US" sz="2000">
+                  <a:solidFill>
+                    <a:srgbClr val="92D050"/>
+                  </a:solidFill>
+                  <a:latin typeface="+mj-lt"/>
+                  <a:ea typeface="微軟正黑體" panose="020B0604030504040204" pitchFamily="34" charset="-120"/>
+                  <a:cs typeface="JetBrains Mono" panose="02000009000000000000" pitchFamily="49" charset="0"/>
+                </a:rPr>
+                <a:t>泛型代號</a:t>
+              </a:r>
+              <a:r>
+                <a:rPr lang="en-US" altLang="zh-TW" sz="2000">
+                  <a:solidFill>
+                    <a:srgbClr val="92D050"/>
+                  </a:solidFill>
+                  <a:latin typeface="+mj-lt"/>
+                  <a:ea typeface="微軟正黑體" panose="020B0604030504040204" pitchFamily="34" charset="-120"/>
+                  <a:cs typeface="JetBrains Mono" panose="02000009000000000000" pitchFamily="49" charset="0"/>
+                </a:rPr>
+                <a:t>1</a:t>
+              </a:r>
+              <a:r>
+                <a:rPr lang="en-US" altLang="zh-TW" sz="2000">
+                  <a:solidFill>
+                    <a:srgbClr val="BCBEC4"/>
+                  </a:solidFill>
+                  <a:latin typeface="+mj-lt"/>
+                  <a:ea typeface="微軟正黑體" panose="020B0604030504040204" pitchFamily="34" charset="-120"/>
+                  <a:cs typeface="JetBrains Mono" panose="02000009000000000000" pitchFamily="49" charset="0"/>
+                </a:rPr>
+                <a:t>, </a:t>
+              </a:r>
+              <a:r>
+                <a:rPr lang="zh-TW" altLang="en-US" sz="2000">
+                  <a:solidFill>
+                    <a:srgbClr val="92D050"/>
+                  </a:solidFill>
+                  <a:latin typeface="+mj-lt"/>
+                  <a:ea typeface="微軟正黑體" panose="020B0604030504040204" pitchFamily="34" charset="-120"/>
+                  <a:cs typeface="JetBrains Mono" panose="02000009000000000000" pitchFamily="49" charset="0"/>
+                </a:rPr>
+                <a:t>泛型代號</a:t>
+              </a:r>
+              <a:r>
+                <a:rPr lang="en-US" altLang="zh-TW" sz="2000">
+                  <a:solidFill>
+                    <a:srgbClr val="92D050"/>
+                  </a:solidFill>
+                  <a:latin typeface="+mj-lt"/>
+                  <a:ea typeface="微軟正黑體" panose="020B0604030504040204" pitchFamily="34" charset="-120"/>
+                  <a:cs typeface="JetBrains Mono" panose="02000009000000000000" pitchFamily="49" charset="0"/>
+                </a:rPr>
+                <a:t>2</a:t>
+              </a:r>
+              <a:r>
+                <a:rPr lang="en-US" altLang="zh-TW" sz="2000">
+                  <a:solidFill>
+                    <a:srgbClr val="BCBEC4"/>
+                  </a:solidFill>
+                  <a:latin typeface="+mj-lt"/>
+                  <a:ea typeface="微軟正黑體" panose="020B0604030504040204" pitchFamily="34" charset="-120"/>
+                  <a:cs typeface="JetBrains Mono" panose="02000009000000000000" pitchFamily="49" charset="0"/>
+                </a:rPr>
+                <a:t>, </a:t>
+              </a:r>
+              <a:r>
+                <a:rPr lang="en-US" altLang="zh-TW" sz="2000">
+                  <a:solidFill>
+                    <a:srgbClr val="92D050"/>
+                  </a:solidFill>
+                  <a:latin typeface="+mj-lt"/>
+                  <a:ea typeface="微軟正黑體" panose="020B0604030504040204" pitchFamily="34" charset="-120"/>
+                  <a:cs typeface="JetBrains Mono" panose="02000009000000000000" pitchFamily="49" charset="0"/>
+                </a:rPr>
+                <a:t>...</a:t>
+              </a:r>
+              <a:r>
+                <a:rPr lang="en-US" altLang="zh-TW" sz="2000">
+                  <a:solidFill>
+                    <a:srgbClr val="BCBEC4"/>
+                  </a:solidFill>
+                  <a:latin typeface="+mj-lt"/>
+                  <a:ea typeface="微軟正黑體" panose="020B0604030504040204" pitchFamily="34" charset="-120"/>
+                  <a:cs typeface="JetBrains Mono" panose="02000009000000000000" pitchFamily="49" charset="0"/>
+                </a:rPr>
+                <a:t>, </a:t>
+              </a:r>
+              <a:r>
+                <a:rPr lang="zh-TW" altLang="en-US" sz="2000">
+                  <a:solidFill>
+                    <a:srgbClr val="92D050"/>
+                  </a:solidFill>
+                  <a:latin typeface="+mj-lt"/>
+                  <a:ea typeface="微軟正黑體" panose="020B0604030504040204" pitchFamily="34" charset="-120"/>
+                  <a:cs typeface="JetBrains Mono" panose="02000009000000000000" pitchFamily="49" charset="0"/>
+                </a:rPr>
+                <a:t>泛型代號</a:t>
+              </a:r>
+              <a:r>
+                <a:rPr lang="en-US" altLang="zh-TW" sz="2000">
+                  <a:solidFill>
+                    <a:srgbClr val="92D050"/>
+                  </a:solidFill>
+                  <a:latin typeface="+mj-lt"/>
+                  <a:ea typeface="微軟正黑體" panose="020B0604030504040204" pitchFamily="34" charset="-120"/>
+                  <a:cs typeface="JetBrains Mono" panose="02000009000000000000" pitchFamily="49" charset="0"/>
+                </a:rPr>
+                <a:t>n</a:t>
+              </a:r>
+              <a:r>
+                <a:rPr lang="en-US" altLang="zh-TW" sz="2000">
+                  <a:solidFill>
+                    <a:srgbClr val="BCBEC4"/>
+                  </a:solidFill>
+                  <a:latin typeface="+mj-lt"/>
+                  <a:ea typeface="微軟正黑體" panose="020B0604030504040204" pitchFamily="34" charset="-120"/>
+                  <a:cs typeface="JetBrains Mono" panose="02000009000000000000" pitchFamily="49" charset="0"/>
+                </a:rPr>
+                <a:t>&gt;</a:t>
+              </a:r>
+              <a:r>
+                <a:rPr kumimoji="0" lang="zh-TW" altLang="en-US" sz="2000" b="0" i="0" u="none" strike="noStrike" cap="none" normalizeH="0" baseline="0">
+                  <a:ln>
+                    <a:noFill/>
+                  </a:ln>
+                  <a:solidFill>
+                    <a:srgbClr val="FFC000"/>
+                  </a:solidFill>
+                  <a:effectLst/>
+                  <a:latin typeface="+mj-lt"/>
+                  <a:ea typeface="微軟正黑體" panose="020B0604030504040204" pitchFamily="34" charset="-120"/>
+                </a:rPr>
+                <a:t> </a:t>
+              </a:r>
+              <a:r>
+                <a:rPr kumimoji="0" lang="zh-TW" altLang="zh-TW" sz="2000" b="0" i="0" u="none" strike="noStrike" cap="none" normalizeH="0" baseline="0">
+                  <a:ln>
+                    <a:noFill/>
+                  </a:ln>
+                  <a:solidFill>
+                    <a:srgbClr val="FFC000"/>
+                  </a:solidFill>
+                  <a:effectLst/>
+                  <a:latin typeface="+mj-lt"/>
+                  <a:ea typeface="微軟正黑體" panose="020B0604030504040204" pitchFamily="34" charset="-120"/>
+                </a:rPr>
+                <a:t>返回值型別 </a:t>
+              </a:r>
+              <a:r>
+                <a:rPr kumimoji="0" lang="zh-TW" altLang="en-US" sz="2000" b="0" i="0" u="none" strike="noStrike" cap="none" normalizeH="0" baseline="0">
+                  <a:ln>
+                    <a:noFill/>
+                  </a:ln>
+                  <a:solidFill>
+                    <a:srgbClr val="56A8F5"/>
+                  </a:solidFill>
+                  <a:effectLst/>
+                  <a:latin typeface="+mj-lt"/>
+                  <a:ea typeface="微軟正黑體" panose="020B0604030504040204" pitchFamily="34" charset="-120"/>
+                </a:rPr>
+                <a:t>方法</a:t>
+              </a:r>
+              <a:r>
+                <a:rPr kumimoji="0" lang="zh-TW" altLang="zh-TW" sz="2000" b="0" i="0" u="none" strike="noStrike" cap="none" normalizeH="0" baseline="0">
+                  <a:ln>
+                    <a:noFill/>
+                  </a:ln>
+                  <a:solidFill>
+                    <a:srgbClr val="56A8F5"/>
+                  </a:solidFill>
+                  <a:effectLst/>
+                  <a:latin typeface="+mj-lt"/>
+                  <a:ea typeface="微軟正黑體" panose="020B0604030504040204" pitchFamily="34" charset="-120"/>
+                </a:rPr>
+                <a:t>名稱</a:t>
+              </a:r>
+              <a:r>
+                <a:rPr kumimoji="0" lang="zh-TW" altLang="zh-TW" sz="2000" b="0" i="0" u="none" strike="noStrike" cap="none" normalizeH="0" baseline="0">
+                  <a:ln>
+                    <a:noFill/>
+                  </a:ln>
+                  <a:solidFill>
+                    <a:srgbClr val="BCBEC4"/>
+                  </a:solidFill>
+                  <a:effectLst/>
+                  <a:latin typeface="+mj-lt"/>
+                  <a:ea typeface="微軟正黑體" panose="020B0604030504040204" pitchFamily="34" charset="-120"/>
+                  <a:cs typeface="JetBrains Mono" panose="02000009000000000000" pitchFamily="49" charset="0"/>
+                </a:rPr>
+                <a:t>(</a:t>
+              </a:r>
+              <a:r>
+                <a:rPr kumimoji="0" lang="zh-TW" altLang="zh-TW" sz="2000" b="0" i="0" u="none" strike="noStrike" cap="none" normalizeH="0" baseline="0">
+                  <a:ln>
+                    <a:noFill/>
+                  </a:ln>
+                  <a:solidFill>
+                    <a:srgbClr val="92D050"/>
+                  </a:solidFill>
+                  <a:effectLst/>
+                  <a:latin typeface="+mj-lt"/>
+                  <a:ea typeface="微軟正黑體" panose="020B0604030504040204" pitchFamily="34" charset="-120"/>
+                  <a:cs typeface="JetBrains Mono" panose="02000009000000000000" pitchFamily="49" charset="0"/>
+                </a:rPr>
+                <a:t>...</a:t>
+              </a:r>
+              <a:r>
+                <a:rPr kumimoji="0" lang="zh-TW" altLang="zh-TW" sz="2000" b="0" i="0" u="none" strike="noStrike" cap="none" normalizeH="0" baseline="0">
+                  <a:ln>
+                    <a:noFill/>
+                  </a:ln>
+                  <a:solidFill>
+                    <a:srgbClr val="BCBEC4"/>
+                  </a:solidFill>
+                  <a:effectLst/>
+                  <a:latin typeface="+mj-lt"/>
+                  <a:ea typeface="微軟正黑體" panose="020B0604030504040204" pitchFamily="34" charset="-120"/>
+                  <a:cs typeface="JetBrains Mono" panose="02000009000000000000" pitchFamily="49" charset="0"/>
+                </a:rPr>
+                <a:t>)</a:t>
+              </a:r>
+              <a:r>
+                <a:rPr lang="zh-TW" altLang="en-US" sz="2000">
+                  <a:solidFill>
+                    <a:srgbClr val="BCBEC4"/>
+                  </a:solidFill>
+                  <a:latin typeface="+mj-lt"/>
+                  <a:ea typeface="微軟正黑體" panose="020B0604030504040204" pitchFamily="34" charset="-120"/>
+                  <a:cs typeface="JetBrains Mono" panose="02000009000000000000" pitchFamily="49" charset="0"/>
+                </a:rPr>
+                <a:t> </a:t>
+              </a:r>
+              <a:r>
+                <a:rPr lang="en-US" altLang="zh-TW" sz="2000">
+                  <a:solidFill>
+                    <a:srgbClr val="BCBEC4"/>
+                  </a:solidFill>
+                  <a:latin typeface="+mj-lt"/>
+                  <a:ea typeface="微軟正黑體" panose="020B0604030504040204" pitchFamily="34" charset="-120"/>
+                  <a:cs typeface="JetBrains Mono" panose="02000009000000000000" pitchFamily="49" charset="0"/>
+                </a:rPr>
+                <a:t>{</a:t>
+              </a:r>
+              <a:r>
+                <a:rPr kumimoji="0" lang="en-US" altLang="zh-TW" sz="2000" b="0" i="0" u="none" strike="noStrike" cap="none" normalizeH="0" baseline="0">
+                  <a:ln>
+                    <a:noFill/>
+                  </a:ln>
+                  <a:solidFill>
+                    <a:srgbClr val="FFFF00"/>
+                  </a:solidFill>
+                  <a:effectLst/>
+                  <a:latin typeface="+mj-lt"/>
+                  <a:ea typeface="微軟正黑體" panose="020B0604030504040204" pitchFamily="34" charset="-120"/>
+                  <a:cs typeface="JetBrains Mono" panose="02000009000000000000" pitchFamily="49" charset="0"/>
+                </a:rPr>
+                <a:t>...</a:t>
+              </a:r>
+              <a:r>
+                <a:rPr lang="en-US" altLang="zh-TW" sz="2000">
+                  <a:solidFill>
+                    <a:srgbClr val="BCBEC4"/>
+                  </a:solidFill>
+                  <a:latin typeface="+mj-lt"/>
+                  <a:ea typeface="微軟正黑體" panose="020B0604030504040204" pitchFamily="34" charset="-120"/>
+                  <a:cs typeface="JetBrains Mono" panose="02000009000000000000" pitchFamily="49" charset="0"/>
+                </a:rPr>
+                <a:t>}</a:t>
+              </a:r>
+              <a:endParaRPr kumimoji="0" lang="zh-TW" altLang="zh-TW" sz="2000" b="0" i="0" u="none" strike="noStrike" cap="none" normalizeH="0" baseline="0">
+                <a:ln>
+                  <a:noFill/>
+                </a:ln>
+                <a:solidFill>
+                  <a:schemeClr val="tx1"/>
+                </a:solidFill>
+                <a:effectLst/>
+                <a:latin typeface="+mj-lt"/>
+              </a:endParaRPr>
+            </a:p>
+          </p:txBody>
+        </p:sp>
+        <p:sp>
+          <p:nvSpPr>
+            <p:cNvPr id="6" name="文字方塊 5">
+              <a:extLst>
+                <a:ext uri="{FF2B5EF4-FFF2-40B4-BE49-F238E27FC236}">
+                  <a16:creationId xmlns:a16="http://schemas.microsoft.com/office/drawing/2014/main" id="{2D3E866C-0561-4215-915F-EBC44131E589}"/>
+                </a:ext>
+              </a:extLst>
+            </p:cNvPr>
+            <p:cNvSpPr txBox="1"/>
+            <p:nvPr/>
+          </p:nvSpPr>
+          <p:spPr>
+            <a:xfrm>
+              <a:off x="16818231" y="4986115"/>
+              <a:ext cx="633507" cy="338554"/>
+            </a:xfrm>
+            <a:prstGeom prst="rect">
+              <a:avLst/>
+            </a:prstGeom>
+            <a:noFill/>
+          </p:spPr>
+          <p:txBody>
+            <a:bodyPr wrap="none" rtlCol="0">
+              <a:spAutoFit/>
+            </a:bodyPr>
+            <a:lstStyle/>
+            <a:p>
+              <a:r>
+                <a:rPr lang="en-US" altLang="zh-TW" sz="1600">
+                  <a:solidFill>
+                    <a:schemeClr val="accent3"/>
+                  </a:solidFill>
+                  <a:latin typeface="+mj-lt"/>
+                </a:rPr>
+                <a:t>java</a:t>
+              </a:r>
+              <a:endParaRPr lang="zh-TW" altLang="en-US" sz="1600">
+                <a:solidFill>
+                  <a:schemeClr val="accent3"/>
+                </a:solidFill>
+                <a:latin typeface="+mj-lt"/>
+              </a:endParaRPr>
+            </a:p>
+          </p:txBody>
+        </p:sp>
+      </p:grpSp>
+      <p:grpSp>
+        <p:nvGrpSpPr>
+          <p:cNvPr id="13" name="群組 12">
+            <a:extLst>
+              <a:ext uri="{FF2B5EF4-FFF2-40B4-BE49-F238E27FC236}">
+                <a16:creationId xmlns:a16="http://schemas.microsoft.com/office/drawing/2014/main" id="{CB1D46BF-85C6-4583-A23C-037AD9AE73BF}"/>
+              </a:ext>
+            </a:extLst>
+          </p:cNvPr>
+          <p:cNvGrpSpPr/>
+          <p:nvPr/>
+        </p:nvGrpSpPr>
+        <p:grpSpPr>
+          <a:xfrm>
+            <a:off x="345900" y="3505567"/>
+            <a:ext cx="11563711" cy="2800767"/>
+            <a:chOff x="4921201" y="2493347"/>
+            <a:chExt cx="11563711" cy="2800767"/>
+          </a:xfrm>
+        </p:grpSpPr>
+        <p:sp>
+          <p:nvSpPr>
+            <p:cNvPr id="14" name="Rectangle 2">
+              <a:extLst>
+                <a:ext uri="{FF2B5EF4-FFF2-40B4-BE49-F238E27FC236}">
+                  <a16:creationId xmlns:a16="http://schemas.microsoft.com/office/drawing/2014/main" id="{4F7A0124-9CA5-4A08-AA1E-86E43528C0FA}"/>
+                </a:ext>
+              </a:extLst>
+            </p:cNvPr>
+            <p:cNvSpPr>
+              <a:spLocks noChangeArrowheads="1"/>
+            </p:cNvSpPr>
+            <p:nvPr/>
+          </p:nvSpPr>
+          <p:spPr bwMode="auto">
+            <a:xfrm>
+              <a:off x="4921201" y="2493347"/>
+              <a:ext cx="11563711" cy="2800767"/>
+            </a:xfrm>
+            <a:prstGeom prst="rect">
+              <a:avLst/>
+            </a:prstGeom>
+            <a:solidFill>
+              <a:srgbClr val="1E1F22"/>
+            </a:solidFill>
+            <a:ln>
+              <a:noFill/>
+            </a:ln>
+            <a:effectLst/>
+            <a:extLst>
+              <a:ext uri="{91240B29-F687-4F45-9708-019B960494DF}">
+                <a14:hiddenLine xmlns:a14="http://schemas.microsoft.com/office/drawing/2010/main" w="9525">
+                  <a:solidFill>
+                    <a:schemeClr val="tx1"/>
+                  </a:solidFill>
+                  <a:miter lim="800000"/>
+                  <a:headEnd/>
+                  <a:tailEnd/>
+                </a14:hiddenLine>
+              </a:ext>
+              <a:ext uri="{AF507438-7753-43E0-B8FC-AC1667EBCBE1}">
+                <a14:hiddenEffects xmlns:a14="http://schemas.microsoft.com/office/drawing/2010/main">
+                  <a:effectLst>
+                    <a:outerShdw dist="35921" dir="2700000" algn="ctr" rotWithShape="0">
+                      <a:schemeClr val="bg2"/>
+                    </a:outerShdw>
+                  </a:effectLst>
+                </a14:hiddenEffects>
+              </a:ext>
+            </a:extLst>
+          </p:spPr>
+          <p:txBody>
+            <a:bodyPr vert="horz" wrap="square" lIns="91440" tIns="45720" rIns="91440" bIns="45720" numCol="1" anchor="ctr" anchorCtr="0" compatLnSpc="1">
+              <a:prstTxWarp prst="textNoShape">
+                <a:avLst/>
+              </a:prstTxWarp>
+              <a:spAutoFit/>
+            </a:bodyPr>
+            <a:lstStyle/>
+            <a:p>
+              <a:pPr eaLnBrk="0" fontAlgn="base" hangingPunct="0">
+                <a:spcBef>
+                  <a:spcPct val="0"/>
+                </a:spcBef>
+                <a:spcAft>
+                  <a:spcPct val="0"/>
+                </a:spcAft>
+              </a:pPr>
+              <a:r>
+                <a:rPr kumimoji="0" lang="zh-TW" altLang="zh-TW" sz="1600" b="0" i="0" u="none" strike="noStrike" cap="none" normalizeH="0" baseline="0">
                   <a:ln>
                     <a:noFill/>
                   </a:ln>
@@ -11377,7 +13811,7 @@
                 <a:t>public class </a:t>
               </a:r>
               <a:r>
-                <a:rPr kumimoji="0" lang="zh-TW" altLang="zh-TW" sz="1400" b="0" i="0" u="none" strike="noStrike" cap="none" normalizeH="0" baseline="0">
+                <a:rPr kumimoji="0" lang="zh-TW" altLang="zh-TW" sz="1600" b="0" i="0" u="none" strike="noStrike" cap="none" normalizeH="0" baseline="0">
                   <a:ln>
                     <a:noFill/>
                   </a:ln>
@@ -11391,7 +13825,7 @@
                 <a:t>Main {</a:t>
               </a:r>
               <a:br>
-                <a:rPr kumimoji="0" lang="zh-TW" altLang="zh-TW" sz="1400" b="0" i="0" u="none" strike="noStrike" cap="none" normalizeH="0" baseline="0">
+                <a:rPr kumimoji="0" lang="zh-TW" altLang="zh-TW" sz="1600" b="0" i="0" u="none" strike="noStrike" cap="none" normalizeH="0" baseline="0">
                   <a:ln>
                     <a:noFill/>
                   </a:ln>
@@ -11404,7 +13838,7 @@
                 </a:rPr>
               </a:br>
               <a:r>
-                <a:rPr kumimoji="0" lang="zh-TW" altLang="zh-TW" sz="1400" b="0" i="0" u="none" strike="noStrike" cap="none" normalizeH="0" baseline="0">
+                <a:rPr kumimoji="0" lang="zh-TW" altLang="zh-TW" sz="1600" b="0" i="0" u="none" strike="noStrike" cap="none" normalizeH="0" baseline="0">
                   <a:ln>
                     <a:noFill/>
                   </a:ln>
@@ -11418,7 +13852,7 @@
                 <a:t>    </a:t>
               </a:r>
               <a:r>
-                <a:rPr kumimoji="0" lang="zh-TW" altLang="zh-TW" sz="1400" b="0" i="0" u="none" strike="noStrike" cap="none" normalizeH="0" baseline="0">
+                <a:rPr kumimoji="0" lang="zh-TW" altLang="zh-TW" sz="1600" b="0" i="0" u="none" strike="noStrike" cap="none" normalizeH="0" baseline="0">
                   <a:ln>
                     <a:noFill/>
                   </a:ln>
@@ -11432,7 +13866,7 @@
                 <a:t>public static void </a:t>
               </a:r>
               <a:r>
-                <a:rPr kumimoji="0" lang="zh-TW" altLang="zh-TW" sz="1400" b="0" i="0" u="none" strike="noStrike" cap="none" normalizeH="0" baseline="0">
+                <a:rPr kumimoji="0" lang="zh-TW" altLang="zh-TW" sz="1600" b="0" i="0" u="none" strike="noStrike" cap="none" normalizeH="0" baseline="0">
                   <a:ln>
                     <a:noFill/>
                   </a:ln>
@@ -11446,7 +13880,7 @@
                 <a:t>main</a:t>
               </a:r>
               <a:r>
-                <a:rPr kumimoji="0" lang="zh-TW" altLang="zh-TW" sz="1400" b="0" i="0" u="none" strike="noStrike" cap="none" normalizeH="0" baseline="0">
+                <a:rPr kumimoji="0" lang="zh-TW" altLang="zh-TW" sz="1600" b="0" i="0" u="none" strike="noStrike" cap="none" normalizeH="0" baseline="0">
                   <a:ln>
                     <a:noFill/>
                   </a:ln>
@@ -11460,7 +13894,7 @@
                 <a:t>(String[] args) {</a:t>
               </a:r>
               <a:br>
-                <a:rPr kumimoji="0" lang="zh-TW" altLang="zh-TW" sz="1400" b="0" i="0" u="none" strike="noStrike" cap="none" normalizeH="0" baseline="0">
+                <a:rPr kumimoji="0" lang="zh-TW" altLang="zh-TW" sz="1600" b="0" i="0" u="none" strike="noStrike" cap="none" normalizeH="0" baseline="0">
                   <a:ln>
                     <a:noFill/>
                   </a:ln>
@@ -11473,7 +13907,7 @@
                 </a:rPr>
               </a:br>
               <a:r>
-                <a:rPr kumimoji="0" lang="zh-TW" altLang="zh-TW" sz="1400" b="0" i="0" u="none" strike="noStrike" cap="none" normalizeH="0" baseline="0">
+                <a:rPr kumimoji="0" lang="zh-TW" altLang="zh-TW" sz="1600" b="0" i="0" u="none" strike="noStrike" cap="none" normalizeH="0" baseline="0">
                   <a:ln>
                     <a:noFill/>
                   </a:ln>
@@ -11487,7 +13921,7 @@
                 <a:t>        Integer[] integerArr =</a:t>
               </a:r>
               <a:br>
-                <a:rPr kumimoji="0" lang="zh-TW" altLang="zh-TW" sz="1400" b="0" i="0" u="none" strike="noStrike" cap="none" normalizeH="0" baseline="0">
+                <a:rPr kumimoji="0" lang="zh-TW" altLang="zh-TW" sz="1600" b="0" i="0" u="none" strike="noStrike" cap="none" normalizeH="0" baseline="0">
                   <a:ln>
                     <a:noFill/>
                   </a:ln>
@@ -11500,7 +13934,7 @@
                 </a:rPr>
               </a:br>
               <a:r>
-                <a:rPr kumimoji="0" lang="zh-TW" altLang="zh-TW" sz="1400" b="0" i="0" u="none" strike="noStrike" cap="none" normalizeH="0" baseline="0">
+                <a:rPr kumimoji="0" lang="zh-TW" altLang="zh-TW" sz="1600" b="0" i="0" u="none" strike="noStrike" cap="none" normalizeH="0" baseline="0">
                   <a:ln>
                     <a:noFill/>
                   </a:ln>
@@ -11514,7 +13948,7 @@
                 <a:t>                </a:t>
               </a:r>
               <a:r>
-                <a:rPr kumimoji="0" lang="zh-TW" altLang="zh-TW" sz="1400" b="0" i="0" u="none" strike="noStrike" cap="none" normalizeH="0" baseline="0">
+                <a:rPr kumimoji="0" lang="zh-TW" altLang="zh-TW" sz="1600" b="0" i="0" u="none" strike="noStrike" cap="none" normalizeH="0" baseline="0">
                   <a:ln>
                     <a:noFill/>
                   </a:ln>
@@ -11528,7 +13962,7 @@
                 <a:t>new </a:t>
               </a:r>
               <a:r>
-                <a:rPr kumimoji="0" lang="zh-TW" altLang="zh-TW" sz="1400" b="0" i="0" u="none" strike="noStrike" cap="none" normalizeH="0" baseline="0">
+                <a:rPr kumimoji="0" lang="zh-TW" altLang="zh-TW" sz="1600" b="0" i="0" u="none" strike="noStrike" cap="none" normalizeH="0" baseline="0">
                   <a:ln>
                     <a:noFill/>
                   </a:ln>
@@ -11542,7 +13976,7 @@
                 <a:t>Integer[]{</a:t>
               </a:r>
               <a:r>
-                <a:rPr kumimoji="0" lang="zh-TW" altLang="zh-TW" sz="1400" b="0" i="0" u="none" strike="noStrike" cap="none" normalizeH="0" baseline="0">
+                <a:rPr kumimoji="0" lang="zh-TW" altLang="zh-TW" sz="1600" b="0" i="0" u="none" strike="noStrike" cap="none" normalizeH="0" baseline="0">
                   <a:ln>
                     <a:noFill/>
                   </a:ln>
@@ -11556,7 +13990,7 @@
                 <a:t>1</a:t>
               </a:r>
               <a:r>
-                <a:rPr kumimoji="0" lang="zh-TW" altLang="zh-TW" sz="1400" b="0" i="0" u="none" strike="noStrike" cap="none" normalizeH="0" baseline="0">
+                <a:rPr kumimoji="0" lang="zh-TW" altLang="zh-TW" sz="1600" b="0" i="0" u="none" strike="noStrike" cap="none" normalizeH="0" baseline="0">
                   <a:ln>
                     <a:noFill/>
                   </a:ln>
@@ -11570,7 +14004,7 @@
                 <a:t>, </a:t>
               </a:r>
               <a:r>
-                <a:rPr kumimoji="0" lang="zh-TW" altLang="zh-TW" sz="1400" b="0" i="0" u="none" strike="noStrike" cap="none" normalizeH="0" baseline="0">
+                <a:rPr kumimoji="0" lang="zh-TW" altLang="zh-TW" sz="1600" b="0" i="0" u="none" strike="noStrike" cap="none" normalizeH="0" baseline="0">
                   <a:ln>
                     <a:noFill/>
                   </a:ln>
@@ -11584,7 +14018,7 @@
                 <a:t>2</a:t>
               </a:r>
               <a:r>
-                <a:rPr kumimoji="0" lang="zh-TW" altLang="zh-TW" sz="1400" b="0" i="0" u="none" strike="noStrike" cap="none" normalizeH="0" baseline="0">
+                <a:rPr kumimoji="0" lang="zh-TW" altLang="zh-TW" sz="1600" b="0" i="0" u="none" strike="noStrike" cap="none" normalizeH="0" baseline="0">
                   <a:ln>
                     <a:noFill/>
                   </a:ln>
@@ -11598,7 +14032,7 @@
                 <a:t>, </a:t>
               </a:r>
               <a:r>
-                <a:rPr kumimoji="0" lang="zh-TW" altLang="zh-TW" sz="1400" b="0" i="0" u="none" strike="noStrike" cap="none" normalizeH="0" baseline="0">
+                <a:rPr kumimoji="0" lang="zh-TW" altLang="zh-TW" sz="1600" b="0" i="0" u="none" strike="noStrike" cap="none" normalizeH="0" baseline="0">
                   <a:ln>
                     <a:noFill/>
                   </a:ln>
@@ -11612,7 +14046,7 @@
                 <a:t>3</a:t>
               </a:r>
               <a:r>
-                <a:rPr kumimoji="0" lang="zh-TW" altLang="zh-TW" sz="1400" b="0" i="0" u="none" strike="noStrike" cap="none" normalizeH="0" baseline="0">
+                <a:rPr kumimoji="0" lang="zh-TW" altLang="zh-TW" sz="1600" b="0" i="0" u="none" strike="noStrike" cap="none" normalizeH="0" baseline="0">
                   <a:ln>
                     <a:noFill/>
                   </a:ln>
@@ -11626,7 +14060,7 @@
                 <a:t>, </a:t>
               </a:r>
               <a:r>
-                <a:rPr kumimoji="0" lang="zh-TW" altLang="zh-TW" sz="1400" b="0" i="0" u="none" strike="noStrike" cap="none" normalizeH="0" baseline="0">
+                <a:rPr kumimoji="0" lang="zh-TW" altLang="zh-TW" sz="1600" b="0" i="0" u="none" strike="noStrike" cap="none" normalizeH="0" baseline="0">
                   <a:ln>
                     <a:noFill/>
                   </a:ln>
@@ -11640,7 +14074,7 @@
                 <a:t>4</a:t>
               </a:r>
               <a:r>
-                <a:rPr kumimoji="0" lang="zh-TW" altLang="zh-TW" sz="1400" b="0" i="0" u="none" strike="noStrike" cap="none" normalizeH="0" baseline="0">
+                <a:rPr kumimoji="0" lang="zh-TW" altLang="zh-TW" sz="1600" b="0" i="0" u="none" strike="noStrike" cap="none" normalizeH="0" baseline="0">
                   <a:ln>
                     <a:noFill/>
                   </a:ln>
@@ -11654,7 +14088,7 @@
                 <a:t>, </a:t>
               </a:r>
               <a:r>
-                <a:rPr kumimoji="0" lang="zh-TW" altLang="zh-TW" sz="1400" b="0" i="0" u="none" strike="noStrike" cap="none" normalizeH="0" baseline="0">
+                <a:rPr kumimoji="0" lang="zh-TW" altLang="zh-TW" sz="1600" b="0" i="0" u="none" strike="noStrike" cap="none" normalizeH="0" baseline="0">
                   <a:ln>
                     <a:noFill/>
                   </a:ln>
@@ -11668,7 +14102,7 @@
                 <a:t>5</a:t>
               </a:r>
               <a:r>
-                <a:rPr kumimoji="0" lang="zh-TW" altLang="zh-TW" sz="1400" b="0" i="0" u="none" strike="noStrike" cap="none" normalizeH="0" baseline="0">
+                <a:rPr kumimoji="0" lang="zh-TW" altLang="zh-TW" sz="1600" b="0" i="0" u="none" strike="noStrike" cap="none" normalizeH="0" baseline="0">
                   <a:ln>
                     <a:noFill/>
                   </a:ln>
@@ -11682,7 +14116,7 @@
                 <a:t>};</a:t>
               </a:r>
               <a:br>
-                <a:rPr kumimoji="0" lang="zh-TW" altLang="zh-TW" sz="1400" b="0" i="0" u="none" strike="noStrike" cap="none" normalizeH="0" baseline="0">
+                <a:rPr kumimoji="0" lang="zh-TW" altLang="zh-TW" sz="1600" b="0" i="0" u="none" strike="noStrike" cap="none" normalizeH="0" baseline="0">
                   <a:ln>
                     <a:noFill/>
                   </a:ln>
@@ -11695,7 +14129,7 @@
                 </a:rPr>
               </a:br>
               <a:r>
-                <a:rPr kumimoji="0" lang="zh-TW" altLang="zh-TW" sz="1400" b="0" i="0" u="none" strike="noStrike" cap="none" normalizeH="0" baseline="0">
+                <a:rPr kumimoji="0" lang="zh-TW" altLang="zh-TW" sz="1600" b="0" i="0" u="none" strike="noStrike" cap="none" normalizeH="0" baseline="0">
                   <a:ln>
                     <a:noFill/>
                   </a:ln>
@@ -11709,7 +14143,7 @@
                 <a:t>        System.</a:t>
               </a:r>
               <a:r>
-                <a:rPr kumimoji="0" lang="zh-TW" altLang="zh-TW" sz="1400" b="0" i="1" u="none" strike="noStrike" cap="none" normalizeH="0" baseline="0">
+                <a:rPr kumimoji="0" lang="zh-TW" altLang="zh-TW" sz="1600" b="0" i="1" u="none" strike="noStrike" cap="none" normalizeH="0" baseline="0">
                   <a:ln>
                     <a:noFill/>
                   </a:ln>
@@ -11723,21 +14157,21 @@
                 <a:t>out</a:t>
               </a:r>
               <a:r>
-                <a:rPr kumimoji="0" lang="zh-TW" altLang="zh-TW" sz="1400" b="0" i="0" u="none" strike="noStrike" cap="none" normalizeH="0" baseline="0">
-                  <a:ln>
-                    <a:noFill/>
-                  </a:ln>
-                  <a:solidFill>
-                    <a:srgbClr val="BCBEC4"/>
-                  </a:solidFill>
-                  <a:effectLst/>
-                  <a:latin typeface="+mj-lt"/>
-                  <a:cs typeface="JetBrains Mono" panose="02000009000000000000" pitchFamily="49" charset="0"/>
-                </a:rPr>
-                <a:t>.println(</a:t>
-              </a:r>
-              <a:r>
-                <a:rPr kumimoji="0" lang="zh-TW" altLang="zh-TW" sz="1400" b="0" i="1" u="none" strike="noStrike" cap="none" normalizeH="0" baseline="0">
+                <a:rPr kumimoji="0" lang="zh-TW" altLang="zh-TW" sz="1600" b="0" i="0" u="none" strike="noStrike" cap="none" normalizeH="0" baseline="0">
+                  <a:ln>
+                    <a:noFill/>
+                  </a:ln>
+                  <a:solidFill>
+                    <a:srgbClr val="BCBEC4"/>
+                  </a:solidFill>
+                  <a:effectLst/>
+                  <a:latin typeface="+mj-lt"/>
+                  <a:cs typeface="JetBrains Mono" panose="02000009000000000000" pitchFamily="49" charset="0"/>
+                </a:rPr>
+                <a:t>.println(Main.&lt;Integer&gt;</a:t>
+              </a:r>
+              <a:r>
+                <a:rPr kumimoji="0" lang="zh-TW" altLang="zh-TW" sz="1600" b="0" i="1" u="none" strike="noStrike" cap="none" normalizeH="0" baseline="0">
                   <a:ln>
                     <a:noFill/>
                   </a:ln>
@@ -11751,7 +14185,7 @@
                 <a:t>lastElement</a:t>
               </a:r>
               <a:r>
-                <a:rPr kumimoji="0" lang="zh-TW" altLang="zh-TW" sz="1400" b="0" i="0" u="none" strike="noStrike" cap="none" normalizeH="0" baseline="0">
+                <a:rPr kumimoji="0" lang="zh-TW" altLang="zh-TW" sz="1600" b="0" i="0" u="none" strike="noStrike" cap="none" normalizeH="0" baseline="0">
                   <a:ln>
                     <a:noFill/>
                   </a:ln>
@@ -11765,7 +14199,7 @@
                 <a:t>(integerArr));</a:t>
               </a:r>
               <a:br>
-                <a:rPr kumimoji="0" lang="zh-TW" altLang="zh-TW" sz="1400" b="0" i="0" u="none" strike="noStrike" cap="none" normalizeH="0" baseline="0">
+                <a:rPr kumimoji="0" lang="zh-TW" altLang="zh-TW" sz="1600" b="0" i="0" u="none" strike="noStrike" cap="none" normalizeH="0" baseline="0">
                   <a:ln>
                     <a:noFill/>
                   </a:ln>
@@ -11778,7 +14212,7 @@
                 </a:rPr>
               </a:br>
               <a:r>
-                <a:rPr kumimoji="0" lang="zh-TW" altLang="zh-TW" sz="1400" b="0" i="0" u="none" strike="noStrike" cap="none" normalizeH="0" baseline="0">
+                <a:rPr kumimoji="0" lang="zh-TW" altLang="zh-TW" sz="1600" b="0" i="0" u="none" strike="noStrike" cap="none" normalizeH="0" baseline="0">
                   <a:ln>
                     <a:noFill/>
                   </a:ln>
@@ -11792,7 +14226,7 @@
                 <a:t>    }</a:t>
               </a:r>
               <a:br>
-                <a:rPr kumimoji="0" lang="zh-TW" altLang="zh-TW" sz="1400" b="0" i="0" u="none" strike="noStrike" cap="none" normalizeH="0" baseline="0">
+                <a:rPr kumimoji="0" lang="zh-TW" altLang="zh-TW" sz="1600" b="0" i="0" u="none" strike="noStrike" cap="none" normalizeH="0" baseline="0">
                   <a:ln>
                     <a:noFill/>
                   </a:ln>
@@ -11805,7 +14239,7 @@
                 </a:rPr>
               </a:br>
               <a:br>
-                <a:rPr kumimoji="0" lang="zh-TW" altLang="zh-TW" sz="1400" b="0" i="0" u="none" strike="noStrike" cap="none" normalizeH="0" baseline="0">
+                <a:rPr kumimoji="0" lang="zh-TW" altLang="zh-TW" sz="1600" b="0" i="0" u="none" strike="noStrike" cap="none" normalizeH="0" baseline="0">
                   <a:ln>
                     <a:noFill/>
                   </a:ln>
@@ -11818,7 +14252,7 @@
                 </a:rPr>
               </a:br>
               <a:r>
-                <a:rPr kumimoji="0" lang="zh-TW" altLang="zh-TW" sz="1400" b="0" i="0" u="none" strike="noStrike" cap="none" normalizeH="0" baseline="0">
+                <a:rPr kumimoji="0" lang="zh-TW" altLang="zh-TW" sz="1600" b="0" i="0" u="none" strike="noStrike" cap="none" normalizeH="0" baseline="0">
                   <a:ln>
                     <a:noFill/>
                   </a:ln>
@@ -11832,7 +14266,7 @@
                 <a:t>    </a:t>
               </a:r>
               <a:r>
-                <a:rPr kumimoji="0" lang="zh-TW" altLang="zh-TW" sz="1400" b="0" i="0" u="none" strike="noStrike" cap="none" normalizeH="0" baseline="0">
+                <a:rPr kumimoji="0" lang="zh-TW" altLang="zh-TW" sz="1600" b="0" i="0" u="none" strike="noStrike" cap="none" normalizeH="0" baseline="0">
                   <a:ln>
                     <a:noFill/>
                   </a:ln>
@@ -11846,7 +14280,7 @@
                 <a:t>public static </a:t>
               </a:r>
               <a:r>
-                <a:rPr kumimoji="0" lang="zh-TW" altLang="zh-TW" sz="1400" b="0" i="0" u="none" strike="noStrike" cap="none" normalizeH="0" baseline="0">
+                <a:rPr kumimoji="0" lang="zh-TW" altLang="zh-TW" sz="1600" b="0" i="0" u="none" strike="noStrike" cap="none" normalizeH="0" baseline="0">
                   <a:ln>
                     <a:noFill/>
                   </a:ln>
@@ -11860,7 +14294,7 @@
                 <a:t>&lt;</a:t>
               </a:r>
               <a:r>
-                <a:rPr kumimoji="0" lang="zh-TW" altLang="zh-TW" sz="1400" b="0" i="0" u="none" strike="noStrike" cap="none" normalizeH="0" baseline="0">
+                <a:rPr kumimoji="0" lang="zh-TW" altLang="zh-TW" sz="1600" b="0" i="0" u="none" strike="noStrike" cap="none" normalizeH="0" baseline="0">
                   <a:ln>
                     <a:noFill/>
                   </a:ln>
@@ -11874,7 +14308,7 @@
                 <a:t>T</a:t>
               </a:r>
               <a:r>
-                <a:rPr kumimoji="0" lang="zh-TW" altLang="zh-TW" sz="1400" b="0" i="0" u="none" strike="noStrike" cap="none" normalizeH="0" baseline="0">
+                <a:rPr kumimoji="0" lang="zh-TW" altLang="zh-TW" sz="1600" b="0" i="0" u="none" strike="noStrike" cap="none" normalizeH="0" baseline="0">
                   <a:ln>
                     <a:noFill/>
                   </a:ln>
@@ -11888,7 +14322,7 @@
                 <a:t>&gt; </a:t>
               </a:r>
               <a:r>
-                <a:rPr kumimoji="0" lang="zh-TW" altLang="zh-TW" sz="1400" b="0" i="0" u="none" strike="noStrike" cap="none" normalizeH="0" baseline="0">
+                <a:rPr kumimoji="0" lang="zh-TW" altLang="zh-TW" sz="1600" b="0" i="0" u="none" strike="noStrike" cap="none" normalizeH="0" baseline="0">
                   <a:ln>
                     <a:noFill/>
                   </a:ln>
@@ -11902,7 +14336,7 @@
                 <a:t>T </a:t>
               </a:r>
               <a:r>
-                <a:rPr kumimoji="0" lang="zh-TW" altLang="zh-TW" sz="1400" b="0" i="0" u="none" strike="noStrike" cap="none" normalizeH="0" baseline="0">
+                <a:rPr kumimoji="0" lang="zh-TW" altLang="zh-TW" sz="1600" b="0" i="0" u="none" strike="noStrike" cap="none" normalizeH="0" baseline="0">
                   <a:ln>
                     <a:noFill/>
                   </a:ln>
@@ -11916,7 +14350,7 @@
                 <a:t>lastElement</a:t>
               </a:r>
               <a:r>
-                <a:rPr kumimoji="0" lang="zh-TW" altLang="zh-TW" sz="1400" b="0" i="0" u="none" strike="noStrike" cap="none" normalizeH="0" baseline="0">
+                <a:rPr kumimoji="0" lang="zh-TW" altLang="zh-TW" sz="1600" b="0" i="0" u="none" strike="noStrike" cap="none" normalizeH="0" baseline="0">
                   <a:ln>
                     <a:noFill/>
                   </a:ln>
@@ -11930,7 +14364,7 @@
                 <a:t>(</a:t>
               </a:r>
               <a:r>
-                <a:rPr kumimoji="0" lang="zh-TW" altLang="zh-TW" sz="1400" b="0" i="0" u="none" strike="noStrike" cap="none" normalizeH="0" baseline="0">
+                <a:rPr kumimoji="0" lang="zh-TW" altLang="zh-TW" sz="1600" b="0" i="0" u="none" strike="noStrike" cap="none" normalizeH="0" baseline="0">
                   <a:ln>
                     <a:noFill/>
                   </a:ln>
@@ -11944,7 +14378,7 @@
                 <a:t>T</a:t>
               </a:r>
               <a:r>
-                <a:rPr kumimoji="0" lang="zh-TW" altLang="zh-TW" sz="1400" b="0" i="0" u="none" strike="noStrike" cap="none" normalizeH="0" baseline="0">
+                <a:rPr kumimoji="0" lang="zh-TW" altLang="zh-TW" sz="1600" b="0" i="0" u="none" strike="noStrike" cap="none" normalizeH="0" baseline="0">
                   <a:ln>
                     <a:noFill/>
                   </a:ln>
@@ -11958,7 +14392,7 @@
                 <a:t>[] arr) {</a:t>
               </a:r>
               <a:br>
-                <a:rPr kumimoji="0" lang="zh-TW" altLang="zh-TW" sz="1400" b="0" i="0" u="none" strike="noStrike" cap="none" normalizeH="0" baseline="0">
+                <a:rPr kumimoji="0" lang="zh-TW" altLang="zh-TW" sz="1600" b="0" i="0" u="none" strike="noStrike" cap="none" normalizeH="0" baseline="0">
                   <a:ln>
                     <a:noFill/>
                   </a:ln>
@@ -11971,7 +14405,7 @@
                 </a:rPr>
               </a:br>
               <a:r>
-                <a:rPr kumimoji="0" lang="zh-TW" altLang="zh-TW" sz="1400" b="0" i="0" u="none" strike="noStrike" cap="none" normalizeH="0" baseline="0">
+                <a:rPr kumimoji="0" lang="zh-TW" altLang="zh-TW" sz="1600" b="0" i="0" u="none" strike="noStrike" cap="none" normalizeH="0" baseline="0">
                   <a:ln>
                     <a:noFill/>
                   </a:ln>
@@ -11985,7 +14419,7 @@
                 <a:t>        </a:t>
               </a:r>
               <a:r>
-                <a:rPr kumimoji="0" lang="zh-TW" altLang="zh-TW" sz="1400" b="0" i="0" u="none" strike="noStrike" cap="none" normalizeH="0" baseline="0">
+                <a:rPr kumimoji="0" lang="zh-TW" altLang="zh-TW" sz="1600" b="0" i="0" u="none" strike="noStrike" cap="none" normalizeH="0" baseline="0">
                   <a:ln>
                     <a:noFill/>
                   </a:ln>
@@ -11999,7 +14433,7 @@
                 <a:t>return </a:t>
               </a:r>
               <a:r>
-                <a:rPr kumimoji="0" lang="zh-TW" altLang="zh-TW" sz="1400" b="0" i="0" u="none" strike="noStrike" cap="none" normalizeH="0" baseline="0">
+                <a:rPr kumimoji="0" lang="zh-TW" altLang="zh-TW" sz="1600" b="0" i="0" u="none" strike="noStrike" cap="none" normalizeH="0" baseline="0">
                   <a:ln>
                     <a:noFill/>
                   </a:ln>
@@ -12013,7 +14447,7 @@
                 <a:t>arr[arr.</a:t>
               </a:r>
               <a:r>
-                <a:rPr kumimoji="0" lang="zh-TW" altLang="zh-TW" sz="1400" b="0" i="0" u="none" strike="noStrike" cap="none" normalizeH="0" baseline="0">
+                <a:rPr kumimoji="0" lang="zh-TW" altLang="zh-TW" sz="1600" b="0" i="0" u="none" strike="noStrike" cap="none" normalizeH="0" baseline="0">
                   <a:ln>
                     <a:noFill/>
                   </a:ln>
@@ -12027,7 +14461,7 @@
                 <a:t>length </a:t>
               </a:r>
               <a:r>
-                <a:rPr kumimoji="0" lang="zh-TW" altLang="zh-TW" sz="1400" b="0" i="0" u="none" strike="noStrike" cap="none" normalizeH="0" baseline="0">
+                <a:rPr kumimoji="0" lang="zh-TW" altLang="zh-TW" sz="1600" b="0" i="0" u="none" strike="noStrike" cap="none" normalizeH="0" baseline="0">
                   <a:ln>
                     <a:noFill/>
                   </a:ln>
@@ -12041,7 +14475,7 @@
                 <a:t>- </a:t>
               </a:r>
               <a:r>
-                <a:rPr kumimoji="0" lang="zh-TW" altLang="zh-TW" sz="1400" b="0" i="0" u="none" strike="noStrike" cap="none" normalizeH="0" baseline="0">
+                <a:rPr kumimoji="0" lang="zh-TW" altLang="zh-TW" sz="1600" b="0" i="0" u="none" strike="noStrike" cap="none" normalizeH="0" baseline="0">
                   <a:ln>
                     <a:noFill/>
                   </a:ln>
@@ -12055,7 +14489,7 @@
                 <a:t>1</a:t>
               </a:r>
               <a:r>
-                <a:rPr kumimoji="0" lang="zh-TW" altLang="zh-TW" sz="1400" b="0" i="0" u="none" strike="noStrike" cap="none" normalizeH="0" baseline="0">
+                <a:rPr kumimoji="0" lang="zh-TW" altLang="zh-TW" sz="1600" b="0" i="0" u="none" strike="noStrike" cap="none" normalizeH="0" baseline="0">
                   <a:ln>
                     <a:noFill/>
                   </a:ln>
@@ -12069,7 +14503,7 @@
                 <a:t>];</a:t>
               </a:r>
               <a:br>
-                <a:rPr kumimoji="0" lang="zh-TW" altLang="zh-TW" sz="1400" b="0" i="0" u="none" strike="noStrike" cap="none" normalizeH="0" baseline="0">
+                <a:rPr kumimoji="0" lang="zh-TW" altLang="zh-TW" sz="1600" b="0" i="0" u="none" strike="noStrike" cap="none" normalizeH="0" baseline="0">
                   <a:ln>
                     <a:noFill/>
                   </a:ln>
@@ -12082,7 +14516,7 @@
                 </a:rPr>
               </a:br>
               <a:r>
-                <a:rPr kumimoji="0" lang="zh-TW" altLang="zh-TW" sz="1400" b="0" i="0" u="none" strike="noStrike" cap="none" normalizeH="0" baseline="0">
+                <a:rPr kumimoji="0" lang="zh-TW" altLang="zh-TW" sz="1600" b="0" i="0" u="none" strike="noStrike" cap="none" normalizeH="0" baseline="0">
                   <a:ln>
                     <a:noFill/>
                   </a:ln>
@@ -12096,7 +14530,7 @@
                 <a:t>    }</a:t>
               </a:r>
               <a:br>
-                <a:rPr kumimoji="0" lang="zh-TW" altLang="zh-TW" sz="1400" b="0" i="0" u="none" strike="noStrike" cap="none" normalizeH="0" baseline="0">
+                <a:rPr kumimoji="0" lang="zh-TW" altLang="zh-TW" sz="1600" b="0" i="0" u="none" strike="noStrike" cap="none" normalizeH="0" baseline="0">
                   <a:ln>
                     <a:noFill/>
                   </a:ln>
@@ -12109,7 +14543,7 @@
                 </a:rPr>
               </a:br>
               <a:r>
-                <a:rPr kumimoji="0" lang="zh-TW" altLang="zh-TW" sz="1400" b="0" i="0" u="none" strike="noStrike" cap="none" normalizeH="0" baseline="0">
+                <a:rPr kumimoji="0" lang="zh-TW" altLang="zh-TW" sz="1600" b="0" i="0" u="none" strike="noStrike" cap="none" normalizeH="0" baseline="0">
                   <a:ln>
                     <a:noFill/>
                   </a:ln>
@@ -12122,7 +14556,7 @@
                 </a:rPr>
                 <a:t>}</a:t>
               </a:r>
-              <a:endParaRPr kumimoji="0" lang="zh-TW" altLang="zh-TW" b="0" i="0" u="none" strike="noStrike" cap="none" normalizeH="0" baseline="0">
+              <a:endParaRPr kumimoji="0" lang="zh-TW" altLang="zh-TW" sz="2000" b="0" i="0" u="none" strike="noStrike" cap="none" normalizeH="0" baseline="0">
                 <a:ln>
                   <a:noFill/>
                 </a:ln>
@@ -12149,7 +14583,7 @@
           </p:nvSpPr>
           <p:spPr>
             <a:xfrm>
-              <a:off x="9582733" y="4629371"/>
+              <a:off x="15793697" y="4924782"/>
               <a:ext cx="691215" cy="369332"/>
             </a:xfrm>
             <a:prstGeom prst="rect">
@@ -12211,7 +14645,7 @@
           </p:blipFill>
           <p:spPr>
             <a:xfrm>
-              <a:off x="9830194" y="2536490"/>
+              <a:off x="16041158" y="2493347"/>
               <a:ext cx="443753" cy="434106"/>
             </a:xfrm>
             <a:prstGeom prst="rect">
@@ -12234,10 +14668,10 @@
         </p:nvGrpSpPr>
         <p:grpSpPr>
           <a:xfrm>
-            <a:off x="9465667" y="4218429"/>
-            <a:ext cx="1226634" cy="338554"/>
-            <a:chOff x="5261755" y="6211617"/>
-            <a:chExt cx="689983" cy="338554"/>
+            <a:off x="9253025" y="4705895"/>
+            <a:ext cx="1518069" cy="400110"/>
+            <a:chOff x="5261755" y="6180839"/>
+            <a:chExt cx="853915" cy="400110"/>
           </a:xfrm>
         </p:grpSpPr>
         <p:sp>
@@ -12256,8 +14690,8 @@
           </p:nvSpPr>
           <p:spPr bwMode="auto">
             <a:xfrm>
-              <a:off x="5261755" y="6211617"/>
-              <a:ext cx="689983" cy="338554"/>
+              <a:off x="5261755" y="6180839"/>
+              <a:ext cx="853915" cy="400110"/>
             </a:xfrm>
             <a:prstGeom prst="rect">
               <a:avLst/>
@@ -12312,7 +14746,7 @@
                 <a:tabLst/>
               </a:pPr>
               <a:r>
-                <a:rPr kumimoji="0" lang="en-US" altLang="zh-TW" sz="1600" b="0" i="0" u="none" strike="noStrike" cap="none" normalizeH="0" baseline="0">
+                <a:rPr kumimoji="0" lang="en-US" altLang="zh-TW" sz="2000" b="0" i="0" u="none" strike="noStrike" cap="none" normalizeH="0" baseline="0">
                   <a:ln>
                     <a:noFill/>
                   </a:ln>
@@ -12325,7 +14759,7 @@
                 </a:rPr>
                 <a:t>5</a:t>
               </a:r>
-              <a:endParaRPr kumimoji="0" lang="zh-TW" altLang="zh-TW" sz="2800" b="0" i="0" u="none" strike="noStrike" cap="none" normalizeH="0" baseline="0">
+              <a:endParaRPr kumimoji="0" lang="zh-TW" altLang="zh-TW" sz="3600" b="0" i="0" u="none" strike="noStrike" cap="none" normalizeH="0" baseline="0">
                 <a:ln>
                   <a:noFill/>
                 </a:ln>
@@ -12352,8 +14786,8 @@
           </p:nvSpPr>
           <p:spPr>
             <a:xfrm>
-              <a:off x="5561125" y="6273172"/>
-              <a:ext cx="390613" cy="276999"/>
+              <a:off x="5676364" y="6273172"/>
+              <a:ext cx="439304" cy="307777"/>
             </a:xfrm>
             <a:prstGeom prst="rect">
               <a:avLst/>
@@ -12370,14 +14804,14 @@
             <a:lstStyle/>
             <a:p>
               <a:r>
-                <a:rPr lang="en-US" altLang="zh-TW" sz="1200">
+                <a:rPr lang="en-US" altLang="zh-TW" sz="1400">
                   <a:solidFill>
                     <a:schemeClr val="accent3"/>
                   </a:solidFill>
                 </a:rPr>
                 <a:t>output</a:t>
               </a:r>
-              <a:endParaRPr lang="zh-TW" altLang="en-US" sz="1200">
+              <a:endParaRPr lang="zh-TW" altLang="en-US" sz="1400">
                 <a:solidFill>
                   <a:schemeClr val="accent3"/>
                 </a:solidFill>
@@ -12386,103 +14820,205 @@
           </p:txBody>
         </p:sp>
       </p:grpSp>
-    </p:spTree>
-    <p:extLst>
-      <p:ext uri="{BB962C8B-B14F-4D97-AF65-F5344CB8AC3E}">
-        <p14:creationId xmlns:p14="http://schemas.microsoft.com/office/powerpoint/2010/main" val="495754616"/>
-      </p:ext>
-    </p:extLst>
-  </p:cSld>
-  <p:clrMapOvr>
-    <a:masterClrMapping/>
-  </p:clrMapOvr>
-  <p:transition spd="slow">
-    <p:push dir="u"/>
-  </p:transition>
-</p:sld>
-</file>
-
-<file path=ppt/slides/slide3.xml><?xml version="1.0" encoding="utf-8"?>
-<p:sld xmlns:a="http://schemas.openxmlformats.org/drawingml/2006/main" xmlns:r="http://schemas.openxmlformats.org/officeDocument/2006/relationships" xmlns:p="http://schemas.openxmlformats.org/presentationml/2006/main">
-  <p:cSld>
-    <p:spTree>
-      <p:nvGrpSpPr>
-        <p:cNvPr id="1" name=""/>
-        <p:cNvGrpSpPr/>
-        <p:nvPr/>
-      </p:nvGrpSpPr>
-      <p:grpSpPr>
-        <a:xfrm>
-          <a:off x="0" y="0"/>
-          <a:ext cx="0" cy="0"/>
-          <a:chOff x="0" y="0"/>
-          <a:chExt cx="0" cy="0"/>
-        </a:xfrm>
-      </p:grpSpPr>
       <p:sp>
         <p:nvSpPr>
-          <p:cNvPr id="2" name="標題 1">
+          <p:cNvPr id="20" name="內容版面配置區 20">
             <a:extLst>
               <a:ext uri="{FF2B5EF4-FFF2-40B4-BE49-F238E27FC236}">
-                <a16:creationId xmlns:a16="http://schemas.microsoft.com/office/drawing/2014/main" id="{1C7B612A-7421-41A6-915B-3DAB3C48C311}"/>
+                <a16:creationId xmlns:a16="http://schemas.microsoft.com/office/drawing/2014/main" id="{14E76186-5DBE-4C02-AF08-4A529F8BF558}"/>
               </a:ext>
             </a:extLst>
           </p:cNvPr>
-          <p:cNvSpPr>
-            <a:spLocks noGrp="1"/>
+          <p:cNvSpPr txBox="1">
+            <a:spLocks/>
           </p:cNvSpPr>
-          <p:nvPr>
-            <p:ph type="title"/>
-          </p:nvPr>
+          <p:nvPr/>
         </p:nvSpPr>
         <p:spPr>
           <a:xfrm>
-            <a:off x="838200" y="0"/>
-            <a:ext cx="10515600" cy="1325563"/>
+            <a:off x="345900" y="2485172"/>
+            <a:ext cx="3329627" cy="514236"/>
           </a:xfrm>
+          <a:prstGeom prst="rect">
+            <a:avLst/>
+          </a:prstGeom>
         </p:spPr>
         <p:txBody>
-          <a:bodyPr/>
-          <a:lstStyle/>
+          <a:bodyPr vert="horz" lIns="91440" tIns="45720" rIns="91440" bIns="45720" rtlCol="0">
+            <a:normAutofit/>
+          </a:bodyPr>
+          <a:lstStyle>
+            <a:lvl1pPr marL="0" indent="0" algn="l" defTabSz="914400" rtl="0" eaLnBrk="1" latinLnBrk="0" hangingPunct="1">
+              <a:lnSpc>
+                <a:spcPct val="90000"/>
+              </a:lnSpc>
+              <a:spcBef>
+                <a:spcPts val="1000"/>
+              </a:spcBef>
+              <a:buFont typeface="Arial" panose="020B0604020202020204" pitchFamily="34" charset="0"/>
+              <a:buNone/>
+              <a:defRPr sz="2800" kern="1200">
+                <a:solidFill>
+                  <a:schemeClr val="tx1"/>
+                </a:solidFill>
+                <a:latin typeface="+mn-lt"/>
+                <a:ea typeface="+mn-ea"/>
+                <a:cs typeface="+mn-cs"/>
+              </a:defRPr>
+            </a:lvl1pPr>
+            <a:lvl2pPr marL="457200" indent="0" algn="l" defTabSz="914400" rtl="0" eaLnBrk="1" latinLnBrk="0" hangingPunct="1">
+              <a:lnSpc>
+                <a:spcPct val="90000"/>
+              </a:lnSpc>
+              <a:spcBef>
+                <a:spcPts val="500"/>
+              </a:spcBef>
+              <a:buFont typeface="Arial" panose="020B0604020202020204" pitchFamily="34" charset="0"/>
+              <a:buNone/>
+              <a:defRPr sz="2400" kern="1200">
+                <a:solidFill>
+                  <a:schemeClr val="tx1"/>
+                </a:solidFill>
+                <a:latin typeface="+mn-lt"/>
+                <a:ea typeface="+mn-ea"/>
+                <a:cs typeface="+mn-cs"/>
+              </a:defRPr>
+            </a:lvl2pPr>
+            <a:lvl3pPr marL="914400" indent="0" algn="l" defTabSz="914400" rtl="0" eaLnBrk="1" latinLnBrk="0" hangingPunct="1">
+              <a:lnSpc>
+                <a:spcPct val="90000"/>
+              </a:lnSpc>
+              <a:spcBef>
+                <a:spcPts val="500"/>
+              </a:spcBef>
+              <a:buFont typeface="Arial" panose="020B0604020202020204" pitchFamily="34" charset="0"/>
+              <a:buNone/>
+              <a:defRPr sz="2000" kern="1200">
+                <a:solidFill>
+                  <a:schemeClr val="tx1"/>
+                </a:solidFill>
+                <a:latin typeface="+mn-lt"/>
+                <a:ea typeface="+mn-ea"/>
+                <a:cs typeface="+mn-cs"/>
+              </a:defRPr>
+            </a:lvl3pPr>
+            <a:lvl4pPr marL="1371600" indent="0" algn="l" defTabSz="914400" rtl="0" eaLnBrk="1" latinLnBrk="0" hangingPunct="1">
+              <a:lnSpc>
+                <a:spcPct val="90000"/>
+              </a:lnSpc>
+              <a:spcBef>
+                <a:spcPts val="500"/>
+              </a:spcBef>
+              <a:buFont typeface="Arial" panose="020B0604020202020204" pitchFamily="34" charset="0"/>
+              <a:buNone/>
+              <a:defRPr sz="1800" kern="1200">
+                <a:solidFill>
+                  <a:schemeClr val="tx1"/>
+                </a:solidFill>
+                <a:latin typeface="+mn-lt"/>
+                <a:ea typeface="+mn-ea"/>
+                <a:cs typeface="+mn-cs"/>
+              </a:defRPr>
+            </a:lvl4pPr>
+            <a:lvl5pPr marL="1828800" indent="0" algn="l" defTabSz="914400" rtl="0" eaLnBrk="1" latinLnBrk="0" hangingPunct="1">
+              <a:lnSpc>
+                <a:spcPct val="90000"/>
+              </a:lnSpc>
+              <a:spcBef>
+                <a:spcPts val="500"/>
+              </a:spcBef>
+              <a:buFont typeface="Arial" panose="020B0604020202020204" pitchFamily="34" charset="0"/>
+              <a:buNone/>
+              <a:defRPr sz="1800" kern="1200">
+                <a:solidFill>
+                  <a:schemeClr val="tx1"/>
+                </a:solidFill>
+                <a:latin typeface="+mn-lt"/>
+                <a:ea typeface="+mn-ea"/>
+                <a:cs typeface="+mn-cs"/>
+              </a:defRPr>
+            </a:lvl5pPr>
+            <a:lvl6pPr marL="2514600" indent="-228600" algn="l" defTabSz="914400" rtl="0" eaLnBrk="1" latinLnBrk="0" hangingPunct="1">
+              <a:lnSpc>
+                <a:spcPct val="90000"/>
+              </a:lnSpc>
+              <a:spcBef>
+                <a:spcPts val="500"/>
+              </a:spcBef>
+              <a:buFont typeface="Arial" panose="020B0604020202020204" pitchFamily="34" charset="0"/>
+              <a:buChar char="•"/>
+              <a:defRPr sz="1800" kern="1200">
+                <a:solidFill>
+                  <a:schemeClr val="tx1"/>
+                </a:solidFill>
+                <a:latin typeface="+mn-lt"/>
+                <a:ea typeface="+mn-ea"/>
+                <a:cs typeface="+mn-cs"/>
+              </a:defRPr>
+            </a:lvl6pPr>
+            <a:lvl7pPr marL="2971800" indent="-228600" algn="l" defTabSz="914400" rtl="0" eaLnBrk="1" latinLnBrk="0" hangingPunct="1">
+              <a:lnSpc>
+                <a:spcPct val="90000"/>
+              </a:lnSpc>
+              <a:spcBef>
+                <a:spcPts val="500"/>
+              </a:spcBef>
+              <a:buFont typeface="Arial" panose="020B0604020202020204" pitchFamily="34" charset="0"/>
+              <a:buChar char="•"/>
+              <a:defRPr sz="1800" kern="1200">
+                <a:solidFill>
+                  <a:schemeClr val="tx1"/>
+                </a:solidFill>
+                <a:latin typeface="+mn-lt"/>
+                <a:ea typeface="+mn-ea"/>
+                <a:cs typeface="+mn-cs"/>
+              </a:defRPr>
+            </a:lvl7pPr>
+            <a:lvl8pPr marL="3429000" indent="-228600" algn="l" defTabSz="914400" rtl="0" eaLnBrk="1" latinLnBrk="0" hangingPunct="1">
+              <a:lnSpc>
+                <a:spcPct val="90000"/>
+              </a:lnSpc>
+              <a:spcBef>
+                <a:spcPts val="500"/>
+              </a:spcBef>
+              <a:buFont typeface="Arial" panose="020B0604020202020204" pitchFamily="34" charset="0"/>
+              <a:buChar char="•"/>
+              <a:defRPr sz="1800" kern="1200">
+                <a:solidFill>
+                  <a:schemeClr val="tx1"/>
+                </a:solidFill>
+                <a:latin typeface="+mn-lt"/>
+                <a:ea typeface="+mn-ea"/>
+                <a:cs typeface="+mn-cs"/>
+              </a:defRPr>
+            </a:lvl8pPr>
+            <a:lvl9pPr marL="3886200" indent="-228600" algn="l" defTabSz="914400" rtl="0" eaLnBrk="1" latinLnBrk="0" hangingPunct="1">
+              <a:lnSpc>
+                <a:spcPct val="90000"/>
+              </a:lnSpc>
+              <a:spcBef>
+                <a:spcPts val="500"/>
+              </a:spcBef>
+              <a:buFont typeface="Arial" panose="020B0604020202020204" pitchFamily="34" charset="0"/>
+              <a:buChar char="•"/>
+              <a:defRPr sz="1800" kern="1200">
+                <a:solidFill>
+                  <a:schemeClr val="tx1"/>
+                </a:solidFill>
+                <a:latin typeface="+mn-lt"/>
+                <a:ea typeface="+mn-ea"/>
+                <a:cs typeface="+mn-cs"/>
+              </a:defRPr>
+            </a:lvl9pPr>
+          </a:lstStyle>
           <a:p>
             <a:r>
-              <a:rPr lang="zh-TW" altLang="en-US"/>
-              <a:t>泛型類別</a:t>
-            </a:r>
-          </a:p>
-        </p:txBody>
-      </p:sp>
-      <p:sp>
-        <p:nvSpPr>
-          <p:cNvPr id="13" name="內容版面配置區 12">
-            <a:extLst>
-              <a:ext uri="{FF2B5EF4-FFF2-40B4-BE49-F238E27FC236}">
-                <a16:creationId xmlns:a16="http://schemas.microsoft.com/office/drawing/2014/main" id="{43FC7B51-33E9-45A1-BF4F-788B6DF65C1E}"/>
-              </a:ext>
-            </a:extLst>
-          </p:cNvPr>
-          <p:cNvSpPr>
-            <a:spLocks noGrp="1"/>
-          </p:cNvSpPr>
-          <p:nvPr>
-            <p:ph idx="1"/>
-          </p:nvPr>
-        </p:nvSpPr>
-        <p:spPr>
-          <a:xfrm>
-            <a:off x="838200" y="1256926"/>
-            <a:ext cx="10515600" cy="1550987"/>
-          </a:xfrm>
-        </p:spPr>
-        <p:txBody>
-          <a:bodyPr>
-            <a:normAutofit/>
-          </a:bodyPr>
-          <a:lstStyle/>
-          <a:p>
-            <a:r>
-              <a:rPr lang="zh-TW" altLang="en-US"/>
-              <a:t>在原本可以填</a:t>
+              <a:rPr lang="zh-TW" altLang="en-US">
+                <a:solidFill>
+                  <a:srgbClr val="FFFF00"/>
+                </a:solidFill>
+              </a:rPr>
+              <a:t>呼叫</a:t>
             </a:r>
             <a:r>
               <a:rPr lang="zh-TW" altLang="en-US">
@@ -12490,119 +15026,22 @@
                   <a:srgbClr val="00B0F0"/>
                 </a:solidFill>
               </a:rPr>
-              <a:t>型別</a:t>
+              <a:t>靜態泛型方法</a:t>
             </a:r>
             <a:r>
               <a:rPr lang="zh-TW" altLang="en-US"/>
-              <a:t>的地方都可以填上</a:t>
+              <a:t>：</a:t>
             </a:r>
-            <a:r>
-              <a:rPr lang="zh-TW" altLang="en-US">
-                <a:solidFill>
-                  <a:srgbClr val="00B0F0"/>
-                </a:solidFill>
-              </a:rPr>
-              <a:t>泛型</a:t>
-            </a:r>
-            <a:endParaRPr lang="en-US" altLang="zh-TW">
-              <a:solidFill>
-                <a:srgbClr val="00B0F0"/>
-              </a:solidFill>
-            </a:endParaRPr>
-          </a:p>
-          <a:p>
-            <a:r>
-              <a:rPr lang="zh-TW" altLang="en-US"/>
-              <a:t>但特別注意，不可創建</a:t>
-            </a:r>
-            <a:r>
-              <a:rPr lang="zh-TW" altLang="en-US">
-                <a:solidFill>
-                  <a:srgbClr val="00B0F0"/>
-                </a:solidFill>
-              </a:rPr>
-              <a:t>泛型</a:t>
-            </a:r>
-            <a:r>
-              <a:rPr lang="zh-TW" altLang="en-US"/>
-              <a:t>的</a:t>
-            </a:r>
-            <a:r>
-              <a:rPr lang="zh-TW" altLang="en-US">
-                <a:solidFill>
-                  <a:srgbClr val="00B0F0"/>
-                </a:solidFill>
-              </a:rPr>
-              <a:t>新實例</a:t>
-            </a:r>
-            <a:r>
-              <a:rPr lang="zh-TW" altLang="en-US"/>
-              <a:t>或是</a:t>
-            </a:r>
-            <a:r>
-              <a:rPr lang="zh-TW" altLang="en-US">
-                <a:solidFill>
-                  <a:srgbClr val="00B0F0"/>
-                </a:solidFill>
-              </a:rPr>
-              <a:t>泛型陣列</a:t>
-            </a:r>
-            <a:endParaRPr lang="en-US" altLang="zh-TW">
-              <a:solidFill>
-                <a:srgbClr val="00B0F0"/>
-              </a:solidFill>
-            </a:endParaRPr>
-          </a:p>
-          <a:p>
-            <a:r>
-              <a:rPr lang="zh-TW" altLang="en-US"/>
-              <a:t>若要在</a:t>
-            </a:r>
-            <a:r>
-              <a:rPr lang="zh-TW" altLang="en-US">
-                <a:solidFill>
-                  <a:srgbClr val="00B0F0"/>
-                </a:solidFill>
-              </a:rPr>
-              <a:t>類別</a:t>
-            </a:r>
-            <a:r>
-              <a:rPr lang="zh-TW" altLang="en-US"/>
-              <a:t>或</a:t>
-            </a:r>
-            <a:r>
-              <a:rPr lang="zh-TW" altLang="en-US">
-                <a:solidFill>
-                  <a:srgbClr val="00B0F0"/>
-                </a:solidFill>
-              </a:rPr>
-              <a:t>介面</a:t>
-            </a:r>
-            <a:r>
-              <a:rPr lang="zh-TW" altLang="en-US"/>
-              <a:t>中使用</a:t>
-            </a:r>
-            <a:r>
-              <a:rPr lang="zh-TW" altLang="en-US">
-                <a:solidFill>
-                  <a:srgbClr val="00B0F0"/>
-                </a:solidFill>
-              </a:rPr>
-              <a:t>泛型</a:t>
-            </a:r>
-            <a:r>
-              <a:rPr lang="zh-TW" altLang="en-US"/>
-              <a:t>，則須使用以下格式：</a:t>
-            </a:r>
+            <a:endParaRPr lang="en-US" altLang="zh-TW"/>
           </a:p>
         </p:txBody>
       </p:sp>
       <p:grpSp>
         <p:nvGrpSpPr>
-          <p:cNvPr id="15" name="群組 14">
+          <p:cNvPr id="22" name="群組 21">
             <a:extLst>
               <a:ext uri="{FF2B5EF4-FFF2-40B4-BE49-F238E27FC236}">
-                <a16:creationId xmlns:a16="http://schemas.microsoft.com/office/drawing/2014/main" id="{834C39C0-95E2-4071-9FA0-787A332F9B80}"/>
+                <a16:creationId xmlns:a16="http://schemas.microsoft.com/office/drawing/2014/main" id="{F8F172E9-12E8-42EB-A122-5C5903641C94}"/>
               </a:ext>
             </a:extLst>
           </p:cNvPr>
@@ -12611,18 +15050,18 @@
         </p:nvGrpSpPr>
         <p:grpSpPr>
           <a:xfrm>
-            <a:off x="838201" y="2807913"/>
-            <a:ext cx="10515600" cy="1200329"/>
-            <a:chOff x="6380327" y="4522583"/>
-            <a:chExt cx="10515600" cy="1200329"/>
+            <a:off x="3675528" y="2526361"/>
+            <a:ext cx="8234084" cy="369332"/>
+            <a:chOff x="9217654" y="4938081"/>
+            <a:chExt cx="8234084" cy="369332"/>
           </a:xfrm>
         </p:grpSpPr>
         <p:sp>
           <p:nvSpPr>
-            <p:cNvPr id="16" name="Rectangle 2">
+            <p:cNvPr id="23" name="Rectangle 2">
               <a:extLst>
                 <a:ext uri="{FF2B5EF4-FFF2-40B4-BE49-F238E27FC236}">
-                  <a16:creationId xmlns:a16="http://schemas.microsoft.com/office/drawing/2014/main" id="{0A303BE9-A573-4E8F-AA05-27B83B035476}"/>
+                  <a16:creationId xmlns:a16="http://schemas.microsoft.com/office/drawing/2014/main" id="{3AF3B624-9965-4E8A-8FC5-A5462D8E7781}"/>
                 </a:ext>
               </a:extLst>
             </p:cNvPr>
@@ -12633,8 +15072,8 @@
           </p:nvSpPr>
           <p:spPr bwMode="auto">
             <a:xfrm>
-              <a:off x="6380327" y="4522583"/>
-              <a:ext cx="10515600" cy="1200329"/>
+              <a:off x="9217654" y="4938081"/>
+              <a:ext cx="8234083" cy="369332"/>
             </a:xfrm>
             <a:prstGeom prst="rect">
               <a:avLst/>
@@ -12694,31 +15133,35 @@
                 <a:tabLst/>
               </a:pPr>
               <a:r>
-                <a:rPr kumimoji="0" lang="zh-TW" altLang="en-US" sz="2400" b="0" i="0" u="none" strike="noStrike" cap="none" normalizeH="0" baseline="0">
-                  <a:ln>
-                    <a:noFill/>
-                  </a:ln>
-                  <a:solidFill>
-                    <a:srgbClr val="FFC000"/>
+                <a:rPr kumimoji="0" lang="zh-TW" altLang="en-US" b="0" i="0" u="none" strike="noStrike" cap="none" normalizeH="0" baseline="0">
+                  <a:ln>
+                    <a:noFill/>
+                  </a:ln>
+                  <a:solidFill>
+                    <a:srgbClr val="56A8F5"/>
                   </a:solidFill>
                   <a:effectLst/>
                   <a:latin typeface="+mj-lt"/>
                   <a:ea typeface="微軟正黑體" panose="020B0604030504040204" pitchFamily="34" charset="-120"/>
                 </a:rPr>
-                <a:t>修飾子 </a:t>
-              </a:r>
-              <a:r>
-                <a:rPr lang="zh-TW" altLang="en-US" sz="2400">
+                <a:t>類別</a:t>
+              </a:r>
+              <a:r>
+                <a:rPr kumimoji="0" lang="en-US" altLang="zh-TW" b="0" i="0" u="none" strike="noStrike" cap="none" normalizeH="0" baseline="0">
+                  <a:ln>
+                    <a:noFill/>
+                  </a:ln>
                   <a:solidFill>
                     <a:srgbClr val="56A8F5"/>
                   </a:solidFill>
+                  <a:effectLst/>
                   <a:latin typeface="+mj-lt"/>
                   <a:ea typeface="微軟正黑體" panose="020B0604030504040204" pitchFamily="34" charset="-120"/>
                 </a:rPr>
-                <a:t>類別</a:t>
-              </a:r>
-              <a:r>
-                <a:rPr kumimoji="0" lang="zh-TW" altLang="zh-TW" sz="2400" b="0" i="0" u="none" strike="noStrike" cap="none" normalizeH="0" baseline="0">
+                <a:t>.</a:t>
+              </a:r>
+              <a:r>
+                <a:rPr kumimoji="0" lang="zh-TW" altLang="en-US" b="0" i="0" u="none" strike="noStrike" cap="none" normalizeH="0" baseline="0">
                   <a:ln>
                     <a:noFill/>
                   </a:ln>
@@ -12729,10 +15172,24 @@
                   <a:latin typeface="+mj-lt"/>
                   <a:ea typeface="微軟正黑體" panose="020B0604030504040204" pitchFamily="34" charset="-120"/>
                 </a:rPr>
+                <a:t>靜態方法</a:t>
+              </a:r>
+              <a:r>
+                <a:rPr kumimoji="0" lang="zh-TW" altLang="zh-TW" b="0" i="0" u="none" strike="noStrike" cap="none" normalizeH="0" baseline="0">
+                  <a:ln>
+                    <a:noFill/>
+                  </a:ln>
+                  <a:solidFill>
+                    <a:srgbClr val="56A8F5"/>
+                  </a:solidFill>
+                  <a:effectLst/>
+                  <a:latin typeface="+mj-lt"/>
+                  <a:ea typeface="微軟正黑體" panose="020B0604030504040204" pitchFamily="34" charset="-120"/>
+                </a:rPr>
                 <a:t>名稱</a:t>
               </a:r>
               <a:r>
-                <a:rPr lang="en-US" altLang="zh-TW" sz="2400">
+                <a:rPr lang="en-US" altLang="zh-TW">
                   <a:solidFill>
                     <a:srgbClr val="BCBEC4"/>
                   </a:solidFill>
@@ -12743,7 +15200,7 @@
                 <a:t>&lt;</a:t>
               </a:r>
               <a:r>
-                <a:rPr lang="zh-TW" altLang="en-US" sz="2400">
+                <a:rPr lang="zh-TW" altLang="en-US">
                   <a:solidFill>
                     <a:srgbClr val="92D050"/>
                   </a:solidFill>
@@ -12754,7 +15211,7 @@
                 <a:t>泛型代號</a:t>
               </a:r>
               <a:r>
-                <a:rPr lang="en-US" altLang="zh-TW" sz="2400">
+                <a:rPr lang="en-US" altLang="zh-TW">
                   <a:solidFill>
                     <a:srgbClr val="92D050"/>
                   </a:solidFill>
@@ -12765,7 +15222,7 @@
                 <a:t>1</a:t>
               </a:r>
               <a:r>
-                <a:rPr lang="en-US" altLang="zh-TW" sz="2400">
+                <a:rPr lang="en-US" altLang="zh-TW">
                   <a:solidFill>
                     <a:srgbClr val="BCBEC4"/>
                   </a:solidFill>
@@ -12776,7 +15233,7 @@
                 <a:t>, </a:t>
               </a:r>
               <a:r>
-                <a:rPr lang="zh-TW" altLang="en-US" sz="2400">
+                <a:rPr lang="zh-TW" altLang="en-US">
                   <a:solidFill>
                     <a:srgbClr val="92D050"/>
                   </a:solidFill>
@@ -12787,7 +15244,7 @@
                 <a:t>泛型代號</a:t>
               </a:r>
               <a:r>
-                <a:rPr lang="en-US" altLang="zh-TW" sz="2400">
+                <a:rPr lang="en-US" altLang="zh-TW">
                   <a:solidFill>
                     <a:srgbClr val="92D050"/>
                   </a:solidFill>
@@ -12798,7 +15255,7 @@
                 <a:t>2</a:t>
               </a:r>
               <a:r>
-                <a:rPr lang="en-US" altLang="zh-TW" sz="2400">
+                <a:rPr lang="en-US" altLang="zh-TW">
                   <a:solidFill>
                     <a:srgbClr val="BCBEC4"/>
                   </a:solidFill>
@@ -12809,7 +15266,7 @@
                 <a:t>, </a:t>
               </a:r>
               <a:r>
-                <a:rPr lang="en-US" altLang="zh-TW" sz="2400">
+                <a:rPr lang="en-US" altLang="zh-TW">
                   <a:solidFill>
                     <a:srgbClr val="92D050"/>
                   </a:solidFill>
@@ -12820,7 +15277,7 @@
                 <a:t>...</a:t>
               </a:r>
               <a:r>
-                <a:rPr lang="en-US" altLang="zh-TW" sz="2400">
+                <a:rPr lang="en-US" altLang="zh-TW">
                   <a:solidFill>
                     <a:srgbClr val="BCBEC4"/>
                   </a:solidFill>
@@ -12831,7 +15288,7 @@
                 <a:t>, </a:t>
               </a:r>
               <a:r>
-                <a:rPr lang="zh-TW" altLang="en-US" sz="2400">
+                <a:rPr lang="zh-TW" altLang="en-US">
                   <a:solidFill>
                     <a:srgbClr val="92D050"/>
                   </a:solidFill>
@@ -12842,7 +15299,7 @@
                 <a:t>泛型代號</a:t>
               </a:r>
               <a:r>
-                <a:rPr lang="en-US" altLang="zh-TW" sz="2400">
+                <a:rPr lang="en-US" altLang="zh-TW">
                   <a:solidFill>
                     <a:srgbClr val="92D050"/>
                   </a:solidFill>
@@ -12853,7 +15310,7 @@
                 <a:t>n</a:t>
               </a:r>
               <a:r>
-                <a:rPr lang="en-US" altLang="zh-TW" sz="2400">
+                <a:rPr lang="en-US" altLang="zh-TW">
                   <a:solidFill>
                     <a:srgbClr val="BCBEC4"/>
                   </a:solidFill>
@@ -12864,42 +15321,37 @@
                 <a:t>&gt;</a:t>
               </a:r>
               <a:r>
-                <a:rPr kumimoji="0" lang="zh-TW" altLang="en-US" sz="2400" b="0" i="0" u="none" strike="noStrike" cap="none" normalizeH="0" baseline="0">
-                  <a:ln>
-                    <a:noFill/>
-                  </a:ln>
-                  <a:solidFill>
-                    <a:srgbClr val="FFC000"/>
+                <a:rPr kumimoji="0" lang="zh-TW" altLang="zh-TW" b="0" i="0" u="none" strike="noStrike" cap="none" normalizeH="0" baseline="0">
+                  <a:ln>
+                    <a:noFill/>
+                  </a:ln>
+                  <a:solidFill>
+                    <a:srgbClr val="BCBEC4"/>
                   </a:solidFill>
                   <a:effectLst/>
                   <a:latin typeface="+mj-lt"/>
                   <a:ea typeface="微軟正黑體" panose="020B0604030504040204" pitchFamily="34" charset="-120"/>
-                </a:rPr>
-                <a:t> </a:t>
-              </a:r>
-              <a:r>
-                <a:rPr lang="en-US" altLang="zh-TW" sz="2400">
-                  <a:solidFill>
-                    <a:srgbClr val="BCBEC4"/>
-                  </a:solidFill>
+                  <a:cs typeface="JetBrains Mono" panose="02000009000000000000" pitchFamily="49" charset="0"/>
+                </a:rPr>
+                <a:t>(</a:t>
+              </a:r>
+              <a:r>
+                <a:rPr kumimoji="0" lang="zh-TW" altLang="zh-TW" b="0" i="0" u="none" strike="noStrike" cap="none" normalizeH="0" baseline="0">
+                  <a:ln>
+                    <a:noFill/>
+                  </a:ln>
+                  <a:solidFill>
+                    <a:srgbClr val="92D050"/>
+                  </a:solidFill>
+                  <a:effectLst/>
                   <a:latin typeface="+mj-lt"/>
                   <a:ea typeface="微軟正黑體" panose="020B0604030504040204" pitchFamily="34" charset="-120"/>
                   <a:cs typeface="JetBrains Mono" panose="02000009000000000000" pitchFamily="49" charset="0"/>
                 </a:rPr>
-                <a:t>{</a:t>
-              </a:r>
-            </a:p>
-            <a:p>
-              <a:pPr eaLnBrk="0" fontAlgn="base" hangingPunct="0">
-                <a:spcBef>
-                  <a:spcPct val="0"/>
-                </a:spcBef>
-                <a:spcAft>
-                  <a:spcPct val="0"/>
-                </a:spcAft>
-              </a:pPr>
-              <a:r>
-                <a:rPr kumimoji="0" lang="zh-TW" altLang="en-US" sz="2400" b="0" i="0" u="none" strike="noStrike" cap="none" normalizeH="0" baseline="0">
+                <a:t>...</a:t>
+              </a:r>
+              <a:r>
+                <a:rPr kumimoji="0" lang="zh-TW" altLang="zh-TW" b="0" i="0" u="none" strike="noStrike" cap="none" normalizeH="0" baseline="0">
                   <a:ln>
                     <a:noFill/>
                   </a:ln>
@@ -12911,45 +15363,9 @@
                   <a:ea typeface="微軟正黑體" panose="020B0604030504040204" pitchFamily="34" charset="-120"/>
                   <a:cs typeface="JetBrains Mono" panose="02000009000000000000" pitchFamily="49" charset="0"/>
                 </a:rPr>
-                <a:t>    </a:t>
-              </a:r>
-              <a:r>
-                <a:rPr kumimoji="0" lang="en-US" altLang="zh-TW" sz="2400" b="0" i="0" u="none" strike="noStrike" cap="none" normalizeH="0" baseline="0">
-                  <a:ln>
-                    <a:noFill/>
-                  </a:ln>
-                  <a:solidFill>
-                    <a:srgbClr val="FFFF00"/>
-                  </a:solidFill>
-                  <a:effectLst/>
-                  <a:latin typeface="+mj-lt"/>
-                  <a:ea typeface="微軟正黑體" panose="020B0604030504040204" pitchFamily="34" charset="-120"/>
-                  <a:cs typeface="JetBrains Mono" panose="02000009000000000000" pitchFamily="49" charset="0"/>
-                </a:rPr>
-                <a:t>...</a:t>
-              </a:r>
-            </a:p>
-            <a:p>
-              <a:pPr eaLnBrk="0" fontAlgn="base" hangingPunct="0">
-                <a:spcBef>
-                  <a:spcPct val="0"/>
-                </a:spcBef>
-                <a:spcAft>
-                  <a:spcPct val="0"/>
-                </a:spcAft>
-              </a:pPr>
-              <a:r>
-                <a:rPr lang="en-US" altLang="zh-TW" sz="2400">
-                  <a:solidFill>
-                    <a:srgbClr val="BCBEC4"/>
-                  </a:solidFill>
-                  <a:latin typeface="+mj-lt"/>
-                  <a:ea typeface="微軟正黑體" panose="020B0604030504040204" pitchFamily="34" charset="-120"/>
-                  <a:cs typeface="JetBrains Mono" panose="02000009000000000000" pitchFamily="49" charset="0"/>
-                </a:rPr>
-                <a:t>}</a:t>
-              </a:r>
-              <a:endParaRPr kumimoji="0" lang="zh-TW" altLang="zh-TW" sz="2400" b="0" i="0" u="none" strike="noStrike" cap="none" normalizeH="0" baseline="0">
+                <a:t>)</a:t>
+              </a:r>
+              <a:endParaRPr kumimoji="0" lang="zh-TW" altLang="zh-TW" b="0" i="0" u="none" strike="noStrike" cap="none" normalizeH="0" baseline="0">
                 <a:ln>
                   <a:noFill/>
                 </a:ln>
@@ -12964,10 +15380,10 @@
         </p:sp>
         <p:sp>
           <p:nvSpPr>
-            <p:cNvPr id="17" name="文字方塊 16">
+            <p:cNvPr id="24" name="文字方塊 23">
               <a:extLst>
                 <a:ext uri="{FF2B5EF4-FFF2-40B4-BE49-F238E27FC236}">
-                  <a16:creationId xmlns:a16="http://schemas.microsoft.com/office/drawing/2014/main" id="{BE0937DB-F278-48AC-B363-CB1E4266378A}"/>
+                  <a16:creationId xmlns:a16="http://schemas.microsoft.com/office/drawing/2014/main" id="{C8552A34-AE0D-46CC-A510-4E997C23CD7F}"/>
                 </a:ext>
               </a:extLst>
             </p:cNvPr>
@@ -12976,7 +15392,7 @@
           </p:nvSpPr>
           <p:spPr>
             <a:xfrm>
-              <a:off x="16262418" y="5384358"/>
+              <a:off x="16818231" y="4968838"/>
               <a:ext cx="633507" cy="338554"/>
             </a:xfrm>
             <a:prstGeom prst="rect">
@@ -13011,10 +15427,10 @@
       </p:grpSp>
       <p:sp>
         <p:nvSpPr>
-          <p:cNvPr id="18" name="內容版面配置區 12">
+          <p:cNvPr id="25" name="內容版面配置區 20">
             <a:extLst>
               <a:ext uri="{FF2B5EF4-FFF2-40B4-BE49-F238E27FC236}">
-                <a16:creationId xmlns:a16="http://schemas.microsoft.com/office/drawing/2014/main" id="{263682BF-6D17-404F-97FD-122054BA638D}"/>
+                <a16:creationId xmlns:a16="http://schemas.microsoft.com/office/drawing/2014/main" id="{7A9AACCB-5DA2-4A73-9987-5DB5318424A4}"/>
               </a:ext>
             </a:extLst>
           </p:cNvPr>
@@ -13025,8 +15441,8 @@
         </p:nvSpPr>
         <p:spPr>
           <a:xfrm>
-            <a:off x="838200" y="4713934"/>
-            <a:ext cx="10515600" cy="1550987"/>
+            <a:off x="345900" y="2969366"/>
+            <a:ext cx="3329627" cy="514236"/>
           </a:xfrm>
           <a:prstGeom prst="rect">
             <a:avLst/>
@@ -13202,8 +15618,12 @@
           </a:lstStyle>
           <a:p>
             <a:r>
-              <a:rPr lang="zh-TW" altLang="en-US"/>
-              <a:t>只有在定義新的</a:t>
+              <a:rPr lang="zh-TW" altLang="en-US">
+                <a:solidFill>
+                  <a:srgbClr val="FFFF00"/>
+                </a:solidFill>
+              </a:rPr>
+              <a:t>呼叫</a:t>
             </a:r>
             <a:r>
               <a:rPr lang="zh-TW" altLang="en-US">
@@ -13211,71 +15631,22 @@
                   <a:srgbClr val="00B0F0"/>
                 </a:solidFill>
               </a:rPr>
-              <a:t>泛型代號</a:t>
+              <a:t>動態泛型方法</a:t>
             </a:r>
             <a:r>
               <a:rPr lang="zh-TW" altLang="en-US"/>
-              <a:t>時才需要尖括號</a:t>
+              <a:t>：</a:t>
             </a:r>
             <a:endParaRPr lang="en-US" altLang="zh-TW"/>
-          </a:p>
-          <a:p>
-            <a:r>
-              <a:rPr lang="zh-TW" altLang="en-US"/>
-              <a:t>所以若是</a:t>
-            </a:r>
-            <a:r>
-              <a:rPr lang="zh-TW" altLang="en-US">
-                <a:solidFill>
-                  <a:srgbClr val="00B0F0"/>
-                </a:solidFill>
-              </a:rPr>
-              <a:t>泛型類別</a:t>
-            </a:r>
-            <a:r>
-              <a:rPr lang="zh-TW" altLang="en-US"/>
-              <a:t>中的</a:t>
-            </a:r>
-            <a:r>
-              <a:rPr lang="zh-TW" altLang="en-US">
-                <a:solidFill>
-                  <a:srgbClr val="00B0F0"/>
-                </a:solidFill>
-              </a:rPr>
-              <a:t>動態方法</a:t>
-            </a:r>
-            <a:r>
-              <a:rPr lang="zh-TW" altLang="en-US"/>
-              <a:t>只使用</a:t>
-            </a:r>
-            <a:r>
-              <a:rPr lang="zh-TW" altLang="en-US">
-                <a:solidFill>
-                  <a:srgbClr val="00B0F0"/>
-                </a:solidFill>
-              </a:rPr>
-              <a:t>泛型類別</a:t>
-            </a:r>
-            <a:r>
-              <a:rPr lang="zh-TW" altLang="en-US"/>
-              <a:t>的代號</a:t>
-            </a:r>
-            <a:endParaRPr lang="en-US" altLang="zh-TW"/>
-          </a:p>
-          <a:p>
-            <a:r>
-              <a:rPr lang="zh-TW" altLang="en-US"/>
-              <a:t>就不需要尖括號</a:t>
-            </a:r>
           </a:p>
         </p:txBody>
       </p:sp>
       <p:grpSp>
         <p:nvGrpSpPr>
-          <p:cNvPr id="8" name="群組 7">
+          <p:cNvPr id="26" name="群組 25">
             <a:extLst>
               <a:ext uri="{FF2B5EF4-FFF2-40B4-BE49-F238E27FC236}">
-                <a16:creationId xmlns:a16="http://schemas.microsoft.com/office/drawing/2014/main" id="{CEBDFC86-0DA5-4D72-AA60-D489C3997CFF}"/>
+                <a16:creationId xmlns:a16="http://schemas.microsoft.com/office/drawing/2014/main" id="{E1451732-36BD-43DE-BD76-9D1BA20DB367}"/>
               </a:ext>
             </a:extLst>
           </p:cNvPr>
@@ -13284,18 +15655,18 @@
         </p:nvGrpSpPr>
         <p:grpSpPr>
           <a:xfrm>
-            <a:off x="838201" y="4126976"/>
-            <a:ext cx="10515600" cy="463847"/>
-            <a:chOff x="6380327" y="4891915"/>
-            <a:chExt cx="10515600" cy="463847"/>
+            <a:off x="3675528" y="3010555"/>
+            <a:ext cx="8234084" cy="369332"/>
+            <a:chOff x="9217654" y="4938081"/>
+            <a:chExt cx="8234084" cy="369332"/>
           </a:xfrm>
         </p:grpSpPr>
         <p:sp>
           <p:nvSpPr>
-            <p:cNvPr id="9" name="Rectangle 2">
+            <p:cNvPr id="27" name="Rectangle 2">
               <a:extLst>
                 <a:ext uri="{FF2B5EF4-FFF2-40B4-BE49-F238E27FC236}">
-                  <a16:creationId xmlns:a16="http://schemas.microsoft.com/office/drawing/2014/main" id="{CC78DFB6-7C80-4878-A9CF-8C769EFCAA3E}"/>
+                  <a16:creationId xmlns:a16="http://schemas.microsoft.com/office/drawing/2014/main" id="{7557C312-3523-4987-9DFA-0B1BBC34269B}"/>
                 </a:ext>
               </a:extLst>
             </p:cNvPr>
@@ -13306,8 +15677,8 @@
           </p:nvSpPr>
           <p:spPr bwMode="auto">
             <a:xfrm>
-              <a:off x="6380327" y="4891915"/>
-              <a:ext cx="10515600" cy="461665"/>
+              <a:off x="9217654" y="4938081"/>
+              <a:ext cx="8234083" cy="369332"/>
             </a:xfrm>
             <a:prstGeom prst="rect">
               <a:avLst/>
@@ -13367,45 +15738,41 @@
                 <a:tabLst/>
               </a:pPr>
               <a:r>
-                <a:rPr kumimoji="0" lang="en-US" altLang="zh-TW" sz="2400" b="0" i="0" u="none" strike="noStrike" cap="none" normalizeH="0" baseline="0">
-                  <a:ln>
-                    <a:noFill/>
-                  </a:ln>
-                  <a:solidFill>
-                    <a:srgbClr val="CF8E6D"/>
-                  </a:solidFill>
-                  <a:effectLst/>
+                <a:rPr lang="zh-TW" altLang="en-US">
+                  <a:solidFill>
+                    <a:srgbClr val="56A8F5"/>
+                  </a:solidFill>
                   <a:latin typeface="+mj-lt"/>
                   <a:ea typeface="微軟正黑體" panose="020B0604030504040204" pitchFamily="34" charset="-120"/>
                 </a:rPr>
-                <a:t>new</a:t>
-              </a:r>
-              <a:r>
-                <a:rPr kumimoji="0" lang="en-US" altLang="zh-TW" sz="2400" b="0" i="0" u="none" strike="noStrike" cap="none" normalizeH="0" baseline="0">
-                  <a:ln>
-                    <a:noFill/>
-                  </a:ln>
-                  <a:solidFill>
-                    <a:srgbClr val="FFC000"/>
+                <a:t>物件</a:t>
+              </a:r>
+              <a:r>
+                <a:rPr kumimoji="0" lang="en-US" altLang="zh-TW" b="0" i="0" u="none" strike="noStrike" cap="none" normalizeH="0" baseline="0">
+                  <a:ln>
+                    <a:noFill/>
+                  </a:ln>
+                  <a:solidFill>
+                    <a:srgbClr val="56A8F5"/>
                   </a:solidFill>
                   <a:effectLst/>
                   <a:latin typeface="+mj-lt"/>
                   <a:ea typeface="微軟正黑體" panose="020B0604030504040204" pitchFamily="34" charset="-120"/>
                 </a:rPr>
-                <a:t> </a:t>
-              </a:r>
-              <a:r>
-                <a:rPr lang="zh-TW" altLang="en-US" sz="2400">
+                <a:t>.</a:t>
+              </a:r>
+              <a:r>
+                <a:rPr lang="zh-TW" altLang="en-US">
                   <a:solidFill>
                     <a:srgbClr val="56A8F5"/>
                   </a:solidFill>
                   <a:latin typeface="+mj-lt"/>
                   <a:ea typeface="微軟正黑體" panose="020B0604030504040204" pitchFamily="34" charset="-120"/>
                 </a:rPr>
-                <a:t>類別</a:t>
-              </a:r>
-              <a:r>
-                <a:rPr kumimoji="0" lang="zh-TW" altLang="zh-TW" sz="2400" b="0" i="0" u="none" strike="noStrike" cap="none" normalizeH="0" baseline="0">
+                <a:t>動態</a:t>
+              </a:r>
+              <a:r>
+                <a:rPr kumimoji="0" lang="zh-TW" altLang="en-US" b="0" i="0" u="none" strike="noStrike" cap="none" normalizeH="0" baseline="0">
                   <a:ln>
                     <a:noFill/>
                   </a:ln>
@@ -13416,10 +15783,24 @@
                   <a:latin typeface="+mj-lt"/>
                   <a:ea typeface="微軟正黑體" panose="020B0604030504040204" pitchFamily="34" charset="-120"/>
                 </a:rPr>
+                <a:t>方法</a:t>
+              </a:r>
+              <a:r>
+                <a:rPr kumimoji="0" lang="zh-TW" altLang="zh-TW" b="0" i="0" u="none" strike="noStrike" cap="none" normalizeH="0" baseline="0">
+                  <a:ln>
+                    <a:noFill/>
+                  </a:ln>
+                  <a:solidFill>
+                    <a:srgbClr val="56A8F5"/>
+                  </a:solidFill>
+                  <a:effectLst/>
+                  <a:latin typeface="+mj-lt"/>
+                  <a:ea typeface="微軟正黑體" panose="020B0604030504040204" pitchFamily="34" charset="-120"/>
+                </a:rPr>
                 <a:t>名稱</a:t>
               </a:r>
               <a:r>
-                <a:rPr lang="en-US" altLang="zh-TW" sz="2400">
+                <a:rPr lang="en-US" altLang="zh-TW">
                   <a:solidFill>
                     <a:srgbClr val="BCBEC4"/>
                   </a:solidFill>
@@ -13430,7 +15811,7 @@
                 <a:t>&lt;</a:t>
               </a:r>
               <a:r>
-                <a:rPr lang="zh-TW" altLang="en-US" sz="2400">
+                <a:rPr lang="zh-TW" altLang="en-US">
                   <a:solidFill>
                     <a:srgbClr val="92D050"/>
                   </a:solidFill>
@@ -13441,7 +15822,7 @@
                 <a:t>泛型代號</a:t>
               </a:r>
               <a:r>
-                <a:rPr lang="en-US" altLang="zh-TW" sz="2400">
+                <a:rPr lang="en-US" altLang="zh-TW">
                   <a:solidFill>
                     <a:srgbClr val="92D050"/>
                   </a:solidFill>
@@ -13452,7 +15833,7 @@
                 <a:t>1</a:t>
               </a:r>
               <a:r>
-                <a:rPr lang="en-US" altLang="zh-TW" sz="2400">
+                <a:rPr lang="en-US" altLang="zh-TW">
                   <a:solidFill>
                     <a:srgbClr val="BCBEC4"/>
                   </a:solidFill>
@@ -13463,7 +15844,7 @@
                 <a:t>, </a:t>
               </a:r>
               <a:r>
-                <a:rPr lang="zh-TW" altLang="en-US" sz="2400">
+                <a:rPr lang="zh-TW" altLang="en-US">
                   <a:solidFill>
                     <a:srgbClr val="92D050"/>
                   </a:solidFill>
@@ -13474,7 +15855,7 @@
                 <a:t>泛型代號</a:t>
               </a:r>
               <a:r>
-                <a:rPr lang="en-US" altLang="zh-TW" sz="2400">
+                <a:rPr lang="en-US" altLang="zh-TW">
                   <a:solidFill>
                     <a:srgbClr val="92D050"/>
                   </a:solidFill>
@@ -13485,7 +15866,7 @@
                 <a:t>2</a:t>
               </a:r>
               <a:r>
-                <a:rPr lang="en-US" altLang="zh-TW" sz="2400">
+                <a:rPr lang="en-US" altLang="zh-TW">
                   <a:solidFill>
                     <a:srgbClr val="BCBEC4"/>
                   </a:solidFill>
@@ -13496,7 +15877,7 @@
                 <a:t>, </a:t>
               </a:r>
               <a:r>
-                <a:rPr lang="en-US" altLang="zh-TW" sz="2400">
+                <a:rPr lang="en-US" altLang="zh-TW">
                   <a:solidFill>
                     <a:srgbClr val="92D050"/>
                   </a:solidFill>
@@ -13507,7 +15888,7 @@
                 <a:t>...</a:t>
               </a:r>
               <a:r>
-                <a:rPr lang="en-US" altLang="zh-TW" sz="2400">
+                <a:rPr lang="en-US" altLang="zh-TW">
                   <a:solidFill>
                     <a:srgbClr val="BCBEC4"/>
                   </a:solidFill>
@@ -13518,7 +15899,7 @@
                 <a:t>, </a:t>
               </a:r>
               <a:r>
-                <a:rPr lang="zh-TW" altLang="en-US" sz="2400">
+                <a:rPr lang="zh-TW" altLang="en-US">
                   <a:solidFill>
                     <a:srgbClr val="92D050"/>
                   </a:solidFill>
@@ -13529,7 +15910,7 @@
                 <a:t>泛型代號</a:t>
               </a:r>
               <a:r>
-                <a:rPr lang="en-US" altLang="zh-TW" sz="2400">
+                <a:rPr lang="en-US" altLang="zh-TW">
                   <a:solidFill>
                     <a:srgbClr val="92D050"/>
                   </a:solidFill>
@@ -13540,7 +15921,7 @@
                 <a:t>n</a:t>
               </a:r>
               <a:r>
-                <a:rPr lang="en-US" altLang="zh-TW" sz="2400">
+                <a:rPr lang="en-US" altLang="zh-TW">
                   <a:solidFill>
                     <a:srgbClr val="BCBEC4"/>
                   </a:solidFill>
@@ -13550,15 +15931,70 @@
                 </a:rPr>
                 <a:t>&gt;</a:t>
               </a:r>
+              <a:r>
+                <a:rPr kumimoji="0" lang="zh-TW" altLang="zh-TW" b="0" i="0" u="none" strike="noStrike" cap="none" normalizeH="0" baseline="0">
+                  <a:ln>
+                    <a:noFill/>
+                  </a:ln>
+                  <a:solidFill>
+                    <a:srgbClr val="BCBEC4"/>
+                  </a:solidFill>
+                  <a:effectLst/>
+                  <a:latin typeface="+mj-lt"/>
+                  <a:ea typeface="微軟正黑體" panose="020B0604030504040204" pitchFamily="34" charset="-120"/>
+                  <a:cs typeface="JetBrains Mono" panose="02000009000000000000" pitchFamily="49" charset="0"/>
+                </a:rPr>
+                <a:t>(</a:t>
+              </a:r>
+              <a:r>
+                <a:rPr kumimoji="0" lang="zh-TW" altLang="zh-TW" b="0" i="0" u="none" strike="noStrike" cap="none" normalizeH="0" baseline="0">
+                  <a:ln>
+                    <a:noFill/>
+                  </a:ln>
+                  <a:solidFill>
+                    <a:srgbClr val="92D050"/>
+                  </a:solidFill>
+                  <a:effectLst/>
+                  <a:latin typeface="+mj-lt"/>
+                  <a:ea typeface="微軟正黑體" panose="020B0604030504040204" pitchFamily="34" charset="-120"/>
+                  <a:cs typeface="JetBrains Mono" panose="02000009000000000000" pitchFamily="49" charset="0"/>
+                </a:rPr>
+                <a:t>...</a:t>
+              </a:r>
+              <a:r>
+                <a:rPr kumimoji="0" lang="zh-TW" altLang="zh-TW" b="0" i="0" u="none" strike="noStrike" cap="none" normalizeH="0" baseline="0">
+                  <a:ln>
+                    <a:noFill/>
+                  </a:ln>
+                  <a:solidFill>
+                    <a:srgbClr val="BCBEC4"/>
+                  </a:solidFill>
+                  <a:effectLst/>
+                  <a:latin typeface="+mj-lt"/>
+                  <a:ea typeface="微軟正黑體" panose="020B0604030504040204" pitchFamily="34" charset="-120"/>
+                  <a:cs typeface="JetBrains Mono" panose="02000009000000000000" pitchFamily="49" charset="0"/>
+                </a:rPr>
+                <a:t>)</a:t>
+              </a:r>
+              <a:endParaRPr kumimoji="0" lang="zh-TW" altLang="zh-TW" b="0" i="0" u="none" strike="noStrike" cap="none" normalizeH="0" baseline="0">
+                <a:ln>
+                  <a:noFill/>
+                </a:ln>
+                <a:solidFill>
+                  <a:schemeClr val="tx1"/>
+                </a:solidFill>
+                <a:effectLst/>
+                <a:latin typeface="+mj-lt"/>
+              </a:endParaRPr>
             </a:p>
           </p:txBody>
         </p:sp>
         <p:sp>
           <p:nvSpPr>
-            <p:cNvPr id="10" name="文字方塊 9">
+            <p:cNvPr id="28" name="文字方塊 27">
               <a:extLst>
                 <a:ext uri="{FF2B5EF4-FFF2-40B4-BE49-F238E27FC236}">
-                  <a16:creationId xmlns:a16="http://schemas.microsoft.com/office/drawing/2014/main" id="{CAB9DD67-D073-4752-B015-D06DCAB6533A}"/>
+                  <a16:creationId xmlns:a16="http://schemas.microsoft.com/office/drawing/2014/main" id="{C4E952E0-7F9C-47B2-954D-A4D3C69F0BA3}"/>
                 </a:ext>
               </a:extLst>
             </p:cNvPr>
@@ -13567,7 +16003,7 @@
           </p:nvSpPr>
           <p:spPr>
             <a:xfrm>
-              <a:off x="16262418" y="5017208"/>
+              <a:off x="16818231" y="4968838"/>
               <a:ext cx="633507" cy="338554"/>
             </a:xfrm>
             <a:prstGeom prst="rect">
@@ -13603,7 +16039,7 @@
     </p:spTree>
     <p:extLst>
       <p:ext uri="{BB962C8B-B14F-4D97-AF65-F5344CB8AC3E}">
-        <p14:creationId xmlns:p14="http://schemas.microsoft.com/office/powerpoint/2010/main" val="2306225216"/>
+        <p14:creationId xmlns:p14="http://schemas.microsoft.com/office/powerpoint/2010/main" val="742651811"/>
       </p:ext>
     </p:extLst>
   </p:cSld>
@@ -13633,12 +16069,2150 @@
           <a:chExt cx="0" cy="0"/>
         </a:xfrm>
       </p:grpSpPr>
+      <p:sp>
+        <p:nvSpPr>
+          <p:cNvPr id="2" name="標題 1">
+            <a:extLst>
+              <a:ext uri="{FF2B5EF4-FFF2-40B4-BE49-F238E27FC236}">
+                <a16:creationId xmlns:a16="http://schemas.microsoft.com/office/drawing/2014/main" id="{1C7B612A-7421-41A6-915B-3DAB3C48C311}"/>
+              </a:ext>
+            </a:extLst>
+          </p:cNvPr>
+          <p:cNvSpPr>
+            <a:spLocks noGrp="1"/>
+          </p:cNvSpPr>
+          <p:nvPr>
+            <p:ph type="title"/>
+          </p:nvPr>
+        </p:nvSpPr>
+        <p:spPr>
+          <a:xfrm>
+            <a:off x="838200" y="365125"/>
+            <a:ext cx="10515600" cy="1325563"/>
+          </a:xfrm>
+        </p:spPr>
+        <p:txBody>
+          <a:bodyPr/>
+          <a:lstStyle/>
+          <a:p>
+            <a:r>
+              <a:rPr lang="zh-TW" altLang="en-US"/>
+              <a:t>泛型類別</a:t>
+            </a:r>
+          </a:p>
+        </p:txBody>
+      </p:sp>
+      <p:sp>
+        <p:nvSpPr>
+          <p:cNvPr id="4" name="內容版面配置區 3">
+            <a:extLst>
+              <a:ext uri="{FF2B5EF4-FFF2-40B4-BE49-F238E27FC236}">
+                <a16:creationId xmlns:a16="http://schemas.microsoft.com/office/drawing/2014/main" id="{40FC3BA4-7053-4ADC-8912-8A29FE7F77D6}"/>
+              </a:ext>
+            </a:extLst>
+          </p:cNvPr>
+          <p:cNvSpPr>
+            <a:spLocks noGrp="1"/>
+          </p:cNvSpPr>
+          <p:nvPr>
+            <p:ph idx="1"/>
+          </p:nvPr>
+        </p:nvSpPr>
+        <p:spPr>
+          <a:xfrm>
+            <a:off x="354863" y="1963266"/>
+            <a:ext cx="11482274" cy="507935"/>
+          </a:xfrm>
+        </p:spPr>
+        <p:txBody>
+          <a:bodyPr/>
+          <a:lstStyle/>
+          <a:p>
+            <a:r>
+              <a:rPr lang="zh-TW" altLang="en-US"/>
+              <a:t>若要在</a:t>
+            </a:r>
+            <a:r>
+              <a:rPr lang="zh-TW" altLang="en-US">
+                <a:solidFill>
+                  <a:srgbClr val="00B0F0"/>
+                </a:solidFill>
+              </a:rPr>
+              <a:t>類別</a:t>
+            </a:r>
+            <a:r>
+              <a:rPr lang="zh-TW" altLang="en-US"/>
+              <a:t>或</a:t>
+            </a:r>
+            <a:r>
+              <a:rPr lang="zh-TW" altLang="en-US">
+                <a:solidFill>
+                  <a:srgbClr val="00B0F0"/>
+                </a:solidFill>
+              </a:rPr>
+              <a:t>介面</a:t>
+            </a:r>
+            <a:r>
+              <a:rPr lang="zh-TW" altLang="en-US"/>
+              <a:t>中使用</a:t>
+            </a:r>
+            <a:r>
+              <a:rPr lang="zh-TW" altLang="en-US">
+                <a:solidFill>
+                  <a:srgbClr val="00B0F0"/>
+                </a:solidFill>
+              </a:rPr>
+              <a:t>泛型</a:t>
+            </a:r>
+            <a:r>
+              <a:rPr lang="zh-TW" altLang="en-US"/>
+              <a:t>，則須使用以下格式：</a:t>
+            </a:r>
+          </a:p>
+        </p:txBody>
+      </p:sp>
       <p:grpSp>
         <p:nvGrpSpPr>
-          <p:cNvPr id="23" name="群組 22">
+          <p:cNvPr id="15" name="群組 14">
             <a:extLst>
               <a:ext uri="{FF2B5EF4-FFF2-40B4-BE49-F238E27FC236}">
-                <a16:creationId xmlns:a16="http://schemas.microsoft.com/office/drawing/2014/main" id="{DC0FFA4F-D5EC-4042-BF9E-F6E58DCD5E39}"/>
+                <a16:creationId xmlns:a16="http://schemas.microsoft.com/office/drawing/2014/main" id="{834C39C0-95E2-4071-9FA0-787A332F9B80}"/>
+              </a:ext>
+            </a:extLst>
+          </p:cNvPr>
+          <p:cNvGrpSpPr/>
+          <p:nvPr/>
+        </p:nvGrpSpPr>
+        <p:grpSpPr>
+          <a:xfrm>
+            <a:off x="354864" y="2575943"/>
+            <a:ext cx="11482273" cy="461665"/>
+            <a:chOff x="5896990" y="4501800"/>
+            <a:chExt cx="11482273" cy="461665"/>
+          </a:xfrm>
+        </p:grpSpPr>
+        <p:sp>
+          <p:nvSpPr>
+            <p:cNvPr id="16" name="Rectangle 2">
+              <a:extLst>
+                <a:ext uri="{FF2B5EF4-FFF2-40B4-BE49-F238E27FC236}">
+                  <a16:creationId xmlns:a16="http://schemas.microsoft.com/office/drawing/2014/main" id="{0A303BE9-A573-4E8F-AA05-27B83B035476}"/>
+                </a:ext>
+              </a:extLst>
+            </p:cNvPr>
+            <p:cNvSpPr>
+              <a:spLocks noChangeArrowheads="1"/>
+            </p:cNvSpPr>
+            <p:nvPr/>
+          </p:nvSpPr>
+          <p:spPr bwMode="auto">
+            <a:xfrm>
+              <a:off x="5896990" y="4501800"/>
+              <a:ext cx="11482273" cy="461665"/>
+            </a:xfrm>
+            <a:prstGeom prst="rect">
+              <a:avLst/>
+            </a:prstGeom>
+            <a:solidFill>
+              <a:srgbClr val="1E1F22"/>
+            </a:solidFill>
+            <a:ln>
+              <a:noFill/>
+            </a:ln>
+            <a:effectLst/>
+            <a:extLst>
+              <a:ext uri="{91240B29-F687-4F45-9708-019B960494DF}">
+                <a14:hiddenLine xmlns:a14="http://schemas.microsoft.com/office/drawing/2010/main" w="9525">
+                  <a:solidFill>
+                    <a:schemeClr val="tx1"/>
+                  </a:solidFill>
+                  <a:miter lim="800000"/>
+                  <a:headEnd/>
+                  <a:tailEnd/>
+                </a14:hiddenLine>
+              </a:ext>
+              <a:ext uri="{AF507438-7753-43E0-B8FC-AC1667EBCBE1}">
+                <a14:hiddenEffects xmlns:a14="http://schemas.microsoft.com/office/drawing/2010/main">
+                  <a:effectLst>
+                    <a:outerShdw dist="35921" dir="2700000" algn="ctr" rotWithShape="0">
+                      <a:schemeClr val="bg2"/>
+                    </a:outerShdw>
+                  </a:effectLst>
+                </a14:hiddenEffects>
+              </a:ext>
+            </a:extLst>
+          </p:spPr>
+          <p:txBody>
+            <a:bodyPr vert="horz" wrap="square" lIns="91440" tIns="45720" rIns="91440" bIns="45720" numCol="1" anchor="ctr" anchorCtr="0" compatLnSpc="1">
+              <a:prstTxWarp prst="textNoShape">
+                <a:avLst/>
+              </a:prstTxWarp>
+              <a:spAutoFit/>
+            </a:bodyPr>
+            <a:lstStyle/>
+            <a:p>
+              <a:pPr marL="0" marR="0" lvl="0" indent="0" algn="l" defTabSz="914400" rtl="0" eaLnBrk="0" fontAlgn="base" latinLnBrk="0" hangingPunct="0">
+                <a:lnSpc>
+                  <a:spcPct val="100000"/>
+                </a:lnSpc>
+                <a:spcBef>
+                  <a:spcPct val="0"/>
+                </a:spcBef>
+                <a:spcAft>
+                  <a:spcPct val="0"/>
+                </a:spcAft>
+                <a:buClrTx/>
+                <a:buSzTx/>
+                <a:buFontTx/>
+                <a:buNone/>
+                <a:tabLst/>
+              </a:pPr>
+              <a:r>
+                <a:rPr kumimoji="0" lang="zh-TW" altLang="en-US" sz="2400" b="0" i="0" u="none" strike="noStrike" cap="none" normalizeH="0" baseline="0">
+                  <a:ln>
+                    <a:noFill/>
+                  </a:ln>
+                  <a:solidFill>
+                    <a:srgbClr val="FFC000"/>
+                  </a:solidFill>
+                  <a:effectLst/>
+                  <a:latin typeface="+mj-lt"/>
+                  <a:ea typeface="微軟正黑體" panose="020B0604030504040204" pitchFamily="34" charset="-120"/>
+                </a:rPr>
+                <a:t>修飾子 </a:t>
+              </a:r>
+              <a:r>
+                <a:rPr lang="zh-TW" altLang="en-US" sz="2400">
+                  <a:solidFill>
+                    <a:srgbClr val="56A8F5"/>
+                  </a:solidFill>
+                  <a:latin typeface="+mj-lt"/>
+                  <a:ea typeface="微軟正黑體" panose="020B0604030504040204" pitchFamily="34" charset="-120"/>
+                </a:rPr>
+                <a:t>類別</a:t>
+              </a:r>
+              <a:r>
+                <a:rPr kumimoji="0" lang="zh-TW" altLang="zh-TW" sz="2400" b="0" i="0" u="none" strike="noStrike" cap="none" normalizeH="0" baseline="0">
+                  <a:ln>
+                    <a:noFill/>
+                  </a:ln>
+                  <a:solidFill>
+                    <a:srgbClr val="56A8F5"/>
+                  </a:solidFill>
+                  <a:effectLst/>
+                  <a:latin typeface="+mj-lt"/>
+                  <a:ea typeface="微軟正黑體" panose="020B0604030504040204" pitchFamily="34" charset="-120"/>
+                </a:rPr>
+                <a:t>名稱</a:t>
+              </a:r>
+              <a:r>
+                <a:rPr lang="en-US" altLang="zh-TW" sz="2400">
+                  <a:solidFill>
+                    <a:srgbClr val="BCBEC4"/>
+                  </a:solidFill>
+                  <a:latin typeface="+mj-lt"/>
+                  <a:ea typeface="微軟正黑體" panose="020B0604030504040204" pitchFamily="34" charset="-120"/>
+                  <a:cs typeface="JetBrains Mono" panose="02000009000000000000" pitchFamily="49" charset="0"/>
+                </a:rPr>
+                <a:t>&lt;</a:t>
+              </a:r>
+              <a:r>
+                <a:rPr lang="zh-TW" altLang="en-US" sz="2400">
+                  <a:solidFill>
+                    <a:srgbClr val="92D050"/>
+                  </a:solidFill>
+                  <a:latin typeface="+mj-lt"/>
+                  <a:ea typeface="微軟正黑體" panose="020B0604030504040204" pitchFamily="34" charset="-120"/>
+                  <a:cs typeface="JetBrains Mono" panose="02000009000000000000" pitchFamily="49" charset="0"/>
+                </a:rPr>
+                <a:t>泛型代號</a:t>
+              </a:r>
+              <a:r>
+                <a:rPr lang="en-US" altLang="zh-TW" sz="2400">
+                  <a:solidFill>
+                    <a:srgbClr val="92D050"/>
+                  </a:solidFill>
+                  <a:latin typeface="+mj-lt"/>
+                  <a:ea typeface="微軟正黑體" panose="020B0604030504040204" pitchFamily="34" charset="-120"/>
+                  <a:cs typeface="JetBrains Mono" panose="02000009000000000000" pitchFamily="49" charset="0"/>
+                </a:rPr>
+                <a:t>1</a:t>
+              </a:r>
+              <a:r>
+                <a:rPr lang="en-US" altLang="zh-TW" sz="2400">
+                  <a:solidFill>
+                    <a:srgbClr val="BCBEC4"/>
+                  </a:solidFill>
+                  <a:latin typeface="+mj-lt"/>
+                  <a:ea typeface="微軟正黑體" panose="020B0604030504040204" pitchFamily="34" charset="-120"/>
+                  <a:cs typeface="JetBrains Mono" panose="02000009000000000000" pitchFamily="49" charset="0"/>
+                </a:rPr>
+                <a:t>, </a:t>
+              </a:r>
+              <a:r>
+                <a:rPr lang="zh-TW" altLang="en-US" sz="2400">
+                  <a:solidFill>
+                    <a:srgbClr val="92D050"/>
+                  </a:solidFill>
+                  <a:latin typeface="+mj-lt"/>
+                  <a:ea typeface="微軟正黑體" panose="020B0604030504040204" pitchFamily="34" charset="-120"/>
+                  <a:cs typeface="JetBrains Mono" panose="02000009000000000000" pitchFamily="49" charset="0"/>
+                </a:rPr>
+                <a:t>泛型代號</a:t>
+              </a:r>
+              <a:r>
+                <a:rPr lang="en-US" altLang="zh-TW" sz="2400">
+                  <a:solidFill>
+                    <a:srgbClr val="92D050"/>
+                  </a:solidFill>
+                  <a:latin typeface="+mj-lt"/>
+                  <a:ea typeface="微軟正黑體" panose="020B0604030504040204" pitchFamily="34" charset="-120"/>
+                  <a:cs typeface="JetBrains Mono" panose="02000009000000000000" pitchFamily="49" charset="0"/>
+                </a:rPr>
+                <a:t>2</a:t>
+              </a:r>
+              <a:r>
+                <a:rPr lang="en-US" altLang="zh-TW" sz="2400">
+                  <a:solidFill>
+                    <a:srgbClr val="BCBEC4"/>
+                  </a:solidFill>
+                  <a:latin typeface="+mj-lt"/>
+                  <a:ea typeface="微軟正黑體" panose="020B0604030504040204" pitchFamily="34" charset="-120"/>
+                  <a:cs typeface="JetBrains Mono" panose="02000009000000000000" pitchFamily="49" charset="0"/>
+                </a:rPr>
+                <a:t>, </a:t>
+              </a:r>
+              <a:r>
+                <a:rPr lang="en-US" altLang="zh-TW" sz="2400">
+                  <a:solidFill>
+                    <a:srgbClr val="92D050"/>
+                  </a:solidFill>
+                  <a:latin typeface="+mj-lt"/>
+                  <a:ea typeface="微軟正黑體" panose="020B0604030504040204" pitchFamily="34" charset="-120"/>
+                  <a:cs typeface="JetBrains Mono" panose="02000009000000000000" pitchFamily="49" charset="0"/>
+                </a:rPr>
+                <a:t>...</a:t>
+              </a:r>
+              <a:r>
+                <a:rPr lang="en-US" altLang="zh-TW" sz="2400">
+                  <a:solidFill>
+                    <a:srgbClr val="BCBEC4"/>
+                  </a:solidFill>
+                  <a:latin typeface="+mj-lt"/>
+                  <a:ea typeface="微軟正黑體" panose="020B0604030504040204" pitchFamily="34" charset="-120"/>
+                  <a:cs typeface="JetBrains Mono" panose="02000009000000000000" pitchFamily="49" charset="0"/>
+                </a:rPr>
+                <a:t>, </a:t>
+              </a:r>
+              <a:r>
+                <a:rPr lang="zh-TW" altLang="en-US" sz="2400">
+                  <a:solidFill>
+                    <a:srgbClr val="92D050"/>
+                  </a:solidFill>
+                  <a:latin typeface="+mj-lt"/>
+                  <a:ea typeface="微軟正黑體" panose="020B0604030504040204" pitchFamily="34" charset="-120"/>
+                  <a:cs typeface="JetBrains Mono" panose="02000009000000000000" pitchFamily="49" charset="0"/>
+                </a:rPr>
+                <a:t>泛型代號</a:t>
+              </a:r>
+              <a:r>
+                <a:rPr lang="en-US" altLang="zh-TW" sz="2400">
+                  <a:solidFill>
+                    <a:srgbClr val="92D050"/>
+                  </a:solidFill>
+                  <a:latin typeface="+mj-lt"/>
+                  <a:ea typeface="微軟正黑體" panose="020B0604030504040204" pitchFamily="34" charset="-120"/>
+                  <a:cs typeface="JetBrains Mono" panose="02000009000000000000" pitchFamily="49" charset="0"/>
+                </a:rPr>
+                <a:t>n</a:t>
+              </a:r>
+              <a:r>
+                <a:rPr lang="en-US" altLang="zh-TW" sz="2400">
+                  <a:solidFill>
+                    <a:srgbClr val="BCBEC4"/>
+                  </a:solidFill>
+                  <a:latin typeface="+mj-lt"/>
+                  <a:ea typeface="微軟正黑體" panose="020B0604030504040204" pitchFamily="34" charset="-120"/>
+                  <a:cs typeface="JetBrains Mono" panose="02000009000000000000" pitchFamily="49" charset="0"/>
+                </a:rPr>
+                <a:t>&gt;</a:t>
+              </a:r>
+              <a:r>
+                <a:rPr kumimoji="0" lang="zh-TW" altLang="en-US" sz="2400" b="0" i="0" u="none" strike="noStrike" cap="none" normalizeH="0" baseline="0">
+                  <a:ln>
+                    <a:noFill/>
+                  </a:ln>
+                  <a:solidFill>
+                    <a:srgbClr val="FFC000"/>
+                  </a:solidFill>
+                  <a:effectLst/>
+                  <a:latin typeface="+mj-lt"/>
+                  <a:ea typeface="微軟正黑體" panose="020B0604030504040204" pitchFamily="34" charset="-120"/>
+                </a:rPr>
+                <a:t> </a:t>
+              </a:r>
+              <a:r>
+                <a:rPr lang="en-US" altLang="zh-TW" sz="2400">
+                  <a:solidFill>
+                    <a:srgbClr val="BCBEC4"/>
+                  </a:solidFill>
+                  <a:latin typeface="+mj-lt"/>
+                  <a:ea typeface="微軟正黑體" panose="020B0604030504040204" pitchFamily="34" charset="-120"/>
+                  <a:cs typeface="JetBrains Mono" panose="02000009000000000000" pitchFamily="49" charset="0"/>
+                </a:rPr>
+                <a:t>{</a:t>
+              </a:r>
+              <a:r>
+                <a:rPr kumimoji="0" lang="en-US" altLang="zh-TW" sz="2400" b="0" i="0" u="none" strike="noStrike" cap="none" normalizeH="0" baseline="0">
+                  <a:ln>
+                    <a:noFill/>
+                  </a:ln>
+                  <a:solidFill>
+                    <a:srgbClr val="FFFF00"/>
+                  </a:solidFill>
+                  <a:effectLst/>
+                  <a:latin typeface="+mj-lt"/>
+                  <a:ea typeface="微軟正黑體" panose="020B0604030504040204" pitchFamily="34" charset="-120"/>
+                  <a:cs typeface="JetBrains Mono" panose="02000009000000000000" pitchFamily="49" charset="0"/>
+                </a:rPr>
+                <a:t>...</a:t>
+              </a:r>
+              <a:r>
+                <a:rPr lang="en-US" altLang="zh-TW" sz="2400">
+                  <a:solidFill>
+                    <a:srgbClr val="BCBEC4"/>
+                  </a:solidFill>
+                  <a:latin typeface="+mj-lt"/>
+                  <a:ea typeface="微軟正黑體" panose="020B0604030504040204" pitchFamily="34" charset="-120"/>
+                  <a:cs typeface="JetBrains Mono" panose="02000009000000000000" pitchFamily="49" charset="0"/>
+                </a:rPr>
+                <a:t>}</a:t>
+              </a:r>
+              <a:endParaRPr kumimoji="0" lang="zh-TW" altLang="zh-TW" sz="2400" b="0" i="0" u="none" strike="noStrike" cap="none" normalizeH="0" baseline="0">
+                <a:ln>
+                  <a:noFill/>
+                </a:ln>
+                <a:solidFill>
+                  <a:schemeClr val="tx1"/>
+                </a:solidFill>
+                <a:effectLst/>
+                <a:latin typeface="+mj-lt"/>
+              </a:endParaRPr>
+            </a:p>
+          </p:txBody>
+        </p:sp>
+        <p:sp>
+          <p:nvSpPr>
+            <p:cNvPr id="17" name="文字方塊 16">
+              <a:extLst>
+                <a:ext uri="{FF2B5EF4-FFF2-40B4-BE49-F238E27FC236}">
+                  <a16:creationId xmlns:a16="http://schemas.microsoft.com/office/drawing/2014/main" id="{BE0937DB-F278-48AC-B363-CB1E4266378A}"/>
+                </a:ext>
+              </a:extLst>
+            </p:cNvPr>
+            <p:cNvSpPr txBox="1"/>
+            <p:nvPr/>
+          </p:nvSpPr>
+          <p:spPr>
+            <a:xfrm>
+              <a:off x="16745755" y="4624873"/>
+              <a:ext cx="633507" cy="338554"/>
+            </a:xfrm>
+            <a:prstGeom prst="rect">
+              <a:avLst/>
+            </a:prstGeom>
+            <a:noFill/>
+          </p:spPr>
+          <p:txBody>
+            <a:bodyPr wrap="none" rtlCol="0">
+              <a:spAutoFit/>
+            </a:bodyPr>
+            <a:lstStyle/>
+            <a:p>
+              <a:r>
+                <a:rPr lang="en-US" altLang="zh-TW" sz="1600">
+                  <a:solidFill>
+                    <a:schemeClr val="accent3"/>
+                  </a:solidFill>
+                  <a:latin typeface="+mj-lt"/>
+                </a:rPr>
+                <a:t>java</a:t>
+              </a:r>
+              <a:endParaRPr lang="zh-TW" altLang="en-US" sz="1600">
+                <a:solidFill>
+                  <a:schemeClr val="accent3"/>
+                </a:solidFill>
+                <a:latin typeface="+mj-lt"/>
+              </a:endParaRPr>
+            </a:p>
+          </p:txBody>
+        </p:sp>
+      </p:grpSp>
+      <p:sp>
+        <p:nvSpPr>
+          <p:cNvPr id="18" name="內容版面配置區 12">
+            <a:extLst>
+              <a:ext uri="{FF2B5EF4-FFF2-40B4-BE49-F238E27FC236}">
+                <a16:creationId xmlns:a16="http://schemas.microsoft.com/office/drawing/2014/main" id="{263682BF-6D17-404F-97FD-122054BA638D}"/>
+              </a:ext>
+            </a:extLst>
+          </p:cNvPr>
+          <p:cNvSpPr txBox="1">
+            <a:spLocks/>
+          </p:cNvSpPr>
+          <p:nvPr/>
+        </p:nvSpPr>
+        <p:spPr>
+          <a:xfrm>
+            <a:off x="354863" y="3160644"/>
+            <a:ext cx="11482274" cy="507936"/>
+          </a:xfrm>
+          <a:prstGeom prst="rect">
+            <a:avLst/>
+          </a:prstGeom>
+        </p:spPr>
+        <p:txBody>
+          <a:bodyPr vert="horz" lIns="91440" tIns="45720" rIns="91440" bIns="45720" rtlCol="0">
+            <a:normAutofit/>
+          </a:bodyPr>
+          <a:lstStyle>
+            <a:lvl1pPr marL="0" indent="0" algn="l" defTabSz="914400" rtl="0" eaLnBrk="1" latinLnBrk="0" hangingPunct="1">
+              <a:lnSpc>
+                <a:spcPct val="90000"/>
+              </a:lnSpc>
+              <a:spcBef>
+                <a:spcPts val="1000"/>
+              </a:spcBef>
+              <a:buFont typeface="Arial" panose="020B0604020202020204" pitchFamily="34" charset="0"/>
+              <a:buNone/>
+              <a:defRPr sz="2800" kern="1200">
+                <a:solidFill>
+                  <a:schemeClr val="tx1"/>
+                </a:solidFill>
+                <a:latin typeface="+mn-lt"/>
+                <a:ea typeface="+mn-ea"/>
+                <a:cs typeface="+mn-cs"/>
+              </a:defRPr>
+            </a:lvl1pPr>
+            <a:lvl2pPr marL="457200" indent="0" algn="l" defTabSz="914400" rtl="0" eaLnBrk="1" latinLnBrk="0" hangingPunct="1">
+              <a:lnSpc>
+                <a:spcPct val="90000"/>
+              </a:lnSpc>
+              <a:spcBef>
+                <a:spcPts val="500"/>
+              </a:spcBef>
+              <a:buFont typeface="Arial" panose="020B0604020202020204" pitchFamily="34" charset="0"/>
+              <a:buNone/>
+              <a:defRPr sz="2400" kern="1200">
+                <a:solidFill>
+                  <a:schemeClr val="tx1"/>
+                </a:solidFill>
+                <a:latin typeface="+mn-lt"/>
+                <a:ea typeface="+mn-ea"/>
+                <a:cs typeface="+mn-cs"/>
+              </a:defRPr>
+            </a:lvl2pPr>
+            <a:lvl3pPr marL="914400" indent="0" algn="l" defTabSz="914400" rtl="0" eaLnBrk="1" latinLnBrk="0" hangingPunct="1">
+              <a:lnSpc>
+                <a:spcPct val="90000"/>
+              </a:lnSpc>
+              <a:spcBef>
+                <a:spcPts val="500"/>
+              </a:spcBef>
+              <a:buFont typeface="Arial" panose="020B0604020202020204" pitchFamily="34" charset="0"/>
+              <a:buNone/>
+              <a:defRPr sz="2000" kern="1200">
+                <a:solidFill>
+                  <a:schemeClr val="tx1"/>
+                </a:solidFill>
+                <a:latin typeface="+mn-lt"/>
+                <a:ea typeface="+mn-ea"/>
+                <a:cs typeface="+mn-cs"/>
+              </a:defRPr>
+            </a:lvl3pPr>
+            <a:lvl4pPr marL="1371600" indent="0" algn="l" defTabSz="914400" rtl="0" eaLnBrk="1" latinLnBrk="0" hangingPunct="1">
+              <a:lnSpc>
+                <a:spcPct val="90000"/>
+              </a:lnSpc>
+              <a:spcBef>
+                <a:spcPts val="500"/>
+              </a:spcBef>
+              <a:buFont typeface="Arial" panose="020B0604020202020204" pitchFamily="34" charset="0"/>
+              <a:buNone/>
+              <a:defRPr sz="1800" kern="1200">
+                <a:solidFill>
+                  <a:schemeClr val="tx1"/>
+                </a:solidFill>
+                <a:latin typeface="+mn-lt"/>
+                <a:ea typeface="+mn-ea"/>
+                <a:cs typeface="+mn-cs"/>
+              </a:defRPr>
+            </a:lvl4pPr>
+            <a:lvl5pPr marL="1828800" indent="0" algn="l" defTabSz="914400" rtl="0" eaLnBrk="1" latinLnBrk="0" hangingPunct="1">
+              <a:lnSpc>
+                <a:spcPct val="90000"/>
+              </a:lnSpc>
+              <a:spcBef>
+                <a:spcPts val="500"/>
+              </a:spcBef>
+              <a:buFont typeface="Arial" panose="020B0604020202020204" pitchFamily="34" charset="0"/>
+              <a:buNone/>
+              <a:defRPr sz="1800" kern="1200">
+                <a:solidFill>
+                  <a:schemeClr val="tx1"/>
+                </a:solidFill>
+                <a:latin typeface="+mn-lt"/>
+                <a:ea typeface="+mn-ea"/>
+                <a:cs typeface="+mn-cs"/>
+              </a:defRPr>
+            </a:lvl5pPr>
+            <a:lvl6pPr marL="2514600" indent="-228600" algn="l" defTabSz="914400" rtl="0" eaLnBrk="1" latinLnBrk="0" hangingPunct="1">
+              <a:lnSpc>
+                <a:spcPct val="90000"/>
+              </a:lnSpc>
+              <a:spcBef>
+                <a:spcPts val="500"/>
+              </a:spcBef>
+              <a:buFont typeface="Arial" panose="020B0604020202020204" pitchFamily="34" charset="0"/>
+              <a:buChar char="•"/>
+              <a:defRPr sz="1800" kern="1200">
+                <a:solidFill>
+                  <a:schemeClr val="tx1"/>
+                </a:solidFill>
+                <a:latin typeface="+mn-lt"/>
+                <a:ea typeface="+mn-ea"/>
+                <a:cs typeface="+mn-cs"/>
+              </a:defRPr>
+            </a:lvl6pPr>
+            <a:lvl7pPr marL="2971800" indent="-228600" algn="l" defTabSz="914400" rtl="0" eaLnBrk="1" latinLnBrk="0" hangingPunct="1">
+              <a:lnSpc>
+                <a:spcPct val="90000"/>
+              </a:lnSpc>
+              <a:spcBef>
+                <a:spcPts val="500"/>
+              </a:spcBef>
+              <a:buFont typeface="Arial" panose="020B0604020202020204" pitchFamily="34" charset="0"/>
+              <a:buChar char="•"/>
+              <a:defRPr sz="1800" kern="1200">
+                <a:solidFill>
+                  <a:schemeClr val="tx1"/>
+                </a:solidFill>
+                <a:latin typeface="+mn-lt"/>
+                <a:ea typeface="+mn-ea"/>
+                <a:cs typeface="+mn-cs"/>
+              </a:defRPr>
+            </a:lvl7pPr>
+            <a:lvl8pPr marL="3429000" indent="-228600" algn="l" defTabSz="914400" rtl="0" eaLnBrk="1" latinLnBrk="0" hangingPunct="1">
+              <a:lnSpc>
+                <a:spcPct val="90000"/>
+              </a:lnSpc>
+              <a:spcBef>
+                <a:spcPts val="500"/>
+              </a:spcBef>
+              <a:buFont typeface="Arial" panose="020B0604020202020204" pitchFamily="34" charset="0"/>
+              <a:buChar char="•"/>
+              <a:defRPr sz="1800" kern="1200">
+                <a:solidFill>
+                  <a:schemeClr val="tx1"/>
+                </a:solidFill>
+                <a:latin typeface="+mn-lt"/>
+                <a:ea typeface="+mn-ea"/>
+                <a:cs typeface="+mn-cs"/>
+              </a:defRPr>
+            </a:lvl8pPr>
+            <a:lvl9pPr marL="3886200" indent="-228600" algn="l" defTabSz="914400" rtl="0" eaLnBrk="1" latinLnBrk="0" hangingPunct="1">
+              <a:lnSpc>
+                <a:spcPct val="90000"/>
+              </a:lnSpc>
+              <a:spcBef>
+                <a:spcPts val="500"/>
+              </a:spcBef>
+              <a:buFont typeface="Arial" panose="020B0604020202020204" pitchFamily="34" charset="0"/>
+              <a:buChar char="•"/>
+              <a:defRPr sz="1800" kern="1200">
+                <a:solidFill>
+                  <a:schemeClr val="tx1"/>
+                </a:solidFill>
+                <a:latin typeface="+mn-lt"/>
+                <a:ea typeface="+mn-ea"/>
+                <a:cs typeface="+mn-cs"/>
+              </a:defRPr>
+            </a:lvl9pPr>
+          </a:lstStyle>
+          <a:p>
+            <a:r>
+              <a:rPr lang="zh-TW" altLang="en-US"/>
+              <a:t>需要注意，</a:t>
+            </a:r>
+            <a:r>
+              <a:rPr lang="zh-TW" altLang="en-US">
+                <a:solidFill>
+                  <a:srgbClr val="00B0F0"/>
+                </a:solidFill>
+              </a:rPr>
+              <a:t>泛型類別</a:t>
+            </a:r>
+            <a:r>
+              <a:rPr lang="zh-TW" altLang="en-US"/>
+              <a:t>的</a:t>
+            </a:r>
+            <a:r>
+              <a:rPr lang="zh-TW" altLang="en-US">
+                <a:solidFill>
+                  <a:srgbClr val="00B0F0"/>
+                </a:solidFill>
+              </a:rPr>
+              <a:t>靜態欄位</a:t>
+            </a:r>
+            <a:r>
+              <a:rPr lang="zh-TW" altLang="en-US"/>
+              <a:t>不可以使用</a:t>
+            </a:r>
+            <a:r>
+              <a:rPr lang="zh-TW" altLang="en-US">
+                <a:solidFill>
+                  <a:srgbClr val="00B0F0"/>
+                </a:solidFill>
+              </a:rPr>
+              <a:t>泛型</a:t>
+            </a:r>
+            <a:endParaRPr lang="en-US" altLang="zh-TW">
+              <a:solidFill>
+                <a:srgbClr val="00B0F0"/>
+              </a:solidFill>
+            </a:endParaRPr>
+          </a:p>
+        </p:txBody>
+      </p:sp>
+      <p:sp>
+        <p:nvSpPr>
+          <p:cNvPr id="11" name="內容版面配置區 20">
+            <a:extLst>
+              <a:ext uri="{FF2B5EF4-FFF2-40B4-BE49-F238E27FC236}">
+                <a16:creationId xmlns:a16="http://schemas.microsoft.com/office/drawing/2014/main" id="{308500BF-0E62-41FE-B9A3-87405D2FA20B}"/>
+              </a:ext>
+            </a:extLst>
+          </p:cNvPr>
+          <p:cNvSpPr txBox="1">
+            <a:spLocks/>
+          </p:cNvSpPr>
+          <p:nvPr/>
+        </p:nvSpPr>
+        <p:spPr>
+          <a:xfrm>
+            <a:off x="354865" y="3727013"/>
+            <a:ext cx="3329627" cy="514236"/>
+          </a:xfrm>
+          <a:prstGeom prst="rect">
+            <a:avLst/>
+          </a:prstGeom>
+        </p:spPr>
+        <p:txBody>
+          <a:bodyPr vert="horz" lIns="91440" tIns="45720" rIns="91440" bIns="45720" rtlCol="0">
+            <a:normAutofit/>
+          </a:bodyPr>
+          <a:lstStyle>
+            <a:lvl1pPr marL="0" indent="0" algn="l" defTabSz="914400" rtl="0" eaLnBrk="1" latinLnBrk="0" hangingPunct="1">
+              <a:lnSpc>
+                <a:spcPct val="90000"/>
+              </a:lnSpc>
+              <a:spcBef>
+                <a:spcPts val="1000"/>
+              </a:spcBef>
+              <a:buFont typeface="Arial" panose="020B0604020202020204" pitchFamily="34" charset="0"/>
+              <a:buNone/>
+              <a:defRPr sz="2800" kern="1200">
+                <a:solidFill>
+                  <a:schemeClr val="tx1"/>
+                </a:solidFill>
+                <a:latin typeface="+mn-lt"/>
+                <a:ea typeface="+mn-ea"/>
+                <a:cs typeface="+mn-cs"/>
+              </a:defRPr>
+            </a:lvl1pPr>
+            <a:lvl2pPr marL="457200" indent="0" algn="l" defTabSz="914400" rtl="0" eaLnBrk="1" latinLnBrk="0" hangingPunct="1">
+              <a:lnSpc>
+                <a:spcPct val="90000"/>
+              </a:lnSpc>
+              <a:spcBef>
+                <a:spcPts val="500"/>
+              </a:spcBef>
+              <a:buFont typeface="Arial" panose="020B0604020202020204" pitchFamily="34" charset="0"/>
+              <a:buNone/>
+              <a:defRPr sz="2400" kern="1200">
+                <a:solidFill>
+                  <a:schemeClr val="tx1"/>
+                </a:solidFill>
+                <a:latin typeface="+mn-lt"/>
+                <a:ea typeface="+mn-ea"/>
+                <a:cs typeface="+mn-cs"/>
+              </a:defRPr>
+            </a:lvl2pPr>
+            <a:lvl3pPr marL="914400" indent="0" algn="l" defTabSz="914400" rtl="0" eaLnBrk="1" latinLnBrk="0" hangingPunct="1">
+              <a:lnSpc>
+                <a:spcPct val="90000"/>
+              </a:lnSpc>
+              <a:spcBef>
+                <a:spcPts val="500"/>
+              </a:spcBef>
+              <a:buFont typeface="Arial" panose="020B0604020202020204" pitchFamily="34" charset="0"/>
+              <a:buNone/>
+              <a:defRPr sz="2000" kern="1200">
+                <a:solidFill>
+                  <a:schemeClr val="tx1"/>
+                </a:solidFill>
+                <a:latin typeface="+mn-lt"/>
+                <a:ea typeface="+mn-ea"/>
+                <a:cs typeface="+mn-cs"/>
+              </a:defRPr>
+            </a:lvl3pPr>
+            <a:lvl4pPr marL="1371600" indent="0" algn="l" defTabSz="914400" rtl="0" eaLnBrk="1" latinLnBrk="0" hangingPunct="1">
+              <a:lnSpc>
+                <a:spcPct val="90000"/>
+              </a:lnSpc>
+              <a:spcBef>
+                <a:spcPts val="500"/>
+              </a:spcBef>
+              <a:buFont typeface="Arial" panose="020B0604020202020204" pitchFamily="34" charset="0"/>
+              <a:buNone/>
+              <a:defRPr sz="1800" kern="1200">
+                <a:solidFill>
+                  <a:schemeClr val="tx1"/>
+                </a:solidFill>
+                <a:latin typeface="+mn-lt"/>
+                <a:ea typeface="+mn-ea"/>
+                <a:cs typeface="+mn-cs"/>
+              </a:defRPr>
+            </a:lvl4pPr>
+            <a:lvl5pPr marL="1828800" indent="0" algn="l" defTabSz="914400" rtl="0" eaLnBrk="1" latinLnBrk="0" hangingPunct="1">
+              <a:lnSpc>
+                <a:spcPct val="90000"/>
+              </a:lnSpc>
+              <a:spcBef>
+                <a:spcPts val="500"/>
+              </a:spcBef>
+              <a:buFont typeface="Arial" panose="020B0604020202020204" pitchFamily="34" charset="0"/>
+              <a:buNone/>
+              <a:defRPr sz="1800" kern="1200">
+                <a:solidFill>
+                  <a:schemeClr val="tx1"/>
+                </a:solidFill>
+                <a:latin typeface="+mn-lt"/>
+                <a:ea typeface="+mn-ea"/>
+                <a:cs typeface="+mn-cs"/>
+              </a:defRPr>
+            </a:lvl5pPr>
+            <a:lvl6pPr marL="2514600" indent="-228600" algn="l" defTabSz="914400" rtl="0" eaLnBrk="1" latinLnBrk="0" hangingPunct="1">
+              <a:lnSpc>
+                <a:spcPct val="90000"/>
+              </a:lnSpc>
+              <a:spcBef>
+                <a:spcPts val="500"/>
+              </a:spcBef>
+              <a:buFont typeface="Arial" panose="020B0604020202020204" pitchFamily="34" charset="0"/>
+              <a:buChar char="•"/>
+              <a:defRPr sz="1800" kern="1200">
+                <a:solidFill>
+                  <a:schemeClr val="tx1"/>
+                </a:solidFill>
+                <a:latin typeface="+mn-lt"/>
+                <a:ea typeface="+mn-ea"/>
+                <a:cs typeface="+mn-cs"/>
+              </a:defRPr>
+            </a:lvl6pPr>
+            <a:lvl7pPr marL="2971800" indent="-228600" algn="l" defTabSz="914400" rtl="0" eaLnBrk="1" latinLnBrk="0" hangingPunct="1">
+              <a:lnSpc>
+                <a:spcPct val="90000"/>
+              </a:lnSpc>
+              <a:spcBef>
+                <a:spcPts val="500"/>
+              </a:spcBef>
+              <a:buFont typeface="Arial" panose="020B0604020202020204" pitchFamily="34" charset="0"/>
+              <a:buChar char="•"/>
+              <a:defRPr sz="1800" kern="1200">
+                <a:solidFill>
+                  <a:schemeClr val="tx1"/>
+                </a:solidFill>
+                <a:latin typeface="+mn-lt"/>
+                <a:ea typeface="+mn-ea"/>
+                <a:cs typeface="+mn-cs"/>
+              </a:defRPr>
+            </a:lvl7pPr>
+            <a:lvl8pPr marL="3429000" indent="-228600" algn="l" defTabSz="914400" rtl="0" eaLnBrk="1" latinLnBrk="0" hangingPunct="1">
+              <a:lnSpc>
+                <a:spcPct val="90000"/>
+              </a:lnSpc>
+              <a:spcBef>
+                <a:spcPts val="500"/>
+              </a:spcBef>
+              <a:buFont typeface="Arial" panose="020B0604020202020204" pitchFamily="34" charset="0"/>
+              <a:buChar char="•"/>
+              <a:defRPr sz="1800" kern="1200">
+                <a:solidFill>
+                  <a:schemeClr val="tx1"/>
+                </a:solidFill>
+                <a:latin typeface="+mn-lt"/>
+                <a:ea typeface="+mn-ea"/>
+                <a:cs typeface="+mn-cs"/>
+              </a:defRPr>
+            </a:lvl8pPr>
+            <a:lvl9pPr marL="3886200" indent="-228600" algn="l" defTabSz="914400" rtl="0" eaLnBrk="1" latinLnBrk="0" hangingPunct="1">
+              <a:lnSpc>
+                <a:spcPct val="90000"/>
+              </a:lnSpc>
+              <a:spcBef>
+                <a:spcPts val="500"/>
+              </a:spcBef>
+              <a:buFont typeface="Arial" panose="020B0604020202020204" pitchFamily="34" charset="0"/>
+              <a:buChar char="•"/>
+              <a:defRPr sz="1800" kern="1200">
+                <a:solidFill>
+                  <a:schemeClr val="tx1"/>
+                </a:solidFill>
+                <a:latin typeface="+mn-lt"/>
+                <a:ea typeface="+mn-ea"/>
+                <a:cs typeface="+mn-cs"/>
+              </a:defRPr>
+            </a:lvl9pPr>
+          </a:lstStyle>
+          <a:p>
+            <a:r>
+              <a:rPr lang="zh-TW" altLang="en-US">
+                <a:solidFill>
+                  <a:srgbClr val="FFFF00"/>
+                </a:solidFill>
+              </a:rPr>
+              <a:t>創建</a:t>
+            </a:r>
+            <a:r>
+              <a:rPr lang="zh-TW" altLang="en-US">
+                <a:solidFill>
+                  <a:srgbClr val="00B0F0"/>
+                </a:solidFill>
+              </a:rPr>
+              <a:t>泛型類別實例</a:t>
+            </a:r>
+            <a:r>
+              <a:rPr lang="zh-TW" altLang="en-US"/>
+              <a:t>：</a:t>
+            </a:r>
+            <a:endParaRPr lang="en-US" altLang="zh-TW"/>
+          </a:p>
+        </p:txBody>
+      </p:sp>
+      <p:grpSp>
+        <p:nvGrpSpPr>
+          <p:cNvPr id="12" name="群組 11">
+            <a:extLst>
+              <a:ext uri="{FF2B5EF4-FFF2-40B4-BE49-F238E27FC236}">
+                <a16:creationId xmlns:a16="http://schemas.microsoft.com/office/drawing/2014/main" id="{60622CC1-CABA-4C62-88D8-2BAAEF1CBA88}"/>
+              </a:ext>
+            </a:extLst>
+          </p:cNvPr>
+          <p:cNvGrpSpPr/>
+          <p:nvPr/>
+        </p:nvGrpSpPr>
+        <p:grpSpPr>
+          <a:xfrm>
+            <a:off x="3684494" y="3768202"/>
+            <a:ext cx="8152642" cy="369332"/>
+            <a:chOff x="9217655" y="4938081"/>
+            <a:chExt cx="8152642" cy="369332"/>
+          </a:xfrm>
+        </p:grpSpPr>
+        <p:sp>
+          <p:nvSpPr>
+            <p:cNvPr id="14" name="Rectangle 2">
+              <a:extLst>
+                <a:ext uri="{FF2B5EF4-FFF2-40B4-BE49-F238E27FC236}">
+                  <a16:creationId xmlns:a16="http://schemas.microsoft.com/office/drawing/2014/main" id="{871C2737-5FE1-4AF7-AAC6-3243B3EA7351}"/>
+                </a:ext>
+              </a:extLst>
+            </p:cNvPr>
+            <p:cNvSpPr>
+              <a:spLocks noChangeArrowheads="1"/>
+            </p:cNvSpPr>
+            <p:nvPr/>
+          </p:nvSpPr>
+          <p:spPr bwMode="auto">
+            <a:xfrm>
+              <a:off x="9217655" y="4938081"/>
+              <a:ext cx="8152642" cy="369332"/>
+            </a:xfrm>
+            <a:prstGeom prst="rect">
+              <a:avLst/>
+            </a:prstGeom>
+            <a:solidFill>
+              <a:srgbClr val="1E1F22"/>
+            </a:solidFill>
+            <a:ln>
+              <a:noFill/>
+            </a:ln>
+            <a:effectLst/>
+            <a:extLst>
+              <a:ext uri="{91240B29-F687-4F45-9708-019B960494DF}">
+                <a14:hiddenLine xmlns:a14="http://schemas.microsoft.com/office/drawing/2010/main" w="9525">
+                  <a:solidFill>
+                    <a:schemeClr val="tx1"/>
+                  </a:solidFill>
+                  <a:miter lim="800000"/>
+                  <a:headEnd/>
+                  <a:tailEnd/>
+                </a14:hiddenLine>
+              </a:ext>
+              <a:ext uri="{AF507438-7753-43E0-B8FC-AC1667EBCBE1}">
+                <a14:hiddenEffects xmlns:a14="http://schemas.microsoft.com/office/drawing/2010/main">
+                  <a:effectLst>
+                    <a:outerShdw dist="35921" dir="2700000" algn="ctr" rotWithShape="0">
+                      <a:schemeClr val="bg2"/>
+                    </a:outerShdw>
+                  </a:effectLst>
+                </a14:hiddenEffects>
+              </a:ext>
+            </a:extLst>
+          </p:spPr>
+          <p:txBody>
+            <a:bodyPr vert="horz" wrap="square" lIns="91440" tIns="45720" rIns="91440" bIns="45720" numCol="1" anchor="ctr" anchorCtr="0" compatLnSpc="1">
+              <a:prstTxWarp prst="textNoShape">
+                <a:avLst/>
+              </a:prstTxWarp>
+              <a:spAutoFit/>
+            </a:bodyPr>
+            <a:lstStyle/>
+            <a:p>
+              <a:pPr marL="0" marR="0" lvl="0" indent="0" algn="l" defTabSz="914400" rtl="0" eaLnBrk="0" fontAlgn="base" latinLnBrk="0" hangingPunct="0">
+                <a:lnSpc>
+                  <a:spcPct val="100000"/>
+                </a:lnSpc>
+                <a:spcBef>
+                  <a:spcPct val="0"/>
+                </a:spcBef>
+                <a:spcAft>
+                  <a:spcPct val="0"/>
+                </a:spcAft>
+                <a:buClrTx/>
+                <a:buSzTx/>
+                <a:buFontTx/>
+                <a:buNone/>
+                <a:tabLst/>
+              </a:pPr>
+              <a:r>
+                <a:rPr kumimoji="0" lang="en-US" altLang="zh-TW" b="0" i="0" u="none" strike="noStrike" cap="none" normalizeH="0" baseline="0">
+                  <a:ln>
+                    <a:noFill/>
+                  </a:ln>
+                  <a:solidFill>
+                    <a:srgbClr val="CF8E6D"/>
+                  </a:solidFill>
+                  <a:effectLst/>
+                  <a:latin typeface="+mj-lt"/>
+                  <a:ea typeface="微軟正黑體" panose="020B0604030504040204" pitchFamily="34" charset="-120"/>
+                </a:rPr>
+                <a:t>new</a:t>
+              </a:r>
+              <a:r>
+                <a:rPr kumimoji="0" lang="en-US" altLang="zh-TW" b="0" i="0" u="none" strike="noStrike" cap="none" normalizeH="0" baseline="0">
+                  <a:ln>
+                    <a:noFill/>
+                  </a:ln>
+                  <a:solidFill>
+                    <a:srgbClr val="56A8F5"/>
+                  </a:solidFill>
+                  <a:effectLst/>
+                  <a:latin typeface="+mj-lt"/>
+                  <a:ea typeface="微軟正黑體" panose="020B0604030504040204" pitchFamily="34" charset="-120"/>
+                </a:rPr>
+                <a:t> </a:t>
+              </a:r>
+              <a:r>
+                <a:rPr kumimoji="0" lang="zh-TW" altLang="en-US" b="0" i="0" u="none" strike="noStrike" cap="none" normalizeH="0" baseline="0">
+                  <a:ln>
+                    <a:noFill/>
+                  </a:ln>
+                  <a:solidFill>
+                    <a:srgbClr val="56A8F5"/>
+                  </a:solidFill>
+                  <a:effectLst/>
+                  <a:latin typeface="+mj-lt"/>
+                  <a:ea typeface="微軟正黑體" panose="020B0604030504040204" pitchFamily="34" charset="-120"/>
+                </a:rPr>
+                <a:t>類別名稱</a:t>
+              </a:r>
+              <a:r>
+                <a:rPr lang="en-US" altLang="zh-TW">
+                  <a:solidFill>
+                    <a:srgbClr val="BCBEC4"/>
+                  </a:solidFill>
+                  <a:latin typeface="+mj-lt"/>
+                  <a:ea typeface="微軟正黑體" panose="020B0604030504040204" pitchFamily="34" charset="-120"/>
+                  <a:cs typeface="JetBrains Mono" panose="02000009000000000000" pitchFamily="49" charset="0"/>
+                </a:rPr>
+                <a:t>&lt;</a:t>
+              </a:r>
+              <a:r>
+                <a:rPr lang="zh-TW" altLang="en-US">
+                  <a:solidFill>
+                    <a:srgbClr val="92D050"/>
+                  </a:solidFill>
+                  <a:latin typeface="+mj-lt"/>
+                  <a:ea typeface="微軟正黑體" panose="020B0604030504040204" pitchFamily="34" charset="-120"/>
+                  <a:cs typeface="JetBrains Mono" panose="02000009000000000000" pitchFamily="49" charset="0"/>
+                </a:rPr>
+                <a:t>泛型代號</a:t>
+              </a:r>
+              <a:r>
+                <a:rPr lang="en-US" altLang="zh-TW">
+                  <a:solidFill>
+                    <a:srgbClr val="92D050"/>
+                  </a:solidFill>
+                  <a:latin typeface="+mj-lt"/>
+                  <a:ea typeface="微軟正黑體" panose="020B0604030504040204" pitchFamily="34" charset="-120"/>
+                  <a:cs typeface="JetBrains Mono" panose="02000009000000000000" pitchFamily="49" charset="0"/>
+                </a:rPr>
+                <a:t>1</a:t>
+              </a:r>
+              <a:r>
+                <a:rPr lang="en-US" altLang="zh-TW">
+                  <a:solidFill>
+                    <a:srgbClr val="BCBEC4"/>
+                  </a:solidFill>
+                  <a:latin typeface="+mj-lt"/>
+                  <a:ea typeface="微軟正黑體" panose="020B0604030504040204" pitchFamily="34" charset="-120"/>
+                  <a:cs typeface="JetBrains Mono" panose="02000009000000000000" pitchFamily="49" charset="0"/>
+                </a:rPr>
+                <a:t>, </a:t>
+              </a:r>
+              <a:r>
+                <a:rPr lang="zh-TW" altLang="en-US">
+                  <a:solidFill>
+                    <a:srgbClr val="92D050"/>
+                  </a:solidFill>
+                  <a:latin typeface="+mj-lt"/>
+                  <a:ea typeface="微軟正黑體" panose="020B0604030504040204" pitchFamily="34" charset="-120"/>
+                  <a:cs typeface="JetBrains Mono" panose="02000009000000000000" pitchFamily="49" charset="0"/>
+                </a:rPr>
+                <a:t>泛型代號</a:t>
+              </a:r>
+              <a:r>
+                <a:rPr lang="en-US" altLang="zh-TW">
+                  <a:solidFill>
+                    <a:srgbClr val="92D050"/>
+                  </a:solidFill>
+                  <a:latin typeface="+mj-lt"/>
+                  <a:ea typeface="微軟正黑體" panose="020B0604030504040204" pitchFamily="34" charset="-120"/>
+                  <a:cs typeface="JetBrains Mono" panose="02000009000000000000" pitchFamily="49" charset="0"/>
+                </a:rPr>
+                <a:t>2</a:t>
+              </a:r>
+              <a:r>
+                <a:rPr lang="en-US" altLang="zh-TW">
+                  <a:solidFill>
+                    <a:srgbClr val="BCBEC4"/>
+                  </a:solidFill>
+                  <a:latin typeface="+mj-lt"/>
+                  <a:ea typeface="微軟正黑體" panose="020B0604030504040204" pitchFamily="34" charset="-120"/>
+                  <a:cs typeface="JetBrains Mono" panose="02000009000000000000" pitchFamily="49" charset="0"/>
+                </a:rPr>
+                <a:t>, </a:t>
+              </a:r>
+              <a:r>
+                <a:rPr lang="en-US" altLang="zh-TW">
+                  <a:solidFill>
+                    <a:srgbClr val="92D050"/>
+                  </a:solidFill>
+                  <a:latin typeface="+mj-lt"/>
+                  <a:ea typeface="微軟正黑體" panose="020B0604030504040204" pitchFamily="34" charset="-120"/>
+                  <a:cs typeface="JetBrains Mono" panose="02000009000000000000" pitchFamily="49" charset="0"/>
+                </a:rPr>
+                <a:t>...</a:t>
+              </a:r>
+              <a:r>
+                <a:rPr lang="en-US" altLang="zh-TW">
+                  <a:solidFill>
+                    <a:srgbClr val="BCBEC4"/>
+                  </a:solidFill>
+                  <a:latin typeface="+mj-lt"/>
+                  <a:ea typeface="微軟正黑體" panose="020B0604030504040204" pitchFamily="34" charset="-120"/>
+                  <a:cs typeface="JetBrains Mono" panose="02000009000000000000" pitchFamily="49" charset="0"/>
+                </a:rPr>
+                <a:t>, </a:t>
+              </a:r>
+              <a:r>
+                <a:rPr lang="zh-TW" altLang="en-US">
+                  <a:solidFill>
+                    <a:srgbClr val="92D050"/>
+                  </a:solidFill>
+                  <a:latin typeface="+mj-lt"/>
+                  <a:ea typeface="微軟正黑體" panose="020B0604030504040204" pitchFamily="34" charset="-120"/>
+                  <a:cs typeface="JetBrains Mono" panose="02000009000000000000" pitchFamily="49" charset="0"/>
+                </a:rPr>
+                <a:t>泛型代號</a:t>
+              </a:r>
+              <a:r>
+                <a:rPr lang="en-US" altLang="zh-TW">
+                  <a:solidFill>
+                    <a:srgbClr val="92D050"/>
+                  </a:solidFill>
+                  <a:latin typeface="+mj-lt"/>
+                  <a:ea typeface="微軟正黑體" panose="020B0604030504040204" pitchFamily="34" charset="-120"/>
+                  <a:cs typeface="JetBrains Mono" panose="02000009000000000000" pitchFamily="49" charset="0"/>
+                </a:rPr>
+                <a:t>n</a:t>
+              </a:r>
+              <a:r>
+                <a:rPr lang="en-US" altLang="zh-TW">
+                  <a:solidFill>
+                    <a:srgbClr val="BCBEC4"/>
+                  </a:solidFill>
+                  <a:latin typeface="+mj-lt"/>
+                  <a:ea typeface="微軟正黑體" panose="020B0604030504040204" pitchFamily="34" charset="-120"/>
+                  <a:cs typeface="JetBrains Mono" panose="02000009000000000000" pitchFamily="49" charset="0"/>
+                </a:rPr>
+                <a:t>&gt;(</a:t>
+              </a:r>
+              <a:r>
+                <a:rPr lang="en-US" altLang="zh-TW">
+                  <a:solidFill>
+                    <a:srgbClr val="92D050"/>
+                  </a:solidFill>
+                  <a:latin typeface="+mj-lt"/>
+                  <a:ea typeface="微軟正黑體" panose="020B0604030504040204" pitchFamily="34" charset="-120"/>
+                  <a:cs typeface="JetBrains Mono" panose="02000009000000000000" pitchFamily="49" charset="0"/>
+                </a:rPr>
+                <a:t>...</a:t>
+              </a:r>
+              <a:r>
+                <a:rPr lang="en-US" altLang="zh-TW">
+                  <a:solidFill>
+                    <a:srgbClr val="BCBEC4"/>
+                  </a:solidFill>
+                  <a:latin typeface="+mj-lt"/>
+                  <a:ea typeface="微軟正黑體" panose="020B0604030504040204" pitchFamily="34" charset="-120"/>
+                  <a:cs typeface="JetBrains Mono" panose="02000009000000000000" pitchFamily="49" charset="0"/>
+                </a:rPr>
+                <a:t>)</a:t>
+              </a:r>
+              <a:endParaRPr kumimoji="0" lang="zh-TW" altLang="zh-TW" b="0" i="0" u="none" strike="noStrike" cap="none" normalizeH="0" baseline="0">
+                <a:ln>
+                  <a:noFill/>
+                </a:ln>
+                <a:solidFill>
+                  <a:schemeClr val="tx1"/>
+                </a:solidFill>
+                <a:effectLst/>
+                <a:latin typeface="+mj-lt"/>
+              </a:endParaRPr>
+            </a:p>
+          </p:txBody>
+        </p:sp>
+        <p:sp>
+          <p:nvSpPr>
+            <p:cNvPr id="19" name="文字方塊 18">
+              <a:extLst>
+                <a:ext uri="{FF2B5EF4-FFF2-40B4-BE49-F238E27FC236}">
+                  <a16:creationId xmlns:a16="http://schemas.microsoft.com/office/drawing/2014/main" id="{2FD03975-AAD4-4BFE-9BE7-C3D44A5874C4}"/>
+                </a:ext>
+              </a:extLst>
+            </p:cNvPr>
+            <p:cNvSpPr txBox="1"/>
+            <p:nvPr/>
+          </p:nvSpPr>
+          <p:spPr>
+            <a:xfrm>
+              <a:off x="16736789" y="4968838"/>
+              <a:ext cx="633507" cy="338554"/>
+            </a:xfrm>
+            <a:prstGeom prst="rect">
+              <a:avLst/>
+            </a:prstGeom>
+            <a:noFill/>
+          </p:spPr>
+          <p:txBody>
+            <a:bodyPr wrap="none" rtlCol="0">
+              <a:spAutoFit/>
+            </a:bodyPr>
+            <a:lstStyle/>
+            <a:p>
+              <a:r>
+                <a:rPr lang="en-US" altLang="zh-TW" sz="1600">
+                  <a:solidFill>
+                    <a:schemeClr val="accent3"/>
+                  </a:solidFill>
+                  <a:latin typeface="+mj-lt"/>
+                </a:rPr>
+                <a:t>java</a:t>
+              </a:r>
+              <a:endParaRPr lang="zh-TW" altLang="en-US" sz="1600">
+                <a:solidFill>
+                  <a:schemeClr val="accent3"/>
+                </a:solidFill>
+                <a:latin typeface="+mj-lt"/>
+              </a:endParaRPr>
+            </a:p>
+          </p:txBody>
+        </p:sp>
+      </p:grpSp>
+      <p:sp>
+        <p:nvSpPr>
+          <p:cNvPr id="20" name="內容版面配置區 20">
+            <a:extLst>
+              <a:ext uri="{FF2B5EF4-FFF2-40B4-BE49-F238E27FC236}">
+                <a16:creationId xmlns:a16="http://schemas.microsoft.com/office/drawing/2014/main" id="{5BAD60D0-7132-444C-9061-6DEB3724D927}"/>
+              </a:ext>
+            </a:extLst>
+          </p:cNvPr>
+          <p:cNvSpPr txBox="1">
+            <a:spLocks/>
+          </p:cNvSpPr>
+          <p:nvPr/>
+        </p:nvSpPr>
+        <p:spPr>
+          <a:xfrm>
+            <a:off x="354865" y="4296387"/>
+            <a:ext cx="3329625" cy="514236"/>
+          </a:xfrm>
+          <a:prstGeom prst="rect">
+            <a:avLst/>
+          </a:prstGeom>
+        </p:spPr>
+        <p:txBody>
+          <a:bodyPr vert="horz" lIns="91440" tIns="45720" rIns="91440" bIns="45720" rtlCol="0">
+            <a:normAutofit/>
+          </a:bodyPr>
+          <a:lstStyle>
+            <a:lvl1pPr marL="0" indent="0" algn="l" defTabSz="914400" rtl="0" eaLnBrk="1" latinLnBrk="0" hangingPunct="1">
+              <a:lnSpc>
+                <a:spcPct val="90000"/>
+              </a:lnSpc>
+              <a:spcBef>
+                <a:spcPts val="1000"/>
+              </a:spcBef>
+              <a:buFont typeface="Arial" panose="020B0604020202020204" pitchFamily="34" charset="0"/>
+              <a:buNone/>
+              <a:defRPr sz="2800" kern="1200">
+                <a:solidFill>
+                  <a:schemeClr val="tx1"/>
+                </a:solidFill>
+                <a:latin typeface="+mn-lt"/>
+                <a:ea typeface="+mn-ea"/>
+                <a:cs typeface="+mn-cs"/>
+              </a:defRPr>
+            </a:lvl1pPr>
+            <a:lvl2pPr marL="457200" indent="0" algn="l" defTabSz="914400" rtl="0" eaLnBrk="1" latinLnBrk="0" hangingPunct="1">
+              <a:lnSpc>
+                <a:spcPct val="90000"/>
+              </a:lnSpc>
+              <a:spcBef>
+                <a:spcPts val="500"/>
+              </a:spcBef>
+              <a:buFont typeface="Arial" panose="020B0604020202020204" pitchFamily="34" charset="0"/>
+              <a:buNone/>
+              <a:defRPr sz="2400" kern="1200">
+                <a:solidFill>
+                  <a:schemeClr val="tx1"/>
+                </a:solidFill>
+                <a:latin typeface="+mn-lt"/>
+                <a:ea typeface="+mn-ea"/>
+                <a:cs typeface="+mn-cs"/>
+              </a:defRPr>
+            </a:lvl2pPr>
+            <a:lvl3pPr marL="914400" indent="0" algn="l" defTabSz="914400" rtl="0" eaLnBrk="1" latinLnBrk="0" hangingPunct="1">
+              <a:lnSpc>
+                <a:spcPct val="90000"/>
+              </a:lnSpc>
+              <a:spcBef>
+                <a:spcPts val="500"/>
+              </a:spcBef>
+              <a:buFont typeface="Arial" panose="020B0604020202020204" pitchFamily="34" charset="0"/>
+              <a:buNone/>
+              <a:defRPr sz="2000" kern="1200">
+                <a:solidFill>
+                  <a:schemeClr val="tx1"/>
+                </a:solidFill>
+                <a:latin typeface="+mn-lt"/>
+                <a:ea typeface="+mn-ea"/>
+                <a:cs typeface="+mn-cs"/>
+              </a:defRPr>
+            </a:lvl3pPr>
+            <a:lvl4pPr marL="1371600" indent="0" algn="l" defTabSz="914400" rtl="0" eaLnBrk="1" latinLnBrk="0" hangingPunct="1">
+              <a:lnSpc>
+                <a:spcPct val="90000"/>
+              </a:lnSpc>
+              <a:spcBef>
+                <a:spcPts val="500"/>
+              </a:spcBef>
+              <a:buFont typeface="Arial" panose="020B0604020202020204" pitchFamily="34" charset="0"/>
+              <a:buNone/>
+              <a:defRPr sz="1800" kern="1200">
+                <a:solidFill>
+                  <a:schemeClr val="tx1"/>
+                </a:solidFill>
+                <a:latin typeface="+mn-lt"/>
+                <a:ea typeface="+mn-ea"/>
+                <a:cs typeface="+mn-cs"/>
+              </a:defRPr>
+            </a:lvl4pPr>
+            <a:lvl5pPr marL="1828800" indent="0" algn="l" defTabSz="914400" rtl="0" eaLnBrk="1" latinLnBrk="0" hangingPunct="1">
+              <a:lnSpc>
+                <a:spcPct val="90000"/>
+              </a:lnSpc>
+              <a:spcBef>
+                <a:spcPts val="500"/>
+              </a:spcBef>
+              <a:buFont typeface="Arial" panose="020B0604020202020204" pitchFamily="34" charset="0"/>
+              <a:buNone/>
+              <a:defRPr sz="1800" kern="1200">
+                <a:solidFill>
+                  <a:schemeClr val="tx1"/>
+                </a:solidFill>
+                <a:latin typeface="+mn-lt"/>
+                <a:ea typeface="+mn-ea"/>
+                <a:cs typeface="+mn-cs"/>
+              </a:defRPr>
+            </a:lvl5pPr>
+            <a:lvl6pPr marL="2514600" indent="-228600" algn="l" defTabSz="914400" rtl="0" eaLnBrk="1" latinLnBrk="0" hangingPunct="1">
+              <a:lnSpc>
+                <a:spcPct val="90000"/>
+              </a:lnSpc>
+              <a:spcBef>
+                <a:spcPts val="500"/>
+              </a:spcBef>
+              <a:buFont typeface="Arial" panose="020B0604020202020204" pitchFamily="34" charset="0"/>
+              <a:buChar char="•"/>
+              <a:defRPr sz="1800" kern="1200">
+                <a:solidFill>
+                  <a:schemeClr val="tx1"/>
+                </a:solidFill>
+                <a:latin typeface="+mn-lt"/>
+                <a:ea typeface="+mn-ea"/>
+                <a:cs typeface="+mn-cs"/>
+              </a:defRPr>
+            </a:lvl6pPr>
+            <a:lvl7pPr marL="2971800" indent="-228600" algn="l" defTabSz="914400" rtl="0" eaLnBrk="1" latinLnBrk="0" hangingPunct="1">
+              <a:lnSpc>
+                <a:spcPct val="90000"/>
+              </a:lnSpc>
+              <a:spcBef>
+                <a:spcPts val="500"/>
+              </a:spcBef>
+              <a:buFont typeface="Arial" panose="020B0604020202020204" pitchFamily="34" charset="0"/>
+              <a:buChar char="•"/>
+              <a:defRPr sz="1800" kern="1200">
+                <a:solidFill>
+                  <a:schemeClr val="tx1"/>
+                </a:solidFill>
+                <a:latin typeface="+mn-lt"/>
+                <a:ea typeface="+mn-ea"/>
+                <a:cs typeface="+mn-cs"/>
+              </a:defRPr>
+            </a:lvl7pPr>
+            <a:lvl8pPr marL="3429000" indent="-228600" algn="l" defTabSz="914400" rtl="0" eaLnBrk="1" latinLnBrk="0" hangingPunct="1">
+              <a:lnSpc>
+                <a:spcPct val="90000"/>
+              </a:lnSpc>
+              <a:spcBef>
+                <a:spcPts val="500"/>
+              </a:spcBef>
+              <a:buFont typeface="Arial" panose="020B0604020202020204" pitchFamily="34" charset="0"/>
+              <a:buChar char="•"/>
+              <a:defRPr sz="1800" kern="1200">
+                <a:solidFill>
+                  <a:schemeClr val="tx1"/>
+                </a:solidFill>
+                <a:latin typeface="+mn-lt"/>
+                <a:ea typeface="+mn-ea"/>
+                <a:cs typeface="+mn-cs"/>
+              </a:defRPr>
+            </a:lvl8pPr>
+            <a:lvl9pPr marL="3886200" indent="-228600" algn="l" defTabSz="914400" rtl="0" eaLnBrk="1" latinLnBrk="0" hangingPunct="1">
+              <a:lnSpc>
+                <a:spcPct val="90000"/>
+              </a:lnSpc>
+              <a:spcBef>
+                <a:spcPts val="500"/>
+              </a:spcBef>
+              <a:buFont typeface="Arial" panose="020B0604020202020204" pitchFamily="34" charset="0"/>
+              <a:buChar char="•"/>
+              <a:defRPr sz="1800" kern="1200">
+                <a:solidFill>
+                  <a:schemeClr val="tx1"/>
+                </a:solidFill>
+                <a:latin typeface="+mn-lt"/>
+                <a:ea typeface="+mn-ea"/>
+                <a:cs typeface="+mn-cs"/>
+              </a:defRPr>
+            </a:lvl9pPr>
+          </a:lstStyle>
+          <a:p>
+            <a:r>
+              <a:rPr lang="zh-TW" altLang="en-US"/>
+              <a:t>存取</a:t>
+            </a:r>
+            <a:r>
+              <a:rPr lang="zh-TW" altLang="en-US">
+                <a:solidFill>
+                  <a:srgbClr val="00B0F0"/>
+                </a:solidFill>
+              </a:rPr>
+              <a:t>泛型類別成員</a:t>
+            </a:r>
+            <a:r>
+              <a:rPr lang="zh-TW" altLang="en-US"/>
+              <a:t>：</a:t>
+            </a:r>
+            <a:endParaRPr lang="en-US" altLang="zh-TW"/>
+          </a:p>
+        </p:txBody>
+      </p:sp>
+      <p:grpSp>
+        <p:nvGrpSpPr>
+          <p:cNvPr id="21" name="群組 20">
+            <a:extLst>
+              <a:ext uri="{FF2B5EF4-FFF2-40B4-BE49-F238E27FC236}">
+                <a16:creationId xmlns:a16="http://schemas.microsoft.com/office/drawing/2014/main" id="{A4B4B698-A01F-43E4-995F-12E193AA2607}"/>
+              </a:ext>
+            </a:extLst>
+          </p:cNvPr>
+          <p:cNvGrpSpPr/>
+          <p:nvPr/>
+        </p:nvGrpSpPr>
+        <p:grpSpPr>
+          <a:xfrm>
+            <a:off x="3684492" y="4337576"/>
+            <a:ext cx="8152642" cy="369332"/>
+            <a:chOff x="9217653" y="4938081"/>
+            <a:chExt cx="8152642" cy="369332"/>
+          </a:xfrm>
+        </p:grpSpPr>
+        <p:sp>
+          <p:nvSpPr>
+            <p:cNvPr id="22" name="Rectangle 2">
+              <a:extLst>
+                <a:ext uri="{FF2B5EF4-FFF2-40B4-BE49-F238E27FC236}">
+                  <a16:creationId xmlns:a16="http://schemas.microsoft.com/office/drawing/2014/main" id="{D74F3D1E-F0B7-42E8-A6EC-281982AA125A}"/>
+                </a:ext>
+              </a:extLst>
+            </p:cNvPr>
+            <p:cNvSpPr>
+              <a:spLocks noChangeArrowheads="1"/>
+            </p:cNvSpPr>
+            <p:nvPr/>
+          </p:nvSpPr>
+          <p:spPr bwMode="auto">
+            <a:xfrm>
+              <a:off x="9217653" y="4938081"/>
+              <a:ext cx="8152642" cy="369332"/>
+            </a:xfrm>
+            <a:prstGeom prst="rect">
+              <a:avLst/>
+            </a:prstGeom>
+            <a:solidFill>
+              <a:srgbClr val="1E1F22"/>
+            </a:solidFill>
+            <a:ln>
+              <a:noFill/>
+            </a:ln>
+            <a:effectLst/>
+            <a:extLst>
+              <a:ext uri="{91240B29-F687-4F45-9708-019B960494DF}">
+                <a14:hiddenLine xmlns:a14="http://schemas.microsoft.com/office/drawing/2010/main" w="9525">
+                  <a:solidFill>
+                    <a:schemeClr val="tx1"/>
+                  </a:solidFill>
+                  <a:miter lim="800000"/>
+                  <a:headEnd/>
+                  <a:tailEnd/>
+                </a14:hiddenLine>
+              </a:ext>
+              <a:ext uri="{AF507438-7753-43E0-B8FC-AC1667EBCBE1}">
+                <a14:hiddenEffects xmlns:a14="http://schemas.microsoft.com/office/drawing/2010/main">
+                  <a:effectLst>
+                    <a:outerShdw dist="35921" dir="2700000" algn="ctr" rotWithShape="0">
+                      <a:schemeClr val="bg2"/>
+                    </a:outerShdw>
+                  </a:effectLst>
+                </a14:hiddenEffects>
+              </a:ext>
+            </a:extLst>
+          </p:spPr>
+          <p:txBody>
+            <a:bodyPr vert="horz" wrap="square" lIns="91440" tIns="45720" rIns="91440" bIns="45720" numCol="1" anchor="ctr" anchorCtr="0" compatLnSpc="1">
+              <a:prstTxWarp prst="textNoShape">
+                <a:avLst/>
+              </a:prstTxWarp>
+              <a:spAutoFit/>
+            </a:bodyPr>
+            <a:lstStyle/>
+            <a:p>
+              <a:pPr marL="0" marR="0" lvl="0" indent="0" algn="l" defTabSz="914400" rtl="0" eaLnBrk="0" fontAlgn="base" latinLnBrk="0" hangingPunct="0">
+                <a:lnSpc>
+                  <a:spcPct val="100000"/>
+                </a:lnSpc>
+                <a:spcBef>
+                  <a:spcPct val="0"/>
+                </a:spcBef>
+                <a:spcAft>
+                  <a:spcPct val="0"/>
+                </a:spcAft>
+                <a:buClrTx/>
+                <a:buSzTx/>
+                <a:buFontTx/>
+                <a:buNone/>
+                <a:tabLst/>
+              </a:pPr>
+              <a:r>
+                <a:rPr lang="zh-TW" altLang="en-US">
+                  <a:solidFill>
+                    <a:srgbClr val="56A8F5"/>
+                  </a:solidFill>
+                  <a:latin typeface="+mj-lt"/>
+                  <a:ea typeface="微軟正黑體" panose="020B0604030504040204" pitchFamily="34" charset="-120"/>
+                </a:rPr>
+                <a:t>類別</a:t>
+              </a:r>
+              <a:r>
+                <a:rPr kumimoji="0" lang="zh-TW" altLang="zh-TW" b="0" i="0" u="none" strike="noStrike" cap="none" normalizeH="0" baseline="0">
+                  <a:ln>
+                    <a:noFill/>
+                  </a:ln>
+                  <a:solidFill>
+                    <a:srgbClr val="56A8F5"/>
+                  </a:solidFill>
+                  <a:effectLst/>
+                  <a:latin typeface="+mj-lt"/>
+                  <a:ea typeface="微軟正黑體" panose="020B0604030504040204" pitchFamily="34" charset="-120"/>
+                </a:rPr>
+                <a:t>名稱</a:t>
+              </a:r>
+              <a:r>
+                <a:rPr lang="en-US" altLang="zh-TW">
+                  <a:solidFill>
+                    <a:srgbClr val="BCBEC4"/>
+                  </a:solidFill>
+                  <a:latin typeface="+mj-lt"/>
+                  <a:ea typeface="微軟正黑體" panose="020B0604030504040204" pitchFamily="34" charset="-120"/>
+                  <a:cs typeface="JetBrains Mono" panose="02000009000000000000" pitchFamily="49" charset="0"/>
+                </a:rPr>
+                <a:t>&lt;</a:t>
+              </a:r>
+              <a:r>
+                <a:rPr lang="zh-TW" altLang="en-US">
+                  <a:solidFill>
+                    <a:srgbClr val="92D050"/>
+                  </a:solidFill>
+                  <a:latin typeface="+mj-lt"/>
+                  <a:ea typeface="微軟正黑體" panose="020B0604030504040204" pitchFamily="34" charset="-120"/>
+                  <a:cs typeface="JetBrains Mono" panose="02000009000000000000" pitchFamily="49" charset="0"/>
+                </a:rPr>
+                <a:t>泛型代號</a:t>
+              </a:r>
+              <a:r>
+                <a:rPr lang="en-US" altLang="zh-TW">
+                  <a:solidFill>
+                    <a:srgbClr val="92D050"/>
+                  </a:solidFill>
+                  <a:latin typeface="+mj-lt"/>
+                  <a:ea typeface="微軟正黑體" panose="020B0604030504040204" pitchFamily="34" charset="-120"/>
+                  <a:cs typeface="JetBrains Mono" panose="02000009000000000000" pitchFamily="49" charset="0"/>
+                </a:rPr>
+                <a:t>1</a:t>
+              </a:r>
+              <a:r>
+                <a:rPr lang="en-US" altLang="zh-TW">
+                  <a:solidFill>
+                    <a:srgbClr val="BCBEC4"/>
+                  </a:solidFill>
+                  <a:latin typeface="+mj-lt"/>
+                  <a:ea typeface="微軟正黑體" panose="020B0604030504040204" pitchFamily="34" charset="-120"/>
+                  <a:cs typeface="JetBrains Mono" panose="02000009000000000000" pitchFamily="49" charset="0"/>
+                </a:rPr>
+                <a:t>, </a:t>
+              </a:r>
+              <a:r>
+                <a:rPr lang="zh-TW" altLang="en-US">
+                  <a:solidFill>
+                    <a:srgbClr val="92D050"/>
+                  </a:solidFill>
+                  <a:latin typeface="+mj-lt"/>
+                  <a:ea typeface="微軟正黑體" panose="020B0604030504040204" pitchFamily="34" charset="-120"/>
+                  <a:cs typeface="JetBrains Mono" panose="02000009000000000000" pitchFamily="49" charset="0"/>
+                </a:rPr>
+                <a:t>泛型代號</a:t>
+              </a:r>
+              <a:r>
+                <a:rPr lang="en-US" altLang="zh-TW">
+                  <a:solidFill>
+                    <a:srgbClr val="92D050"/>
+                  </a:solidFill>
+                  <a:latin typeface="+mj-lt"/>
+                  <a:ea typeface="微軟正黑體" panose="020B0604030504040204" pitchFamily="34" charset="-120"/>
+                  <a:cs typeface="JetBrains Mono" panose="02000009000000000000" pitchFamily="49" charset="0"/>
+                </a:rPr>
+                <a:t>2</a:t>
+              </a:r>
+              <a:r>
+                <a:rPr lang="en-US" altLang="zh-TW">
+                  <a:solidFill>
+                    <a:srgbClr val="BCBEC4"/>
+                  </a:solidFill>
+                  <a:latin typeface="+mj-lt"/>
+                  <a:ea typeface="微軟正黑體" panose="020B0604030504040204" pitchFamily="34" charset="-120"/>
+                  <a:cs typeface="JetBrains Mono" panose="02000009000000000000" pitchFamily="49" charset="0"/>
+                </a:rPr>
+                <a:t>, </a:t>
+              </a:r>
+              <a:r>
+                <a:rPr lang="en-US" altLang="zh-TW">
+                  <a:solidFill>
+                    <a:srgbClr val="92D050"/>
+                  </a:solidFill>
+                  <a:latin typeface="+mj-lt"/>
+                  <a:ea typeface="微軟正黑體" panose="020B0604030504040204" pitchFamily="34" charset="-120"/>
+                  <a:cs typeface="JetBrains Mono" panose="02000009000000000000" pitchFamily="49" charset="0"/>
+                </a:rPr>
+                <a:t>...</a:t>
+              </a:r>
+              <a:r>
+                <a:rPr lang="en-US" altLang="zh-TW">
+                  <a:solidFill>
+                    <a:srgbClr val="BCBEC4"/>
+                  </a:solidFill>
+                  <a:latin typeface="+mj-lt"/>
+                  <a:ea typeface="微軟正黑體" panose="020B0604030504040204" pitchFamily="34" charset="-120"/>
+                  <a:cs typeface="JetBrains Mono" panose="02000009000000000000" pitchFamily="49" charset="0"/>
+                </a:rPr>
+                <a:t>, </a:t>
+              </a:r>
+              <a:r>
+                <a:rPr lang="zh-TW" altLang="en-US">
+                  <a:solidFill>
+                    <a:srgbClr val="92D050"/>
+                  </a:solidFill>
+                  <a:latin typeface="+mj-lt"/>
+                  <a:ea typeface="微軟正黑體" panose="020B0604030504040204" pitchFamily="34" charset="-120"/>
+                  <a:cs typeface="JetBrains Mono" panose="02000009000000000000" pitchFamily="49" charset="0"/>
+                </a:rPr>
+                <a:t>泛型代號</a:t>
+              </a:r>
+              <a:r>
+                <a:rPr lang="en-US" altLang="zh-TW">
+                  <a:solidFill>
+                    <a:srgbClr val="92D050"/>
+                  </a:solidFill>
+                  <a:latin typeface="+mj-lt"/>
+                  <a:ea typeface="微軟正黑體" panose="020B0604030504040204" pitchFamily="34" charset="-120"/>
+                  <a:cs typeface="JetBrains Mono" panose="02000009000000000000" pitchFamily="49" charset="0"/>
+                </a:rPr>
+                <a:t>n</a:t>
+              </a:r>
+              <a:r>
+                <a:rPr lang="en-US" altLang="zh-TW">
+                  <a:solidFill>
+                    <a:srgbClr val="BCBEC4"/>
+                  </a:solidFill>
+                  <a:latin typeface="+mj-lt"/>
+                  <a:ea typeface="微軟正黑體" panose="020B0604030504040204" pitchFamily="34" charset="-120"/>
+                  <a:cs typeface="JetBrains Mono" panose="02000009000000000000" pitchFamily="49" charset="0"/>
+                </a:rPr>
+                <a:t>&gt;.</a:t>
+              </a:r>
+              <a:r>
+                <a:rPr lang="zh-TW" altLang="en-US">
+                  <a:solidFill>
+                    <a:srgbClr val="00B0F0"/>
+                  </a:solidFill>
+                  <a:latin typeface="+mj-lt"/>
+                  <a:ea typeface="微軟正黑體" panose="020B0604030504040204" pitchFamily="34" charset="-120"/>
+                  <a:cs typeface="JetBrains Mono" panose="02000009000000000000" pitchFamily="49" charset="0"/>
+                </a:rPr>
+                <a:t>成員</a:t>
+              </a:r>
+              <a:endParaRPr kumimoji="0" lang="zh-TW" altLang="zh-TW" b="0" i="0" u="none" strike="noStrike" cap="none" normalizeH="0" baseline="0">
+                <a:ln>
+                  <a:noFill/>
+                </a:ln>
+                <a:solidFill>
+                  <a:srgbClr val="00B0F0"/>
+                </a:solidFill>
+                <a:effectLst/>
+                <a:latin typeface="+mj-lt"/>
+              </a:endParaRPr>
+            </a:p>
+          </p:txBody>
+        </p:sp>
+        <p:sp>
+          <p:nvSpPr>
+            <p:cNvPr id="23" name="文字方塊 22">
+              <a:extLst>
+                <a:ext uri="{FF2B5EF4-FFF2-40B4-BE49-F238E27FC236}">
+                  <a16:creationId xmlns:a16="http://schemas.microsoft.com/office/drawing/2014/main" id="{1F15B983-CF8F-4423-8175-CAD7CCFFC689}"/>
+                </a:ext>
+              </a:extLst>
+            </p:cNvPr>
+            <p:cNvSpPr txBox="1"/>
+            <p:nvPr/>
+          </p:nvSpPr>
+          <p:spPr>
+            <a:xfrm>
+              <a:off x="16736788" y="4968838"/>
+              <a:ext cx="633507" cy="338554"/>
+            </a:xfrm>
+            <a:prstGeom prst="rect">
+              <a:avLst/>
+            </a:prstGeom>
+            <a:noFill/>
+          </p:spPr>
+          <p:txBody>
+            <a:bodyPr wrap="none" rtlCol="0">
+              <a:spAutoFit/>
+            </a:bodyPr>
+            <a:lstStyle/>
+            <a:p>
+              <a:r>
+                <a:rPr lang="en-US" altLang="zh-TW" sz="1600">
+                  <a:solidFill>
+                    <a:schemeClr val="accent3"/>
+                  </a:solidFill>
+                  <a:latin typeface="+mj-lt"/>
+                </a:rPr>
+                <a:t>java</a:t>
+              </a:r>
+              <a:endParaRPr lang="zh-TW" altLang="en-US" sz="1600">
+                <a:solidFill>
+                  <a:schemeClr val="accent3"/>
+                </a:solidFill>
+                <a:latin typeface="+mj-lt"/>
+              </a:endParaRPr>
+            </a:p>
+          </p:txBody>
+        </p:sp>
+      </p:grpSp>
+      <p:sp>
+        <p:nvSpPr>
+          <p:cNvPr id="25" name="內容版面配置區 3">
+            <a:extLst>
+              <a:ext uri="{FF2B5EF4-FFF2-40B4-BE49-F238E27FC236}">
+                <a16:creationId xmlns:a16="http://schemas.microsoft.com/office/drawing/2014/main" id="{B07BFB0E-B51F-4155-9CF5-91844BE1685B}"/>
+              </a:ext>
+            </a:extLst>
+          </p:cNvPr>
+          <p:cNvSpPr txBox="1">
+            <a:spLocks/>
+          </p:cNvSpPr>
+          <p:nvPr/>
+        </p:nvSpPr>
+        <p:spPr>
+          <a:xfrm>
+            <a:off x="354863" y="4920899"/>
+            <a:ext cx="11482274" cy="1098203"/>
+          </a:xfrm>
+          <a:prstGeom prst="rect">
+            <a:avLst/>
+          </a:prstGeom>
+        </p:spPr>
+        <p:txBody>
+          <a:bodyPr vert="horz" lIns="91440" tIns="45720" rIns="91440" bIns="45720" rtlCol="0">
+            <a:normAutofit/>
+          </a:bodyPr>
+          <a:lstStyle>
+            <a:lvl1pPr marL="0" indent="0" algn="l" defTabSz="914400" rtl="0" eaLnBrk="1" latinLnBrk="0" hangingPunct="1">
+              <a:lnSpc>
+                <a:spcPct val="90000"/>
+              </a:lnSpc>
+              <a:spcBef>
+                <a:spcPts val="1000"/>
+              </a:spcBef>
+              <a:buFont typeface="Arial" panose="020B0604020202020204" pitchFamily="34" charset="0"/>
+              <a:buNone/>
+              <a:defRPr sz="2800" kern="1200">
+                <a:solidFill>
+                  <a:schemeClr val="tx1"/>
+                </a:solidFill>
+                <a:latin typeface="+mn-lt"/>
+                <a:ea typeface="+mn-ea"/>
+                <a:cs typeface="+mn-cs"/>
+              </a:defRPr>
+            </a:lvl1pPr>
+            <a:lvl2pPr marL="457200" indent="0" algn="l" defTabSz="914400" rtl="0" eaLnBrk="1" latinLnBrk="0" hangingPunct="1">
+              <a:lnSpc>
+                <a:spcPct val="90000"/>
+              </a:lnSpc>
+              <a:spcBef>
+                <a:spcPts val="500"/>
+              </a:spcBef>
+              <a:buFont typeface="Arial" panose="020B0604020202020204" pitchFamily="34" charset="0"/>
+              <a:buNone/>
+              <a:defRPr sz="2400" kern="1200">
+                <a:solidFill>
+                  <a:schemeClr val="tx1"/>
+                </a:solidFill>
+                <a:latin typeface="+mn-lt"/>
+                <a:ea typeface="+mn-ea"/>
+                <a:cs typeface="+mn-cs"/>
+              </a:defRPr>
+            </a:lvl2pPr>
+            <a:lvl3pPr marL="914400" indent="0" algn="l" defTabSz="914400" rtl="0" eaLnBrk="1" latinLnBrk="0" hangingPunct="1">
+              <a:lnSpc>
+                <a:spcPct val="90000"/>
+              </a:lnSpc>
+              <a:spcBef>
+                <a:spcPts val="500"/>
+              </a:spcBef>
+              <a:buFont typeface="Arial" panose="020B0604020202020204" pitchFamily="34" charset="0"/>
+              <a:buNone/>
+              <a:defRPr sz="2000" kern="1200">
+                <a:solidFill>
+                  <a:schemeClr val="tx1"/>
+                </a:solidFill>
+                <a:latin typeface="+mn-lt"/>
+                <a:ea typeface="+mn-ea"/>
+                <a:cs typeface="+mn-cs"/>
+              </a:defRPr>
+            </a:lvl3pPr>
+            <a:lvl4pPr marL="1371600" indent="0" algn="l" defTabSz="914400" rtl="0" eaLnBrk="1" latinLnBrk="0" hangingPunct="1">
+              <a:lnSpc>
+                <a:spcPct val="90000"/>
+              </a:lnSpc>
+              <a:spcBef>
+                <a:spcPts val="500"/>
+              </a:spcBef>
+              <a:buFont typeface="Arial" panose="020B0604020202020204" pitchFamily="34" charset="0"/>
+              <a:buNone/>
+              <a:defRPr sz="1800" kern="1200">
+                <a:solidFill>
+                  <a:schemeClr val="tx1"/>
+                </a:solidFill>
+                <a:latin typeface="+mn-lt"/>
+                <a:ea typeface="+mn-ea"/>
+                <a:cs typeface="+mn-cs"/>
+              </a:defRPr>
+            </a:lvl4pPr>
+            <a:lvl5pPr marL="1828800" indent="0" algn="l" defTabSz="914400" rtl="0" eaLnBrk="1" latinLnBrk="0" hangingPunct="1">
+              <a:lnSpc>
+                <a:spcPct val="90000"/>
+              </a:lnSpc>
+              <a:spcBef>
+                <a:spcPts val="500"/>
+              </a:spcBef>
+              <a:buFont typeface="Arial" panose="020B0604020202020204" pitchFamily="34" charset="0"/>
+              <a:buNone/>
+              <a:defRPr sz="1800" kern="1200">
+                <a:solidFill>
+                  <a:schemeClr val="tx1"/>
+                </a:solidFill>
+                <a:latin typeface="+mn-lt"/>
+                <a:ea typeface="+mn-ea"/>
+                <a:cs typeface="+mn-cs"/>
+              </a:defRPr>
+            </a:lvl5pPr>
+            <a:lvl6pPr marL="2514600" indent="-228600" algn="l" defTabSz="914400" rtl="0" eaLnBrk="1" latinLnBrk="0" hangingPunct="1">
+              <a:lnSpc>
+                <a:spcPct val="90000"/>
+              </a:lnSpc>
+              <a:spcBef>
+                <a:spcPts val="500"/>
+              </a:spcBef>
+              <a:buFont typeface="Arial" panose="020B0604020202020204" pitchFamily="34" charset="0"/>
+              <a:buChar char="•"/>
+              <a:defRPr sz="1800" kern="1200">
+                <a:solidFill>
+                  <a:schemeClr val="tx1"/>
+                </a:solidFill>
+                <a:latin typeface="+mn-lt"/>
+                <a:ea typeface="+mn-ea"/>
+                <a:cs typeface="+mn-cs"/>
+              </a:defRPr>
+            </a:lvl6pPr>
+            <a:lvl7pPr marL="2971800" indent="-228600" algn="l" defTabSz="914400" rtl="0" eaLnBrk="1" latinLnBrk="0" hangingPunct="1">
+              <a:lnSpc>
+                <a:spcPct val="90000"/>
+              </a:lnSpc>
+              <a:spcBef>
+                <a:spcPts val="500"/>
+              </a:spcBef>
+              <a:buFont typeface="Arial" panose="020B0604020202020204" pitchFamily="34" charset="0"/>
+              <a:buChar char="•"/>
+              <a:defRPr sz="1800" kern="1200">
+                <a:solidFill>
+                  <a:schemeClr val="tx1"/>
+                </a:solidFill>
+                <a:latin typeface="+mn-lt"/>
+                <a:ea typeface="+mn-ea"/>
+                <a:cs typeface="+mn-cs"/>
+              </a:defRPr>
+            </a:lvl7pPr>
+            <a:lvl8pPr marL="3429000" indent="-228600" algn="l" defTabSz="914400" rtl="0" eaLnBrk="1" latinLnBrk="0" hangingPunct="1">
+              <a:lnSpc>
+                <a:spcPct val="90000"/>
+              </a:lnSpc>
+              <a:spcBef>
+                <a:spcPts val="500"/>
+              </a:spcBef>
+              <a:buFont typeface="Arial" panose="020B0604020202020204" pitchFamily="34" charset="0"/>
+              <a:buChar char="•"/>
+              <a:defRPr sz="1800" kern="1200">
+                <a:solidFill>
+                  <a:schemeClr val="tx1"/>
+                </a:solidFill>
+                <a:latin typeface="+mn-lt"/>
+                <a:ea typeface="+mn-ea"/>
+                <a:cs typeface="+mn-cs"/>
+              </a:defRPr>
+            </a:lvl8pPr>
+            <a:lvl9pPr marL="3886200" indent="-228600" algn="l" defTabSz="914400" rtl="0" eaLnBrk="1" latinLnBrk="0" hangingPunct="1">
+              <a:lnSpc>
+                <a:spcPct val="90000"/>
+              </a:lnSpc>
+              <a:spcBef>
+                <a:spcPts val="500"/>
+              </a:spcBef>
+              <a:buFont typeface="Arial" panose="020B0604020202020204" pitchFamily="34" charset="0"/>
+              <a:buChar char="•"/>
+              <a:defRPr sz="1800" kern="1200">
+                <a:solidFill>
+                  <a:schemeClr val="tx1"/>
+                </a:solidFill>
+                <a:latin typeface="+mn-lt"/>
+                <a:ea typeface="+mn-ea"/>
+                <a:cs typeface="+mn-cs"/>
+              </a:defRPr>
+            </a:lvl9pPr>
+          </a:lstStyle>
+          <a:p>
+            <a:r>
+              <a:rPr lang="zh-TW" altLang="en-US"/>
+              <a:t>若</a:t>
+            </a:r>
+            <a:r>
+              <a:rPr lang="zh-TW" altLang="en-US">
+                <a:solidFill>
+                  <a:srgbClr val="00B0F0"/>
+                </a:solidFill>
+              </a:rPr>
+              <a:t>泛型方法</a:t>
+            </a:r>
+            <a:r>
+              <a:rPr lang="zh-TW" altLang="en-US"/>
+              <a:t>或</a:t>
+            </a:r>
+            <a:r>
+              <a:rPr lang="zh-TW" altLang="en-US">
+                <a:solidFill>
+                  <a:srgbClr val="00B0F0"/>
+                </a:solidFill>
+              </a:rPr>
+              <a:t>泛型介面</a:t>
+            </a:r>
+            <a:r>
+              <a:rPr lang="zh-TW" altLang="en-US"/>
+              <a:t>中的</a:t>
+            </a:r>
+            <a:r>
+              <a:rPr lang="zh-TW" altLang="en-US">
+                <a:solidFill>
+                  <a:srgbClr val="00B0F0"/>
+                </a:solidFill>
+              </a:rPr>
+              <a:t>泛型</a:t>
+            </a:r>
+            <a:r>
+              <a:rPr lang="zh-TW" altLang="en-US"/>
+              <a:t>的</a:t>
+            </a:r>
+            <a:r>
+              <a:rPr lang="zh-TW" altLang="en-US">
+                <a:solidFill>
+                  <a:srgbClr val="00B0F0"/>
+                </a:solidFill>
+              </a:rPr>
+              <a:t>實際型別</a:t>
+            </a:r>
+            <a:r>
+              <a:rPr lang="zh-TW" altLang="en-US"/>
+              <a:t>未確定</a:t>
+            </a:r>
+            <a:endParaRPr lang="en-US" altLang="zh-TW"/>
+          </a:p>
+          <a:p>
+            <a:r>
+              <a:rPr lang="zh-TW" altLang="en-US"/>
+              <a:t>則</a:t>
+            </a:r>
+            <a:r>
+              <a:rPr lang="zh-TW" altLang="en-US">
+                <a:solidFill>
+                  <a:srgbClr val="00B0F0"/>
+                </a:solidFill>
+              </a:rPr>
+              <a:t>泛型</a:t>
+            </a:r>
+            <a:r>
+              <a:rPr lang="zh-TW" altLang="en-US"/>
+              <a:t>的</a:t>
+            </a:r>
+            <a:r>
+              <a:rPr lang="zh-TW" altLang="en-US">
+                <a:solidFill>
+                  <a:srgbClr val="00B0F0"/>
+                </a:solidFill>
+              </a:rPr>
+              <a:t>實際型別</a:t>
+            </a:r>
+            <a:r>
+              <a:rPr lang="zh-TW" altLang="en-US"/>
+              <a:t>為 </a:t>
+            </a:r>
+            <a:r>
+              <a:rPr lang="en-US" altLang="zh-TW">
+                <a:solidFill>
+                  <a:srgbClr val="92D050"/>
+                </a:solidFill>
+              </a:rPr>
+              <a:t>Object</a:t>
+            </a:r>
+            <a:endParaRPr lang="zh-TW" altLang="en-US"/>
+          </a:p>
+        </p:txBody>
+      </p:sp>
+    </p:spTree>
+    <p:extLst>
+      <p:ext uri="{BB962C8B-B14F-4D97-AF65-F5344CB8AC3E}">
+        <p14:creationId xmlns:p14="http://schemas.microsoft.com/office/powerpoint/2010/main" val="2306225216"/>
+      </p:ext>
+    </p:extLst>
+  </p:cSld>
+  <p:clrMapOvr>
+    <a:masterClrMapping/>
+  </p:clrMapOvr>
+  <p:transition spd="slow">
+    <p:push dir="u"/>
+  </p:transition>
+</p:sld>
+</file>
+
+<file path=ppt/slides/slide5.xml><?xml version="1.0" encoding="utf-8"?>
+<p:sld xmlns:a="http://schemas.openxmlformats.org/drawingml/2006/main" xmlns:r="http://schemas.openxmlformats.org/officeDocument/2006/relationships" xmlns:p="http://schemas.openxmlformats.org/presentationml/2006/main">
+  <p:cSld>
+    <p:spTree>
+      <p:nvGrpSpPr>
+        <p:cNvPr id="1" name=""/>
+        <p:cNvGrpSpPr/>
+        <p:nvPr/>
+      </p:nvGrpSpPr>
+      <p:grpSpPr>
+        <a:xfrm>
+          <a:off x="0" y="0"/>
+          <a:ext cx="0" cy="0"/>
+          <a:chOff x="0" y="0"/>
+          <a:chExt cx="0" cy="0"/>
+        </a:xfrm>
+      </p:grpSpPr>
+      <p:grpSp>
+        <p:nvGrpSpPr>
+          <p:cNvPr id="4" name="群組 3">
+            <a:extLst>
+              <a:ext uri="{FF2B5EF4-FFF2-40B4-BE49-F238E27FC236}">
+                <a16:creationId xmlns:a16="http://schemas.microsoft.com/office/drawing/2014/main" id="{7CCE212F-F163-4B84-A1B4-2CC9709C162C}"/>
               </a:ext>
             </a:extLst>
           </p:cNvPr>
@@ -13649,7 +18223,7 @@
           <a:xfrm>
             <a:off x="690234" y="1221065"/>
             <a:ext cx="11130292" cy="5293757"/>
-            <a:chOff x="690234" y="1354415"/>
+            <a:chOff x="690234" y="1221065"/>
             <a:chExt cx="11130292" cy="5293757"/>
           </a:xfrm>
         </p:grpSpPr>
@@ -13669,7 +18243,7 @@
           </p:nvSpPr>
           <p:spPr bwMode="auto">
             <a:xfrm>
-              <a:off x="6519074" y="1354415"/>
+              <a:off x="6519074" y="1221065"/>
               <a:ext cx="5301451" cy="5293757"/>
             </a:xfrm>
             <a:prstGeom prst="rect">
@@ -15231,7 +19805,7 @@
           </p:nvSpPr>
           <p:spPr bwMode="auto">
             <a:xfrm>
-              <a:off x="690234" y="3525469"/>
+              <a:off x="690234" y="1221065"/>
               <a:ext cx="5828840" cy="2693045"/>
             </a:xfrm>
             <a:prstGeom prst="rect">
@@ -16392,7 +20966,7 @@
           </p:nvSpPr>
           <p:spPr>
             <a:xfrm>
-              <a:off x="11129311" y="6278840"/>
+              <a:off x="11129311" y="6145490"/>
               <a:ext cx="691215" cy="369332"/>
             </a:xfrm>
             <a:prstGeom prst="rect">
@@ -16454,7 +21028,7 @@
           </p:blipFill>
           <p:spPr>
             <a:xfrm>
-              <a:off x="11376772" y="1359494"/>
+              <a:off x="11376772" y="1226144"/>
               <a:ext cx="443753" cy="434106"/>
             </a:xfrm>
             <a:prstGeom prst="rect">
@@ -16462,6 +21036,58 @@
             </a:prstGeom>
           </p:spPr>
         </p:pic>
+        <p:sp>
+          <p:nvSpPr>
+            <p:cNvPr id="3" name="矩形 2">
+              <a:extLst>
+                <a:ext uri="{FF2B5EF4-FFF2-40B4-BE49-F238E27FC236}">
+                  <a16:creationId xmlns:a16="http://schemas.microsoft.com/office/drawing/2014/main" id="{69261264-A09E-4B8F-9AA7-11F93AF1A04E}"/>
+                </a:ext>
+              </a:extLst>
+            </p:cNvPr>
+            <p:cNvSpPr/>
+            <p:nvPr/>
+          </p:nvSpPr>
+          <p:spPr>
+            <a:xfrm>
+              <a:off x="690234" y="3914110"/>
+              <a:ext cx="5828839" cy="2600712"/>
+            </a:xfrm>
+            <a:prstGeom prst="rect">
+              <a:avLst/>
+            </a:prstGeom>
+            <a:solidFill>
+              <a:srgbClr val="1E1F22"/>
+            </a:solidFill>
+            <a:ln>
+              <a:noFill/>
+            </a:ln>
+          </p:spPr>
+          <p:style>
+            <a:lnRef idx="2">
+              <a:schemeClr val="accent1">
+                <a:shade val="50000"/>
+              </a:schemeClr>
+            </a:lnRef>
+            <a:fillRef idx="1">
+              <a:schemeClr val="accent1"/>
+            </a:fillRef>
+            <a:effectRef idx="0">
+              <a:schemeClr val="accent1"/>
+            </a:effectRef>
+            <a:fontRef idx="minor">
+              <a:schemeClr val="lt1"/>
+            </a:fontRef>
+          </p:style>
+          <p:txBody>
+            <a:bodyPr rtlCol="0" anchor="ctr"/>
+            <a:lstStyle/>
+            <a:p>
+              <a:pPr algn="ctr"/>
+              <a:endParaRPr lang="zh-TW" altLang="en-US"/>
+            </a:p>
+          </p:txBody>
+        </p:sp>
       </p:grpSp>
       <p:sp>
         <p:nvSpPr>
@@ -16496,141 +21122,6 @@
           </a:p>
         </p:txBody>
       </p:sp>
-      <p:sp>
-        <p:nvSpPr>
-          <p:cNvPr id="9" name="內容版面配置區 8">
-            <a:extLst>
-              <a:ext uri="{FF2B5EF4-FFF2-40B4-BE49-F238E27FC236}">
-                <a16:creationId xmlns:a16="http://schemas.microsoft.com/office/drawing/2014/main" id="{8778D288-432D-4F13-8D1C-76B0FAC8E62F}"/>
-              </a:ext>
-            </a:extLst>
-          </p:cNvPr>
-          <p:cNvSpPr>
-            <a:spLocks noGrp="1"/>
-          </p:cNvSpPr>
-          <p:nvPr>
-            <p:ph idx="1"/>
-          </p:nvPr>
-        </p:nvSpPr>
-        <p:spPr>
-          <a:xfrm>
-            <a:off x="690233" y="1696108"/>
-            <a:ext cx="5828841" cy="1700896"/>
-          </a:xfrm>
-        </p:spPr>
-        <p:txBody>
-          <a:bodyPr/>
-          <a:lstStyle/>
-          <a:p>
-            <a:r>
-              <a:rPr lang="zh-TW" altLang="en-US">
-                <a:solidFill>
-                  <a:srgbClr val="00B0F0"/>
-                </a:solidFill>
-              </a:rPr>
-              <a:t>泛型類別</a:t>
-            </a:r>
-            <a:r>
-              <a:rPr lang="zh-TW" altLang="en-US"/>
-              <a:t>的</a:t>
-            </a:r>
-            <a:r>
-              <a:rPr lang="zh-TW" altLang="en-US">
-                <a:solidFill>
-                  <a:srgbClr val="00B0F0"/>
-                </a:solidFill>
-              </a:rPr>
-              <a:t>靜態欄位</a:t>
-            </a:r>
-            <a:r>
-              <a:rPr lang="zh-TW" altLang="en-US"/>
-              <a:t>不可使用</a:t>
-            </a:r>
-            <a:r>
-              <a:rPr lang="zh-TW" altLang="en-US">
-                <a:solidFill>
-                  <a:srgbClr val="00B0F0"/>
-                </a:solidFill>
-              </a:rPr>
-              <a:t>泛型</a:t>
-            </a:r>
-            <a:endParaRPr lang="en-US" altLang="zh-TW">
-              <a:solidFill>
-                <a:srgbClr val="00B0F0"/>
-              </a:solidFill>
-            </a:endParaRPr>
-          </a:p>
-          <a:p>
-            <a:r>
-              <a:rPr lang="zh-TW" altLang="en-US"/>
-              <a:t>若</a:t>
-            </a:r>
-            <a:r>
-              <a:rPr lang="zh-TW" altLang="en-US">
-                <a:solidFill>
-                  <a:srgbClr val="00B0F0"/>
-                </a:solidFill>
-              </a:rPr>
-              <a:t>泛型</a:t>
-            </a:r>
-            <a:r>
-              <a:rPr lang="zh-TW" altLang="en-US"/>
-              <a:t>的</a:t>
-            </a:r>
-            <a:r>
-              <a:rPr lang="zh-TW" altLang="en-US">
-                <a:solidFill>
-                  <a:srgbClr val="00B0F0"/>
-                </a:solidFill>
-              </a:rPr>
-              <a:t>實際型別</a:t>
-            </a:r>
-            <a:r>
-              <a:rPr lang="zh-TW" altLang="en-US"/>
-              <a:t>未確定</a:t>
-            </a:r>
-            <a:endParaRPr lang="en-US" altLang="zh-TW"/>
-          </a:p>
-          <a:p>
-            <a:r>
-              <a:rPr lang="zh-TW" altLang="en-US"/>
-              <a:t>則</a:t>
-            </a:r>
-            <a:r>
-              <a:rPr lang="zh-TW" altLang="en-US">
-                <a:solidFill>
-                  <a:srgbClr val="00B0F0"/>
-                </a:solidFill>
-              </a:rPr>
-              <a:t>泛型</a:t>
-            </a:r>
-            <a:r>
-              <a:rPr lang="zh-TW" altLang="en-US"/>
-              <a:t>的</a:t>
-            </a:r>
-            <a:r>
-              <a:rPr lang="zh-TW" altLang="en-US">
-                <a:solidFill>
-                  <a:srgbClr val="00B0F0"/>
-                </a:solidFill>
-              </a:rPr>
-              <a:t>實際型別</a:t>
-            </a:r>
-            <a:r>
-              <a:rPr lang="zh-TW" altLang="en-US"/>
-              <a:t>為 </a:t>
-            </a:r>
-            <a:r>
-              <a:rPr lang="en-US" altLang="zh-TW">
-                <a:solidFill>
-                  <a:srgbClr val="92D050"/>
-                </a:solidFill>
-              </a:rPr>
-              <a:t>Object</a:t>
-            </a:r>
-          </a:p>
-        </p:txBody>
-      </p:sp>
       <p:grpSp>
         <p:nvGrpSpPr>
           <p:cNvPr id="13" name="群組 12">
@@ -16645,10 +21136,10 @@
         </p:nvGrpSpPr>
         <p:grpSpPr>
           <a:xfrm>
-            <a:off x="9129223" y="3791268"/>
-            <a:ext cx="2691302" cy="1015663"/>
-            <a:chOff x="4437878" y="5873063"/>
-            <a:chExt cx="1513860" cy="1015663"/>
+            <a:off x="2251233" y="4414639"/>
+            <a:ext cx="2854808" cy="1200329"/>
+            <a:chOff x="4437878" y="5780730"/>
+            <a:chExt cx="1605832" cy="1200329"/>
           </a:xfrm>
         </p:grpSpPr>
         <p:sp>
@@ -16667,8 +21158,8 @@
           </p:nvSpPr>
           <p:spPr bwMode="auto">
             <a:xfrm>
-              <a:off x="4437878" y="5873063"/>
-              <a:ext cx="1513860" cy="1015663"/>
+              <a:off x="4437878" y="5780730"/>
+              <a:ext cx="1605832" cy="1200329"/>
             </a:xfrm>
             <a:prstGeom prst="rect">
               <a:avLst/>
@@ -16723,7 +21214,7 @@
                 <a:tabLst/>
               </a:pPr>
               <a:r>
-                <a:rPr kumimoji="0" lang="zh-TW" altLang="en-US" sz="2000" b="0" i="0" u="none" strike="noStrike" cap="none" normalizeH="0" baseline="0">
+                <a:rPr kumimoji="0" lang="zh-TW" altLang="en-US" sz="2400" b="0" i="0" u="none" strike="noStrike" cap="none" normalizeH="0" baseline="0">
                   <a:ln>
                     <a:noFill/>
                   </a:ln>
@@ -16755,7 +21246,7 @@
                 <a:tabLst/>
               </a:pPr>
               <a:r>
-                <a:rPr kumimoji="0" lang="zh-TW" altLang="en-US" sz="2000" b="0" i="0" u="none" strike="noStrike" cap="none" normalizeH="0" baseline="0">
+                <a:rPr kumimoji="0" lang="zh-TW" altLang="en-US" sz="2400" b="0" i="0" u="none" strike="noStrike" cap="none" normalizeH="0" baseline="0">
                   <a:ln>
                     <a:noFill/>
                   </a:ln>
@@ -16787,7 +21278,7 @@
                 <a:tabLst/>
               </a:pPr>
               <a:r>
-                <a:rPr kumimoji="0" lang="zh-TW" altLang="en-US" sz="2000" b="0" i="0" u="none" strike="noStrike" cap="none" normalizeH="0" baseline="0">
+                <a:rPr kumimoji="0" lang="zh-TW" altLang="en-US" sz="2400" b="0" i="0" u="none" strike="noStrike" cap="none" normalizeH="0" baseline="0">
                   <a:ln>
                     <a:noFill/>
                   </a:ln>
@@ -16800,7 +21291,7 @@
                 </a:rPr>
                 <a:t>甜欣教主</a:t>
               </a:r>
-              <a:endParaRPr kumimoji="0" lang="zh-TW" altLang="zh-TW" sz="3600" b="0" i="0" u="none" strike="noStrike" cap="none" normalizeH="0" baseline="0">
+              <a:endParaRPr kumimoji="0" lang="zh-TW" altLang="zh-TW" sz="4000" b="0" i="0" u="none" strike="noStrike" cap="none" normalizeH="0" baseline="0">
                 <a:ln>
                   <a:noFill/>
                 </a:ln>
@@ -16827,8 +21318,8 @@
           </p:nvSpPr>
           <p:spPr>
             <a:xfrm>
-              <a:off x="5561125" y="6611727"/>
-              <a:ext cx="390613" cy="276999"/>
+              <a:off x="5561125" y="6642505"/>
+              <a:ext cx="482585" cy="338554"/>
             </a:xfrm>
             <a:prstGeom prst="rect">
               <a:avLst/>
@@ -16845,14 +21336,14 @@
             <a:lstStyle/>
             <a:p>
               <a:r>
-                <a:rPr lang="en-US" altLang="zh-TW" sz="1200">
+                <a:rPr lang="en-US" altLang="zh-TW" sz="1600">
                   <a:solidFill>
                     <a:schemeClr val="accent3"/>
                   </a:solidFill>
                 </a:rPr>
                 <a:t>output</a:t>
               </a:r>
-              <a:endParaRPr lang="zh-TW" altLang="en-US" sz="1200">
+              <a:endParaRPr lang="zh-TW" altLang="en-US" sz="1600">
                 <a:solidFill>
                   <a:schemeClr val="accent3"/>
                 </a:solidFill>
@@ -16877,7 +21368,7 @@
 </p:sld>
 </file>
 
-<file path=ppt/slides/slide5.xml><?xml version="1.0" encoding="utf-8"?>
+<file path=ppt/slides/slide6.xml><?xml version="1.0" encoding="utf-8"?>
 <p:sld xmlns:a="http://schemas.openxmlformats.org/drawingml/2006/main" xmlns:r="http://schemas.openxmlformats.org/officeDocument/2006/relationships" xmlns:p="http://schemas.openxmlformats.org/presentationml/2006/main">
   <p:cSld>
     <p:spTree>
@@ -20361,7 +24852,7 @@
 </p:sld>
 </file>
 
-<file path=ppt/slides/slide6.xml><?xml version="1.0" encoding="utf-8"?>
+<file path=ppt/slides/slide7.xml><?xml version="1.0" encoding="utf-8"?>
 <p:sld xmlns:a="http://schemas.openxmlformats.org/drawingml/2006/main" xmlns:r="http://schemas.openxmlformats.org/officeDocument/2006/relationships" xmlns:p="http://schemas.openxmlformats.org/presentationml/2006/main">
   <p:cSld>
     <p:spTree>
@@ -23477,7 +27968,7 @@
 </p:sld>
 </file>
 
-<file path=ppt/slides/slide7.xml><?xml version="1.0" encoding="utf-8"?>
+<file path=ppt/slides/slide8.xml><?xml version="1.0" encoding="utf-8"?>
 <p:sld xmlns:a="http://schemas.openxmlformats.org/drawingml/2006/main" xmlns:r="http://schemas.openxmlformats.org/officeDocument/2006/relationships" xmlns:p="http://schemas.openxmlformats.org/presentationml/2006/main">
   <p:cSld>
     <p:spTree>
@@ -26713,7 +31204,7 @@
 </p:sld>
 </file>
 
-<file path=ppt/slides/slide8.xml><?xml version="1.0" encoding="utf-8"?>
+<file path=ppt/slides/slide9.xml><?xml version="1.0" encoding="utf-8"?>
 <p:sld xmlns:a="http://schemas.openxmlformats.org/drawingml/2006/main" xmlns:r="http://schemas.openxmlformats.org/officeDocument/2006/relationships" xmlns:p="http://schemas.openxmlformats.org/presentationml/2006/main">
   <p:cSld>
     <p:spTree>
@@ -27866,1875 +32357,6 @@
     <p:extLst>
       <p:ext uri="{BB962C8B-B14F-4D97-AF65-F5344CB8AC3E}">
         <p14:creationId xmlns:p14="http://schemas.microsoft.com/office/powerpoint/2010/main" val="105329247"/>
-      </p:ext>
-    </p:extLst>
-  </p:cSld>
-  <p:clrMapOvr>
-    <a:masterClrMapping/>
-  </p:clrMapOvr>
-  <p:transition spd="slow">
-    <p:push dir="u"/>
-  </p:transition>
-</p:sld>
-</file>
-
-<file path=ppt/slides/slide9.xml><?xml version="1.0" encoding="utf-8"?>
-<p:sld xmlns:a="http://schemas.openxmlformats.org/drawingml/2006/main" xmlns:r="http://schemas.openxmlformats.org/officeDocument/2006/relationships" xmlns:p="http://schemas.openxmlformats.org/presentationml/2006/main">
-  <p:cSld>
-    <p:spTree>
-      <p:nvGrpSpPr>
-        <p:cNvPr id="1" name=""/>
-        <p:cNvGrpSpPr/>
-        <p:nvPr/>
-      </p:nvGrpSpPr>
-      <p:grpSpPr>
-        <a:xfrm>
-          <a:off x="0" y="0"/>
-          <a:ext cx="0" cy="0"/>
-          <a:chOff x="0" y="0"/>
-          <a:chExt cx="0" cy="0"/>
-        </a:xfrm>
-      </p:grpSpPr>
-      <p:sp>
-        <p:nvSpPr>
-          <p:cNvPr id="2" name="標題 1">
-            <a:extLst>
-              <a:ext uri="{FF2B5EF4-FFF2-40B4-BE49-F238E27FC236}">
-                <a16:creationId xmlns:a16="http://schemas.microsoft.com/office/drawing/2014/main" id="{EA10692D-F427-461D-8475-24332E6F1156}"/>
-              </a:ext>
-            </a:extLst>
-          </p:cNvPr>
-          <p:cNvSpPr>
-            <a:spLocks noGrp="1"/>
-          </p:cNvSpPr>
-          <p:nvPr>
-            <p:ph type="title"/>
-          </p:nvPr>
-        </p:nvSpPr>
-        <p:spPr/>
-        <p:txBody>
-          <a:bodyPr/>
-          <a:lstStyle/>
-          <a:p>
-            <a:r>
-              <a:rPr lang="zh-TW" altLang="en-US"/>
-              <a:t>協變</a:t>
-            </a:r>
-          </a:p>
-        </p:txBody>
-      </p:sp>
-      <p:sp>
-        <p:nvSpPr>
-          <p:cNvPr id="3" name="內容版面配置區 2">
-            <a:extLst>
-              <a:ext uri="{FF2B5EF4-FFF2-40B4-BE49-F238E27FC236}">
-                <a16:creationId xmlns:a16="http://schemas.microsoft.com/office/drawing/2014/main" id="{BFD43F9D-4E6F-4EEF-A1EC-B5548ED17963}"/>
-              </a:ext>
-            </a:extLst>
-          </p:cNvPr>
-          <p:cNvSpPr>
-            <a:spLocks noGrp="1"/>
-          </p:cNvSpPr>
-          <p:nvPr>
-            <p:ph idx="1"/>
-          </p:nvPr>
-        </p:nvSpPr>
-        <p:spPr>
-          <a:xfrm>
-            <a:off x="419100" y="2483224"/>
-            <a:ext cx="3241964" cy="3036140"/>
-          </a:xfrm>
-        </p:spPr>
-        <p:txBody>
-          <a:bodyPr/>
-          <a:lstStyle/>
-          <a:p>
-            <a:r>
-              <a:rPr lang="zh-TW" altLang="en-US"/>
-              <a:t>在右方的程式中</a:t>
-            </a:r>
-            <a:endParaRPr lang="en-US" altLang="zh-TW"/>
-          </a:p>
-          <a:p>
-            <a:r>
-              <a:rPr lang="zh-TW" altLang="en-US"/>
-              <a:t>第一行會編譯失敗</a:t>
-            </a:r>
-            <a:endParaRPr lang="en-US" altLang="zh-TW"/>
-          </a:p>
-          <a:p>
-            <a:r>
-              <a:rPr lang="zh-TW" altLang="en-US"/>
-              <a:t>而第二行則不會</a:t>
-            </a:r>
-            <a:endParaRPr lang="en-US" altLang="zh-TW"/>
-          </a:p>
-          <a:p>
-            <a:r>
-              <a:rPr lang="zh-TW" altLang="en-US"/>
-              <a:t>因為第二行使用了</a:t>
-            </a:r>
-            <a:endParaRPr lang="en-US" altLang="zh-TW"/>
-          </a:p>
-          <a:p>
-            <a:r>
-              <a:rPr lang="zh-TW" altLang="en-US">
-                <a:solidFill>
-                  <a:srgbClr val="00B0F0"/>
-                </a:solidFill>
-              </a:rPr>
-              <a:t>通配型別字元</a:t>
-            </a:r>
-            <a:endParaRPr lang="en-US" altLang="zh-TW">
-              <a:solidFill>
-                <a:srgbClr val="00B0F0"/>
-              </a:solidFill>
-            </a:endParaRPr>
-          </a:p>
-          <a:p>
-            <a:r>
-              <a:rPr lang="zh-TW" altLang="en-US"/>
-              <a:t>讓</a:t>
-            </a:r>
-            <a:r>
-              <a:rPr lang="zh-TW" altLang="en-US">
-                <a:solidFill>
-                  <a:srgbClr val="00B0F0"/>
-                </a:solidFill>
-              </a:rPr>
-              <a:t>泛型</a:t>
-            </a:r>
-            <a:r>
-              <a:rPr lang="zh-TW" altLang="en-US"/>
-              <a:t>具</a:t>
-            </a:r>
-            <a:r>
-              <a:rPr lang="zh-TW" altLang="en-US">
-                <a:solidFill>
-                  <a:srgbClr val="00B0F0"/>
-                </a:solidFill>
-              </a:rPr>
-              <a:t>協變性</a:t>
-            </a:r>
-          </a:p>
-        </p:txBody>
-      </p:sp>
-      <p:grpSp>
-        <p:nvGrpSpPr>
-          <p:cNvPr id="16" name="群組 15">
-            <a:extLst>
-              <a:ext uri="{FF2B5EF4-FFF2-40B4-BE49-F238E27FC236}">
-                <a16:creationId xmlns:a16="http://schemas.microsoft.com/office/drawing/2014/main" id="{F356E24B-FF39-43A9-8ACE-04FBFE9DEBAD}"/>
-              </a:ext>
-            </a:extLst>
-          </p:cNvPr>
-          <p:cNvGrpSpPr/>
-          <p:nvPr/>
-        </p:nvGrpSpPr>
-        <p:grpSpPr>
-          <a:xfrm>
-            <a:off x="3661064" y="1500188"/>
-            <a:ext cx="8111836" cy="4862869"/>
-            <a:chOff x="3241964" y="1500188"/>
-            <a:chExt cx="8111836" cy="4862869"/>
-          </a:xfrm>
-        </p:grpSpPr>
-        <p:sp>
-          <p:nvSpPr>
-            <p:cNvPr id="15" name="矩形 14">
-              <a:extLst>
-                <a:ext uri="{FF2B5EF4-FFF2-40B4-BE49-F238E27FC236}">
-                  <a16:creationId xmlns:a16="http://schemas.microsoft.com/office/drawing/2014/main" id="{B500C329-D2F1-44B1-961C-5B8854AF3FD1}"/>
-                </a:ext>
-              </a:extLst>
-            </p:cNvPr>
-            <p:cNvSpPr/>
-            <p:nvPr/>
-          </p:nvSpPr>
-          <p:spPr>
-            <a:xfrm>
-              <a:off x="7241777" y="4639508"/>
-              <a:ext cx="4112023" cy="1723549"/>
-            </a:xfrm>
-            <a:prstGeom prst="rect">
-              <a:avLst/>
-            </a:prstGeom>
-            <a:solidFill>
-              <a:srgbClr val="1E1F22"/>
-            </a:solidFill>
-            <a:ln>
-              <a:noFill/>
-            </a:ln>
-          </p:spPr>
-          <p:style>
-            <a:lnRef idx="2">
-              <a:schemeClr val="accent1">
-                <a:shade val="50000"/>
-              </a:schemeClr>
-            </a:lnRef>
-            <a:fillRef idx="1">
-              <a:schemeClr val="accent1"/>
-            </a:fillRef>
-            <a:effectRef idx="0">
-              <a:schemeClr val="accent1"/>
-            </a:effectRef>
-            <a:fontRef idx="minor">
-              <a:schemeClr val="lt1"/>
-            </a:fontRef>
-          </p:style>
-          <p:txBody>
-            <a:bodyPr rtlCol="0" anchor="ctr"/>
-            <a:lstStyle/>
-            <a:p>
-              <a:pPr algn="ctr"/>
-              <a:endParaRPr lang="zh-TW" altLang="en-US"/>
-            </a:p>
-          </p:txBody>
-        </p:sp>
-        <p:sp>
-          <p:nvSpPr>
-            <p:cNvPr id="10" name="Rectangle 7">
-              <a:extLst>
-                <a:ext uri="{FF2B5EF4-FFF2-40B4-BE49-F238E27FC236}">
-                  <a16:creationId xmlns:a16="http://schemas.microsoft.com/office/drawing/2014/main" id="{121E23FE-0BC5-4FCD-A482-6F095E7ABFB3}"/>
-                </a:ext>
-              </a:extLst>
-            </p:cNvPr>
-            <p:cNvSpPr>
-              <a:spLocks noChangeArrowheads="1"/>
-            </p:cNvSpPr>
-            <p:nvPr/>
-          </p:nvSpPr>
-          <p:spPr bwMode="auto">
-            <a:xfrm>
-              <a:off x="7241777" y="4054733"/>
-              <a:ext cx="4112023" cy="584775"/>
-            </a:xfrm>
-            <a:prstGeom prst="rect">
-              <a:avLst/>
-            </a:prstGeom>
-            <a:solidFill>
-              <a:srgbClr val="1E1F22"/>
-            </a:solidFill>
-            <a:ln>
-              <a:noFill/>
-            </a:ln>
-            <a:effectLst/>
-            <a:extLst>
-              <a:ext uri="{91240B29-F687-4F45-9708-019B960494DF}">
-                <a14:hiddenLine xmlns:a14="http://schemas.microsoft.com/office/drawing/2010/main" w="9525">
-                  <a:solidFill>
-                    <a:schemeClr val="tx1"/>
-                  </a:solidFill>
-                  <a:miter lim="800000"/>
-                  <a:headEnd/>
-                  <a:tailEnd/>
-                </a14:hiddenLine>
-              </a:ext>
-              <a:ext uri="{AF507438-7753-43E0-B8FC-AC1667EBCBE1}">
-                <a14:hiddenEffects xmlns:a14="http://schemas.microsoft.com/office/drawing/2010/main">
-                  <a:effectLst>
-                    <a:outerShdw dist="35921" dir="2700000" algn="ctr" rotWithShape="0">
-                      <a:schemeClr val="bg2"/>
-                    </a:outerShdw>
-                  </a:effectLst>
-                </a14:hiddenEffects>
-              </a:ext>
-            </a:extLst>
-          </p:spPr>
-          <p:txBody>
-            <a:bodyPr vert="horz" wrap="square" lIns="91440" tIns="45720" rIns="91440" bIns="45720" numCol="1" anchor="ctr" anchorCtr="0" compatLnSpc="1">
-              <a:prstTxWarp prst="textNoShape">
-                <a:avLst/>
-              </a:prstTxWarp>
-              <a:spAutoFit/>
-            </a:bodyPr>
-            <a:lstStyle/>
-            <a:p>
-              <a:pPr marL="0" marR="0" lvl="0" indent="0" algn="l" defTabSz="914400" rtl="0" eaLnBrk="0" fontAlgn="base" latinLnBrk="0" hangingPunct="0">
-                <a:lnSpc>
-                  <a:spcPct val="100000"/>
-                </a:lnSpc>
-                <a:spcBef>
-                  <a:spcPct val="0"/>
-                </a:spcBef>
-                <a:spcAft>
-                  <a:spcPct val="0"/>
-                </a:spcAft>
-                <a:buClrTx/>
-                <a:buSzTx/>
-                <a:buFontTx/>
-                <a:buNone/>
-                <a:tabLst/>
-              </a:pPr>
-              <a:r>
-                <a:rPr kumimoji="0" lang="zh-TW" altLang="zh-TW" sz="1600" b="0" i="0" u="none" strike="noStrike" cap="none" normalizeH="0" baseline="0">
-                  <a:ln>
-                    <a:noFill/>
-                  </a:ln>
-                  <a:solidFill>
-                    <a:srgbClr val="CF8E6D"/>
-                  </a:solidFill>
-                  <a:effectLst/>
-                  <a:latin typeface="+mj-lt"/>
-                  <a:cs typeface="JetBrains Mono" panose="02000009000000000000" pitchFamily="49" charset="0"/>
-                </a:rPr>
-                <a:t>abstract class </a:t>
-              </a:r>
-              <a:r>
-                <a:rPr kumimoji="0" lang="zh-TW" altLang="zh-TW" sz="1600" b="0" i="0" u="none" strike="noStrike" cap="none" normalizeH="0" baseline="0">
-                  <a:ln>
-                    <a:noFill/>
-                  </a:ln>
-                  <a:solidFill>
-                    <a:srgbClr val="BCBEC4"/>
-                  </a:solidFill>
-                  <a:effectLst/>
-                  <a:latin typeface="+mj-lt"/>
-                  <a:cs typeface="JetBrains Mono" panose="02000009000000000000" pitchFamily="49" charset="0"/>
-                </a:rPr>
-                <a:t>Aircraft {</a:t>
-              </a:r>
-              <a:br>
-                <a:rPr kumimoji="0" lang="zh-TW" altLang="zh-TW" sz="1600" b="0" i="0" u="none" strike="noStrike" cap="none" normalizeH="0" baseline="0">
-                  <a:ln>
-                    <a:noFill/>
-                  </a:ln>
-                  <a:solidFill>
-                    <a:srgbClr val="BCBEC4"/>
-                  </a:solidFill>
-                  <a:effectLst/>
-                  <a:latin typeface="+mj-lt"/>
-                  <a:cs typeface="JetBrains Mono" panose="02000009000000000000" pitchFamily="49" charset="0"/>
-                </a:rPr>
-              </a:br>
-              <a:r>
-                <a:rPr kumimoji="0" lang="zh-TW" altLang="zh-TW" sz="1600" b="0" i="0" u="none" strike="noStrike" cap="none" normalizeH="0" baseline="0">
-                  <a:ln>
-                    <a:noFill/>
-                  </a:ln>
-                  <a:solidFill>
-                    <a:srgbClr val="BCBEC4"/>
-                  </a:solidFill>
-                  <a:effectLst/>
-                  <a:latin typeface="+mj-lt"/>
-                  <a:cs typeface="JetBrains Mono" panose="02000009000000000000" pitchFamily="49" charset="0"/>
-                </a:rPr>
-                <a:t>}</a:t>
-              </a:r>
-              <a:endParaRPr kumimoji="0" lang="zh-TW" altLang="zh-TW" sz="2400" b="0" i="0" u="none" strike="noStrike" cap="none" normalizeH="0" baseline="0">
-                <a:ln>
-                  <a:noFill/>
-                </a:ln>
-                <a:solidFill>
-                  <a:schemeClr val="tx1"/>
-                </a:solidFill>
-                <a:effectLst/>
-                <a:latin typeface="+mj-lt"/>
-              </a:endParaRPr>
-            </a:p>
-          </p:txBody>
-        </p:sp>
-        <p:sp>
-          <p:nvSpPr>
-            <p:cNvPr id="11" name="Rectangle 8">
-              <a:extLst>
-                <a:ext uri="{FF2B5EF4-FFF2-40B4-BE49-F238E27FC236}">
-                  <a16:creationId xmlns:a16="http://schemas.microsoft.com/office/drawing/2014/main" id="{5E660827-0A3F-4EF6-BB9E-EA159B10102B}"/>
-                </a:ext>
-              </a:extLst>
-            </p:cNvPr>
-            <p:cNvSpPr>
-              <a:spLocks noChangeArrowheads="1"/>
-            </p:cNvSpPr>
-            <p:nvPr/>
-          </p:nvSpPr>
-          <p:spPr bwMode="auto">
-            <a:xfrm>
-              <a:off x="7241777" y="5114568"/>
-              <a:ext cx="4112023" cy="584775"/>
-            </a:xfrm>
-            <a:prstGeom prst="rect">
-              <a:avLst/>
-            </a:prstGeom>
-            <a:solidFill>
-              <a:srgbClr val="1E1F22"/>
-            </a:solidFill>
-            <a:ln>
-              <a:noFill/>
-            </a:ln>
-            <a:effectLst/>
-            <a:extLst>
-              <a:ext uri="{91240B29-F687-4F45-9708-019B960494DF}">
-                <a14:hiddenLine xmlns:a14="http://schemas.microsoft.com/office/drawing/2010/main" w="9525">
-                  <a:solidFill>
-                    <a:schemeClr val="tx1"/>
-                  </a:solidFill>
-                  <a:miter lim="800000"/>
-                  <a:headEnd/>
-                  <a:tailEnd/>
-                </a14:hiddenLine>
-              </a:ext>
-              <a:ext uri="{AF507438-7753-43E0-B8FC-AC1667EBCBE1}">
-                <a14:hiddenEffects xmlns:a14="http://schemas.microsoft.com/office/drawing/2010/main">
-                  <a:effectLst>
-                    <a:outerShdw dist="35921" dir="2700000" algn="ctr" rotWithShape="0">
-                      <a:schemeClr val="bg2"/>
-                    </a:outerShdw>
-                  </a:effectLst>
-                </a14:hiddenEffects>
-              </a:ext>
-            </a:extLst>
-          </p:spPr>
-          <p:txBody>
-            <a:bodyPr vert="horz" wrap="none" lIns="91440" tIns="45720" rIns="91440" bIns="45720" numCol="1" anchor="ctr" anchorCtr="0" compatLnSpc="1">
-              <a:prstTxWarp prst="textNoShape">
-                <a:avLst/>
-              </a:prstTxWarp>
-              <a:spAutoFit/>
-            </a:bodyPr>
-            <a:lstStyle/>
-            <a:p>
-              <a:pPr marL="0" marR="0" lvl="0" indent="0" algn="l" defTabSz="914400" rtl="0" eaLnBrk="0" fontAlgn="base" latinLnBrk="0" hangingPunct="0">
-                <a:lnSpc>
-                  <a:spcPct val="100000"/>
-                </a:lnSpc>
-                <a:spcBef>
-                  <a:spcPct val="0"/>
-                </a:spcBef>
-                <a:spcAft>
-                  <a:spcPct val="0"/>
-                </a:spcAft>
-                <a:buClrTx/>
-                <a:buSzTx/>
-                <a:buFontTx/>
-                <a:buNone/>
-                <a:tabLst/>
-              </a:pPr>
-              <a:r>
-                <a:rPr kumimoji="0" lang="zh-TW" altLang="zh-TW" sz="1600" b="0" i="0" u="none" strike="noStrike" cap="none" normalizeH="0" baseline="0">
-                  <a:ln>
-                    <a:noFill/>
-                  </a:ln>
-                  <a:solidFill>
-                    <a:srgbClr val="CF8E6D"/>
-                  </a:solidFill>
-                  <a:effectLst/>
-                  <a:latin typeface="+mj-lt"/>
-                  <a:cs typeface="JetBrains Mono" panose="02000009000000000000" pitchFamily="49" charset="0"/>
-                </a:rPr>
-                <a:t>class </a:t>
-              </a:r>
-              <a:r>
-                <a:rPr kumimoji="0" lang="zh-TW" altLang="zh-TW" sz="1600" b="0" i="0" u="none" strike="noStrike" cap="none" normalizeH="0" baseline="0">
-                  <a:ln>
-                    <a:noFill/>
-                  </a:ln>
-                  <a:solidFill>
-                    <a:srgbClr val="BCBEC4"/>
-                  </a:solidFill>
-                  <a:effectLst/>
-                  <a:latin typeface="+mj-lt"/>
-                  <a:cs typeface="JetBrains Mono" panose="02000009000000000000" pitchFamily="49" charset="0"/>
-                </a:rPr>
-                <a:t>Helicopter </a:t>
-              </a:r>
-              <a:r>
-                <a:rPr kumimoji="0" lang="zh-TW" altLang="zh-TW" sz="1600" b="0" i="0" u="none" strike="noStrike" cap="none" normalizeH="0" baseline="0">
-                  <a:ln>
-                    <a:noFill/>
-                  </a:ln>
-                  <a:solidFill>
-                    <a:srgbClr val="CF8E6D"/>
-                  </a:solidFill>
-                  <a:effectLst/>
-                  <a:latin typeface="+mj-lt"/>
-                  <a:cs typeface="JetBrains Mono" panose="02000009000000000000" pitchFamily="49" charset="0"/>
-                </a:rPr>
-                <a:t>extends </a:t>
-              </a:r>
-              <a:r>
-                <a:rPr kumimoji="0" lang="zh-TW" altLang="zh-TW" sz="1600" b="0" i="0" u="none" strike="noStrike" cap="none" normalizeH="0" baseline="0">
-                  <a:ln>
-                    <a:noFill/>
-                  </a:ln>
-                  <a:solidFill>
-                    <a:srgbClr val="BCBEC4"/>
-                  </a:solidFill>
-                  <a:effectLst/>
-                  <a:latin typeface="+mj-lt"/>
-                  <a:cs typeface="JetBrains Mono" panose="02000009000000000000" pitchFamily="49" charset="0"/>
-                </a:rPr>
-                <a:t>Aircraft {</a:t>
-              </a:r>
-              <a:br>
-                <a:rPr kumimoji="0" lang="zh-TW" altLang="zh-TW" sz="1600" b="0" i="0" u="none" strike="noStrike" cap="none" normalizeH="0" baseline="0">
-                  <a:ln>
-                    <a:noFill/>
-                  </a:ln>
-                  <a:solidFill>
-                    <a:srgbClr val="BCBEC4"/>
-                  </a:solidFill>
-                  <a:effectLst/>
-                  <a:latin typeface="+mj-lt"/>
-                  <a:cs typeface="JetBrains Mono" panose="02000009000000000000" pitchFamily="49" charset="0"/>
-                </a:rPr>
-              </a:br>
-              <a:r>
-                <a:rPr kumimoji="0" lang="zh-TW" altLang="zh-TW" sz="1600" b="0" i="0" u="none" strike="noStrike" cap="none" normalizeH="0" baseline="0">
-                  <a:ln>
-                    <a:noFill/>
-                  </a:ln>
-                  <a:solidFill>
-                    <a:srgbClr val="BCBEC4"/>
-                  </a:solidFill>
-                  <a:effectLst/>
-                  <a:latin typeface="+mj-lt"/>
-                  <a:cs typeface="JetBrains Mono" panose="02000009000000000000" pitchFamily="49" charset="0"/>
-                </a:rPr>
-                <a:t>}</a:t>
-              </a:r>
-              <a:endParaRPr kumimoji="0" lang="zh-TW" altLang="zh-TW" sz="2400" b="0" i="0" u="none" strike="noStrike" cap="none" normalizeH="0" baseline="0">
-                <a:ln>
-                  <a:noFill/>
-                </a:ln>
-                <a:solidFill>
-                  <a:schemeClr val="tx1"/>
-                </a:solidFill>
-                <a:effectLst/>
-                <a:latin typeface="+mj-lt"/>
-              </a:endParaRPr>
-            </a:p>
-          </p:txBody>
-        </p:sp>
-        <p:sp>
-          <p:nvSpPr>
-            <p:cNvPr id="12" name="Rectangle 9">
-              <a:extLst>
-                <a:ext uri="{FF2B5EF4-FFF2-40B4-BE49-F238E27FC236}">
-                  <a16:creationId xmlns:a16="http://schemas.microsoft.com/office/drawing/2014/main" id="{3A85BE82-E016-4DD3-A25E-68DF733639DC}"/>
-                </a:ext>
-              </a:extLst>
-            </p:cNvPr>
-            <p:cNvSpPr>
-              <a:spLocks noChangeArrowheads="1"/>
-            </p:cNvSpPr>
-            <p:nvPr/>
-          </p:nvSpPr>
-          <p:spPr bwMode="auto">
-            <a:xfrm>
-              <a:off x="3241964" y="1500188"/>
-              <a:ext cx="8111836" cy="2554545"/>
-            </a:xfrm>
-            <a:prstGeom prst="rect">
-              <a:avLst/>
-            </a:prstGeom>
-            <a:solidFill>
-              <a:srgbClr val="1E1F22"/>
-            </a:solidFill>
-            <a:ln>
-              <a:noFill/>
-            </a:ln>
-            <a:effectLst/>
-            <a:extLst>
-              <a:ext uri="{91240B29-F687-4F45-9708-019B960494DF}">
-                <a14:hiddenLine xmlns:a14="http://schemas.microsoft.com/office/drawing/2010/main" w="9525">
-                  <a:solidFill>
-                    <a:schemeClr val="tx1"/>
-                  </a:solidFill>
-                  <a:miter lim="800000"/>
-                  <a:headEnd/>
-                  <a:tailEnd/>
-                </a14:hiddenLine>
-              </a:ext>
-              <a:ext uri="{AF507438-7753-43E0-B8FC-AC1667EBCBE1}">
-                <a14:hiddenEffects xmlns:a14="http://schemas.microsoft.com/office/drawing/2010/main">
-                  <a:effectLst>
-                    <a:outerShdw dist="35921" dir="2700000" algn="ctr" rotWithShape="0">
-                      <a:schemeClr val="bg2"/>
-                    </a:outerShdw>
-                  </a:effectLst>
-                </a14:hiddenEffects>
-              </a:ext>
-            </a:extLst>
-          </p:spPr>
-          <p:txBody>
-            <a:bodyPr vert="horz" wrap="square" lIns="91440" tIns="45720" rIns="91440" bIns="45720" numCol="1" anchor="ctr" anchorCtr="0" compatLnSpc="1">
-              <a:prstTxWarp prst="textNoShape">
-                <a:avLst/>
-              </a:prstTxWarp>
-              <a:spAutoFit/>
-            </a:bodyPr>
-            <a:lstStyle/>
-            <a:p>
-              <a:pPr marL="0" marR="0" lvl="0" indent="0" algn="l" defTabSz="914400" rtl="0" eaLnBrk="0" fontAlgn="base" latinLnBrk="0" hangingPunct="0">
-                <a:lnSpc>
-                  <a:spcPct val="100000"/>
-                </a:lnSpc>
-                <a:spcBef>
-                  <a:spcPct val="0"/>
-                </a:spcBef>
-                <a:spcAft>
-                  <a:spcPct val="0"/>
-                </a:spcAft>
-                <a:buClrTx/>
-                <a:buSzTx/>
-                <a:buFontTx/>
-                <a:buNone/>
-                <a:tabLst/>
-              </a:pPr>
-              <a:r>
-                <a:rPr kumimoji="0" lang="zh-TW" altLang="zh-TW" sz="1600" b="0" i="0" u="none" strike="noStrike" cap="none" normalizeH="0" baseline="0">
-                  <a:ln>
-                    <a:noFill/>
-                  </a:ln>
-                  <a:solidFill>
-                    <a:srgbClr val="CF8E6D"/>
-                  </a:solidFill>
-                  <a:effectLst/>
-                  <a:latin typeface="+mj-lt"/>
-                  <a:cs typeface="JetBrains Mono" panose="02000009000000000000" pitchFamily="49" charset="0"/>
-                </a:rPr>
-                <a:t>public class </a:t>
-              </a:r>
-              <a:r>
-                <a:rPr kumimoji="0" lang="zh-TW" altLang="zh-TW" sz="1600" b="0" i="0" u="none" strike="noStrike" cap="none" normalizeH="0" baseline="0">
-                  <a:ln>
-                    <a:noFill/>
-                  </a:ln>
-                  <a:solidFill>
-                    <a:srgbClr val="BCBEC4"/>
-                  </a:solidFill>
-                  <a:effectLst/>
-                  <a:latin typeface="+mj-lt"/>
-                  <a:cs typeface="JetBrains Mono" panose="02000009000000000000" pitchFamily="49" charset="0"/>
-                </a:rPr>
-                <a:t>Main {</a:t>
-              </a:r>
-              <a:br>
-                <a:rPr kumimoji="0" lang="zh-TW" altLang="zh-TW" sz="1600" b="0" i="0" u="none" strike="noStrike" cap="none" normalizeH="0" baseline="0">
-                  <a:ln>
-                    <a:noFill/>
-                  </a:ln>
-                  <a:solidFill>
-                    <a:srgbClr val="BCBEC4"/>
-                  </a:solidFill>
-                  <a:effectLst/>
-                  <a:latin typeface="+mj-lt"/>
-                  <a:cs typeface="JetBrains Mono" panose="02000009000000000000" pitchFamily="49" charset="0"/>
-                </a:rPr>
-              </a:br>
-              <a:r>
-                <a:rPr kumimoji="0" lang="zh-TW" altLang="zh-TW" sz="1600" b="0" i="0" u="none" strike="noStrike" cap="none" normalizeH="0" baseline="0">
-                  <a:ln>
-                    <a:noFill/>
-                  </a:ln>
-                  <a:solidFill>
-                    <a:srgbClr val="BCBEC4"/>
-                  </a:solidFill>
-                  <a:effectLst/>
-                  <a:latin typeface="+mj-lt"/>
-                  <a:cs typeface="JetBrains Mono" panose="02000009000000000000" pitchFamily="49" charset="0"/>
-                </a:rPr>
-                <a:t>    </a:t>
-              </a:r>
-              <a:r>
-                <a:rPr kumimoji="0" lang="zh-TW" altLang="zh-TW" sz="1600" b="0" i="0" u="none" strike="noStrike" cap="none" normalizeH="0" baseline="0">
-                  <a:ln>
-                    <a:noFill/>
-                  </a:ln>
-                  <a:solidFill>
-                    <a:srgbClr val="CF8E6D"/>
-                  </a:solidFill>
-                  <a:effectLst/>
-                  <a:latin typeface="+mj-lt"/>
-                  <a:cs typeface="JetBrains Mono" panose="02000009000000000000" pitchFamily="49" charset="0"/>
-                </a:rPr>
-                <a:t>public static void </a:t>
-              </a:r>
-              <a:r>
-                <a:rPr kumimoji="0" lang="zh-TW" altLang="zh-TW" sz="1600" b="0" i="0" u="none" strike="noStrike" cap="none" normalizeH="0" baseline="0">
-                  <a:ln>
-                    <a:noFill/>
-                  </a:ln>
-                  <a:solidFill>
-                    <a:srgbClr val="56A8F5"/>
-                  </a:solidFill>
-                  <a:effectLst/>
-                  <a:latin typeface="+mj-lt"/>
-                  <a:cs typeface="JetBrains Mono" panose="02000009000000000000" pitchFamily="49" charset="0"/>
-                </a:rPr>
-                <a:t>main</a:t>
-              </a:r>
-              <a:r>
-                <a:rPr kumimoji="0" lang="zh-TW" altLang="zh-TW" sz="1600" b="0" i="0" u="none" strike="noStrike" cap="none" normalizeH="0" baseline="0">
-                  <a:ln>
-                    <a:noFill/>
-                  </a:ln>
-                  <a:solidFill>
-                    <a:srgbClr val="BCBEC4"/>
-                  </a:solidFill>
-                  <a:effectLst/>
-                  <a:latin typeface="+mj-lt"/>
-                  <a:cs typeface="JetBrains Mono" panose="02000009000000000000" pitchFamily="49" charset="0"/>
-                </a:rPr>
-                <a:t>(String[] args) {</a:t>
-              </a:r>
-              <a:br>
-                <a:rPr kumimoji="0" lang="zh-TW" altLang="zh-TW" sz="1600" b="0" i="0" u="none" strike="noStrike" cap="none" normalizeH="0" baseline="0">
-                  <a:ln>
-                    <a:noFill/>
-                  </a:ln>
-                  <a:solidFill>
-                    <a:srgbClr val="BCBEC4"/>
-                  </a:solidFill>
-                  <a:effectLst/>
-                  <a:latin typeface="+mj-lt"/>
-                  <a:cs typeface="JetBrains Mono" panose="02000009000000000000" pitchFamily="49" charset="0"/>
-                </a:rPr>
-              </a:br>
-              <a:r>
-                <a:rPr kumimoji="0" lang="zh-TW" altLang="zh-TW" sz="1600" b="0" i="0" u="none" strike="noStrike" cap="none" normalizeH="0" baseline="0">
-                  <a:ln>
-                    <a:noFill/>
-                  </a:ln>
-                  <a:solidFill>
-                    <a:srgbClr val="BCBEC4"/>
-                  </a:solidFill>
-                  <a:effectLst/>
-                  <a:latin typeface="+mj-lt"/>
-                  <a:cs typeface="JetBrains Mono" panose="02000009000000000000" pitchFamily="49" charset="0"/>
-                </a:rPr>
-                <a:t>        Pair&lt;Integer, Aircraft&gt; pair1 =</a:t>
-              </a:r>
-              <a:br>
-                <a:rPr kumimoji="0" lang="zh-TW" altLang="zh-TW" sz="1600" b="0" i="0" u="none" strike="noStrike" cap="none" normalizeH="0" baseline="0">
-                  <a:ln>
-                    <a:noFill/>
-                  </a:ln>
-                  <a:solidFill>
-                    <a:srgbClr val="BCBEC4"/>
-                  </a:solidFill>
-                  <a:effectLst/>
-                  <a:latin typeface="+mj-lt"/>
-                  <a:cs typeface="JetBrains Mono" panose="02000009000000000000" pitchFamily="49" charset="0"/>
-                </a:rPr>
-              </a:br>
-              <a:r>
-                <a:rPr kumimoji="0" lang="zh-TW" altLang="zh-TW" sz="1600" b="0" i="0" u="none" strike="noStrike" cap="none" normalizeH="0" baseline="0">
-                  <a:ln>
-                    <a:noFill/>
-                  </a:ln>
-                  <a:solidFill>
-                    <a:srgbClr val="BCBEC4"/>
-                  </a:solidFill>
-                  <a:effectLst/>
-                  <a:latin typeface="+mj-lt"/>
-                  <a:cs typeface="JetBrains Mono" panose="02000009000000000000" pitchFamily="49" charset="0"/>
-                </a:rPr>
-                <a:t>                </a:t>
-              </a:r>
-              <a:r>
-                <a:rPr kumimoji="0" lang="zh-TW" altLang="zh-TW" sz="1600" b="0" i="0" u="none" strike="noStrike" cap="none" normalizeH="0" baseline="0">
-                  <a:ln>
-                    <a:noFill/>
-                  </a:ln>
-                  <a:solidFill>
-                    <a:srgbClr val="CF8E6D"/>
-                  </a:solidFill>
-                  <a:effectLst/>
-                  <a:latin typeface="+mj-lt"/>
-                  <a:cs typeface="JetBrains Mono" panose="02000009000000000000" pitchFamily="49" charset="0"/>
-                </a:rPr>
-                <a:t>new </a:t>
-              </a:r>
-              <a:r>
-                <a:rPr kumimoji="0" lang="zh-TW" altLang="zh-TW" sz="1600" b="0" i="0" u="none" strike="noStrike" cap="none" normalizeH="0" baseline="0">
-                  <a:ln>
-                    <a:noFill/>
-                  </a:ln>
-                  <a:solidFill>
-                    <a:srgbClr val="BCBEC4"/>
-                  </a:solidFill>
-                  <a:effectLst/>
-                  <a:latin typeface="+mj-lt"/>
-                  <a:cs typeface="JetBrains Mono" panose="02000009000000000000" pitchFamily="49" charset="0"/>
-                </a:rPr>
-                <a:t>Pair&lt;Integer, Helicopter&gt;(</a:t>
-              </a:r>
-              <a:r>
-                <a:rPr kumimoji="0" lang="zh-TW" altLang="zh-TW" sz="1600" b="0" i="0" u="none" strike="noStrike" cap="none" normalizeH="0" baseline="0">
-                  <a:ln>
-                    <a:noFill/>
-                  </a:ln>
-                  <a:solidFill>
-                    <a:srgbClr val="2AACB8"/>
-                  </a:solidFill>
-                  <a:effectLst/>
-                  <a:latin typeface="+mj-lt"/>
-                  <a:cs typeface="JetBrains Mono" panose="02000009000000000000" pitchFamily="49" charset="0"/>
-                </a:rPr>
-                <a:t>1</a:t>
-              </a:r>
-              <a:r>
-                <a:rPr kumimoji="0" lang="zh-TW" altLang="zh-TW" sz="1600" b="0" i="0" u="none" strike="noStrike" cap="none" normalizeH="0" baseline="0">
-                  <a:ln>
-                    <a:noFill/>
-                  </a:ln>
-                  <a:solidFill>
-                    <a:srgbClr val="BCBEC4"/>
-                  </a:solidFill>
-                  <a:effectLst/>
-                  <a:latin typeface="+mj-lt"/>
-                  <a:cs typeface="JetBrains Mono" panose="02000009000000000000" pitchFamily="49" charset="0"/>
-                </a:rPr>
-                <a:t>, </a:t>
-              </a:r>
-              <a:r>
-                <a:rPr kumimoji="0" lang="zh-TW" altLang="zh-TW" sz="1600" b="0" i="0" u="none" strike="noStrike" cap="none" normalizeH="0" baseline="0">
-                  <a:ln>
-                    <a:noFill/>
-                  </a:ln>
-                  <a:solidFill>
-                    <a:srgbClr val="CF8E6D"/>
-                  </a:solidFill>
-                  <a:effectLst/>
-                  <a:latin typeface="+mj-lt"/>
-                  <a:cs typeface="JetBrains Mono" panose="02000009000000000000" pitchFamily="49" charset="0"/>
-                </a:rPr>
-                <a:t>new </a:t>
-              </a:r>
-              <a:r>
-                <a:rPr kumimoji="0" lang="zh-TW" altLang="zh-TW" sz="1600" b="0" i="0" u="none" strike="noStrike" cap="none" normalizeH="0" baseline="0">
-                  <a:ln>
-                    <a:noFill/>
-                  </a:ln>
-                  <a:solidFill>
-                    <a:srgbClr val="BCBEC4"/>
-                  </a:solidFill>
-                  <a:effectLst/>
-                  <a:latin typeface="+mj-lt"/>
-                  <a:cs typeface="JetBrains Mono" panose="02000009000000000000" pitchFamily="49" charset="0"/>
-                </a:rPr>
-                <a:t>Helicopter());</a:t>
-              </a:r>
-              <a:br>
-                <a:rPr kumimoji="0" lang="zh-TW" altLang="zh-TW" sz="1600" b="0" i="0" u="none" strike="noStrike" cap="none" normalizeH="0" baseline="0">
-                  <a:ln>
-                    <a:noFill/>
-                  </a:ln>
-                  <a:solidFill>
-                    <a:srgbClr val="BCBEC4"/>
-                  </a:solidFill>
-                  <a:effectLst/>
-                  <a:latin typeface="+mj-lt"/>
-                  <a:cs typeface="JetBrains Mono" panose="02000009000000000000" pitchFamily="49" charset="0"/>
-                </a:rPr>
-              </a:br>
-              <a:r>
-                <a:rPr kumimoji="0" lang="zh-TW" altLang="zh-TW" sz="1600" b="0" i="0" u="none" strike="noStrike" cap="none" normalizeH="0" baseline="0">
-                  <a:ln>
-                    <a:noFill/>
-                  </a:ln>
-                  <a:solidFill>
-                    <a:srgbClr val="BCBEC4"/>
-                  </a:solidFill>
-                  <a:effectLst/>
-                  <a:latin typeface="+mj-lt"/>
-                  <a:cs typeface="JetBrains Mono" panose="02000009000000000000" pitchFamily="49" charset="0"/>
-                </a:rPr>
-                <a:t>        </a:t>
-              </a:r>
-              <a:r>
-                <a:rPr kumimoji="0" lang="zh-TW" altLang="zh-TW" sz="1600" b="0" i="0" u="none" strike="noStrike" cap="none" normalizeH="0" baseline="0">
-                  <a:ln>
-                    <a:noFill/>
-                  </a:ln>
-                  <a:solidFill>
-                    <a:srgbClr val="7A7E85"/>
-                  </a:solidFill>
-                  <a:effectLst/>
-                  <a:latin typeface="+mj-lt"/>
-                  <a:cs typeface="JetBrains Mono" panose="02000009000000000000" pitchFamily="49" charset="0"/>
-                </a:rPr>
-                <a:t>// incompatible types: Pair&lt;java.lang.Integer,Helicopter&gt;</a:t>
-              </a:r>
-              <a:br>
-                <a:rPr kumimoji="0" lang="zh-TW" altLang="zh-TW" sz="1600" b="0" i="0" u="none" strike="noStrike" cap="none" normalizeH="0" baseline="0">
-                  <a:ln>
-                    <a:noFill/>
-                  </a:ln>
-                  <a:solidFill>
-                    <a:srgbClr val="7A7E85"/>
-                  </a:solidFill>
-                  <a:effectLst/>
-                  <a:latin typeface="+mj-lt"/>
-                  <a:cs typeface="JetBrains Mono" panose="02000009000000000000" pitchFamily="49" charset="0"/>
-                </a:rPr>
-              </a:br>
-              <a:r>
-                <a:rPr kumimoji="0" lang="zh-TW" altLang="zh-TW" sz="1600" b="0" i="0" u="none" strike="noStrike" cap="none" normalizeH="0" baseline="0">
-                  <a:ln>
-                    <a:noFill/>
-                  </a:ln>
-                  <a:solidFill>
-                    <a:srgbClr val="7A7E85"/>
-                  </a:solidFill>
-                  <a:effectLst/>
-                  <a:latin typeface="+mj-lt"/>
-                  <a:cs typeface="JetBrains Mono" panose="02000009000000000000" pitchFamily="49" charset="0"/>
-                </a:rPr>
-                <a:t>        // cannot be converted to Pair&lt;java.lang.Integer,Aircraft&gt;</a:t>
-              </a:r>
-              <a:br>
-                <a:rPr kumimoji="0" lang="zh-TW" altLang="zh-TW" sz="1600" b="0" i="0" u="none" strike="noStrike" cap="none" normalizeH="0" baseline="0">
-                  <a:ln>
-                    <a:noFill/>
-                  </a:ln>
-                  <a:solidFill>
-                    <a:srgbClr val="7A7E85"/>
-                  </a:solidFill>
-                  <a:effectLst/>
-                  <a:latin typeface="+mj-lt"/>
-                  <a:cs typeface="JetBrains Mono" panose="02000009000000000000" pitchFamily="49" charset="0"/>
-                </a:rPr>
-              </a:br>
-              <a:r>
-                <a:rPr kumimoji="0" lang="zh-TW" altLang="zh-TW" sz="1600" b="0" i="0" u="none" strike="noStrike" cap="none" normalizeH="0" baseline="0">
-                  <a:ln>
-                    <a:noFill/>
-                  </a:ln>
-                  <a:solidFill>
-                    <a:srgbClr val="7A7E85"/>
-                  </a:solidFill>
-                  <a:effectLst/>
-                  <a:latin typeface="+mj-lt"/>
-                  <a:cs typeface="JetBrains Mono" panose="02000009000000000000" pitchFamily="49" charset="0"/>
-                </a:rPr>
-                <a:t>        </a:t>
-              </a:r>
-              <a:r>
-                <a:rPr kumimoji="0" lang="zh-TW" altLang="zh-TW" sz="1600" b="0" i="0" u="none" strike="noStrike" cap="none" normalizeH="0" baseline="0">
-                  <a:ln>
-                    <a:noFill/>
-                  </a:ln>
-                  <a:solidFill>
-                    <a:srgbClr val="BCBEC4"/>
-                  </a:solidFill>
-                  <a:effectLst/>
-                  <a:latin typeface="+mj-lt"/>
-                  <a:cs typeface="JetBrains Mono" panose="02000009000000000000" pitchFamily="49" charset="0"/>
-                </a:rPr>
-                <a:t>Pair&lt;Integer, ? </a:t>
-              </a:r>
-              <a:r>
-                <a:rPr kumimoji="0" lang="zh-TW" altLang="zh-TW" sz="1600" b="0" i="0" u="none" strike="noStrike" cap="none" normalizeH="0" baseline="0">
-                  <a:ln>
-                    <a:noFill/>
-                  </a:ln>
-                  <a:solidFill>
-                    <a:srgbClr val="CF8E6D"/>
-                  </a:solidFill>
-                  <a:effectLst/>
-                  <a:latin typeface="+mj-lt"/>
-                  <a:cs typeface="JetBrains Mono" panose="02000009000000000000" pitchFamily="49" charset="0"/>
-                </a:rPr>
-                <a:t>extends </a:t>
-              </a:r>
-              <a:r>
-                <a:rPr kumimoji="0" lang="zh-TW" altLang="zh-TW" sz="1600" b="0" i="0" u="none" strike="noStrike" cap="none" normalizeH="0" baseline="0">
-                  <a:ln>
-                    <a:noFill/>
-                  </a:ln>
-                  <a:solidFill>
-                    <a:srgbClr val="BCBEC4"/>
-                  </a:solidFill>
-                  <a:effectLst/>
-                  <a:latin typeface="+mj-lt"/>
-                  <a:cs typeface="JetBrains Mono" panose="02000009000000000000" pitchFamily="49" charset="0"/>
-                </a:rPr>
-                <a:t>Aircraft&gt; pair2 =</a:t>
-              </a:r>
-              <a:br>
-                <a:rPr kumimoji="0" lang="zh-TW" altLang="zh-TW" sz="1600" b="0" i="0" u="none" strike="noStrike" cap="none" normalizeH="0" baseline="0">
-                  <a:ln>
-                    <a:noFill/>
-                  </a:ln>
-                  <a:solidFill>
-                    <a:srgbClr val="BCBEC4"/>
-                  </a:solidFill>
-                  <a:effectLst/>
-                  <a:latin typeface="+mj-lt"/>
-                  <a:cs typeface="JetBrains Mono" panose="02000009000000000000" pitchFamily="49" charset="0"/>
-                </a:rPr>
-              </a:br>
-              <a:r>
-                <a:rPr kumimoji="0" lang="zh-TW" altLang="zh-TW" sz="1600" b="0" i="0" u="none" strike="noStrike" cap="none" normalizeH="0" baseline="0">
-                  <a:ln>
-                    <a:noFill/>
-                  </a:ln>
-                  <a:solidFill>
-                    <a:srgbClr val="BCBEC4"/>
-                  </a:solidFill>
-                  <a:effectLst/>
-                  <a:latin typeface="+mj-lt"/>
-                  <a:cs typeface="JetBrains Mono" panose="02000009000000000000" pitchFamily="49" charset="0"/>
-                </a:rPr>
-                <a:t>                </a:t>
-              </a:r>
-              <a:r>
-                <a:rPr kumimoji="0" lang="zh-TW" altLang="zh-TW" sz="1600" b="0" i="0" u="none" strike="noStrike" cap="none" normalizeH="0" baseline="0">
-                  <a:ln>
-                    <a:noFill/>
-                  </a:ln>
-                  <a:solidFill>
-                    <a:srgbClr val="CF8E6D"/>
-                  </a:solidFill>
-                  <a:effectLst/>
-                  <a:latin typeface="+mj-lt"/>
-                  <a:cs typeface="JetBrains Mono" panose="02000009000000000000" pitchFamily="49" charset="0"/>
-                </a:rPr>
-                <a:t>new </a:t>
-              </a:r>
-              <a:r>
-                <a:rPr kumimoji="0" lang="zh-TW" altLang="zh-TW" sz="1600" b="0" i="0" u="none" strike="noStrike" cap="none" normalizeH="0" baseline="0">
-                  <a:ln>
-                    <a:noFill/>
-                  </a:ln>
-                  <a:solidFill>
-                    <a:srgbClr val="BCBEC4"/>
-                  </a:solidFill>
-                  <a:effectLst/>
-                  <a:latin typeface="+mj-lt"/>
-                  <a:cs typeface="JetBrains Mono" panose="02000009000000000000" pitchFamily="49" charset="0"/>
-                </a:rPr>
-                <a:t>Pair&lt;Integer, Helicopter&gt;(</a:t>
-              </a:r>
-              <a:r>
-                <a:rPr kumimoji="0" lang="zh-TW" altLang="zh-TW" sz="1600" b="0" i="0" u="none" strike="noStrike" cap="none" normalizeH="0" baseline="0">
-                  <a:ln>
-                    <a:noFill/>
-                  </a:ln>
-                  <a:solidFill>
-                    <a:srgbClr val="2AACB8"/>
-                  </a:solidFill>
-                  <a:effectLst/>
-                  <a:latin typeface="+mj-lt"/>
-                  <a:cs typeface="JetBrains Mono" panose="02000009000000000000" pitchFamily="49" charset="0"/>
-                </a:rPr>
-                <a:t>2</a:t>
-              </a:r>
-              <a:r>
-                <a:rPr kumimoji="0" lang="zh-TW" altLang="zh-TW" sz="1600" b="0" i="0" u="none" strike="noStrike" cap="none" normalizeH="0" baseline="0">
-                  <a:ln>
-                    <a:noFill/>
-                  </a:ln>
-                  <a:solidFill>
-                    <a:srgbClr val="BCBEC4"/>
-                  </a:solidFill>
-                  <a:effectLst/>
-                  <a:latin typeface="+mj-lt"/>
-                  <a:cs typeface="JetBrains Mono" panose="02000009000000000000" pitchFamily="49" charset="0"/>
-                </a:rPr>
-                <a:t>, </a:t>
-              </a:r>
-              <a:r>
-                <a:rPr kumimoji="0" lang="zh-TW" altLang="zh-TW" sz="1600" b="0" i="0" u="none" strike="noStrike" cap="none" normalizeH="0" baseline="0">
-                  <a:ln>
-                    <a:noFill/>
-                  </a:ln>
-                  <a:solidFill>
-                    <a:srgbClr val="CF8E6D"/>
-                  </a:solidFill>
-                  <a:effectLst/>
-                  <a:latin typeface="+mj-lt"/>
-                  <a:cs typeface="JetBrains Mono" panose="02000009000000000000" pitchFamily="49" charset="0"/>
-                </a:rPr>
-                <a:t>new </a:t>
-              </a:r>
-              <a:r>
-                <a:rPr kumimoji="0" lang="zh-TW" altLang="zh-TW" sz="1600" b="0" i="0" u="none" strike="noStrike" cap="none" normalizeH="0" baseline="0">
-                  <a:ln>
-                    <a:noFill/>
-                  </a:ln>
-                  <a:solidFill>
-                    <a:srgbClr val="BCBEC4"/>
-                  </a:solidFill>
-                  <a:effectLst/>
-                  <a:latin typeface="+mj-lt"/>
-                  <a:cs typeface="JetBrains Mono" panose="02000009000000000000" pitchFamily="49" charset="0"/>
-                </a:rPr>
-                <a:t>Helicopter());</a:t>
-              </a:r>
-              <a:br>
-                <a:rPr kumimoji="0" lang="zh-TW" altLang="zh-TW" sz="1600" b="0" i="0" u="none" strike="noStrike" cap="none" normalizeH="0" baseline="0">
-                  <a:ln>
-                    <a:noFill/>
-                  </a:ln>
-                  <a:solidFill>
-                    <a:srgbClr val="BCBEC4"/>
-                  </a:solidFill>
-                  <a:effectLst/>
-                  <a:latin typeface="+mj-lt"/>
-                  <a:cs typeface="JetBrains Mono" panose="02000009000000000000" pitchFamily="49" charset="0"/>
-                </a:rPr>
-              </a:br>
-              <a:r>
-                <a:rPr kumimoji="0" lang="zh-TW" altLang="zh-TW" sz="1600" b="0" i="0" u="none" strike="noStrike" cap="none" normalizeH="0" baseline="0">
-                  <a:ln>
-                    <a:noFill/>
-                  </a:ln>
-                  <a:solidFill>
-                    <a:srgbClr val="BCBEC4"/>
-                  </a:solidFill>
-                  <a:effectLst/>
-                  <a:latin typeface="+mj-lt"/>
-                  <a:cs typeface="JetBrains Mono" panose="02000009000000000000" pitchFamily="49" charset="0"/>
-                </a:rPr>
-                <a:t>    }</a:t>
-              </a:r>
-              <a:br>
-                <a:rPr kumimoji="0" lang="zh-TW" altLang="zh-TW" sz="1600" b="0" i="0" u="none" strike="noStrike" cap="none" normalizeH="0" baseline="0">
-                  <a:ln>
-                    <a:noFill/>
-                  </a:ln>
-                  <a:solidFill>
-                    <a:srgbClr val="BCBEC4"/>
-                  </a:solidFill>
-                  <a:effectLst/>
-                  <a:latin typeface="+mj-lt"/>
-                  <a:cs typeface="JetBrains Mono" panose="02000009000000000000" pitchFamily="49" charset="0"/>
-                </a:rPr>
-              </a:br>
-              <a:r>
-                <a:rPr kumimoji="0" lang="zh-TW" altLang="zh-TW" sz="1600" b="0" i="0" u="none" strike="noStrike" cap="none" normalizeH="0" baseline="0">
-                  <a:ln>
-                    <a:noFill/>
-                  </a:ln>
-                  <a:solidFill>
-                    <a:srgbClr val="BCBEC4"/>
-                  </a:solidFill>
-                  <a:effectLst/>
-                  <a:latin typeface="+mj-lt"/>
-                  <a:cs typeface="JetBrains Mono" panose="02000009000000000000" pitchFamily="49" charset="0"/>
-                </a:rPr>
-                <a:t>}</a:t>
-              </a:r>
-              <a:endParaRPr kumimoji="0" lang="zh-TW" altLang="zh-TW" sz="2400" b="0" i="0" u="none" strike="noStrike" cap="none" normalizeH="0" baseline="0">
-                <a:ln>
-                  <a:noFill/>
-                </a:ln>
-                <a:solidFill>
-                  <a:schemeClr val="tx1"/>
-                </a:solidFill>
-                <a:effectLst/>
-                <a:latin typeface="+mj-lt"/>
-              </a:endParaRPr>
-            </a:p>
-          </p:txBody>
-        </p:sp>
-        <p:sp>
-          <p:nvSpPr>
-            <p:cNvPr id="9" name="Rectangle 6">
-              <a:extLst>
-                <a:ext uri="{FF2B5EF4-FFF2-40B4-BE49-F238E27FC236}">
-                  <a16:creationId xmlns:a16="http://schemas.microsoft.com/office/drawing/2014/main" id="{9A02EB55-F0BC-444C-A3CE-2E005222B475}"/>
-                </a:ext>
-              </a:extLst>
-            </p:cNvPr>
-            <p:cNvSpPr>
-              <a:spLocks noChangeArrowheads="1"/>
-            </p:cNvSpPr>
-            <p:nvPr/>
-          </p:nvSpPr>
-          <p:spPr bwMode="auto">
-            <a:xfrm>
-              <a:off x="3241964" y="4054733"/>
-              <a:ext cx="3999813" cy="2308324"/>
-            </a:xfrm>
-            <a:prstGeom prst="rect">
-              <a:avLst/>
-            </a:prstGeom>
-            <a:solidFill>
-              <a:srgbClr val="1E1F22"/>
-            </a:solidFill>
-            <a:ln>
-              <a:noFill/>
-            </a:ln>
-            <a:effectLst/>
-            <a:extLst>
-              <a:ext uri="{91240B29-F687-4F45-9708-019B960494DF}">
-                <a14:hiddenLine xmlns:a14="http://schemas.microsoft.com/office/drawing/2010/main" w="9525">
-                  <a:solidFill>
-                    <a:schemeClr val="tx1"/>
-                  </a:solidFill>
-                  <a:miter lim="800000"/>
-                  <a:headEnd/>
-                  <a:tailEnd/>
-                </a14:hiddenLine>
-              </a:ext>
-              <a:ext uri="{AF507438-7753-43E0-B8FC-AC1667EBCBE1}">
-                <a14:hiddenEffects xmlns:a14="http://schemas.microsoft.com/office/drawing/2010/main">
-                  <a:effectLst>
-                    <a:outerShdw dist="35921" dir="2700000" algn="ctr" rotWithShape="0">
-                      <a:schemeClr val="bg2"/>
-                    </a:outerShdw>
-                  </a:effectLst>
-                </a14:hiddenEffects>
-              </a:ext>
-            </a:extLst>
-          </p:spPr>
-          <p:txBody>
-            <a:bodyPr vert="horz" wrap="none" lIns="91440" tIns="45720" rIns="91440" bIns="45720" numCol="1" anchor="ctr" anchorCtr="0" compatLnSpc="1">
-              <a:prstTxWarp prst="textNoShape">
-                <a:avLst/>
-              </a:prstTxWarp>
-              <a:spAutoFit/>
-            </a:bodyPr>
-            <a:lstStyle/>
-            <a:p>
-              <a:pPr marL="0" marR="0" lvl="0" indent="0" algn="l" defTabSz="914400" rtl="0" eaLnBrk="0" fontAlgn="base" latinLnBrk="0" hangingPunct="0">
-                <a:lnSpc>
-                  <a:spcPct val="100000"/>
-                </a:lnSpc>
-                <a:spcBef>
-                  <a:spcPct val="0"/>
-                </a:spcBef>
-                <a:spcAft>
-                  <a:spcPct val="0"/>
-                </a:spcAft>
-                <a:buClrTx/>
-                <a:buSzTx/>
-                <a:buFontTx/>
-                <a:buNone/>
-                <a:tabLst/>
-              </a:pPr>
-              <a:r>
-                <a:rPr kumimoji="0" lang="zh-TW" altLang="zh-TW" sz="1600" b="0" i="0" u="none" strike="noStrike" cap="none" normalizeH="0" baseline="0">
-                  <a:ln>
-                    <a:noFill/>
-                  </a:ln>
-                  <a:solidFill>
-                    <a:srgbClr val="CF8E6D"/>
-                  </a:solidFill>
-                  <a:effectLst/>
-                  <a:latin typeface="+mj-lt"/>
-                  <a:cs typeface="JetBrains Mono" panose="02000009000000000000" pitchFamily="49" charset="0"/>
-                </a:rPr>
-                <a:t>class </a:t>
-              </a:r>
-              <a:r>
-                <a:rPr kumimoji="0" lang="zh-TW" altLang="zh-TW" sz="1600" b="0" i="0" u="none" strike="noStrike" cap="none" normalizeH="0" baseline="0">
-                  <a:ln>
-                    <a:noFill/>
-                  </a:ln>
-                  <a:solidFill>
-                    <a:srgbClr val="BCBEC4"/>
-                  </a:solidFill>
-                  <a:effectLst/>
-                  <a:latin typeface="+mj-lt"/>
-                  <a:cs typeface="JetBrains Mono" panose="02000009000000000000" pitchFamily="49" charset="0"/>
-                </a:rPr>
-                <a:t>Pair&lt;</a:t>
-              </a:r>
-              <a:r>
-                <a:rPr kumimoji="0" lang="zh-TW" altLang="zh-TW" sz="1600" b="0" i="0" u="none" strike="noStrike" cap="none" normalizeH="0" baseline="0">
-                  <a:ln>
-                    <a:noFill/>
-                  </a:ln>
-                  <a:solidFill>
-                    <a:srgbClr val="16BAAC"/>
-                  </a:solidFill>
-                  <a:effectLst/>
-                  <a:latin typeface="+mj-lt"/>
-                  <a:cs typeface="JetBrains Mono" panose="02000009000000000000" pitchFamily="49" charset="0"/>
-                </a:rPr>
-                <a:t>L</a:t>
-              </a:r>
-              <a:r>
-                <a:rPr kumimoji="0" lang="zh-TW" altLang="zh-TW" sz="1600" b="0" i="0" u="none" strike="noStrike" cap="none" normalizeH="0" baseline="0">
-                  <a:ln>
-                    <a:noFill/>
-                  </a:ln>
-                  <a:solidFill>
-                    <a:srgbClr val="BCBEC4"/>
-                  </a:solidFill>
-                  <a:effectLst/>
-                  <a:latin typeface="+mj-lt"/>
-                  <a:cs typeface="JetBrains Mono" panose="02000009000000000000" pitchFamily="49" charset="0"/>
-                </a:rPr>
-                <a:t>, </a:t>
-              </a:r>
-              <a:r>
-                <a:rPr kumimoji="0" lang="zh-TW" altLang="zh-TW" sz="1600" b="0" i="0" u="none" strike="noStrike" cap="none" normalizeH="0" baseline="0">
-                  <a:ln>
-                    <a:noFill/>
-                  </a:ln>
-                  <a:solidFill>
-                    <a:srgbClr val="16BAAC"/>
-                  </a:solidFill>
-                  <a:effectLst/>
-                  <a:latin typeface="+mj-lt"/>
-                  <a:cs typeface="JetBrains Mono" panose="02000009000000000000" pitchFamily="49" charset="0"/>
-                </a:rPr>
-                <a:t>R</a:t>
-              </a:r>
-              <a:r>
-                <a:rPr kumimoji="0" lang="zh-TW" altLang="zh-TW" sz="1600" b="0" i="0" u="none" strike="noStrike" cap="none" normalizeH="0" baseline="0">
-                  <a:ln>
-                    <a:noFill/>
-                  </a:ln>
-                  <a:solidFill>
-                    <a:srgbClr val="BCBEC4"/>
-                  </a:solidFill>
-                  <a:effectLst/>
-                  <a:latin typeface="+mj-lt"/>
-                  <a:cs typeface="JetBrains Mono" panose="02000009000000000000" pitchFamily="49" charset="0"/>
-                </a:rPr>
-                <a:t>&gt; {</a:t>
-              </a:r>
-              <a:br>
-                <a:rPr kumimoji="0" lang="zh-TW" altLang="zh-TW" sz="1600" b="0" i="0" u="none" strike="noStrike" cap="none" normalizeH="0" baseline="0">
-                  <a:ln>
-                    <a:noFill/>
-                  </a:ln>
-                  <a:solidFill>
-                    <a:srgbClr val="BCBEC4"/>
-                  </a:solidFill>
-                  <a:effectLst/>
-                  <a:latin typeface="+mj-lt"/>
-                  <a:cs typeface="JetBrains Mono" panose="02000009000000000000" pitchFamily="49" charset="0"/>
-                </a:rPr>
-              </a:br>
-              <a:r>
-                <a:rPr kumimoji="0" lang="zh-TW" altLang="zh-TW" sz="1600" b="0" i="0" u="none" strike="noStrike" cap="none" normalizeH="0" baseline="0">
-                  <a:ln>
-                    <a:noFill/>
-                  </a:ln>
-                  <a:solidFill>
-                    <a:srgbClr val="BCBEC4"/>
-                  </a:solidFill>
-                  <a:effectLst/>
-                  <a:latin typeface="+mj-lt"/>
-                  <a:cs typeface="JetBrains Mono" panose="02000009000000000000" pitchFamily="49" charset="0"/>
-                </a:rPr>
-                <a:t>    </a:t>
-              </a:r>
-              <a:r>
-                <a:rPr kumimoji="0" lang="zh-TW" altLang="zh-TW" sz="1600" b="0" i="0" u="none" strike="noStrike" cap="none" normalizeH="0" baseline="0">
-                  <a:ln>
-                    <a:noFill/>
-                  </a:ln>
-                  <a:solidFill>
-                    <a:srgbClr val="CF8E6D"/>
-                  </a:solidFill>
-                  <a:effectLst/>
-                  <a:latin typeface="+mj-lt"/>
-                  <a:cs typeface="JetBrains Mono" panose="02000009000000000000" pitchFamily="49" charset="0"/>
-                </a:rPr>
-                <a:t>public </a:t>
-              </a:r>
-              <a:r>
-                <a:rPr kumimoji="0" lang="zh-TW" altLang="zh-TW" sz="1600" b="0" i="0" u="none" strike="noStrike" cap="none" normalizeH="0" baseline="0">
-                  <a:ln>
-                    <a:noFill/>
-                  </a:ln>
-                  <a:solidFill>
-                    <a:srgbClr val="16BAAC"/>
-                  </a:solidFill>
-                  <a:effectLst/>
-                  <a:latin typeface="+mj-lt"/>
-                  <a:cs typeface="JetBrains Mono" panose="02000009000000000000" pitchFamily="49" charset="0"/>
-                </a:rPr>
-                <a:t>L </a:t>
-              </a:r>
-              <a:r>
-                <a:rPr kumimoji="0" lang="zh-TW" altLang="zh-TW" sz="1600" b="0" i="0" u="none" strike="noStrike" cap="none" normalizeH="0" baseline="0">
-                  <a:ln>
-                    <a:noFill/>
-                  </a:ln>
-                  <a:solidFill>
-                    <a:srgbClr val="C77DBB"/>
-                  </a:solidFill>
-                  <a:effectLst/>
-                  <a:latin typeface="+mj-lt"/>
-                  <a:cs typeface="JetBrains Mono" panose="02000009000000000000" pitchFamily="49" charset="0"/>
-                </a:rPr>
-                <a:t>left</a:t>
-              </a:r>
-              <a:r>
-                <a:rPr kumimoji="0" lang="zh-TW" altLang="zh-TW" sz="1600" b="0" i="0" u="none" strike="noStrike" cap="none" normalizeH="0" baseline="0">
-                  <a:ln>
-                    <a:noFill/>
-                  </a:ln>
-                  <a:solidFill>
-                    <a:srgbClr val="BCBEC4"/>
-                  </a:solidFill>
-                  <a:effectLst/>
-                  <a:latin typeface="+mj-lt"/>
-                  <a:cs typeface="JetBrains Mono" panose="02000009000000000000" pitchFamily="49" charset="0"/>
-                </a:rPr>
-                <a:t>;</a:t>
-              </a:r>
-              <a:br>
-                <a:rPr kumimoji="0" lang="zh-TW" altLang="zh-TW" sz="1600" b="0" i="0" u="none" strike="noStrike" cap="none" normalizeH="0" baseline="0">
-                  <a:ln>
-                    <a:noFill/>
-                  </a:ln>
-                  <a:solidFill>
-                    <a:srgbClr val="BCBEC4"/>
-                  </a:solidFill>
-                  <a:effectLst/>
-                  <a:latin typeface="+mj-lt"/>
-                  <a:cs typeface="JetBrains Mono" panose="02000009000000000000" pitchFamily="49" charset="0"/>
-                </a:rPr>
-              </a:br>
-              <a:r>
-                <a:rPr kumimoji="0" lang="zh-TW" altLang="zh-TW" sz="1600" b="0" i="0" u="none" strike="noStrike" cap="none" normalizeH="0" baseline="0">
-                  <a:ln>
-                    <a:noFill/>
-                  </a:ln>
-                  <a:solidFill>
-                    <a:srgbClr val="BCBEC4"/>
-                  </a:solidFill>
-                  <a:effectLst/>
-                  <a:latin typeface="+mj-lt"/>
-                  <a:cs typeface="JetBrains Mono" panose="02000009000000000000" pitchFamily="49" charset="0"/>
-                </a:rPr>
-                <a:t>    </a:t>
-              </a:r>
-              <a:r>
-                <a:rPr kumimoji="0" lang="zh-TW" altLang="zh-TW" sz="1600" b="0" i="0" u="none" strike="noStrike" cap="none" normalizeH="0" baseline="0">
-                  <a:ln>
-                    <a:noFill/>
-                  </a:ln>
-                  <a:solidFill>
-                    <a:srgbClr val="CF8E6D"/>
-                  </a:solidFill>
-                  <a:effectLst/>
-                  <a:latin typeface="+mj-lt"/>
-                  <a:cs typeface="JetBrains Mono" panose="02000009000000000000" pitchFamily="49" charset="0"/>
-                </a:rPr>
-                <a:t>public </a:t>
-              </a:r>
-              <a:r>
-                <a:rPr kumimoji="0" lang="zh-TW" altLang="zh-TW" sz="1600" b="0" i="0" u="none" strike="noStrike" cap="none" normalizeH="0" baseline="0">
-                  <a:ln>
-                    <a:noFill/>
-                  </a:ln>
-                  <a:solidFill>
-                    <a:srgbClr val="16BAAC"/>
-                  </a:solidFill>
-                  <a:effectLst/>
-                  <a:latin typeface="+mj-lt"/>
-                  <a:cs typeface="JetBrains Mono" panose="02000009000000000000" pitchFamily="49" charset="0"/>
-                </a:rPr>
-                <a:t>R </a:t>
-              </a:r>
-              <a:r>
-                <a:rPr kumimoji="0" lang="zh-TW" altLang="zh-TW" sz="1600" b="0" i="0" u="none" strike="noStrike" cap="none" normalizeH="0" baseline="0">
-                  <a:ln>
-                    <a:noFill/>
-                  </a:ln>
-                  <a:solidFill>
-                    <a:srgbClr val="C77DBB"/>
-                  </a:solidFill>
-                  <a:effectLst/>
-                  <a:latin typeface="+mj-lt"/>
-                  <a:cs typeface="JetBrains Mono" panose="02000009000000000000" pitchFamily="49" charset="0"/>
-                </a:rPr>
-                <a:t>right</a:t>
-              </a:r>
-              <a:r>
-                <a:rPr kumimoji="0" lang="zh-TW" altLang="zh-TW" sz="1600" b="0" i="0" u="none" strike="noStrike" cap="none" normalizeH="0" baseline="0">
-                  <a:ln>
-                    <a:noFill/>
-                  </a:ln>
-                  <a:solidFill>
-                    <a:srgbClr val="BCBEC4"/>
-                  </a:solidFill>
-                  <a:effectLst/>
-                  <a:latin typeface="+mj-lt"/>
-                  <a:cs typeface="JetBrains Mono" panose="02000009000000000000" pitchFamily="49" charset="0"/>
-                </a:rPr>
-                <a:t>;</a:t>
-              </a:r>
-              <a:br>
-                <a:rPr kumimoji="0" lang="zh-TW" altLang="zh-TW" sz="1600" b="0" i="0" u="none" strike="noStrike" cap="none" normalizeH="0" baseline="0">
-                  <a:ln>
-                    <a:noFill/>
-                  </a:ln>
-                  <a:solidFill>
-                    <a:srgbClr val="BCBEC4"/>
-                  </a:solidFill>
-                  <a:effectLst/>
-                  <a:latin typeface="+mj-lt"/>
-                  <a:cs typeface="JetBrains Mono" panose="02000009000000000000" pitchFamily="49" charset="0"/>
-                </a:rPr>
-              </a:br>
-              <a:br>
-                <a:rPr kumimoji="0" lang="zh-TW" altLang="zh-TW" sz="1600" b="0" i="0" u="none" strike="noStrike" cap="none" normalizeH="0" baseline="0">
-                  <a:ln>
-                    <a:noFill/>
-                  </a:ln>
-                  <a:solidFill>
-                    <a:srgbClr val="BCBEC4"/>
-                  </a:solidFill>
-                  <a:effectLst/>
-                  <a:latin typeface="+mj-lt"/>
-                  <a:cs typeface="JetBrains Mono" panose="02000009000000000000" pitchFamily="49" charset="0"/>
-                </a:rPr>
-              </a:br>
-              <a:r>
-                <a:rPr kumimoji="0" lang="zh-TW" altLang="zh-TW" sz="1600" b="0" i="0" u="none" strike="noStrike" cap="none" normalizeH="0" baseline="0">
-                  <a:ln>
-                    <a:noFill/>
-                  </a:ln>
-                  <a:solidFill>
-                    <a:srgbClr val="BCBEC4"/>
-                  </a:solidFill>
-                  <a:effectLst/>
-                  <a:latin typeface="+mj-lt"/>
-                  <a:cs typeface="JetBrains Mono" panose="02000009000000000000" pitchFamily="49" charset="0"/>
-                </a:rPr>
-                <a:t>    </a:t>
-              </a:r>
-              <a:r>
-                <a:rPr kumimoji="0" lang="zh-TW" altLang="zh-TW" sz="1600" b="0" i="0" u="none" strike="noStrike" cap="none" normalizeH="0" baseline="0">
-                  <a:ln>
-                    <a:noFill/>
-                  </a:ln>
-                  <a:solidFill>
-                    <a:srgbClr val="CF8E6D"/>
-                  </a:solidFill>
-                  <a:effectLst/>
-                  <a:latin typeface="+mj-lt"/>
-                  <a:cs typeface="JetBrains Mono" panose="02000009000000000000" pitchFamily="49" charset="0"/>
-                </a:rPr>
-                <a:t>public </a:t>
-              </a:r>
-              <a:r>
-                <a:rPr kumimoji="0" lang="zh-TW" altLang="zh-TW" sz="1600" b="0" i="0" u="none" strike="noStrike" cap="none" normalizeH="0" baseline="0">
-                  <a:ln>
-                    <a:noFill/>
-                  </a:ln>
-                  <a:solidFill>
-                    <a:srgbClr val="56A8F5"/>
-                  </a:solidFill>
-                  <a:effectLst/>
-                  <a:latin typeface="+mj-lt"/>
-                  <a:cs typeface="JetBrains Mono" panose="02000009000000000000" pitchFamily="49" charset="0"/>
-                </a:rPr>
-                <a:t>Pair</a:t>
-              </a:r>
-              <a:r>
-                <a:rPr kumimoji="0" lang="zh-TW" altLang="zh-TW" sz="1600" b="0" i="0" u="none" strike="noStrike" cap="none" normalizeH="0" baseline="0">
-                  <a:ln>
-                    <a:noFill/>
-                  </a:ln>
-                  <a:solidFill>
-                    <a:srgbClr val="BCBEC4"/>
-                  </a:solidFill>
-                  <a:effectLst/>
-                  <a:latin typeface="+mj-lt"/>
-                  <a:cs typeface="JetBrains Mono" panose="02000009000000000000" pitchFamily="49" charset="0"/>
-                </a:rPr>
-                <a:t>(</a:t>
-              </a:r>
-              <a:r>
-                <a:rPr kumimoji="0" lang="zh-TW" altLang="zh-TW" sz="1600" b="0" i="0" u="none" strike="noStrike" cap="none" normalizeH="0" baseline="0">
-                  <a:ln>
-                    <a:noFill/>
-                  </a:ln>
-                  <a:solidFill>
-                    <a:srgbClr val="16BAAC"/>
-                  </a:solidFill>
-                  <a:effectLst/>
-                  <a:latin typeface="+mj-lt"/>
-                  <a:cs typeface="JetBrains Mono" panose="02000009000000000000" pitchFamily="49" charset="0"/>
-                </a:rPr>
-                <a:t>L </a:t>
-              </a:r>
-              <a:r>
-                <a:rPr kumimoji="0" lang="zh-TW" altLang="zh-TW" sz="1600" b="0" i="0" u="none" strike="noStrike" cap="none" normalizeH="0" baseline="0">
-                  <a:ln>
-                    <a:noFill/>
-                  </a:ln>
-                  <a:solidFill>
-                    <a:srgbClr val="BCBEC4"/>
-                  </a:solidFill>
-                  <a:effectLst/>
-                  <a:latin typeface="+mj-lt"/>
-                  <a:cs typeface="JetBrains Mono" panose="02000009000000000000" pitchFamily="49" charset="0"/>
-                </a:rPr>
-                <a:t>left, </a:t>
-              </a:r>
-              <a:r>
-                <a:rPr kumimoji="0" lang="zh-TW" altLang="zh-TW" sz="1600" b="0" i="0" u="none" strike="noStrike" cap="none" normalizeH="0" baseline="0">
-                  <a:ln>
-                    <a:noFill/>
-                  </a:ln>
-                  <a:solidFill>
-                    <a:srgbClr val="16BAAC"/>
-                  </a:solidFill>
-                  <a:effectLst/>
-                  <a:latin typeface="+mj-lt"/>
-                  <a:cs typeface="JetBrains Mono" panose="02000009000000000000" pitchFamily="49" charset="0"/>
-                </a:rPr>
-                <a:t>R </a:t>
-              </a:r>
-              <a:r>
-                <a:rPr kumimoji="0" lang="zh-TW" altLang="zh-TW" sz="1600" b="0" i="0" u="none" strike="noStrike" cap="none" normalizeH="0" baseline="0">
-                  <a:ln>
-                    <a:noFill/>
-                  </a:ln>
-                  <a:solidFill>
-                    <a:srgbClr val="BCBEC4"/>
-                  </a:solidFill>
-                  <a:effectLst/>
-                  <a:latin typeface="+mj-lt"/>
-                  <a:cs typeface="JetBrains Mono" panose="02000009000000000000" pitchFamily="49" charset="0"/>
-                </a:rPr>
-                <a:t>right) {</a:t>
-              </a:r>
-              <a:br>
-                <a:rPr kumimoji="0" lang="zh-TW" altLang="zh-TW" sz="1600" b="0" i="0" u="none" strike="noStrike" cap="none" normalizeH="0" baseline="0">
-                  <a:ln>
-                    <a:noFill/>
-                  </a:ln>
-                  <a:solidFill>
-                    <a:srgbClr val="BCBEC4"/>
-                  </a:solidFill>
-                  <a:effectLst/>
-                  <a:latin typeface="+mj-lt"/>
-                  <a:cs typeface="JetBrains Mono" panose="02000009000000000000" pitchFamily="49" charset="0"/>
-                </a:rPr>
-              </a:br>
-              <a:r>
-                <a:rPr kumimoji="0" lang="zh-TW" altLang="zh-TW" sz="1600" b="0" i="0" u="none" strike="noStrike" cap="none" normalizeH="0" baseline="0">
-                  <a:ln>
-                    <a:noFill/>
-                  </a:ln>
-                  <a:solidFill>
-                    <a:srgbClr val="BCBEC4"/>
-                  </a:solidFill>
-                  <a:effectLst/>
-                  <a:latin typeface="+mj-lt"/>
-                  <a:cs typeface="JetBrains Mono" panose="02000009000000000000" pitchFamily="49" charset="0"/>
-                </a:rPr>
-                <a:t>        </a:t>
-              </a:r>
-              <a:r>
-                <a:rPr kumimoji="0" lang="zh-TW" altLang="zh-TW" sz="1600" b="0" i="0" u="none" strike="noStrike" cap="none" normalizeH="0" baseline="0">
-                  <a:ln>
-                    <a:noFill/>
-                  </a:ln>
-                  <a:solidFill>
-                    <a:srgbClr val="CF8E6D"/>
-                  </a:solidFill>
-                  <a:effectLst/>
-                  <a:latin typeface="+mj-lt"/>
-                  <a:cs typeface="JetBrains Mono" panose="02000009000000000000" pitchFamily="49" charset="0"/>
-                </a:rPr>
-                <a:t>this</a:t>
-              </a:r>
-              <a:r>
-                <a:rPr kumimoji="0" lang="zh-TW" altLang="zh-TW" sz="1600" b="0" i="0" u="none" strike="noStrike" cap="none" normalizeH="0" baseline="0">
-                  <a:ln>
-                    <a:noFill/>
-                  </a:ln>
-                  <a:solidFill>
-                    <a:srgbClr val="BCBEC4"/>
-                  </a:solidFill>
-                  <a:effectLst/>
-                  <a:latin typeface="+mj-lt"/>
-                  <a:cs typeface="JetBrains Mono" panose="02000009000000000000" pitchFamily="49" charset="0"/>
-                </a:rPr>
-                <a:t>.</a:t>
-              </a:r>
-              <a:r>
-                <a:rPr kumimoji="0" lang="zh-TW" altLang="zh-TW" sz="1600" b="0" i="0" u="none" strike="noStrike" cap="none" normalizeH="0" baseline="0">
-                  <a:ln>
-                    <a:noFill/>
-                  </a:ln>
-                  <a:solidFill>
-                    <a:srgbClr val="C77DBB"/>
-                  </a:solidFill>
-                  <a:effectLst/>
-                  <a:latin typeface="+mj-lt"/>
-                  <a:cs typeface="JetBrains Mono" panose="02000009000000000000" pitchFamily="49" charset="0"/>
-                </a:rPr>
-                <a:t>left </a:t>
-              </a:r>
-              <a:r>
-                <a:rPr kumimoji="0" lang="zh-TW" altLang="zh-TW" sz="1600" b="0" i="0" u="none" strike="noStrike" cap="none" normalizeH="0" baseline="0">
-                  <a:ln>
-                    <a:noFill/>
-                  </a:ln>
-                  <a:solidFill>
-                    <a:srgbClr val="BCBEC4"/>
-                  </a:solidFill>
-                  <a:effectLst/>
-                  <a:latin typeface="+mj-lt"/>
-                  <a:cs typeface="JetBrains Mono" panose="02000009000000000000" pitchFamily="49" charset="0"/>
-                </a:rPr>
-                <a:t>= left;</a:t>
-              </a:r>
-              <a:br>
-                <a:rPr kumimoji="0" lang="zh-TW" altLang="zh-TW" sz="1600" b="0" i="0" u="none" strike="noStrike" cap="none" normalizeH="0" baseline="0">
-                  <a:ln>
-                    <a:noFill/>
-                  </a:ln>
-                  <a:solidFill>
-                    <a:srgbClr val="BCBEC4"/>
-                  </a:solidFill>
-                  <a:effectLst/>
-                  <a:latin typeface="+mj-lt"/>
-                  <a:cs typeface="JetBrains Mono" panose="02000009000000000000" pitchFamily="49" charset="0"/>
-                </a:rPr>
-              </a:br>
-              <a:r>
-                <a:rPr kumimoji="0" lang="zh-TW" altLang="zh-TW" sz="1600" b="0" i="0" u="none" strike="noStrike" cap="none" normalizeH="0" baseline="0">
-                  <a:ln>
-                    <a:noFill/>
-                  </a:ln>
-                  <a:solidFill>
-                    <a:srgbClr val="BCBEC4"/>
-                  </a:solidFill>
-                  <a:effectLst/>
-                  <a:latin typeface="+mj-lt"/>
-                  <a:cs typeface="JetBrains Mono" panose="02000009000000000000" pitchFamily="49" charset="0"/>
-                </a:rPr>
-                <a:t>        </a:t>
-              </a:r>
-              <a:r>
-                <a:rPr kumimoji="0" lang="zh-TW" altLang="zh-TW" sz="1600" b="0" i="0" u="none" strike="noStrike" cap="none" normalizeH="0" baseline="0">
-                  <a:ln>
-                    <a:noFill/>
-                  </a:ln>
-                  <a:solidFill>
-                    <a:srgbClr val="CF8E6D"/>
-                  </a:solidFill>
-                  <a:effectLst/>
-                  <a:latin typeface="+mj-lt"/>
-                  <a:cs typeface="JetBrains Mono" panose="02000009000000000000" pitchFamily="49" charset="0"/>
-                </a:rPr>
-                <a:t>this</a:t>
-              </a:r>
-              <a:r>
-                <a:rPr kumimoji="0" lang="zh-TW" altLang="zh-TW" sz="1600" b="0" i="0" u="none" strike="noStrike" cap="none" normalizeH="0" baseline="0">
-                  <a:ln>
-                    <a:noFill/>
-                  </a:ln>
-                  <a:solidFill>
-                    <a:srgbClr val="BCBEC4"/>
-                  </a:solidFill>
-                  <a:effectLst/>
-                  <a:latin typeface="+mj-lt"/>
-                  <a:cs typeface="JetBrains Mono" panose="02000009000000000000" pitchFamily="49" charset="0"/>
-                </a:rPr>
-                <a:t>.</a:t>
-              </a:r>
-              <a:r>
-                <a:rPr kumimoji="0" lang="zh-TW" altLang="zh-TW" sz="1600" b="0" i="0" u="none" strike="noStrike" cap="none" normalizeH="0" baseline="0">
-                  <a:ln>
-                    <a:noFill/>
-                  </a:ln>
-                  <a:solidFill>
-                    <a:srgbClr val="C77DBB"/>
-                  </a:solidFill>
-                  <a:effectLst/>
-                  <a:latin typeface="+mj-lt"/>
-                  <a:cs typeface="JetBrains Mono" panose="02000009000000000000" pitchFamily="49" charset="0"/>
-                </a:rPr>
-                <a:t>right </a:t>
-              </a:r>
-              <a:r>
-                <a:rPr kumimoji="0" lang="zh-TW" altLang="zh-TW" sz="1600" b="0" i="0" u="none" strike="noStrike" cap="none" normalizeH="0" baseline="0">
-                  <a:ln>
-                    <a:noFill/>
-                  </a:ln>
-                  <a:solidFill>
-                    <a:srgbClr val="BCBEC4"/>
-                  </a:solidFill>
-                  <a:effectLst/>
-                  <a:latin typeface="+mj-lt"/>
-                  <a:cs typeface="JetBrains Mono" panose="02000009000000000000" pitchFamily="49" charset="0"/>
-                </a:rPr>
-                <a:t>= right;</a:t>
-              </a:r>
-              <a:br>
-                <a:rPr kumimoji="0" lang="zh-TW" altLang="zh-TW" sz="1600" b="0" i="0" u="none" strike="noStrike" cap="none" normalizeH="0" baseline="0">
-                  <a:ln>
-                    <a:noFill/>
-                  </a:ln>
-                  <a:solidFill>
-                    <a:srgbClr val="BCBEC4"/>
-                  </a:solidFill>
-                  <a:effectLst/>
-                  <a:latin typeface="+mj-lt"/>
-                  <a:cs typeface="JetBrains Mono" panose="02000009000000000000" pitchFamily="49" charset="0"/>
-                </a:rPr>
-              </a:br>
-              <a:r>
-                <a:rPr kumimoji="0" lang="zh-TW" altLang="zh-TW" sz="1600" b="0" i="0" u="none" strike="noStrike" cap="none" normalizeH="0" baseline="0">
-                  <a:ln>
-                    <a:noFill/>
-                  </a:ln>
-                  <a:solidFill>
-                    <a:srgbClr val="BCBEC4"/>
-                  </a:solidFill>
-                  <a:effectLst/>
-                  <a:latin typeface="+mj-lt"/>
-                  <a:cs typeface="JetBrains Mono" panose="02000009000000000000" pitchFamily="49" charset="0"/>
-                </a:rPr>
-                <a:t>    }</a:t>
-              </a:r>
-              <a:br>
-                <a:rPr kumimoji="0" lang="zh-TW" altLang="zh-TW" sz="1600" b="0" i="0" u="none" strike="noStrike" cap="none" normalizeH="0" baseline="0">
-                  <a:ln>
-                    <a:noFill/>
-                  </a:ln>
-                  <a:solidFill>
-                    <a:srgbClr val="BCBEC4"/>
-                  </a:solidFill>
-                  <a:effectLst/>
-                  <a:latin typeface="+mj-lt"/>
-                  <a:cs typeface="JetBrains Mono" panose="02000009000000000000" pitchFamily="49" charset="0"/>
-                </a:rPr>
-              </a:br>
-              <a:r>
-                <a:rPr kumimoji="0" lang="zh-TW" altLang="zh-TW" sz="1600" b="0" i="0" u="none" strike="noStrike" cap="none" normalizeH="0" baseline="0">
-                  <a:ln>
-                    <a:noFill/>
-                  </a:ln>
-                  <a:solidFill>
-                    <a:srgbClr val="BCBEC4"/>
-                  </a:solidFill>
-                  <a:effectLst/>
-                  <a:latin typeface="+mj-lt"/>
-                  <a:cs typeface="JetBrains Mono" panose="02000009000000000000" pitchFamily="49" charset="0"/>
-                </a:rPr>
-                <a:t>}</a:t>
-              </a:r>
-              <a:endParaRPr kumimoji="0" lang="zh-TW" altLang="zh-TW" sz="2400" b="0" i="0" u="none" strike="noStrike" cap="none" normalizeH="0" baseline="0">
-                <a:ln>
-                  <a:noFill/>
-                </a:ln>
-                <a:solidFill>
-                  <a:schemeClr val="tx1"/>
-                </a:solidFill>
-                <a:effectLst/>
-                <a:latin typeface="+mj-lt"/>
-              </a:endParaRPr>
-            </a:p>
-          </p:txBody>
-        </p:sp>
-      </p:grpSp>
-    </p:spTree>
-    <p:extLst>
-      <p:ext uri="{BB962C8B-B14F-4D97-AF65-F5344CB8AC3E}">
-        <p14:creationId xmlns:p14="http://schemas.microsoft.com/office/powerpoint/2010/main" val="2648560375"/>
       </p:ext>
     </p:extLst>
   </p:cSld>

--- a/ppt/13_泛型.pptx
+++ b/ppt/13_泛型.pptx
@@ -2,7 +2,7 @@
 <file path=ppt/presentation.xml><?xml version="1.0" encoding="utf-8"?>
 <p:presentation xmlns:a="http://schemas.openxmlformats.org/drawingml/2006/main" xmlns:r="http://schemas.openxmlformats.org/officeDocument/2006/relationships" xmlns:p="http://schemas.openxmlformats.org/presentationml/2006/main" saveSubsetFonts="1">
   <p:sldMasterIdLst>
-    <p:sldMasterId id="2147483673" r:id="rId1"/>
+    <p:sldMasterId id="2147483678" r:id="rId1"/>
   </p:sldMasterIdLst>
   <p:notesMasterIdLst>
     <p:notesMasterId r:id="rId14"/>
@@ -208,7 +208,7 @@
           <a:p>
             <a:fld id="{943963C1-2D52-4292-97E6-6C2EEF60B3E0}" type="datetimeFigureOut">
               <a:rPr lang="zh-TW" altLang="en-US" smtClean="0"/>
-              <a:t>2024/11/3</a:t>
+              <a:t>2025/2/11</a:t>
             </a:fld>
             <a:endParaRPr lang="zh-TW" altLang="en-US"/>
           </a:p>
@@ -686,7 +686,7 @@
     </p:spTree>
     <p:extLst>
       <p:ext uri="{BB962C8B-B14F-4D97-AF65-F5344CB8AC3E}">
-        <p14:creationId xmlns:p14="http://schemas.microsoft.com/office/powerpoint/2010/main" val="2303754524"/>
+        <p14:creationId xmlns:p14="http://schemas.microsoft.com/office/powerpoint/2010/main" val="2943850298"/>
       </p:ext>
     </p:extLst>
   </p:cSld>
@@ -1070,7 +1070,7 @@
     </p:spTree>
     <p:extLst>
       <p:ext uri="{BB962C8B-B14F-4D97-AF65-F5344CB8AC3E}">
-        <p14:creationId xmlns:p14="http://schemas.microsoft.com/office/powerpoint/2010/main" val="1732998197"/>
+        <p14:creationId xmlns:p14="http://schemas.microsoft.com/office/powerpoint/2010/main" val="1199332827"/>
       </p:ext>
     </p:extLst>
   </p:cSld>
@@ -1397,7 +1397,7 @@
     </p:spTree>
     <p:extLst>
       <p:ext uri="{BB962C8B-B14F-4D97-AF65-F5344CB8AC3E}">
-        <p14:creationId xmlns:p14="http://schemas.microsoft.com/office/powerpoint/2010/main" val="263547523"/>
+        <p14:creationId xmlns:p14="http://schemas.microsoft.com/office/powerpoint/2010/main" val="599128056"/>
       </p:ext>
     </p:extLst>
   </p:cSld>
@@ -1696,7 +1696,7 @@
     </p:spTree>
     <p:extLst>
       <p:ext uri="{BB962C8B-B14F-4D97-AF65-F5344CB8AC3E}">
-        <p14:creationId xmlns:p14="http://schemas.microsoft.com/office/powerpoint/2010/main" val="136283165"/>
+        <p14:creationId xmlns:p14="http://schemas.microsoft.com/office/powerpoint/2010/main" val="3193920011"/>
       </p:ext>
     </p:extLst>
   </p:cSld>
@@ -1929,16 +1929,16 @@
     </p:spTree>
     <p:extLst>
       <p:ext uri="{BB962C8B-B14F-4D97-AF65-F5344CB8AC3E}">
-        <p14:creationId xmlns:p14="http://schemas.microsoft.com/office/powerpoint/2010/main" val="4169925859"/>
+        <p14:creationId xmlns:p14="http://schemas.microsoft.com/office/powerpoint/2010/main" val="370278064"/>
       </p:ext>
     </p:extLst>
   </p:cSld>
   <p:clrMap bg1="dk1" tx1="lt1" bg2="dk2" tx2="lt2" accent1="accent1" accent2="accent2" accent3="accent3" accent4="accent4" accent5="accent5" accent6="accent6" hlink="hlink" folHlink="folHlink"/>
   <p:sldLayoutIdLst>
-    <p:sldLayoutId id="2147483674" r:id="rId1"/>
-    <p:sldLayoutId id="2147483675" r:id="rId2"/>
-    <p:sldLayoutId id="2147483676" r:id="rId3"/>
-    <p:sldLayoutId id="2147483677" r:id="rId4"/>
+    <p:sldLayoutId id="2147483679" r:id="rId1"/>
+    <p:sldLayoutId id="2147483680" r:id="rId2"/>
+    <p:sldLayoutId id="2147483681" r:id="rId3"/>
+    <p:sldLayoutId id="2147483682" r:id="rId4"/>
   </p:sldLayoutIdLst>
   <p:transition spd="slow">
     <p:push dir="u"/>
@@ -12428,12 +12428,7 @@
             <p:ph type="title"/>
           </p:nvPr>
         </p:nvSpPr>
-        <p:spPr>
-          <a:xfrm>
-            <a:off x="838200" y="365125"/>
-            <a:ext cx="10515600" cy="1325563"/>
-          </a:xfrm>
-        </p:spPr>
+        <p:spPr/>
         <p:txBody>
           <a:bodyPr/>
           <a:lstStyle/>
@@ -16085,12 +16080,7 @@
             <p:ph type="title"/>
           </p:nvPr>
         </p:nvSpPr>
-        <p:spPr>
-          <a:xfrm>
-            <a:off x="838200" y="365125"/>
-            <a:ext cx="10515600" cy="1325563"/>
-          </a:xfrm>
-        </p:spPr>
+        <p:spPr/>
         <p:txBody>
           <a:bodyPr/>
           <a:lstStyle/>
@@ -32590,7 +32580,7 @@
   <a:extraClrSchemeLst/>
   <a:extLst>
     <a:ext uri="{05A4C25C-085E-4340-85A3-A5531E510DB2}">
-      <thm15:themeFamily xmlns:thm15="http://schemas.microsoft.com/office/thememl/2012/main" name="TYIC" id="{1CBE48E2-41FD-4EDA-8801-606A138B7FC3}" vid="{F6EAACDE-0833-4468-B256-0551E0034979}"/>
+      <thm15:themeFamily xmlns:thm15="http://schemas.microsoft.com/office/thememl/2012/main" name="TYIC" id="{F8B8016E-470C-4FE5-A78C-33B2A9D17434}" vid="{BC6C4CDA-A093-4978-B969-B6482D48D481}"/>
     </a:ext>
   </a:extLst>
 </a:theme>

--- a/ppt/13_泛型.pptx
+++ b/ppt/13_泛型.pptx
@@ -2,7 +2,7 @@
 <file path=ppt/presentation.xml><?xml version="1.0" encoding="utf-8"?>
 <p:presentation xmlns:a="http://schemas.openxmlformats.org/drawingml/2006/main" xmlns:r="http://schemas.openxmlformats.org/officeDocument/2006/relationships" xmlns:p="http://schemas.openxmlformats.org/presentationml/2006/main" saveSubsetFonts="1">
   <p:sldMasterIdLst>
-    <p:sldMasterId id="2147483678" r:id="rId1"/>
+    <p:sldMasterId id="2147483683" r:id="rId1"/>
   </p:sldMasterIdLst>
   <p:notesMasterIdLst>
     <p:notesMasterId r:id="rId14"/>
@@ -208,7 +208,7 @@
           <a:p>
             <a:fld id="{943963C1-2D52-4292-97E6-6C2EEF60B3E0}" type="datetimeFigureOut">
               <a:rPr lang="zh-TW" altLang="en-US" smtClean="0"/>
-              <a:t>2025/2/11</a:t>
+              <a:t>2025/2/28</a:t>
             </a:fld>
             <a:endParaRPr lang="zh-TW" altLang="en-US"/>
           </a:p>
@@ -686,14 +686,14 @@
     </p:spTree>
     <p:extLst>
       <p:ext uri="{BB962C8B-B14F-4D97-AF65-F5344CB8AC3E}">
-        <p14:creationId xmlns:p14="http://schemas.microsoft.com/office/powerpoint/2010/main" val="2943850298"/>
+        <p14:creationId xmlns:p14="http://schemas.microsoft.com/office/powerpoint/2010/main" val="1764750854"/>
       </p:ext>
     </p:extLst>
   </p:cSld>
   <p:clrMapOvr>
     <a:masterClrMapping/>
   </p:clrMapOvr>
-  <p:transition spd="slow">
+  <p:transition>
     <p:push dir="u"/>
   </p:transition>
 </p:sldLayout>
@@ -1070,14 +1070,14 @@
     </p:spTree>
     <p:extLst>
       <p:ext uri="{BB962C8B-B14F-4D97-AF65-F5344CB8AC3E}">
-        <p14:creationId xmlns:p14="http://schemas.microsoft.com/office/powerpoint/2010/main" val="1199332827"/>
+        <p14:creationId xmlns:p14="http://schemas.microsoft.com/office/powerpoint/2010/main" val="3206754518"/>
       </p:ext>
     </p:extLst>
   </p:cSld>
   <p:clrMapOvr>
     <a:masterClrMapping/>
   </p:clrMapOvr>
-  <p:transition spd="slow">
+  <p:transition>
     <p:push dir="u"/>
   </p:transition>
 </p:sldLayout>
@@ -1397,14 +1397,14 @@
     </p:spTree>
     <p:extLst>
       <p:ext uri="{BB962C8B-B14F-4D97-AF65-F5344CB8AC3E}">
-        <p14:creationId xmlns:p14="http://schemas.microsoft.com/office/powerpoint/2010/main" val="599128056"/>
+        <p14:creationId xmlns:p14="http://schemas.microsoft.com/office/powerpoint/2010/main" val="1605084080"/>
       </p:ext>
     </p:extLst>
   </p:cSld>
   <p:clrMapOvr>
     <a:masterClrMapping/>
   </p:clrMapOvr>
-  <p:transition spd="slow">
+  <p:transition>
     <p:push dir="u"/>
   </p:transition>
 </p:sldLayout>
@@ -1696,14 +1696,14 @@
     </p:spTree>
     <p:extLst>
       <p:ext uri="{BB962C8B-B14F-4D97-AF65-F5344CB8AC3E}">
-        <p14:creationId xmlns:p14="http://schemas.microsoft.com/office/powerpoint/2010/main" val="3193920011"/>
+        <p14:creationId xmlns:p14="http://schemas.microsoft.com/office/powerpoint/2010/main" val="2382184207"/>
       </p:ext>
     </p:extLst>
   </p:cSld>
   <p:clrMapOvr>
     <a:masterClrMapping/>
   </p:clrMapOvr>
-  <p:transition spd="slow">
+  <p:transition>
     <p:push dir="u"/>
   </p:transition>
 </p:sldLayout>
@@ -1929,18 +1929,18 @@
     </p:spTree>
     <p:extLst>
       <p:ext uri="{BB962C8B-B14F-4D97-AF65-F5344CB8AC3E}">
-        <p14:creationId xmlns:p14="http://schemas.microsoft.com/office/powerpoint/2010/main" val="370278064"/>
+        <p14:creationId xmlns:p14="http://schemas.microsoft.com/office/powerpoint/2010/main" val="1506641002"/>
       </p:ext>
     </p:extLst>
   </p:cSld>
   <p:clrMap bg1="dk1" tx1="lt1" bg2="dk2" tx2="lt2" accent1="accent1" accent2="accent2" accent3="accent3" accent4="accent4" accent5="accent5" accent6="accent6" hlink="hlink" folHlink="folHlink"/>
   <p:sldLayoutIdLst>
-    <p:sldLayoutId id="2147483679" r:id="rId1"/>
-    <p:sldLayoutId id="2147483680" r:id="rId2"/>
-    <p:sldLayoutId id="2147483681" r:id="rId3"/>
-    <p:sldLayoutId id="2147483682" r:id="rId4"/>
+    <p:sldLayoutId id="2147483684" r:id="rId1"/>
+    <p:sldLayoutId id="2147483685" r:id="rId2"/>
+    <p:sldLayoutId id="2147483686" r:id="rId3"/>
+    <p:sldLayoutId id="2147483687" r:id="rId4"/>
   </p:sldLayoutIdLst>
-  <p:transition spd="slow">
+  <p:transition>
     <p:push dir="u"/>
   </p:transition>
   <p:txStyles>
@@ -2313,7 +2313,7 @@
   <p:clrMapOvr>
     <a:masterClrMapping/>
   </p:clrMapOvr>
-  <p:transition spd="slow">
+  <p:transition>
     <p:push dir="u"/>
   </p:transition>
 </p:sld>
@@ -4182,7 +4182,7 @@
   <p:clrMapOvr>
     <a:masterClrMapping/>
   </p:clrMapOvr>
-  <p:transition spd="slow">
+  <p:transition>
     <p:push dir="u"/>
   </p:transition>
 </p:sld>
@@ -8157,7 +8157,7 @@
   <p:clrMapOvr>
     <a:masterClrMapping/>
   </p:clrMapOvr>
-  <p:transition spd="slow">
+  <p:transition>
     <p:push dir="u"/>
   </p:transition>
 </p:sld>
@@ -12389,7 +12389,7 @@
   <p:clrMapOvr>
     <a:masterClrMapping/>
   </p:clrMapOvr>
-  <p:transition spd="slow">
+  <p:transition>
     <p:push dir="u"/>
   </p:transition>
 </p:sld>
@@ -13141,7 +13141,7 @@
   <p:clrMapOvr>
     <a:masterClrMapping/>
   </p:clrMapOvr>
-  <p:transition spd="slow">
+  <p:transition>
     <p:push dir="u"/>
   </p:transition>
 </p:sld>
@@ -16041,7 +16041,7 @@
   <p:clrMapOvr>
     <a:masterClrMapping/>
   </p:clrMapOvr>
-  <p:transition spd="slow">
+  <p:transition>
     <p:push dir="u"/>
   </p:transition>
 </p:sld>
@@ -18174,7 +18174,7 @@
   <p:clrMapOvr>
     <a:masterClrMapping/>
   </p:clrMapOvr>
-  <p:transition spd="slow">
+  <p:transition>
     <p:push dir="u"/>
   </p:transition>
 </p:sld>
@@ -21352,7 +21352,7 @@
   <p:clrMapOvr>
     <a:masterClrMapping/>
   </p:clrMapOvr>
-  <p:transition spd="slow">
+  <p:transition>
     <p:push dir="u"/>
   </p:transition>
 </p:sld>
@@ -24836,7 +24836,7 @@
   <p:clrMapOvr>
     <a:masterClrMapping/>
   </p:clrMapOvr>
-  <p:transition spd="slow">
+  <p:transition>
     <p:push dir="u"/>
   </p:transition>
 </p:sld>
@@ -27952,7 +27952,7 @@
   <p:clrMapOvr>
     <a:masterClrMapping/>
   </p:clrMapOvr>
-  <p:transition spd="slow">
+  <p:transition>
     <p:push dir="u"/>
   </p:transition>
 </p:sld>
@@ -31188,7 +31188,7 @@
   <p:clrMapOvr>
     <a:masterClrMapping/>
   </p:clrMapOvr>
-  <p:transition spd="slow">
+  <p:transition>
     <p:push dir="u"/>
   </p:transition>
 </p:sld>
@@ -32353,7 +32353,7 @@
   <p:clrMapOvr>
     <a:masterClrMapping/>
   </p:clrMapOvr>
-  <p:transition spd="slow">
+  <p:transition>
     <p:push dir="u"/>
   </p:transition>
 </p:sld>
@@ -32580,7 +32580,7 @@
   <a:extraClrSchemeLst/>
   <a:extLst>
     <a:ext uri="{05A4C25C-085E-4340-85A3-A5531E510DB2}">
-      <thm15:themeFamily xmlns:thm15="http://schemas.microsoft.com/office/thememl/2012/main" name="TYIC" id="{F8B8016E-470C-4FE5-A78C-33B2A9D17434}" vid="{BC6C4CDA-A093-4978-B969-B6482D48D481}"/>
+      <thm15:themeFamily xmlns:thm15="http://schemas.microsoft.com/office/thememl/2012/main" name="TYIC" id="{5F22F33A-EA50-4F22-9F2C-8A64A179567F}" vid="{3247D5A2-1B78-4AF4-9AA5-9AF4332DE771}"/>
     </a:ext>
   </a:extLst>
 </a:theme>
